--- a/12_MoteurCC_3Sigma/Figures_Documentation.pptx
+++ b/12_MoteurCC_3Sigma/Figures_Documentation.pptx
@@ -8,6 +8,8 @@
     <p:sldId id="256" r:id="rId2"/>
     <p:sldId id="257" r:id="rId3"/>
     <p:sldId id="258" r:id="rId4"/>
+    <p:sldId id="259" r:id="rId5"/>
+    <p:sldId id="260" r:id="rId6"/>
   </p:sldIdLst>
   <p:sldSz cx="12192000" cy="6858000"/>
   <p:notesSz cx="6858000" cy="9144000"/>
@@ -272,7 +274,7 @@
           <a:p>
             <a:fld id="{D8F77264-DAD5-491C-B248-225FD8257E34}" type="datetimeFigureOut">
               <a:rPr lang="fr-FR" smtClean="0"/>
-              <a:t>04/07/2022</a:t>
+              <a:t>07/03/2023</a:t>
             </a:fld>
             <a:endParaRPr lang="fr-FR"/>
           </a:p>
@@ -470,7 +472,7 @@
           <a:p>
             <a:fld id="{D8F77264-DAD5-491C-B248-225FD8257E34}" type="datetimeFigureOut">
               <a:rPr lang="fr-FR" smtClean="0"/>
-              <a:t>04/07/2022</a:t>
+              <a:t>07/03/2023</a:t>
             </a:fld>
             <a:endParaRPr lang="fr-FR"/>
           </a:p>
@@ -678,7 +680,7 @@
           <a:p>
             <a:fld id="{D8F77264-DAD5-491C-B248-225FD8257E34}" type="datetimeFigureOut">
               <a:rPr lang="fr-FR" smtClean="0"/>
-              <a:t>04/07/2022</a:t>
+              <a:t>07/03/2023</a:t>
             </a:fld>
             <a:endParaRPr lang="fr-FR"/>
           </a:p>
@@ -876,7 +878,7 @@
           <a:p>
             <a:fld id="{D8F77264-DAD5-491C-B248-225FD8257E34}" type="datetimeFigureOut">
               <a:rPr lang="fr-FR" smtClean="0"/>
-              <a:t>04/07/2022</a:t>
+              <a:t>07/03/2023</a:t>
             </a:fld>
             <a:endParaRPr lang="fr-FR"/>
           </a:p>
@@ -1151,7 +1153,7 @@
           <a:p>
             <a:fld id="{D8F77264-DAD5-491C-B248-225FD8257E34}" type="datetimeFigureOut">
               <a:rPr lang="fr-FR" smtClean="0"/>
-              <a:t>04/07/2022</a:t>
+              <a:t>07/03/2023</a:t>
             </a:fld>
             <a:endParaRPr lang="fr-FR"/>
           </a:p>
@@ -1416,7 +1418,7 @@
           <a:p>
             <a:fld id="{D8F77264-DAD5-491C-B248-225FD8257E34}" type="datetimeFigureOut">
               <a:rPr lang="fr-FR" smtClean="0"/>
-              <a:t>04/07/2022</a:t>
+              <a:t>07/03/2023</a:t>
             </a:fld>
             <a:endParaRPr lang="fr-FR"/>
           </a:p>
@@ -1828,7 +1830,7 @@
           <a:p>
             <a:fld id="{D8F77264-DAD5-491C-B248-225FD8257E34}" type="datetimeFigureOut">
               <a:rPr lang="fr-FR" smtClean="0"/>
-              <a:t>04/07/2022</a:t>
+              <a:t>07/03/2023</a:t>
             </a:fld>
             <a:endParaRPr lang="fr-FR"/>
           </a:p>
@@ -1969,7 +1971,7 @@
           <a:p>
             <a:fld id="{D8F77264-DAD5-491C-B248-225FD8257E34}" type="datetimeFigureOut">
               <a:rPr lang="fr-FR" smtClean="0"/>
-              <a:t>04/07/2022</a:t>
+              <a:t>07/03/2023</a:t>
             </a:fld>
             <a:endParaRPr lang="fr-FR"/>
           </a:p>
@@ -2082,7 +2084,7 @@
           <a:p>
             <a:fld id="{D8F77264-DAD5-491C-B248-225FD8257E34}" type="datetimeFigureOut">
               <a:rPr lang="fr-FR" smtClean="0"/>
-              <a:t>04/07/2022</a:t>
+              <a:t>07/03/2023</a:t>
             </a:fld>
             <a:endParaRPr lang="fr-FR"/>
           </a:p>
@@ -2393,7 +2395,7 @@
           <a:p>
             <a:fld id="{D8F77264-DAD5-491C-B248-225FD8257E34}" type="datetimeFigureOut">
               <a:rPr lang="fr-FR" smtClean="0"/>
-              <a:t>04/07/2022</a:t>
+              <a:t>07/03/2023</a:t>
             </a:fld>
             <a:endParaRPr lang="fr-FR"/>
           </a:p>
@@ -2681,7 +2683,7 @@
           <a:p>
             <a:fld id="{D8F77264-DAD5-491C-B248-225FD8257E34}" type="datetimeFigureOut">
               <a:rPr lang="fr-FR" smtClean="0"/>
-              <a:t>04/07/2022</a:t>
+              <a:t>07/03/2023</a:t>
             </a:fld>
             <a:endParaRPr lang="fr-FR"/>
           </a:p>
@@ -2922,7 +2924,7 @@
           <a:p>
             <a:fld id="{D8F77264-DAD5-491C-B248-225FD8257E34}" type="datetimeFigureOut">
               <a:rPr lang="fr-FR" smtClean="0"/>
-              <a:t>04/07/2022</a:t>
+              <a:t>07/03/2023</a:t>
             </a:fld>
             <a:endParaRPr lang="fr-FR"/>
           </a:p>
@@ -3795,8 +3797,8 @@
           </a:p>
         </p:txBody>
       </p:sp>
-      <mc:AlternateContent xmlns:mc="http://schemas.openxmlformats.org/markup-compatibility/2006">
-        <mc:Choice xmlns:a14="http://schemas.microsoft.com/office/drawing/2010/main" Requires="a14">
+      <mc:AlternateContent xmlns:mc="http://schemas.openxmlformats.org/markup-compatibility/2006" xmlns:a14="http://schemas.microsoft.com/office/drawing/2010/main">
+        <mc:Choice Requires="a14">
           <p:sp>
             <p:nvSpPr>
               <p:cNvPr id="3" name="Espace réservé du contenu 2">
@@ -3821,7 +3823,7 @@
               <a:lstStyle/>
               <a:p>
                 <a:r>
-                  <a:rPr lang="fr-FR" dirty="0" smtClean="0"/>
+                  <a:rPr lang="fr-FR" dirty="0"/>
                   <a:t>Rapport de réduction : 34</a:t>
                 </a:r>
               </a:p>
@@ -3920,7 +3922,7 @@
                     </m:r>
                   </m:oMath>
                 </a14:m>
-                <a:endParaRPr lang="fr-FR" b="0" dirty="0" smtClean="0"/>
+                <a:endParaRPr lang="fr-FR" b="0" dirty="0"/>
               </a:p>
               <a:p>
                 <a14:m>
@@ -4005,7 +4007,7 @@
                     <m:sSup>
                       <m:sSupPr>
                         <m:ctrlPr>
-                          <a:rPr lang="fr-FR" b="0" smtClean="0">
+                          <a:rPr lang="fr-FR" b="0" i="1" smtClean="0">
                             <a:latin typeface="Cambria Math" panose="02040503050406030204" pitchFamily="18" charset="0"/>
                           </a:rPr>
                         </m:ctrlPr>
@@ -4033,10 +4035,9 @@
                   </m:oMath>
                 </a14:m>
                 <a:r>
-                  <a:rPr lang="fr-FR" b="0" dirty="0" smtClean="0"/>
+                  <a:rPr lang="fr-FR" b="0" dirty="0"/>
                   <a:t> à confirmer</a:t>
                 </a:r>
-                <a:endParaRPr lang="fr-FR" b="0" dirty="0"/>
               </a:p>
               <a:p>
                 <a14:m>
@@ -4154,7 +4155,7 @@
             </p:txBody>
           </p:sp>
         </mc:Choice>
-        <mc:Fallback>
+        <mc:Fallback xmlns="">
           <p:sp>
             <p:nvSpPr>
               <p:cNvPr id="3" name="Espace réservé du contenu 2">
@@ -4198,6 +4199,782 @@
     <p:extLst>
       <p:ext uri="{BB962C8B-B14F-4D97-AF65-F5344CB8AC3E}">
         <p14:creationId xmlns:p14="http://schemas.microsoft.com/office/powerpoint/2010/main" val="129129603"/>
+      </p:ext>
+    </p:extLst>
+  </p:cSld>
+  <p:clrMapOvr>
+    <a:masterClrMapping/>
+  </p:clrMapOvr>
+</p:sld>
+</file>
+
+<file path=ppt/slides/slide4.xml><?xml version="1.0" encoding="utf-8"?>
+<p:sld xmlns:a="http://schemas.openxmlformats.org/drawingml/2006/main" xmlns:r="http://schemas.openxmlformats.org/officeDocument/2006/relationships" xmlns:p="http://schemas.openxmlformats.org/presentationml/2006/main">
+  <p:cSld>
+    <p:spTree>
+      <p:nvGrpSpPr>
+        <p:cNvPr id="1" name=""/>
+        <p:cNvGrpSpPr/>
+        <p:nvPr/>
+      </p:nvGrpSpPr>
+      <p:grpSpPr>
+        <a:xfrm>
+          <a:off x="0" y="0"/>
+          <a:ext cx="0" cy="0"/>
+          <a:chOff x="0" y="0"/>
+          <a:chExt cx="0" cy="0"/>
+        </a:xfrm>
+      </p:grpSpPr>
+      <p:pic>
+        <p:nvPicPr>
+          <p:cNvPr id="4" name="Image 3">
+            <a:extLst>
+              <a:ext uri="{FF2B5EF4-FFF2-40B4-BE49-F238E27FC236}">
+                <a16:creationId xmlns:a16="http://schemas.microsoft.com/office/drawing/2014/main" id="{F2ECBCC5-4F03-5995-35A1-5E0393614B60}"/>
+              </a:ext>
+            </a:extLst>
+          </p:cNvPr>
+          <p:cNvPicPr>
+            <a:picLocks noChangeAspect="1"/>
+          </p:cNvPicPr>
+          <p:nvPr/>
+        </p:nvPicPr>
+        <p:blipFill>
+          <a:blip r:embed="rId2"/>
+          <a:stretch>
+            <a:fillRect/>
+          </a:stretch>
+        </p:blipFill>
+        <p:spPr>
+          <a:xfrm>
+            <a:off x="3128790" y="766219"/>
+            <a:ext cx="4281888" cy="4400146"/>
+          </a:xfrm>
+          <a:prstGeom prst="rect">
+            <a:avLst/>
+          </a:prstGeom>
+        </p:spPr>
+      </p:pic>
+    </p:spTree>
+    <p:extLst>
+      <p:ext uri="{BB962C8B-B14F-4D97-AF65-F5344CB8AC3E}">
+        <p14:creationId xmlns:p14="http://schemas.microsoft.com/office/powerpoint/2010/main" val="1411671360"/>
+      </p:ext>
+    </p:extLst>
+  </p:cSld>
+  <p:clrMapOvr>
+    <a:masterClrMapping/>
+  </p:clrMapOvr>
+</p:sld>
+</file>
+
+<file path=ppt/slides/slide5.xml><?xml version="1.0" encoding="utf-8"?>
+<p:sld xmlns:a="http://schemas.openxmlformats.org/drawingml/2006/main" xmlns:r="http://schemas.openxmlformats.org/officeDocument/2006/relationships" xmlns:p="http://schemas.openxmlformats.org/presentationml/2006/main">
+  <p:cSld>
+    <p:spTree>
+      <p:nvGrpSpPr>
+        <p:cNvPr id="1" name=""/>
+        <p:cNvGrpSpPr/>
+        <p:nvPr/>
+      </p:nvGrpSpPr>
+      <p:grpSpPr>
+        <a:xfrm>
+          <a:off x="0" y="0"/>
+          <a:ext cx="0" cy="0"/>
+          <a:chOff x="0" y="0"/>
+          <a:chExt cx="0" cy="0"/>
+        </a:xfrm>
+      </p:grpSpPr>
+      <p:pic>
+        <p:nvPicPr>
+          <p:cNvPr id="6" name="Espace réservé du contenu 5">
+            <a:extLst>
+              <a:ext uri="{FF2B5EF4-FFF2-40B4-BE49-F238E27FC236}">
+                <a16:creationId xmlns:a16="http://schemas.microsoft.com/office/drawing/2014/main" id="{9F1488AA-2388-4909-9E1C-B0CE5F5EE803}"/>
+              </a:ext>
+            </a:extLst>
+          </p:cNvPr>
+          <p:cNvPicPr>
+            <a:picLocks noGrp="1" noChangeAspect="1"/>
+          </p:cNvPicPr>
+          <p:nvPr>
+            <p:ph idx="1"/>
+          </p:nvPr>
+        </p:nvPicPr>
+        <p:blipFill rotWithShape="1">
+          <a:blip r:embed="rId2"/>
+          <a:srcRect l="6434" r="17980" b="10182"/>
+          <a:stretch/>
+        </p:blipFill>
+        <p:spPr>
+          <a:xfrm>
+            <a:off x="2974554" y="1414982"/>
+            <a:ext cx="5001658" cy="4490059"/>
+          </a:xfrm>
+        </p:spPr>
+      </p:pic>
+      <p:sp>
+        <p:nvSpPr>
+          <p:cNvPr id="7" name="Rectangle 6">
+            <a:extLst>
+              <a:ext uri="{FF2B5EF4-FFF2-40B4-BE49-F238E27FC236}">
+                <a16:creationId xmlns:a16="http://schemas.microsoft.com/office/drawing/2014/main" id="{DCE1E67F-402C-494C-7F35-999FC6AE9EEC}"/>
+              </a:ext>
+            </a:extLst>
+          </p:cNvPr>
+          <p:cNvSpPr/>
+          <p:nvPr/>
+        </p:nvSpPr>
+        <p:spPr>
+          <a:xfrm rot="581540">
+            <a:off x="4045387" y="2573653"/>
+            <a:ext cx="889600" cy="738131"/>
+          </a:xfrm>
+          <a:prstGeom prst="rect">
+            <a:avLst/>
+          </a:prstGeom>
+          <a:noFill/>
+          <a:ln w="57150">
+            <a:solidFill>
+              <a:srgbClr val="C00000"/>
+            </a:solidFill>
+          </a:ln>
+        </p:spPr>
+        <p:style>
+          <a:lnRef idx="2">
+            <a:schemeClr val="accent1">
+              <a:shade val="50000"/>
+            </a:schemeClr>
+          </a:lnRef>
+          <a:fillRef idx="1">
+            <a:schemeClr val="accent1"/>
+          </a:fillRef>
+          <a:effectRef idx="0">
+            <a:schemeClr val="accent1"/>
+          </a:effectRef>
+          <a:fontRef idx="minor">
+            <a:schemeClr val="lt1"/>
+          </a:fontRef>
+        </p:style>
+        <p:txBody>
+          <a:bodyPr rtlCol="0" anchor="ctr"/>
+          <a:lstStyle/>
+          <a:p>
+            <a:pPr algn="ctr"/>
+            <a:endParaRPr lang="fr-FR"/>
+          </a:p>
+        </p:txBody>
+      </p:sp>
+      <p:sp>
+        <p:nvSpPr>
+          <p:cNvPr id="10" name="Rectangle 9">
+            <a:extLst>
+              <a:ext uri="{FF2B5EF4-FFF2-40B4-BE49-F238E27FC236}">
+                <a16:creationId xmlns:a16="http://schemas.microsoft.com/office/drawing/2014/main" id="{C5902DC9-426B-E90D-97B2-716B6283690D}"/>
+              </a:ext>
+            </a:extLst>
+          </p:cNvPr>
+          <p:cNvSpPr/>
+          <p:nvPr/>
+        </p:nvSpPr>
+        <p:spPr>
+          <a:xfrm rot="581540">
+            <a:off x="3901871" y="3453018"/>
+            <a:ext cx="889600" cy="458110"/>
+          </a:xfrm>
+          <a:prstGeom prst="rect">
+            <a:avLst/>
+          </a:prstGeom>
+          <a:noFill/>
+          <a:ln w="57150">
+            <a:solidFill>
+              <a:srgbClr val="00B0F0"/>
+            </a:solidFill>
+          </a:ln>
+        </p:spPr>
+        <p:style>
+          <a:lnRef idx="2">
+            <a:schemeClr val="accent1">
+              <a:shade val="50000"/>
+            </a:schemeClr>
+          </a:lnRef>
+          <a:fillRef idx="1">
+            <a:schemeClr val="accent1"/>
+          </a:fillRef>
+          <a:effectRef idx="0">
+            <a:schemeClr val="accent1"/>
+          </a:effectRef>
+          <a:fontRef idx="minor">
+            <a:schemeClr val="lt1"/>
+          </a:fontRef>
+        </p:style>
+        <p:txBody>
+          <a:bodyPr rtlCol="0" anchor="ctr"/>
+          <a:lstStyle/>
+          <a:p>
+            <a:pPr algn="ctr"/>
+            <a:endParaRPr lang="fr-FR"/>
+          </a:p>
+        </p:txBody>
+      </p:sp>
+      <p:sp>
+        <p:nvSpPr>
+          <p:cNvPr id="15" name="Rectangle 14">
+            <a:extLst>
+              <a:ext uri="{FF2B5EF4-FFF2-40B4-BE49-F238E27FC236}">
+                <a16:creationId xmlns:a16="http://schemas.microsoft.com/office/drawing/2014/main" id="{A5EDC366-EAC5-0495-E993-4901E7A0F125}"/>
+              </a:ext>
+            </a:extLst>
+          </p:cNvPr>
+          <p:cNvSpPr/>
+          <p:nvPr/>
+        </p:nvSpPr>
+        <p:spPr>
+          <a:xfrm rot="581540">
+            <a:off x="4165364" y="2059934"/>
+            <a:ext cx="889600" cy="441775"/>
+          </a:xfrm>
+          <a:prstGeom prst="rect">
+            <a:avLst/>
+          </a:prstGeom>
+          <a:noFill/>
+          <a:ln w="57150">
+            <a:solidFill>
+              <a:srgbClr val="7030A0"/>
+            </a:solidFill>
+          </a:ln>
+        </p:spPr>
+        <p:style>
+          <a:lnRef idx="2">
+            <a:schemeClr val="accent1">
+              <a:shade val="50000"/>
+            </a:schemeClr>
+          </a:lnRef>
+          <a:fillRef idx="1">
+            <a:schemeClr val="accent1"/>
+          </a:fillRef>
+          <a:effectRef idx="0">
+            <a:schemeClr val="accent1"/>
+          </a:effectRef>
+          <a:fontRef idx="minor">
+            <a:schemeClr val="lt1"/>
+          </a:fontRef>
+        </p:style>
+        <p:txBody>
+          <a:bodyPr rtlCol="0" anchor="ctr"/>
+          <a:lstStyle/>
+          <a:p>
+            <a:pPr algn="ctr"/>
+            <a:endParaRPr lang="fr-FR"/>
+          </a:p>
+        </p:txBody>
+      </p:sp>
+      <p:sp>
+        <p:nvSpPr>
+          <p:cNvPr id="16" name="Rectangle 15">
+            <a:extLst>
+              <a:ext uri="{FF2B5EF4-FFF2-40B4-BE49-F238E27FC236}">
+                <a16:creationId xmlns:a16="http://schemas.microsoft.com/office/drawing/2014/main" id="{FFDC0918-50FB-B4BF-3AF8-C9118E88A475}"/>
+              </a:ext>
+            </a:extLst>
+          </p:cNvPr>
+          <p:cNvSpPr/>
+          <p:nvPr/>
+        </p:nvSpPr>
+        <p:spPr>
+          <a:xfrm>
+            <a:off x="5509087" y="2987225"/>
+            <a:ext cx="1692141" cy="1430539"/>
+          </a:xfrm>
+          <a:prstGeom prst="rect">
+            <a:avLst/>
+          </a:prstGeom>
+          <a:noFill/>
+          <a:ln w="57150">
+            <a:solidFill>
+              <a:srgbClr val="FFC000"/>
+            </a:solidFill>
+          </a:ln>
+        </p:spPr>
+        <p:style>
+          <a:lnRef idx="2">
+            <a:schemeClr val="accent1">
+              <a:shade val="50000"/>
+            </a:schemeClr>
+          </a:lnRef>
+          <a:fillRef idx="1">
+            <a:schemeClr val="accent1"/>
+          </a:fillRef>
+          <a:effectRef idx="0">
+            <a:schemeClr val="accent1"/>
+          </a:effectRef>
+          <a:fontRef idx="minor">
+            <a:schemeClr val="lt1"/>
+          </a:fontRef>
+        </p:style>
+        <p:txBody>
+          <a:bodyPr rtlCol="0" anchor="ctr"/>
+          <a:lstStyle/>
+          <a:p>
+            <a:pPr algn="ctr"/>
+            <a:endParaRPr lang="fr-FR"/>
+          </a:p>
+        </p:txBody>
+      </p:sp>
+      <p:sp>
+        <p:nvSpPr>
+          <p:cNvPr id="17" name="Rectangle 16">
+            <a:extLst>
+              <a:ext uri="{FF2B5EF4-FFF2-40B4-BE49-F238E27FC236}">
+                <a16:creationId xmlns:a16="http://schemas.microsoft.com/office/drawing/2014/main" id="{5D5C76EF-7562-AF9D-87D3-BC774CE57EA5}"/>
+              </a:ext>
+            </a:extLst>
+          </p:cNvPr>
+          <p:cNvSpPr/>
+          <p:nvPr/>
+        </p:nvSpPr>
+        <p:spPr>
+          <a:xfrm>
+            <a:off x="5386261" y="2573442"/>
+            <a:ext cx="1982055" cy="3067194"/>
+          </a:xfrm>
+          <a:prstGeom prst="rect">
+            <a:avLst/>
+          </a:prstGeom>
+          <a:noFill/>
+          <a:ln w="57150">
+            <a:solidFill>
+              <a:srgbClr val="00B050"/>
+            </a:solidFill>
+          </a:ln>
+        </p:spPr>
+        <p:style>
+          <a:lnRef idx="2">
+            <a:schemeClr val="accent1">
+              <a:shade val="50000"/>
+            </a:schemeClr>
+          </a:lnRef>
+          <a:fillRef idx="1">
+            <a:schemeClr val="accent1"/>
+          </a:fillRef>
+          <a:effectRef idx="0">
+            <a:schemeClr val="accent1"/>
+          </a:effectRef>
+          <a:fontRef idx="minor">
+            <a:schemeClr val="lt1"/>
+          </a:fontRef>
+        </p:style>
+        <p:txBody>
+          <a:bodyPr rtlCol="0" anchor="ctr"/>
+          <a:lstStyle/>
+          <a:p>
+            <a:pPr algn="ctr"/>
+            <a:endParaRPr lang="fr-FR"/>
+          </a:p>
+        </p:txBody>
+      </p:sp>
+      <p:cxnSp>
+        <p:nvCxnSpPr>
+          <p:cNvPr id="19" name="Connecteur droit avec flèche 18">
+            <a:extLst>
+              <a:ext uri="{FF2B5EF4-FFF2-40B4-BE49-F238E27FC236}">
+                <a16:creationId xmlns:a16="http://schemas.microsoft.com/office/drawing/2014/main" id="{5E0AEDF7-5746-7E79-C2FE-7811526579E7}"/>
+              </a:ext>
+            </a:extLst>
+          </p:cNvPr>
+          <p:cNvCxnSpPr>
+            <a:cxnSpLocks/>
+          </p:cNvCxnSpPr>
+          <p:nvPr/>
+        </p:nvCxnSpPr>
+        <p:spPr>
+          <a:xfrm flipH="1">
+            <a:off x="7368316" y="4107039"/>
+            <a:ext cx="861284" cy="0"/>
+          </a:xfrm>
+          <a:prstGeom prst="straightConnector1">
+            <a:avLst/>
+          </a:prstGeom>
+          <a:ln w="28575">
+            <a:solidFill>
+              <a:srgbClr val="00B050"/>
+            </a:solidFill>
+            <a:tailEnd type="stealth" w="med" len="lg"/>
+          </a:ln>
+        </p:spPr>
+        <p:style>
+          <a:lnRef idx="1">
+            <a:schemeClr val="accent1"/>
+          </a:lnRef>
+          <a:fillRef idx="0">
+            <a:schemeClr val="accent1"/>
+          </a:fillRef>
+          <a:effectRef idx="0">
+            <a:schemeClr val="accent1"/>
+          </a:effectRef>
+          <a:fontRef idx="minor">
+            <a:schemeClr val="tx1"/>
+          </a:fontRef>
+        </p:style>
+      </p:cxnSp>
+      <p:sp>
+        <p:nvSpPr>
+          <p:cNvPr id="22" name="ZoneTexte 21">
+            <a:extLst>
+              <a:ext uri="{FF2B5EF4-FFF2-40B4-BE49-F238E27FC236}">
+                <a16:creationId xmlns:a16="http://schemas.microsoft.com/office/drawing/2014/main" id="{93BE1BD9-FEE8-0D94-4574-8702A49DA051}"/>
+              </a:ext>
+            </a:extLst>
+          </p:cNvPr>
+          <p:cNvSpPr txBox="1"/>
+          <p:nvPr/>
+        </p:nvSpPr>
+        <p:spPr>
+          <a:xfrm>
+            <a:off x="8229600" y="3922373"/>
+            <a:ext cx="3007605" cy="369332"/>
+          </a:xfrm>
+          <a:prstGeom prst="rect">
+            <a:avLst/>
+          </a:prstGeom>
+          <a:noFill/>
+        </p:spPr>
+        <p:txBody>
+          <a:bodyPr wrap="square" rtlCol="0">
+            <a:spAutoFit/>
+          </a:bodyPr>
+          <a:lstStyle/>
+          <a:p>
+            <a:r>
+              <a:rPr lang="fr-FR" dirty="0"/>
+              <a:t>Carte Arduino MEGA (ou DUE)</a:t>
+            </a:r>
+          </a:p>
+        </p:txBody>
+      </p:sp>
+      <p:cxnSp>
+        <p:nvCxnSpPr>
+          <p:cNvPr id="23" name="Connecteur droit avec flèche 22">
+            <a:extLst>
+              <a:ext uri="{FF2B5EF4-FFF2-40B4-BE49-F238E27FC236}">
+                <a16:creationId xmlns:a16="http://schemas.microsoft.com/office/drawing/2014/main" id="{8AD5B778-16ED-A467-A33B-43FC0857404A}"/>
+              </a:ext>
+            </a:extLst>
+          </p:cNvPr>
+          <p:cNvCxnSpPr>
+            <a:cxnSpLocks/>
+          </p:cNvCxnSpPr>
+          <p:nvPr/>
+        </p:nvCxnSpPr>
+        <p:spPr>
+          <a:xfrm flipH="1">
+            <a:off x="7201228" y="3553042"/>
+            <a:ext cx="1028372" cy="0"/>
+          </a:xfrm>
+          <a:prstGeom prst="straightConnector1">
+            <a:avLst/>
+          </a:prstGeom>
+          <a:ln w="28575">
+            <a:solidFill>
+              <a:srgbClr val="FFC000"/>
+            </a:solidFill>
+            <a:tailEnd type="stealth" w="med" len="lg"/>
+          </a:ln>
+        </p:spPr>
+        <p:style>
+          <a:lnRef idx="1">
+            <a:schemeClr val="accent1"/>
+          </a:lnRef>
+          <a:fillRef idx="0">
+            <a:schemeClr val="accent1"/>
+          </a:fillRef>
+          <a:effectRef idx="0">
+            <a:schemeClr val="accent1"/>
+          </a:effectRef>
+          <a:fontRef idx="minor">
+            <a:schemeClr val="tx1"/>
+          </a:fontRef>
+        </p:style>
+      </p:cxnSp>
+      <p:sp>
+        <p:nvSpPr>
+          <p:cNvPr id="24" name="ZoneTexte 23">
+            <a:extLst>
+              <a:ext uri="{FF2B5EF4-FFF2-40B4-BE49-F238E27FC236}">
+                <a16:creationId xmlns:a16="http://schemas.microsoft.com/office/drawing/2014/main" id="{A6A10734-1608-7A06-F52E-C3AF7BBEE1EC}"/>
+              </a:ext>
+            </a:extLst>
+          </p:cNvPr>
+          <p:cNvSpPr txBox="1"/>
+          <p:nvPr/>
+        </p:nvSpPr>
+        <p:spPr>
+          <a:xfrm>
+            <a:off x="8229600" y="3251133"/>
+            <a:ext cx="3007605" cy="646331"/>
+          </a:xfrm>
+          <a:prstGeom prst="rect">
+            <a:avLst/>
+          </a:prstGeom>
+          <a:noFill/>
+        </p:spPr>
+        <p:txBody>
+          <a:bodyPr wrap="square" rtlCol="0">
+            <a:spAutoFit/>
+          </a:bodyPr>
+          <a:lstStyle/>
+          <a:p>
+            <a:r>
+              <a:rPr lang="fr-FR" dirty="0"/>
+              <a:t>Shield Moteur (Carte de Puissance)</a:t>
+            </a:r>
+          </a:p>
+        </p:txBody>
+      </p:sp>
+      <p:cxnSp>
+        <p:nvCxnSpPr>
+          <p:cNvPr id="26" name="Connecteur droit avec flèche 25">
+            <a:extLst>
+              <a:ext uri="{FF2B5EF4-FFF2-40B4-BE49-F238E27FC236}">
+                <a16:creationId xmlns:a16="http://schemas.microsoft.com/office/drawing/2014/main" id="{43AD0818-751D-3321-0F6F-3A4E6479D469}"/>
+              </a:ext>
+            </a:extLst>
+          </p:cNvPr>
+          <p:cNvCxnSpPr>
+            <a:cxnSpLocks/>
+          </p:cNvCxnSpPr>
+          <p:nvPr/>
+        </p:nvCxnSpPr>
+        <p:spPr>
+          <a:xfrm>
+            <a:off x="2787267" y="2280821"/>
+            <a:ext cx="1409633" cy="0"/>
+          </a:xfrm>
+          <a:prstGeom prst="straightConnector1">
+            <a:avLst/>
+          </a:prstGeom>
+          <a:ln w="28575">
+            <a:solidFill>
+              <a:srgbClr val="7030A0"/>
+            </a:solidFill>
+            <a:tailEnd type="stealth" w="med" len="lg"/>
+          </a:ln>
+        </p:spPr>
+        <p:style>
+          <a:lnRef idx="1">
+            <a:schemeClr val="accent1"/>
+          </a:lnRef>
+          <a:fillRef idx="0">
+            <a:schemeClr val="accent1"/>
+          </a:fillRef>
+          <a:effectRef idx="0">
+            <a:schemeClr val="accent1"/>
+          </a:effectRef>
+          <a:fontRef idx="minor">
+            <a:schemeClr val="tx1"/>
+          </a:fontRef>
+        </p:style>
+      </p:cxnSp>
+      <p:sp>
+        <p:nvSpPr>
+          <p:cNvPr id="28" name="ZoneTexte 27">
+            <a:extLst>
+              <a:ext uri="{FF2B5EF4-FFF2-40B4-BE49-F238E27FC236}">
+                <a16:creationId xmlns:a16="http://schemas.microsoft.com/office/drawing/2014/main" id="{2C18D2A0-19A6-82BA-9E7D-9AC2CC25BA8D}"/>
+              </a:ext>
+            </a:extLst>
+          </p:cNvPr>
+          <p:cNvSpPr txBox="1"/>
+          <p:nvPr/>
+        </p:nvSpPr>
+        <p:spPr>
+          <a:xfrm>
+            <a:off x="1499934" y="2096155"/>
+            <a:ext cx="1287333" cy="369332"/>
+          </a:xfrm>
+          <a:prstGeom prst="rect">
+            <a:avLst/>
+          </a:prstGeom>
+          <a:noFill/>
+        </p:spPr>
+        <p:txBody>
+          <a:bodyPr wrap="square" rtlCol="0">
+            <a:spAutoFit/>
+          </a:bodyPr>
+          <a:lstStyle/>
+          <a:p>
+            <a:pPr algn="r"/>
+            <a:r>
+              <a:rPr lang="fr-FR" dirty="0"/>
+              <a:t>Réducteur</a:t>
+            </a:r>
+          </a:p>
+        </p:txBody>
+      </p:sp>
+      <p:cxnSp>
+        <p:nvCxnSpPr>
+          <p:cNvPr id="29" name="Connecteur droit avec flèche 28">
+            <a:extLst>
+              <a:ext uri="{FF2B5EF4-FFF2-40B4-BE49-F238E27FC236}">
+                <a16:creationId xmlns:a16="http://schemas.microsoft.com/office/drawing/2014/main" id="{E0ACF6BF-36E6-CD03-12E7-475168026EC5}"/>
+              </a:ext>
+            </a:extLst>
+          </p:cNvPr>
+          <p:cNvCxnSpPr>
+            <a:cxnSpLocks/>
+          </p:cNvCxnSpPr>
+          <p:nvPr/>
+        </p:nvCxnSpPr>
+        <p:spPr>
+          <a:xfrm>
+            <a:off x="2783747" y="2884912"/>
+            <a:ext cx="1205854" cy="0"/>
+          </a:xfrm>
+          <a:prstGeom prst="straightConnector1">
+            <a:avLst/>
+          </a:prstGeom>
+          <a:ln w="28575">
+            <a:solidFill>
+              <a:srgbClr val="C00000"/>
+            </a:solidFill>
+            <a:tailEnd type="stealth" w="med" len="lg"/>
+          </a:ln>
+        </p:spPr>
+        <p:style>
+          <a:lnRef idx="1">
+            <a:schemeClr val="accent1"/>
+          </a:lnRef>
+          <a:fillRef idx="0">
+            <a:schemeClr val="accent1"/>
+          </a:fillRef>
+          <a:effectRef idx="0">
+            <a:schemeClr val="accent1"/>
+          </a:effectRef>
+          <a:fontRef idx="minor">
+            <a:schemeClr val="tx1"/>
+          </a:fontRef>
+        </p:style>
+      </p:cxnSp>
+      <p:sp>
+        <p:nvSpPr>
+          <p:cNvPr id="30" name="ZoneTexte 29">
+            <a:extLst>
+              <a:ext uri="{FF2B5EF4-FFF2-40B4-BE49-F238E27FC236}">
+                <a16:creationId xmlns:a16="http://schemas.microsoft.com/office/drawing/2014/main" id="{BDF24E3D-0D24-0F8E-C4F6-06FF1F8C3AF2}"/>
+              </a:ext>
+            </a:extLst>
+          </p:cNvPr>
+          <p:cNvSpPr txBox="1"/>
+          <p:nvPr/>
+        </p:nvSpPr>
+        <p:spPr>
+          <a:xfrm>
+            <a:off x="1496414" y="2700246"/>
+            <a:ext cx="1287333" cy="369332"/>
+          </a:xfrm>
+          <a:prstGeom prst="rect">
+            <a:avLst/>
+          </a:prstGeom>
+          <a:noFill/>
+        </p:spPr>
+        <p:txBody>
+          <a:bodyPr wrap="square" rtlCol="0">
+            <a:spAutoFit/>
+          </a:bodyPr>
+          <a:lstStyle/>
+          <a:p>
+            <a:pPr algn="r"/>
+            <a:r>
+              <a:rPr lang="fr-FR" dirty="0"/>
+              <a:t>Moteur</a:t>
+            </a:r>
+          </a:p>
+        </p:txBody>
+      </p:sp>
+      <p:cxnSp>
+        <p:nvCxnSpPr>
+          <p:cNvPr id="32" name="Connecteur droit avec flèche 31">
+            <a:extLst>
+              <a:ext uri="{FF2B5EF4-FFF2-40B4-BE49-F238E27FC236}">
+                <a16:creationId xmlns:a16="http://schemas.microsoft.com/office/drawing/2014/main" id="{4605A1E8-5D01-CFA8-2F76-0AA3C6B20DA6}"/>
+              </a:ext>
+            </a:extLst>
+          </p:cNvPr>
+          <p:cNvCxnSpPr>
+            <a:cxnSpLocks/>
+          </p:cNvCxnSpPr>
+          <p:nvPr/>
+        </p:nvCxnSpPr>
+        <p:spPr>
+          <a:xfrm>
+            <a:off x="2787267" y="3556705"/>
+            <a:ext cx="1082389" cy="0"/>
+          </a:xfrm>
+          <a:prstGeom prst="straightConnector1">
+            <a:avLst/>
+          </a:prstGeom>
+          <a:ln w="28575">
+            <a:solidFill>
+              <a:srgbClr val="00B0F0"/>
+            </a:solidFill>
+            <a:tailEnd type="stealth" w="med" len="lg"/>
+          </a:ln>
+        </p:spPr>
+        <p:style>
+          <a:lnRef idx="1">
+            <a:schemeClr val="accent1"/>
+          </a:lnRef>
+          <a:fillRef idx="0">
+            <a:schemeClr val="accent1"/>
+          </a:fillRef>
+          <a:effectRef idx="0">
+            <a:schemeClr val="accent1"/>
+          </a:effectRef>
+          <a:fontRef idx="minor">
+            <a:schemeClr val="tx1"/>
+          </a:fontRef>
+        </p:style>
+      </p:cxnSp>
+      <p:sp>
+        <p:nvSpPr>
+          <p:cNvPr id="33" name="ZoneTexte 32">
+            <a:extLst>
+              <a:ext uri="{FF2B5EF4-FFF2-40B4-BE49-F238E27FC236}">
+                <a16:creationId xmlns:a16="http://schemas.microsoft.com/office/drawing/2014/main" id="{89D614F4-988F-98FA-AF80-462B2E89CDFB}"/>
+              </a:ext>
+            </a:extLst>
+          </p:cNvPr>
+          <p:cNvSpPr txBox="1"/>
+          <p:nvPr/>
+        </p:nvSpPr>
+        <p:spPr>
+          <a:xfrm>
+            <a:off x="1175286" y="3251132"/>
+            <a:ext cx="1608462" cy="646331"/>
+          </a:xfrm>
+          <a:prstGeom prst="rect">
+            <a:avLst/>
+          </a:prstGeom>
+          <a:noFill/>
+        </p:spPr>
+        <p:txBody>
+          <a:bodyPr wrap="square" rtlCol="0">
+            <a:spAutoFit/>
+          </a:bodyPr>
+          <a:lstStyle/>
+          <a:p>
+            <a:pPr algn="r"/>
+            <a:r>
+              <a:rPr lang="fr-FR" dirty="0"/>
+              <a:t>Codeur incrémental</a:t>
+            </a:r>
+          </a:p>
+        </p:txBody>
+      </p:sp>
+    </p:spTree>
+    <p:extLst>
+      <p:ext uri="{BB962C8B-B14F-4D97-AF65-F5344CB8AC3E}">
+        <p14:creationId xmlns:p14="http://schemas.microsoft.com/office/powerpoint/2010/main" val="3448214359"/>
       </p:ext>
     </p:extLst>
   </p:cSld>

--- a/12_MoteurCC_3Sigma/Figures_Documentation.pptx
+++ b/12_MoteurCC_3Sigma/Figures_Documentation.pptx
@@ -4710,8 +4710,8 @@
         </p:nvSpPr>
         <p:spPr>
           <a:xfrm>
-            <a:off x="8229600" y="3251133"/>
-            <a:ext cx="3007605" cy="646331"/>
+            <a:off x="8229601" y="3251133"/>
+            <a:ext cx="2588964" cy="646331"/>
           </a:xfrm>
           <a:prstGeom prst="rect">
             <a:avLst/>
@@ -4747,7 +4747,7 @@
         </p:nvCxnSpPr>
         <p:spPr>
           <a:xfrm>
-            <a:off x="2787267" y="2280821"/>
+            <a:off x="2787267" y="2247770"/>
             <a:ext cx="1409633" cy="0"/>
           </a:xfrm>
           <a:prstGeom prst="straightConnector1">
@@ -4789,7 +4789,7 @@
         </p:nvSpPr>
         <p:spPr>
           <a:xfrm>
-            <a:off x="1499934" y="2096155"/>
+            <a:off x="1499934" y="2063104"/>
             <a:ext cx="1287333" cy="369332"/>
           </a:xfrm>
           <a:prstGeom prst="rect">
@@ -4967,6 +4967,180 @@
             <a:r>
               <a:rPr lang="fr-FR" dirty="0"/>
               <a:t>Codeur incrémental</a:t>
+            </a:r>
+          </a:p>
+        </p:txBody>
+      </p:sp>
+      <p:cxnSp>
+        <p:nvCxnSpPr>
+          <p:cNvPr id="35" name="Connecteur droit avec flèche 34">
+            <a:extLst>
+              <a:ext uri="{FF2B5EF4-FFF2-40B4-BE49-F238E27FC236}">
+                <a16:creationId xmlns:a16="http://schemas.microsoft.com/office/drawing/2014/main" id="{E9248C41-A39B-E605-7B63-3D8E14BBB306}"/>
+              </a:ext>
+            </a:extLst>
+          </p:cNvPr>
+          <p:cNvCxnSpPr>
+            <a:cxnSpLocks/>
+          </p:cNvCxnSpPr>
+          <p:nvPr/>
+        </p:nvCxnSpPr>
+        <p:spPr>
+          <a:xfrm>
+            <a:off x="5728771" y="1250071"/>
+            <a:ext cx="0" cy="1609576"/>
+          </a:xfrm>
+          <a:prstGeom prst="straightConnector1">
+            <a:avLst/>
+          </a:prstGeom>
+          <a:ln w="76200">
+            <a:solidFill>
+              <a:srgbClr val="C00000"/>
+            </a:solidFill>
+            <a:tailEnd type="stealth" w="med" len="lg"/>
+          </a:ln>
+        </p:spPr>
+        <p:style>
+          <a:lnRef idx="1">
+            <a:schemeClr val="accent1"/>
+          </a:lnRef>
+          <a:fillRef idx="0">
+            <a:schemeClr val="accent1"/>
+          </a:fillRef>
+          <a:effectRef idx="0">
+            <a:schemeClr val="accent1"/>
+          </a:effectRef>
+          <a:fontRef idx="minor">
+            <a:schemeClr val="tx1"/>
+          </a:fontRef>
+        </p:style>
+      </p:cxnSp>
+      <p:cxnSp>
+        <p:nvCxnSpPr>
+          <p:cNvPr id="38" name="Connecteur droit avec flèche 37">
+            <a:extLst>
+              <a:ext uri="{FF2B5EF4-FFF2-40B4-BE49-F238E27FC236}">
+                <a16:creationId xmlns:a16="http://schemas.microsoft.com/office/drawing/2014/main" id="{4593D498-81BF-75F8-63FE-ED4ABB0C6C3C}"/>
+              </a:ext>
+            </a:extLst>
+          </p:cNvPr>
+          <p:cNvCxnSpPr>
+            <a:cxnSpLocks/>
+          </p:cNvCxnSpPr>
+          <p:nvPr/>
+        </p:nvCxnSpPr>
+        <p:spPr>
+          <a:xfrm>
+            <a:off x="6878046" y="1250071"/>
+            <a:ext cx="0" cy="1421582"/>
+          </a:xfrm>
+          <a:prstGeom prst="straightConnector1">
+            <a:avLst/>
+          </a:prstGeom>
+          <a:ln w="76200">
+            <a:solidFill>
+              <a:srgbClr val="C00000"/>
+            </a:solidFill>
+            <a:tailEnd type="stealth" w="med" len="lg"/>
+          </a:ln>
+        </p:spPr>
+        <p:style>
+          <a:lnRef idx="1">
+            <a:schemeClr val="accent1"/>
+          </a:lnRef>
+          <a:fillRef idx="0">
+            <a:schemeClr val="accent1"/>
+          </a:fillRef>
+          <a:effectRef idx="0">
+            <a:schemeClr val="accent1"/>
+          </a:effectRef>
+          <a:fontRef idx="minor">
+            <a:schemeClr val="tx1"/>
+          </a:fontRef>
+        </p:style>
+      </p:cxnSp>
+      <p:sp>
+        <p:nvSpPr>
+          <p:cNvPr id="41" name="ZoneTexte 40">
+            <a:extLst>
+              <a:ext uri="{FF2B5EF4-FFF2-40B4-BE49-F238E27FC236}">
+                <a16:creationId xmlns:a16="http://schemas.microsoft.com/office/drawing/2014/main" id="{83DD12B6-ED87-0D8A-6D9C-2B3B73661E93}"/>
+              </a:ext>
+            </a:extLst>
+          </p:cNvPr>
+          <p:cNvSpPr txBox="1"/>
+          <p:nvPr/>
+        </p:nvSpPr>
+        <p:spPr>
+          <a:xfrm>
+            <a:off x="3971580" y="583627"/>
+            <a:ext cx="3007605" cy="646331"/>
+          </a:xfrm>
+          <a:prstGeom prst="rect">
+            <a:avLst/>
+          </a:prstGeom>
+          <a:noFill/>
+        </p:spPr>
+        <p:txBody>
+          <a:bodyPr wrap="square" rtlCol="0">
+            <a:spAutoFit/>
+          </a:bodyPr>
+          <a:lstStyle/>
+          <a:p>
+            <a:r>
+              <a:rPr lang="fr-FR" dirty="0"/>
+              <a:t>Alimentation </a:t>
+            </a:r>
+          </a:p>
+          <a:p>
+            <a:r>
+              <a:rPr lang="fr-FR" b="1" dirty="0">
+                <a:solidFill>
+                  <a:srgbClr val="FF0000"/>
+                </a:solidFill>
+              </a:rPr>
+              <a:t>(SUR SHIELD MOTEUR)</a:t>
+            </a:r>
+          </a:p>
+        </p:txBody>
+      </p:sp>
+      <p:sp>
+        <p:nvSpPr>
+          <p:cNvPr id="42" name="ZoneTexte 41">
+            <a:extLst>
+              <a:ext uri="{FF2B5EF4-FFF2-40B4-BE49-F238E27FC236}">
+                <a16:creationId xmlns:a16="http://schemas.microsoft.com/office/drawing/2014/main" id="{B9E9211B-C77B-2B1A-FA3C-1EE80802C3F4}"/>
+              </a:ext>
+            </a:extLst>
+          </p:cNvPr>
+          <p:cNvSpPr txBox="1"/>
+          <p:nvPr/>
+        </p:nvSpPr>
+        <p:spPr>
+          <a:xfrm>
+            <a:off x="6691268" y="583626"/>
+            <a:ext cx="3007605" cy="646331"/>
+          </a:xfrm>
+          <a:prstGeom prst="rect">
+            <a:avLst/>
+          </a:prstGeom>
+          <a:noFill/>
+        </p:spPr>
+        <p:txBody>
+          <a:bodyPr wrap="square" rtlCol="0">
+            <a:spAutoFit/>
+          </a:bodyPr>
+          <a:lstStyle/>
+          <a:p>
+            <a:r>
+              <a:rPr lang="fr-FR" dirty="0"/>
+              <a:t>Port USB (Non visible)</a:t>
+            </a:r>
+          </a:p>
+          <a:p>
+            <a:r>
+              <a:rPr lang="fr-FR" dirty="0"/>
+              <a:t>Connexion au PC</a:t>
             </a:r>
           </a:p>
         </p:txBody>

--- a/12_MoteurCC_3Sigma/Figures_Documentation.pptx
+++ b/12_MoteurCC_3Sigma/Figures_Documentation.pptx
@@ -10,6 +10,9 @@
     <p:sldId id="258" r:id="rId4"/>
     <p:sldId id="259" r:id="rId5"/>
     <p:sldId id="260" r:id="rId6"/>
+    <p:sldId id="261" r:id="rId7"/>
+    <p:sldId id="262" r:id="rId8"/>
+    <p:sldId id="263" r:id="rId9"/>
   </p:sldIdLst>
   <p:sldSz cx="12192000" cy="6858000"/>
   <p:notesSz cx="6858000" cy="9144000"/>
@@ -274,7 +277,7 @@
           <a:p>
             <a:fld id="{D8F77264-DAD5-491C-B248-225FD8257E34}" type="datetimeFigureOut">
               <a:rPr lang="fr-FR" smtClean="0"/>
-              <a:t>07/03/2023</a:t>
+              <a:t>17/04/2025</a:t>
             </a:fld>
             <a:endParaRPr lang="fr-FR"/>
           </a:p>
@@ -472,7 +475,7 @@
           <a:p>
             <a:fld id="{D8F77264-DAD5-491C-B248-225FD8257E34}" type="datetimeFigureOut">
               <a:rPr lang="fr-FR" smtClean="0"/>
-              <a:t>07/03/2023</a:t>
+              <a:t>17/04/2025</a:t>
             </a:fld>
             <a:endParaRPr lang="fr-FR"/>
           </a:p>
@@ -680,7 +683,7 @@
           <a:p>
             <a:fld id="{D8F77264-DAD5-491C-B248-225FD8257E34}" type="datetimeFigureOut">
               <a:rPr lang="fr-FR" smtClean="0"/>
-              <a:t>07/03/2023</a:t>
+              <a:t>17/04/2025</a:t>
             </a:fld>
             <a:endParaRPr lang="fr-FR"/>
           </a:p>
@@ -878,7 +881,7 @@
           <a:p>
             <a:fld id="{D8F77264-DAD5-491C-B248-225FD8257E34}" type="datetimeFigureOut">
               <a:rPr lang="fr-FR" smtClean="0"/>
-              <a:t>07/03/2023</a:t>
+              <a:t>17/04/2025</a:t>
             </a:fld>
             <a:endParaRPr lang="fr-FR"/>
           </a:p>
@@ -1153,7 +1156,7 @@
           <a:p>
             <a:fld id="{D8F77264-DAD5-491C-B248-225FD8257E34}" type="datetimeFigureOut">
               <a:rPr lang="fr-FR" smtClean="0"/>
-              <a:t>07/03/2023</a:t>
+              <a:t>17/04/2025</a:t>
             </a:fld>
             <a:endParaRPr lang="fr-FR"/>
           </a:p>
@@ -1418,7 +1421,7 @@
           <a:p>
             <a:fld id="{D8F77264-DAD5-491C-B248-225FD8257E34}" type="datetimeFigureOut">
               <a:rPr lang="fr-FR" smtClean="0"/>
-              <a:t>07/03/2023</a:t>
+              <a:t>17/04/2025</a:t>
             </a:fld>
             <a:endParaRPr lang="fr-FR"/>
           </a:p>
@@ -1830,7 +1833,7 @@
           <a:p>
             <a:fld id="{D8F77264-DAD5-491C-B248-225FD8257E34}" type="datetimeFigureOut">
               <a:rPr lang="fr-FR" smtClean="0"/>
-              <a:t>07/03/2023</a:t>
+              <a:t>17/04/2025</a:t>
             </a:fld>
             <a:endParaRPr lang="fr-FR"/>
           </a:p>
@@ -1971,7 +1974,7 @@
           <a:p>
             <a:fld id="{D8F77264-DAD5-491C-B248-225FD8257E34}" type="datetimeFigureOut">
               <a:rPr lang="fr-FR" smtClean="0"/>
-              <a:t>07/03/2023</a:t>
+              <a:t>17/04/2025</a:t>
             </a:fld>
             <a:endParaRPr lang="fr-FR"/>
           </a:p>
@@ -2084,7 +2087,7 @@
           <a:p>
             <a:fld id="{D8F77264-DAD5-491C-B248-225FD8257E34}" type="datetimeFigureOut">
               <a:rPr lang="fr-FR" smtClean="0"/>
-              <a:t>07/03/2023</a:t>
+              <a:t>17/04/2025</a:t>
             </a:fld>
             <a:endParaRPr lang="fr-FR"/>
           </a:p>
@@ -2395,7 +2398,7 @@
           <a:p>
             <a:fld id="{D8F77264-DAD5-491C-B248-225FD8257E34}" type="datetimeFigureOut">
               <a:rPr lang="fr-FR" smtClean="0"/>
-              <a:t>07/03/2023</a:t>
+              <a:t>17/04/2025</a:t>
             </a:fld>
             <a:endParaRPr lang="fr-FR"/>
           </a:p>
@@ -2683,7 +2686,7 @@
           <a:p>
             <a:fld id="{D8F77264-DAD5-491C-B248-225FD8257E34}" type="datetimeFigureOut">
               <a:rPr lang="fr-FR" smtClean="0"/>
-              <a:t>07/03/2023</a:t>
+              <a:t>17/04/2025</a:t>
             </a:fld>
             <a:endParaRPr lang="fr-FR"/>
           </a:p>
@@ -2924,7 +2927,7 @@
           <a:p>
             <a:fld id="{D8F77264-DAD5-491C-B248-225FD8257E34}" type="datetimeFigureOut">
               <a:rPr lang="fr-FR" smtClean="0"/>
-              <a:t>07/03/2023</a:t>
+              <a:t>17/04/2025</a:t>
             </a:fld>
             <a:endParaRPr lang="fr-FR"/>
           </a:p>
@@ -5158,6 +5161,5037 @@
 </p:sld>
 </file>
 
+<file path=ppt/slides/slide6.xml><?xml version="1.0" encoding="utf-8"?>
+<p:sld xmlns:a="http://schemas.openxmlformats.org/drawingml/2006/main" xmlns:r="http://schemas.openxmlformats.org/officeDocument/2006/relationships" xmlns:p="http://schemas.openxmlformats.org/presentationml/2006/main">
+  <p:cSld>
+    <p:spTree>
+      <p:nvGrpSpPr>
+        <p:cNvPr id="1" name=""/>
+        <p:cNvGrpSpPr/>
+        <p:nvPr/>
+      </p:nvGrpSpPr>
+      <p:grpSpPr>
+        <a:xfrm>
+          <a:off x="0" y="0"/>
+          <a:ext cx="0" cy="0"/>
+          <a:chOff x="0" y="0"/>
+          <a:chExt cx="0" cy="0"/>
+        </a:xfrm>
+      </p:grpSpPr>
+      <p:sp>
+        <p:nvSpPr>
+          <p:cNvPr id="4" name="Ellipse 3">
+            <a:extLst>
+              <a:ext uri="{FF2B5EF4-FFF2-40B4-BE49-F238E27FC236}">
+                <a16:creationId xmlns:a16="http://schemas.microsoft.com/office/drawing/2014/main" id="{CEB7FDEB-7299-C11B-548E-1D688BC0C4B9}"/>
+              </a:ext>
+            </a:extLst>
+          </p:cNvPr>
+          <p:cNvSpPr/>
+          <p:nvPr/>
+        </p:nvSpPr>
+        <p:spPr>
+          <a:xfrm>
+            <a:off x="2545789" y="1810979"/>
+            <a:ext cx="360000" cy="360000"/>
+          </a:xfrm>
+          <a:prstGeom prst="ellipse">
+            <a:avLst/>
+          </a:prstGeom>
+          <a:noFill/>
+          <a:ln w="28575">
+            <a:solidFill>
+              <a:schemeClr val="accent1">
+                <a:lumMod val="50000"/>
+              </a:schemeClr>
+            </a:solidFill>
+          </a:ln>
+        </p:spPr>
+        <p:style>
+          <a:lnRef idx="2">
+            <a:schemeClr val="accent1">
+              <a:shade val="15000"/>
+            </a:schemeClr>
+          </a:lnRef>
+          <a:fillRef idx="1">
+            <a:schemeClr val="accent1"/>
+          </a:fillRef>
+          <a:effectRef idx="0">
+            <a:schemeClr val="accent1"/>
+          </a:effectRef>
+          <a:fontRef idx="minor">
+            <a:schemeClr val="lt1"/>
+          </a:fontRef>
+        </p:style>
+        <p:txBody>
+          <a:bodyPr rtlCol="0" anchor="ctr"/>
+          <a:lstStyle/>
+          <a:p>
+            <a:pPr algn="ctr"/>
+            <a:endParaRPr lang="fr-FR"/>
+          </a:p>
+        </p:txBody>
+      </p:sp>
+      <p:cxnSp>
+        <p:nvCxnSpPr>
+          <p:cNvPr id="6" name="Connecteur droit 5">
+            <a:extLst>
+              <a:ext uri="{FF2B5EF4-FFF2-40B4-BE49-F238E27FC236}">
+                <a16:creationId xmlns:a16="http://schemas.microsoft.com/office/drawing/2014/main" id="{B93704CB-4CC2-2247-1130-C9EA266CA243}"/>
+              </a:ext>
+            </a:extLst>
+          </p:cNvPr>
+          <p:cNvCxnSpPr>
+            <a:cxnSpLocks/>
+            <a:stCxn id="4" idx="0"/>
+          </p:cNvCxnSpPr>
+          <p:nvPr/>
+        </p:nvCxnSpPr>
+        <p:spPr>
+          <a:xfrm flipV="1">
+            <a:off x="2725789" y="787400"/>
+            <a:ext cx="0" cy="1023579"/>
+          </a:xfrm>
+          <a:prstGeom prst="line">
+            <a:avLst/>
+          </a:prstGeom>
+          <a:noFill/>
+          <a:ln w="28575">
+            <a:solidFill>
+              <a:schemeClr val="accent1">
+                <a:lumMod val="50000"/>
+              </a:schemeClr>
+            </a:solidFill>
+          </a:ln>
+        </p:spPr>
+        <p:style>
+          <a:lnRef idx="2">
+            <a:schemeClr val="accent1">
+              <a:shade val="15000"/>
+            </a:schemeClr>
+          </a:lnRef>
+          <a:fillRef idx="1">
+            <a:schemeClr val="accent1"/>
+          </a:fillRef>
+          <a:effectRef idx="0">
+            <a:schemeClr val="accent1"/>
+          </a:effectRef>
+          <a:fontRef idx="minor">
+            <a:schemeClr val="lt1"/>
+          </a:fontRef>
+        </p:style>
+      </p:cxnSp>
+      <p:cxnSp>
+        <p:nvCxnSpPr>
+          <p:cNvPr id="20" name="Connecteur droit 19">
+            <a:extLst>
+              <a:ext uri="{FF2B5EF4-FFF2-40B4-BE49-F238E27FC236}">
+                <a16:creationId xmlns:a16="http://schemas.microsoft.com/office/drawing/2014/main" id="{D23B36CF-C2FA-AAF1-519E-50C0DC2A056D}"/>
+              </a:ext>
+            </a:extLst>
+          </p:cNvPr>
+          <p:cNvCxnSpPr>
+            <a:cxnSpLocks/>
+          </p:cNvCxnSpPr>
+          <p:nvPr/>
+        </p:nvCxnSpPr>
+        <p:spPr>
+          <a:xfrm flipH="1">
+            <a:off x="2725789" y="787400"/>
+            <a:ext cx="1931147" cy="0"/>
+          </a:xfrm>
+          <a:prstGeom prst="line">
+            <a:avLst/>
+          </a:prstGeom>
+          <a:noFill/>
+          <a:ln w="28575">
+            <a:solidFill>
+              <a:schemeClr val="accent1">
+                <a:lumMod val="50000"/>
+              </a:schemeClr>
+            </a:solidFill>
+          </a:ln>
+        </p:spPr>
+        <p:style>
+          <a:lnRef idx="2">
+            <a:schemeClr val="accent1">
+              <a:shade val="15000"/>
+            </a:schemeClr>
+          </a:lnRef>
+          <a:fillRef idx="1">
+            <a:schemeClr val="accent1"/>
+          </a:fillRef>
+          <a:effectRef idx="0">
+            <a:schemeClr val="accent1"/>
+          </a:effectRef>
+          <a:fontRef idx="minor">
+            <a:schemeClr val="lt1"/>
+          </a:fontRef>
+        </p:style>
+      </p:cxnSp>
+      <p:grpSp>
+        <p:nvGrpSpPr>
+          <p:cNvPr id="33" name="Groupe 32">
+            <a:extLst>
+              <a:ext uri="{FF2B5EF4-FFF2-40B4-BE49-F238E27FC236}">
+                <a16:creationId xmlns:a16="http://schemas.microsoft.com/office/drawing/2014/main" id="{929DC079-4339-6A02-FD22-9B84935AD31F}"/>
+              </a:ext>
+            </a:extLst>
+          </p:cNvPr>
+          <p:cNvGrpSpPr/>
+          <p:nvPr/>
+        </p:nvGrpSpPr>
+        <p:grpSpPr>
+          <a:xfrm>
+            <a:off x="4476936" y="770726"/>
+            <a:ext cx="360000" cy="2390314"/>
+            <a:chOff x="4476936" y="770726"/>
+            <a:chExt cx="360000" cy="2390314"/>
+          </a:xfrm>
+        </p:grpSpPr>
+        <p:sp>
+          <p:nvSpPr>
+            <p:cNvPr id="7" name="Rectangle 6">
+              <a:extLst>
+                <a:ext uri="{FF2B5EF4-FFF2-40B4-BE49-F238E27FC236}">
+                  <a16:creationId xmlns:a16="http://schemas.microsoft.com/office/drawing/2014/main" id="{CCE4623B-C567-742B-D9ED-2146CDE4BD83}"/>
+                </a:ext>
+              </a:extLst>
+            </p:cNvPr>
+            <p:cNvSpPr/>
+            <p:nvPr/>
+          </p:nvSpPr>
+          <p:spPr>
+            <a:xfrm>
+              <a:off x="4566936" y="1810979"/>
+              <a:ext cx="180000" cy="360000"/>
+            </a:xfrm>
+            <a:prstGeom prst="rect">
+              <a:avLst/>
+            </a:prstGeom>
+            <a:noFill/>
+            <a:ln w="28575">
+              <a:solidFill>
+                <a:schemeClr val="accent1">
+                  <a:lumMod val="50000"/>
+                </a:schemeClr>
+              </a:solidFill>
+            </a:ln>
+          </p:spPr>
+          <p:style>
+            <a:lnRef idx="2">
+              <a:schemeClr val="accent1">
+                <a:shade val="15000"/>
+              </a:schemeClr>
+            </a:lnRef>
+            <a:fillRef idx="1">
+              <a:schemeClr val="accent1"/>
+            </a:fillRef>
+            <a:effectRef idx="0">
+              <a:schemeClr val="accent1"/>
+            </a:effectRef>
+            <a:fontRef idx="minor">
+              <a:schemeClr val="lt1"/>
+            </a:fontRef>
+          </p:style>
+          <p:txBody>
+            <a:bodyPr rtlCol="0" anchor="ctr"/>
+            <a:lstStyle/>
+            <a:p>
+              <a:pPr algn="ctr"/>
+              <a:endParaRPr lang="fr-FR"/>
+            </a:p>
+          </p:txBody>
+        </p:sp>
+        <p:sp>
+          <p:nvSpPr>
+            <p:cNvPr id="8" name="Ellipse 7">
+              <a:extLst>
+                <a:ext uri="{FF2B5EF4-FFF2-40B4-BE49-F238E27FC236}">
+                  <a16:creationId xmlns:a16="http://schemas.microsoft.com/office/drawing/2014/main" id="{B17B6514-DDDA-6565-A3F0-D1F681348E53}"/>
+                </a:ext>
+              </a:extLst>
+            </p:cNvPr>
+            <p:cNvSpPr/>
+            <p:nvPr/>
+          </p:nvSpPr>
+          <p:spPr>
+            <a:xfrm>
+              <a:off x="4476936" y="2528632"/>
+              <a:ext cx="360000" cy="360000"/>
+            </a:xfrm>
+            <a:prstGeom prst="ellipse">
+              <a:avLst/>
+            </a:prstGeom>
+            <a:noFill/>
+            <a:ln w="28575">
+              <a:solidFill>
+                <a:schemeClr val="accent1">
+                  <a:lumMod val="50000"/>
+                </a:schemeClr>
+              </a:solidFill>
+            </a:ln>
+          </p:spPr>
+          <p:style>
+            <a:lnRef idx="2">
+              <a:schemeClr val="accent1">
+                <a:shade val="15000"/>
+              </a:schemeClr>
+            </a:lnRef>
+            <a:fillRef idx="1">
+              <a:schemeClr val="accent1"/>
+            </a:fillRef>
+            <a:effectRef idx="0">
+              <a:schemeClr val="accent1"/>
+            </a:effectRef>
+            <a:fontRef idx="minor">
+              <a:schemeClr val="lt1"/>
+            </a:fontRef>
+          </p:style>
+          <p:txBody>
+            <a:bodyPr rtlCol="0" anchor="ctr"/>
+            <a:lstStyle/>
+            <a:p>
+              <a:pPr algn="ctr"/>
+              <a:endParaRPr lang="fr-FR"/>
+            </a:p>
+          </p:txBody>
+        </p:sp>
+        <p:grpSp>
+          <p:nvGrpSpPr>
+            <p:cNvPr id="13" name="Groupe 12">
+              <a:extLst>
+                <a:ext uri="{FF2B5EF4-FFF2-40B4-BE49-F238E27FC236}">
+                  <a16:creationId xmlns:a16="http://schemas.microsoft.com/office/drawing/2014/main" id="{8F04C60A-F2DB-8CC7-5E5D-B503C01D5BD0}"/>
+                </a:ext>
+              </a:extLst>
+            </p:cNvPr>
+            <p:cNvGrpSpPr/>
+            <p:nvPr/>
+          </p:nvGrpSpPr>
+          <p:grpSpPr>
+            <a:xfrm>
+              <a:off x="4596906" y="1043134"/>
+              <a:ext cx="120060" cy="479132"/>
+              <a:chOff x="4540748" y="1104359"/>
+              <a:chExt cx="180000" cy="718341"/>
+            </a:xfrm>
+          </p:grpSpPr>
+          <p:sp>
+            <p:nvSpPr>
+              <p:cNvPr id="9" name="Arc 8">
+                <a:extLst>
+                  <a:ext uri="{FF2B5EF4-FFF2-40B4-BE49-F238E27FC236}">
+                    <a16:creationId xmlns:a16="http://schemas.microsoft.com/office/drawing/2014/main" id="{23D8FD4E-9B93-CE7F-964D-BC353E48F448}"/>
+                  </a:ext>
+                </a:extLst>
+              </p:cNvPr>
+              <p:cNvSpPr/>
+              <p:nvPr/>
+            </p:nvSpPr>
+            <p:spPr>
+              <a:xfrm>
+                <a:off x="4540748" y="1283806"/>
+                <a:ext cx="180000" cy="180000"/>
+              </a:xfrm>
+              <a:prstGeom prst="arc">
+                <a:avLst>
+                  <a:gd name="adj1" fmla="val 16200000"/>
+                  <a:gd name="adj2" fmla="val 5794934"/>
+                </a:avLst>
+              </a:prstGeom>
+              <a:noFill/>
+              <a:ln w="28575">
+                <a:solidFill>
+                  <a:schemeClr val="accent1">
+                    <a:lumMod val="50000"/>
+                  </a:schemeClr>
+                </a:solidFill>
+              </a:ln>
+            </p:spPr>
+            <p:style>
+              <a:lnRef idx="2">
+                <a:schemeClr val="accent1">
+                  <a:shade val="15000"/>
+                </a:schemeClr>
+              </a:lnRef>
+              <a:fillRef idx="1">
+                <a:schemeClr val="accent1"/>
+              </a:fillRef>
+              <a:effectRef idx="0">
+                <a:schemeClr val="accent1"/>
+              </a:effectRef>
+              <a:fontRef idx="minor">
+                <a:schemeClr val="lt1"/>
+              </a:fontRef>
+            </p:style>
+            <p:txBody>
+              <a:bodyPr rtlCol="0" anchor="ctr"/>
+              <a:lstStyle/>
+              <a:p>
+                <a:pPr algn="ctr"/>
+                <a:endParaRPr lang="fr-FR">
+                  <a:solidFill>
+                    <a:schemeClr val="lt1"/>
+                  </a:solidFill>
+                </a:endParaRPr>
+              </a:p>
+            </p:txBody>
+          </p:sp>
+          <p:sp>
+            <p:nvSpPr>
+              <p:cNvPr id="10" name="Arc 9">
+                <a:extLst>
+                  <a:ext uri="{FF2B5EF4-FFF2-40B4-BE49-F238E27FC236}">
+                    <a16:creationId xmlns:a16="http://schemas.microsoft.com/office/drawing/2014/main" id="{F6D2A53B-B661-6D93-6749-8E73222D20F1}"/>
+                  </a:ext>
+                </a:extLst>
+              </p:cNvPr>
+              <p:cNvSpPr/>
+              <p:nvPr/>
+            </p:nvSpPr>
+            <p:spPr>
+              <a:xfrm>
+                <a:off x="4540748" y="1463253"/>
+                <a:ext cx="180000" cy="180000"/>
+              </a:xfrm>
+              <a:prstGeom prst="arc">
+                <a:avLst>
+                  <a:gd name="adj1" fmla="val 16200000"/>
+                  <a:gd name="adj2" fmla="val 5794934"/>
+                </a:avLst>
+              </a:prstGeom>
+              <a:noFill/>
+              <a:ln w="28575">
+                <a:solidFill>
+                  <a:schemeClr val="accent1">
+                    <a:lumMod val="50000"/>
+                  </a:schemeClr>
+                </a:solidFill>
+              </a:ln>
+            </p:spPr>
+            <p:style>
+              <a:lnRef idx="2">
+                <a:schemeClr val="accent1">
+                  <a:shade val="15000"/>
+                </a:schemeClr>
+              </a:lnRef>
+              <a:fillRef idx="1">
+                <a:schemeClr val="accent1"/>
+              </a:fillRef>
+              <a:effectRef idx="0">
+                <a:schemeClr val="accent1"/>
+              </a:effectRef>
+              <a:fontRef idx="minor">
+                <a:schemeClr val="lt1"/>
+              </a:fontRef>
+            </p:style>
+            <p:txBody>
+              <a:bodyPr rtlCol="0" anchor="ctr"/>
+              <a:lstStyle/>
+              <a:p>
+                <a:pPr algn="ctr"/>
+                <a:endParaRPr lang="fr-FR">
+                  <a:solidFill>
+                    <a:schemeClr val="lt1"/>
+                  </a:solidFill>
+                </a:endParaRPr>
+              </a:p>
+            </p:txBody>
+          </p:sp>
+          <p:sp>
+            <p:nvSpPr>
+              <p:cNvPr id="11" name="Arc 10">
+                <a:extLst>
+                  <a:ext uri="{FF2B5EF4-FFF2-40B4-BE49-F238E27FC236}">
+                    <a16:creationId xmlns:a16="http://schemas.microsoft.com/office/drawing/2014/main" id="{ED6E028E-F0E3-C500-744B-63D7F01EA138}"/>
+                  </a:ext>
+                </a:extLst>
+              </p:cNvPr>
+              <p:cNvSpPr/>
+              <p:nvPr/>
+            </p:nvSpPr>
+            <p:spPr>
+              <a:xfrm>
+                <a:off x="4540748" y="1642700"/>
+                <a:ext cx="180000" cy="180000"/>
+              </a:xfrm>
+              <a:prstGeom prst="arc">
+                <a:avLst>
+                  <a:gd name="adj1" fmla="val 16200000"/>
+                  <a:gd name="adj2" fmla="val 5794934"/>
+                </a:avLst>
+              </a:prstGeom>
+              <a:noFill/>
+              <a:ln w="28575">
+                <a:solidFill>
+                  <a:schemeClr val="accent1">
+                    <a:lumMod val="50000"/>
+                  </a:schemeClr>
+                </a:solidFill>
+              </a:ln>
+            </p:spPr>
+            <p:style>
+              <a:lnRef idx="2">
+                <a:schemeClr val="accent1">
+                  <a:shade val="15000"/>
+                </a:schemeClr>
+              </a:lnRef>
+              <a:fillRef idx="1">
+                <a:schemeClr val="accent1"/>
+              </a:fillRef>
+              <a:effectRef idx="0">
+                <a:schemeClr val="accent1"/>
+              </a:effectRef>
+              <a:fontRef idx="minor">
+                <a:schemeClr val="lt1"/>
+              </a:fontRef>
+            </p:style>
+            <p:txBody>
+              <a:bodyPr rtlCol="0" anchor="ctr"/>
+              <a:lstStyle/>
+              <a:p>
+                <a:pPr algn="ctr"/>
+                <a:endParaRPr lang="fr-FR">
+                  <a:solidFill>
+                    <a:schemeClr val="lt1"/>
+                  </a:solidFill>
+                </a:endParaRPr>
+              </a:p>
+            </p:txBody>
+          </p:sp>
+          <p:sp>
+            <p:nvSpPr>
+              <p:cNvPr id="12" name="Arc 11">
+                <a:extLst>
+                  <a:ext uri="{FF2B5EF4-FFF2-40B4-BE49-F238E27FC236}">
+                    <a16:creationId xmlns:a16="http://schemas.microsoft.com/office/drawing/2014/main" id="{6DF586D0-FF89-6396-B1B6-A7AEBB578CFD}"/>
+                  </a:ext>
+                </a:extLst>
+              </p:cNvPr>
+              <p:cNvSpPr/>
+              <p:nvPr/>
+            </p:nvSpPr>
+            <p:spPr>
+              <a:xfrm>
+                <a:off x="4540748" y="1104359"/>
+                <a:ext cx="180000" cy="180000"/>
+              </a:xfrm>
+              <a:prstGeom prst="arc">
+                <a:avLst>
+                  <a:gd name="adj1" fmla="val 16200000"/>
+                  <a:gd name="adj2" fmla="val 5794934"/>
+                </a:avLst>
+              </a:prstGeom>
+              <a:noFill/>
+              <a:ln w="28575">
+                <a:solidFill>
+                  <a:schemeClr val="accent1">
+                    <a:lumMod val="50000"/>
+                  </a:schemeClr>
+                </a:solidFill>
+              </a:ln>
+            </p:spPr>
+            <p:style>
+              <a:lnRef idx="2">
+                <a:schemeClr val="accent1">
+                  <a:shade val="15000"/>
+                </a:schemeClr>
+              </a:lnRef>
+              <a:fillRef idx="1">
+                <a:schemeClr val="accent1"/>
+              </a:fillRef>
+              <a:effectRef idx="0">
+                <a:schemeClr val="accent1"/>
+              </a:effectRef>
+              <a:fontRef idx="minor">
+                <a:schemeClr val="lt1"/>
+              </a:fontRef>
+            </p:style>
+            <p:txBody>
+              <a:bodyPr rtlCol="0" anchor="ctr"/>
+              <a:lstStyle/>
+              <a:p>
+                <a:pPr algn="ctr"/>
+                <a:endParaRPr lang="fr-FR">
+                  <a:solidFill>
+                    <a:schemeClr val="lt1"/>
+                  </a:solidFill>
+                </a:endParaRPr>
+              </a:p>
+            </p:txBody>
+          </p:sp>
+        </p:grpSp>
+        <p:cxnSp>
+          <p:nvCxnSpPr>
+            <p:cNvPr id="14" name="Connecteur droit 13">
+              <a:extLst>
+                <a:ext uri="{FF2B5EF4-FFF2-40B4-BE49-F238E27FC236}">
+                  <a16:creationId xmlns:a16="http://schemas.microsoft.com/office/drawing/2014/main" id="{448190D3-27C6-ECA6-FDC6-ECCF37EDD718}"/>
+                </a:ext>
+              </a:extLst>
+            </p:cNvPr>
+            <p:cNvCxnSpPr>
+              <a:cxnSpLocks/>
+              <a:stCxn id="7" idx="0"/>
+              <a:endCxn id="11" idx="2"/>
+            </p:cNvCxnSpPr>
+            <p:nvPr/>
+          </p:nvCxnSpPr>
+          <p:spPr>
+            <a:xfrm flipH="1" flipV="1">
+              <a:off x="4650055" y="1521870"/>
+              <a:ext cx="0" cy="289109"/>
+            </a:xfrm>
+            <a:prstGeom prst="line">
+              <a:avLst/>
+            </a:prstGeom>
+            <a:noFill/>
+            <a:ln w="28575">
+              <a:solidFill>
+                <a:schemeClr val="accent1">
+                  <a:lumMod val="50000"/>
+                </a:schemeClr>
+              </a:solidFill>
+            </a:ln>
+          </p:spPr>
+          <p:style>
+            <a:lnRef idx="2">
+              <a:schemeClr val="accent1">
+                <a:shade val="15000"/>
+              </a:schemeClr>
+            </a:lnRef>
+            <a:fillRef idx="1">
+              <a:schemeClr val="accent1"/>
+            </a:fillRef>
+            <a:effectRef idx="0">
+              <a:schemeClr val="accent1"/>
+            </a:effectRef>
+            <a:fontRef idx="minor">
+              <a:schemeClr val="lt1"/>
+            </a:fontRef>
+          </p:style>
+        </p:cxnSp>
+        <p:cxnSp>
+          <p:nvCxnSpPr>
+            <p:cNvPr id="17" name="Connecteur droit 16">
+              <a:extLst>
+                <a:ext uri="{FF2B5EF4-FFF2-40B4-BE49-F238E27FC236}">
+                  <a16:creationId xmlns:a16="http://schemas.microsoft.com/office/drawing/2014/main" id="{7E701D4C-FFF6-8146-978E-3DE5D04CC9D6}"/>
+                </a:ext>
+              </a:extLst>
+            </p:cNvPr>
+            <p:cNvCxnSpPr>
+              <a:cxnSpLocks/>
+              <a:stCxn id="8" idx="0"/>
+            </p:cNvCxnSpPr>
+            <p:nvPr/>
+          </p:nvCxnSpPr>
+          <p:spPr>
+            <a:xfrm flipV="1">
+              <a:off x="4656936" y="2170979"/>
+              <a:ext cx="0" cy="357653"/>
+            </a:xfrm>
+            <a:prstGeom prst="line">
+              <a:avLst/>
+            </a:prstGeom>
+            <a:noFill/>
+            <a:ln w="28575">
+              <a:solidFill>
+                <a:schemeClr val="accent1">
+                  <a:lumMod val="50000"/>
+                </a:schemeClr>
+              </a:solidFill>
+            </a:ln>
+          </p:spPr>
+          <p:style>
+            <a:lnRef idx="2">
+              <a:schemeClr val="accent1">
+                <a:shade val="15000"/>
+              </a:schemeClr>
+            </a:lnRef>
+            <a:fillRef idx="1">
+              <a:schemeClr val="accent1"/>
+            </a:fillRef>
+            <a:effectRef idx="0">
+              <a:schemeClr val="accent1"/>
+            </a:effectRef>
+            <a:fontRef idx="minor">
+              <a:schemeClr val="lt1"/>
+            </a:fontRef>
+          </p:style>
+        </p:cxnSp>
+        <p:cxnSp>
+          <p:nvCxnSpPr>
+            <p:cNvPr id="24" name="Connecteur droit 23">
+              <a:extLst>
+                <a:ext uri="{FF2B5EF4-FFF2-40B4-BE49-F238E27FC236}">
+                  <a16:creationId xmlns:a16="http://schemas.microsoft.com/office/drawing/2014/main" id="{639A2CB1-36F0-E443-45D9-B4FE21E301A4}"/>
+                </a:ext>
+              </a:extLst>
+            </p:cNvPr>
+            <p:cNvCxnSpPr>
+              <a:cxnSpLocks/>
+            </p:cNvCxnSpPr>
+            <p:nvPr/>
+          </p:nvCxnSpPr>
+          <p:spPr>
+            <a:xfrm flipV="1">
+              <a:off x="4668204" y="770726"/>
+              <a:ext cx="0" cy="272408"/>
+            </a:xfrm>
+            <a:prstGeom prst="line">
+              <a:avLst/>
+            </a:prstGeom>
+            <a:noFill/>
+            <a:ln w="28575">
+              <a:solidFill>
+                <a:schemeClr val="accent1">
+                  <a:lumMod val="50000"/>
+                </a:schemeClr>
+              </a:solidFill>
+            </a:ln>
+          </p:spPr>
+          <p:style>
+            <a:lnRef idx="2">
+              <a:schemeClr val="accent1">
+                <a:shade val="15000"/>
+              </a:schemeClr>
+            </a:lnRef>
+            <a:fillRef idx="1">
+              <a:schemeClr val="accent1"/>
+            </a:fillRef>
+            <a:effectRef idx="0">
+              <a:schemeClr val="accent1"/>
+            </a:effectRef>
+            <a:fontRef idx="minor">
+              <a:schemeClr val="lt1"/>
+            </a:fontRef>
+          </p:style>
+        </p:cxnSp>
+        <p:cxnSp>
+          <p:nvCxnSpPr>
+            <p:cNvPr id="26" name="Connecteur droit 25">
+              <a:extLst>
+                <a:ext uri="{FF2B5EF4-FFF2-40B4-BE49-F238E27FC236}">
+                  <a16:creationId xmlns:a16="http://schemas.microsoft.com/office/drawing/2014/main" id="{DF3909D9-3262-3E88-15EB-2A0123DB7867}"/>
+                </a:ext>
+              </a:extLst>
+            </p:cNvPr>
+            <p:cNvCxnSpPr>
+              <a:cxnSpLocks/>
+            </p:cNvCxnSpPr>
+            <p:nvPr/>
+          </p:nvCxnSpPr>
+          <p:spPr>
+            <a:xfrm flipV="1">
+              <a:off x="4668204" y="2888632"/>
+              <a:ext cx="0" cy="272408"/>
+            </a:xfrm>
+            <a:prstGeom prst="line">
+              <a:avLst/>
+            </a:prstGeom>
+            <a:noFill/>
+            <a:ln w="28575">
+              <a:solidFill>
+                <a:schemeClr val="accent1">
+                  <a:lumMod val="50000"/>
+                </a:schemeClr>
+              </a:solidFill>
+            </a:ln>
+          </p:spPr>
+          <p:style>
+            <a:lnRef idx="2">
+              <a:schemeClr val="accent1">
+                <a:shade val="15000"/>
+              </a:schemeClr>
+            </a:lnRef>
+            <a:fillRef idx="1">
+              <a:schemeClr val="accent1"/>
+            </a:fillRef>
+            <a:effectRef idx="0">
+              <a:schemeClr val="accent1"/>
+            </a:effectRef>
+            <a:fontRef idx="minor">
+              <a:schemeClr val="lt1"/>
+            </a:fontRef>
+          </p:style>
+        </p:cxnSp>
+      </p:grpSp>
+      <p:cxnSp>
+        <p:nvCxnSpPr>
+          <p:cNvPr id="27" name="Connecteur droit 26">
+            <a:extLst>
+              <a:ext uri="{FF2B5EF4-FFF2-40B4-BE49-F238E27FC236}">
+                <a16:creationId xmlns:a16="http://schemas.microsoft.com/office/drawing/2014/main" id="{5D5C3AE8-3DD4-F729-DC24-20B52BA51950}"/>
+              </a:ext>
+            </a:extLst>
+          </p:cNvPr>
+          <p:cNvCxnSpPr>
+            <a:cxnSpLocks/>
+          </p:cNvCxnSpPr>
+          <p:nvPr/>
+        </p:nvCxnSpPr>
+        <p:spPr>
+          <a:xfrm flipV="1">
+            <a:off x="2725789" y="2170979"/>
+            <a:ext cx="0" cy="972828"/>
+          </a:xfrm>
+          <a:prstGeom prst="line">
+            <a:avLst/>
+          </a:prstGeom>
+          <a:noFill/>
+          <a:ln w="28575">
+            <a:solidFill>
+              <a:schemeClr val="accent1">
+                <a:lumMod val="50000"/>
+              </a:schemeClr>
+            </a:solidFill>
+          </a:ln>
+        </p:spPr>
+        <p:style>
+          <a:lnRef idx="2">
+            <a:schemeClr val="accent1">
+              <a:shade val="15000"/>
+            </a:schemeClr>
+          </a:lnRef>
+          <a:fillRef idx="1">
+            <a:schemeClr val="accent1"/>
+          </a:fillRef>
+          <a:effectRef idx="0">
+            <a:schemeClr val="accent1"/>
+          </a:effectRef>
+          <a:fontRef idx="minor">
+            <a:schemeClr val="lt1"/>
+          </a:fontRef>
+        </p:style>
+      </p:cxnSp>
+      <p:cxnSp>
+        <p:nvCxnSpPr>
+          <p:cNvPr id="28" name="Connecteur droit 27">
+            <a:extLst>
+              <a:ext uri="{FF2B5EF4-FFF2-40B4-BE49-F238E27FC236}">
+                <a16:creationId xmlns:a16="http://schemas.microsoft.com/office/drawing/2014/main" id="{E9DBD165-579D-3115-8A06-0CCD402A0833}"/>
+              </a:ext>
+            </a:extLst>
+          </p:cNvPr>
+          <p:cNvCxnSpPr>
+            <a:cxnSpLocks/>
+          </p:cNvCxnSpPr>
+          <p:nvPr/>
+        </p:nvCxnSpPr>
+        <p:spPr>
+          <a:xfrm>
+            <a:off x="2725789" y="3143807"/>
+            <a:ext cx="1942415" cy="0"/>
+          </a:xfrm>
+          <a:prstGeom prst="line">
+            <a:avLst/>
+          </a:prstGeom>
+          <a:noFill/>
+          <a:ln w="28575">
+            <a:solidFill>
+              <a:schemeClr val="accent1">
+                <a:lumMod val="50000"/>
+              </a:schemeClr>
+            </a:solidFill>
+          </a:ln>
+        </p:spPr>
+        <p:style>
+          <a:lnRef idx="2">
+            <a:schemeClr val="accent1">
+              <a:shade val="15000"/>
+            </a:schemeClr>
+          </a:lnRef>
+          <a:fillRef idx="1">
+            <a:schemeClr val="accent1"/>
+          </a:fillRef>
+          <a:effectRef idx="0">
+            <a:schemeClr val="accent1"/>
+          </a:effectRef>
+          <a:fontRef idx="minor">
+            <a:schemeClr val="lt1"/>
+          </a:fontRef>
+        </p:style>
+      </p:cxnSp>
+      <p:cxnSp>
+        <p:nvCxnSpPr>
+          <p:cNvPr id="35" name="Connecteur droit avec flèche 34">
+            <a:extLst>
+              <a:ext uri="{FF2B5EF4-FFF2-40B4-BE49-F238E27FC236}">
+                <a16:creationId xmlns:a16="http://schemas.microsoft.com/office/drawing/2014/main" id="{AF87E121-00FC-C636-DD6B-C9991E1E26F5}"/>
+              </a:ext>
+            </a:extLst>
+          </p:cNvPr>
+          <p:cNvCxnSpPr>
+            <a:cxnSpLocks/>
+          </p:cNvCxnSpPr>
+          <p:nvPr/>
+        </p:nvCxnSpPr>
+        <p:spPr>
+          <a:xfrm>
+            <a:off x="2725789" y="1085666"/>
+            <a:ext cx="0" cy="406400"/>
+          </a:xfrm>
+          <a:prstGeom prst="straightConnector1">
+            <a:avLst/>
+          </a:prstGeom>
+          <a:noFill/>
+          <a:ln w="28575">
+            <a:solidFill>
+              <a:srgbClr val="C00000"/>
+            </a:solidFill>
+            <a:headEnd type="stealth" w="med" len="lg"/>
+          </a:ln>
+        </p:spPr>
+        <p:style>
+          <a:lnRef idx="2">
+            <a:schemeClr val="accent1">
+              <a:shade val="15000"/>
+            </a:schemeClr>
+          </a:lnRef>
+          <a:fillRef idx="1">
+            <a:schemeClr val="accent1"/>
+          </a:fillRef>
+          <a:effectRef idx="0">
+            <a:schemeClr val="accent1"/>
+          </a:effectRef>
+          <a:fontRef idx="minor">
+            <a:schemeClr val="lt1"/>
+          </a:fontRef>
+        </p:style>
+      </p:cxnSp>
+      <p:cxnSp>
+        <p:nvCxnSpPr>
+          <p:cNvPr id="37" name="Connecteur droit avec flèche 36">
+            <a:extLst>
+              <a:ext uri="{FF2B5EF4-FFF2-40B4-BE49-F238E27FC236}">
+                <a16:creationId xmlns:a16="http://schemas.microsoft.com/office/drawing/2014/main" id="{9F8B4157-9B62-3B4B-202A-48D36832AAF8}"/>
+              </a:ext>
+            </a:extLst>
+          </p:cNvPr>
+          <p:cNvCxnSpPr>
+            <a:cxnSpLocks/>
+          </p:cNvCxnSpPr>
+          <p:nvPr/>
+        </p:nvCxnSpPr>
+        <p:spPr>
+          <a:xfrm>
+            <a:off x="2446389" y="1764579"/>
+            <a:ext cx="0" cy="406400"/>
+          </a:xfrm>
+          <a:prstGeom prst="straightConnector1">
+            <a:avLst/>
+          </a:prstGeom>
+          <a:noFill/>
+          <a:ln w="28575">
+            <a:solidFill>
+              <a:schemeClr val="accent1">
+                <a:lumMod val="50000"/>
+              </a:schemeClr>
+            </a:solidFill>
+            <a:headEnd type="stealth" w="med" len="lg"/>
+          </a:ln>
+        </p:spPr>
+        <p:style>
+          <a:lnRef idx="2">
+            <a:schemeClr val="accent1">
+              <a:shade val="15000"/>
+            </a:schemeClr>
+          </a:lnRef>
+          <a:fillRef idx="1">
+            <a:schemeClr val="accent1"/>
+          </a:fillRef>
+          <a:effectRef idx="0">
+            <a:schemeClr val="accent1"/>
+          </a:effectRef>
+          <a:fontRef idx="minor">
+            <a:schemeClr val="lt1"/>
+          </a:fontRef>
+        </p:style>
+      </p:cxnSp>
+      <p:cxnSp>
+        <p:nvCxnSpPr>
+          <p:cNvPr id="38" name="Connecteur droit avec flèche 37">
+            <a:extLst>
+              <a:ext uri="{FF2B5EF4-FFF2-40B4-BE49-F238E27FC236}">
+                <a16:creationId xmlns:a16="http://schemas.microsoft.com/office/drawing/2014/main" id="{93AE3BEC-1523-43E0-B9D2-2B89AA89DE80}"/>
+              </a:ext>
+            </a:extLst>
+          </p:cNvPr>
+          <p:cNvCxnSpPr>
+            <a:cxnSpLocks/>
+            <a:stCxn id="4" idx="0"/>
+            <a:endCxn id="4" idx="4"/>
+          </p:cNvCxnSpPr>
+          <p:nvPr/>
+        </p:nvCxnSpPr>
+        <p:spPr>
+          <a:xfrm>
+            <a:off x="2725789" y="1810979"/>
+            <a:ext cx="0" cy="360000"/>
+          </a:xfrm>
+          <a:prstGeom prst="straightConnector1">
+            <a:avLst/>
+          </a:prstGeom>
+          <a:noFill/>
+          <a:ln w="28575">
+            <a:solidFill>
+              <a:schemeClr val="accent1">
+                <a:lumMod val="50000"/>
+              </a:schemeClr>
+            </a:solidFill>
+            <a:headEnd type="stealth" w="med" len="lg"/>
+          </a:ln>
+        </p:spPr>
+        <p:style>
+          <a:lnRef idx="2">
+            <a:schemeClr val="accent1">
+              <a:shade val="15000"/>
+            </a:schemeClr>
+          </a:lnRef>
+          <a:fillRef idx="1">
+            <a:schemeClr val="accent1"/>
+          </a:fillRef>
+          <a:effectRef idx="0">
+            <a:schemeClr val="accent1"/>
+          </a:effectRef>
+          <a:fontRef idx="minor">
+            <a:schemeClr val="lt1"/>
+          </a:fontRef>
+        </p:style>
+      </p:cxnSp>
+      <p:cxnSp>
+        <p:nvCxnSpPr>
+          <p:cNvPr id="41" name="Connecteur droit avec flèche 40">
+            <a:extLst>
+              <a:ext uri="{FF2B5EF4-FFF2-40B4-BE49-F238E27FC236}">
+                <a16:creationId xmlns:a16="http://schemas.microsoft.com/office/drawing/2014/main" id="{95AAEC76-1D86-8A02-AB2A-A7893A23AB69}"/>
+              </a:ext>
+            </a:extLst>
+          </p:cNvPr>
+          <p:cNvCxnSpPr>
+            <a:cxnSpLocks/>
+          </p:cNvCxnSpPr>
+          <p:nvPr/>
+        </p:nvCxnSpPr>
+        <p:spPr>
+          <a:xfrm>
+            <a:off x="4941939" y="1079316"/>
+            <a:ext cx="0" cy="406400"/>
+          </a:xfrm>
+          <a:prstGeom prst="straightConnector1">
+            <a:avLst/>
+          </a:prstGeom>
+          <a:noFill/>
+          <a:ln w="28575">
+            <a:solidFill>
+              <a:schemeClr val="accent1">
+                <a:lumMod val="50000"/>
+              </a:schemeClr>
+            </a:solidFill>
+            <a:headEnd type="stealth" w="med" len="lg"/>
+          </a:ln>
+        </p:spPr>
+        <p:style>
+          <a:lnRef idx="2">
+            <a:schemeClr val="accent1">
+              <a:shade val="15000"/>
+            </a:schemeClr>
+          </a:lnRef>
+          <a:fillRef idx="1">
+            <a:schemeClr val="accent1"/>
+          </a:fillRef>
+          <a:effectRef idx="0">
+            <a:schemeClr val="accent1"/>
+          </a:effectRef>
+          <a:fontRef idx="minor">
+            <a:schemeClr val="lt1"/>
+          </a:fontRef>
+        </p:style>
+      </p:cxnSp>
+      <p:cxnSp>
+        <p:nvCxnSpPr>
+          <p:cNvPr id="42" name="Connecteur droit avec flèche 41">
+            <a:extLst>
+              <a:ext uri="{FF2B5EF4-FFF2-40B4-BE49-F238E27FC236}">
+                <a16:creationId xmlns:a16="http://schemas.microsoft.com/office/drawing/2014/main" id="{E3E57F02-EAD4-FFEA-03E9-E0EE57A77792}"/>
+              </a:ext>
+            </a:extLst>
+          </p:cNvPr>
+          <p:cNvCxnSpPr>
+            <a:cxnSpLocks/>
+          </p:cNvCxnSpPr>
+          <p:nvPr/>
+        </p:nvCxnSpPr>
+        <p:spPr>
+          <a:xfrm>
+            <a:off x="4941939" y="1764579"/>
+            <a:ext cx="0" cy="406400"/>
+          </a:xfrm>
+          <a:prstGeom prst="straightConnector1">
+            <a:avLst/>
+          </a:prstGeom>
+          <a:noFill/>
+          <a:ln w="28575">
+            <a:solidFill>
+              <a:schemeClr val="accent1">
+                <a:lumMod val="50000"/>
+              </a:schemeClr>
+            </a:solidFill>
+            <a:headEnd type="stealth" w="med" len="lg"/>
+          </a:ln>
+        </p:spPr>
+        <p:style>
+          <a:lnRef idx="2">
+            <a:schemeClr val="accent1">
+              <a:shade val="15000"/>
+            </a:schemeClr>
+          </a:lnRef>
+          <a:fillRef idx="1">
+            <a:schemeClr val="accent1"/>
+          </a:fillRef>
+          <a:effectRef idx="0">
+            <a:schemeClr val="accent1"/>
+          </a:effectRef>
+          <a:fontRef idx="minor">
+            <a:schemeClr val="lt1"/>
+          </a:fontRef>
+        </p:style>
+      </p:cxnSp>
+      <p:cxnSp>
+        <p:nvCxnSpPr>
+          <p:cNvPr id="43" name="Connecteur droit avec flèche 42">
+            <a:extLst>
+              <a:ext uri="{FF2B5EF4-FFF2-40B4-BE49-F238E27FC236}">
+                <a16:creationId xmlns:a16="http://schemas.microsoft.com/office/drawing/2014/main" id="{3164B44C-D602-9246-10D1-FB917D7E1BF7}"/>
+              </a:ext>
+            </a:extLst>
+          </p:cNvPr>
+          <p:cNvCxnSpPr>
+            <a:cxnSpLocks/>
+          </p:cNvCxnSpPr>
+          <p:nvPr/>
+        </p:nvCxnSpPr>
+        <p:spPr>
+          <a:xfrm>
+            <a:off x="4941939" y="2482232"/>
+            <a:ext cx="0" cy="406400"/>
+          </a:xfrm>
+          <a:prstGeom prst="straightConnector1">
+            <a:avLst/>
+          </a:prstGeom>
+          <a:noFill/>
+          <a:ln w="28575">
+            <a:solidFill>
+              <a:schemeClr val="accent1">
+                <a:lumMod val="50000"/>
+              </a:schemeClr>
+            </a:solidFill>
+            <a:headEnd type="stealth" w="med" len="lg"/>
+          </a:ln>
+        </p:spPr>
+        <p:style>
+          <a:lnRef idx="2">
+            <a:schemeClr val="accent1">
+              <a:shade val="15000"/>
+            </a:schemeClr>
+          </a:lnRef>
+          <a:fillRef idx="1">
+            <a:schemeClr val="accent1"/>
+          </a:fillRef>
+          <a:effectRef idx="0">
+            <a:schemeClr val="accent1"/>
+          </a:effectRef>
+          <a:fontRef idx="minor">
+            <a:schemeClr val="lt1"/>
+          </a:fontRef>
+        </p:style>
+      </p:cxnSp>
+      <mc:AlternateContent xmlns:mc="http://schemas.openxmlformats.org/markup-compatibility/2006" xmlns:a14="http://schemas.microsoft.com/office/drawing/2010/main">
+        <mc:Choice Requires="a14">
+          <p:sp>
+            <p:nvSpPr>
+              <p:cNvPr id="44" name="ZoneTexte 43">
+                <a:extLst>
+                  <a:ext uri="{FF2B5EF4-FFF2-40B4-BE49-F238E27FC236}">
+                    <a16:creationId xmlns:a16="http://schemas.microsoft.com/office/drawing/2014/main" id="{FE2CE5CD-9B42-F00B-865D-C64218CE2F47}"/>
+                  </a:ext>
+                </a:extLst>
+              </p:cNvPr>
+              <p:cNvSpPr txBox="1"/>
+              <p:nvPr/>
+            </p:nvSpPr>
+            <p:spPr>
+              <a:xfrm>
+                <a:off x="2059674" y="1875446"/>
+                <a:ext cx="337015" cy="184666"/>
+              </a:xfrm>
+              <a:prstGeom prst="rect">
+                <a:avLst/>
+              </a:prstGeom>
+              <a:noFill/>
+            </p:spPr>
+            <p:txBody>
+              <a:bodyPr wrap="none" lIns="0" tIns="0" rIns="0" bIns="0" rtlCol="0">
+                <a:spAutoFit/>
+              </a:bodyPr>
+              <a:lstStyle/>
+              <a:p>
+                <a:pPr/>
+                <a14:m>
+                  <m:oMathPara xmlns:m="http://schemas.openxmlformats.org/officeDocument/2006/math">
+                    <m:oMathParaPr>
+                      <m:jc m:val="centerGroup"/>
+                    </m:oMathParaPr>
+                    <m:oMath xmlns:m="http://schemas.openxmlformats.org/officeDocument/2006/math">
+                      <m:r>
+                        <a:rPr lang="fr-FR" sz="1200" b="0" i="1" smtClean="0">
+                          <a:latin typeface="Cambria Math" panose="02040503050406030204" pitchFamily="18" charset="0"/>
+                        </a:rPr>
+                        <m:t>𝑈</m:t>
+                      </m:r>
+                      <m:r>
+                        <a:rPr lang="fr-FR" sz="1200" b="0" i="1" smtClean="0">
+                          <a:latin typeface="Cambria Math" panose="02040503050406030204" pitchFamily="18" charset="0"/>
+                        </a:rPr>
+                        <m:t>(</m:t>
+                      </m:r>
+                      <m:r>
+                        <a:rPr lang="fr-FR" sz="1200" b="0" i="1" smtClean="0">
+                          <a:latin typeface="Cambria Math" panose="02040503050406030204" pitchFamily="18" charset="0"/>
+                        </a:rPr>
+                        <m:t>𝑡</m:t>
+                      </m:r>
+                      <m:r>
+                        <a:rPr lang="fr-FR" sz="1200" b="0" i="1" smtClean="0">
+                          <a:latin typeface="Cambria Math" panose="02040503050406030204" pitchFamily="18" charset="0"/>
+                        </a:rPr>
+                        <m:t>)</m:t>
+                      </m:r>
+                    </m:oMath>
+                  </m:oMathPara>
+                </a14:m>
+                <a:endParaRPr lang="fr-FR" sz="1200" dirty="0"/>
+              </a:p>
+            </p:txBody>
+          </p:sp>
+        </mc:Choice>
+        <mc:Fallback xmlns="">
+          <p:sp>
+            <p:nvSpPr>
+              <p:cNvPr id="44" name="ZoneTexte 43">
+                <a:extLst>
+                  <a:ext uri="{FF2B5EF4-FFF2-40B4-BE49-F238E27FC236}">
+                    <a16:creationId xmlns:a16="http://schemas.microsoft.com/office/drawing/2014/main" id="{FE2CE5CD-9B42-F00B-865D-C64218CE2F47}"/>
+                  </a:ext>
+                </a:extLst>
+              </p:cNvPr>
+              <p:cNvSpPr txBox="1">
+                <a:spLocks noRot="1" noChangeAspect="1" noMove="1" noResize="1" noEditPoints="1" noAdjustHandles="1" noChangeArrowheads="1" noChangeShapeType="1" noTextEdit="1"/>
+              </p:cNvSpPr>
+              <p:nvPr/>
+            </p:nvSpPr>
+            <p:spPr>
+              <a:xfrm>
+                <a:off x="2059674" y="1875446"/>
+                <a:ext cx="337015" cy="184666"/>
+              </a:xfrm>
+              <a:prstGeom prst="rect">
+                <a:avLst/>
+              </a:prstGeom>
+              <a:blipFill>
+                <a:blip r:embed="rId2"/>
+                <a:stretch>
+                  <a:fillRect l="-10909" t="-6667" r="-16364" b="-36667"/>
+                </a:stretch>
+              </a:blipFill>
+            </p:spPr>
+            <p:txBody>
+              <a:bodyPr/>
+              <a:lstStyle/>
+              <a:p>
+                <a:r>
+                  <a:rPr lang="fr-FR">
+                    <a:noFill/>
+                  </a:rPr>
+                  <a:t> </a:t>
+                </a:r>
+              </a:p>
+            </p:txBody>
+          </p:sp>
+        </mc:Fallback>
+      </mc:AlternateContent>
+      <mc:AlternateContent xmlns:mc="http://schemas.openxmlformats.org/markup-compatibility/2006" xmlns:a14="http://schemas.microsoft.com/office/drawing/2010/main">
+        <mc:Choice Requires="a14">
+          <p:sp>
+            <p:nvSpPr>
+              <p:cNvPr id="45" name="ZoneTexte 44">
+                <a:extLst>
+                  <a:ext uri="{FF2B5EF4-FFF2-40B4-BE49-F238E27FC236}">
+                    <a16:creationId xmlns:a16="http://schemas.microsoft.com/office/drawing/2014/main" id="{FA5A2564-74E3-3C6F-3F71-89E1BFBA7C3C}"/>
+                  </a:ext>
+                </a:extLst>
+              </p:cNvPr>
+              <p:cNvSpPr txBox="1"/>
+              <p:nvPr/>
+            </p:nvSpPr>
+            <p:spPr>
+              <a:xfrm>
+                <a:off x="2329406" y="1216271"/>
+                <a:ext cx="324256" cy="215444"/>
+              </a:xfrm>
+              <a:prstGeom prst="rect">
+                <a:avLst/>
+              </a:prstGeom>
+              <a:noFill/>
+            </p:spPr>
+            <p:txBody>
+              <a:bodyPr wrap="none" lIns="0" tIns="0" rIns="0" bIns="0" rtlCol="0">
+                <a:spAutoFit/>
+              </a:bodyPr>
+              <a:lstStyle/>
+              <a:p>
+                <a:pPr/>
+                <a14:m>
+                  <m:oMathPara xmlns:m="http://schemas.openxmlformats.org/officeDocument/2006/math">
+                    <m:oMathParaPr>
+                      <m:jc m:val="centerGroup"/>
+                    </m:oMathParaPr>
+                    <m:oMath xmlns:m="http://schemas.openxmlformats.org/officeDocument/2006/math">
+                      <m:r>
+                        <a:rPr lang="fr-FR" sz="1400" b="0" i="1" smtClean="0">
+                          <a:latin typeface="Cambria Math" panose="02040503050406030204" pitchFamily="18" charset="0"/>
+                        </a:rPr>
+                        <m:t>𝑖</m:t>
+                      </m:r>
+                      <m:r>
+                        <a:rPr lang="fr-FR" sz="1400" b="0" i="1" smtClean="0">
+                          <a:latin typeface="Cambria Math" panose="02040503050406030204" pitchFamily="18" charset="0"/>
+                        </a:rPr>
+                        <m:t>(</m:t>
+                      </m:r>
+                      <m:r>
+                        <a:rPr lang="fr-FR" sz="1400" b="0" i="1" smtClean="0">
+                          <a:latin typeface="Cambria Math" panose="02040503050406030204" pitchFamily="18" charset="0"/>
+                        </a:rPr>
+                        <m:t>𝑡</m:t>
+                      </m:r>
+                      <m:r>
+                        <a:rPr lang="fr-FR" sz="1400" b="0" i="1" smtClean="0">
+                          <a:latin typeface="Cambria Math" panose="02040503050406030204" pitchFamily="18" charset="0"/>
+                        </a:rPr>
+                        <m:t>)</m:t>
+                      </m:r>
+                    </m:oMath>
+                  </m:oMathPara>
+                </a14:m>
+                <a:endParaRPr lang="fr-FR" sz="1400" dirty="0"/>
+              </a:p>
+            </p:txBody>
+          </p:sp>
+        </mc:Choice>
+        <mc:Fallback xmlns="">
+          <p:sp>
+            <p:nvSpPr>
+              <p:cNvPr id="45" name="ZoneTexte 44">
+                <a:extLst>
+                  <a:ext uri="{FF2B5EF4-FFF2-40B4-BE49-F238E27FC236}">
+                    <a16:creationId xmlns:a16="http://schemas.microsoft.com/office/drawing/2014/main" id="{FA5A2564-74E3-3C6F-3F71-89E1BFBA7C3C}"/>
+                  </a:ext>
+                </a:extLst>
+              </p:cNvPr>
+              <p:cNvSpPr txBox="1">
+                <a:spLocks noRot="1" noChangeAspect="1" noMove="1" noResize="1" noEditPoints="1" noAdjustHandles="1" noChangeArrowheads="1" noChangeShapeType="1" noTextEdit="1"/>
+              </p:cNvSpPr>
+              <p:nvPr/>
+            </p:nvSpPr>
+            <p:spPr>
+              <a:xfrm>
+                <a:off x="2329406" y="1216271"/>
+                <a:ext cx="324256" cy="215444"/>
+              </a:xfrm>
+              <a:prstGeom prst="rect">
+                <a:avLst/>
+              </a:prstGeom>
+              <a:blipFill>
+                <a:blip r:embed="rId3"/>
+                <a:stretch>
+                  <a:fillRect l="-13208" r="-20755" b="-31429"/>
+                </a:stretch>
+              </a:blipFill>
+            </p:spPr>
+            <p:txBody>
+              <a:bodyPr/>
+              <a:lstStyle/>
+              <a:p>
+                <a:r>
+                  <a:rPr lang="fr-FR">
+                    <a:noFill/>
+                  </a:rPr>
+                  <a:t> </a:t>
+                </a:r>
+              </a:p>
+            </p:txBody>
+          </p:sp>
+        </mc:Fallback>
+      </mc:AlternateContent>
+      <mc:AlternateContent xmlns:mc="http://schemas.openxmlformats.org/markup-compatibility/2006" xmlns:a14="http://schemas.microsoft.com/office/drawing/2010/main">
+        <mc:Choice Requires="a14">
+          <p:sp>
+            <p:nvSpPr>
+              <p:cNvPr id="46" name="ZoneTexte 45">
+                <a:extLst>
+                  <a:ext uri="{FF2B5EF4-FFF2-40B4-BE49-F238E27FC236}">
+                    <a16:creationId xmlns:a16="http://schemas.microsoft.com/office/drawing/2014/main" id="{5DBBBB55-9D00-52A7-5BB7-9CEF15BD8672}"/>
+                  </a:ext>
+                </a:extLst>
+              </p:cNvPr>
+              <p:cNvSpPr txBox="1"/>
+              <p:nvPr/>
+            </p:nvSpPr>
+            <p:spPr>
+              <a:xfrm>
+                <a:off x="5059178" y="1123339"/>
+                <a:ext cx="1036822" cy="351699"/>
+              </a:xfrm>
+              <a:prstGeom prst="rect">
+                <a:avLst/>
+              </a:prstGeom>
+              <a:noFill/>
+            </p:spPr>
+            <p:txBody>
+              <a:bodyPr wrap="none" lIns="0" tIns="0" rIns="0" bIns="0" rtlCol="0">
+                <a:spAutoFit/>
+              </a:bodyPr>
+              <a:lstStyle/>
+              <a:p>
+                <a:pPr/>
+                <a14:m>
+                  <m:oMathPara xmlns:m="http://schemas.openxmlformats.org/officeDocument/2006/math">
+                    <m:oMathParaPr>
+                      <m:jc m:val="centerGroup"/>
+                    </m:oMathParaPr>
+                    <m:oMath xmlns:m="http://schemas.openxmlformats.org/officeDocument/2006/math">
+                      <m:sSub>
+                        <m:sSubPr>
+                          <m:ctrlPr>
+                            <a:rPr lang="fr-FR" sz="1200" b="0" i="1" smtClean="0">
+                              <a:latin typeface="Cambria Math" panose="02040503050406030204" pitchFamily="18" charset="0"/>
+                            </a:rPr>
+                          </m:ctrlPr>
+                        </m:sSubPr>
+                        <m:e>
+                          <m:r>
+                            <a:rPr lang="fr-FR" sz="1200" b="0" i="1" smtClean="0">
+                              <a:latin typeface="Cambria Math" panose="02040503050406030204" pitchFamily="18" charset="0"/>
+                            </a:rPr>
+                            <m:t>𝑈</m:t>
+                          </m:r>
+                        </m:e>
+                        <m:sub>
+                          <m:r>
+                            <a:rPr lang="fr-FR" sz="1200" b="0" i="1" smtClean="0">
+                              <a:latin typeface="Cambria Math" panose="02040503050406030204" pitchFamily="18" charset="0"/>
+                            </a:rPr>
+                            <m:t>𝐿</m:t>
+                          </m:r>
+                        </m:sub>
+                      </m:sSub>
+                      <m:d>
+                        <m:dPr>
+                          <m:ctrlPr>
+                            <a:rPr lang="fr-FR" sz="1200" b="0" i="1" smtClean="0">
+                              <a:latin typeface="Cambria Math" panose="02040503050406030204" pitchFamily="18" charset="0"/>
+                            </a:rPr>
+                          </m:ctrlPr>
+                        </m:dPr>
+                        <m:e>
+                          <m:r>
+                            <a:rPr lang="fr-FR" sz="1200" b="0" i="1" smtClean="0">
+                              <a:latin typeface="Cambria Math" panose="02040503050406030204" pitchFamily="18" charset="0"/>
+                            </a:rPr>
+                            <m:t>𝑡</m:t>
+                          </m:r>
+                        </m:e>
+                      </m:d>
+                      <m:r>
+                        <a:rPr lang="fr-FR" sz="1200" b="0" i="1" smtClean="0">
+                          <a:latin typeface="Cambria Math" panose="02040503050406030204" pitchFamily="18" charset="0"/>
+                        </a:rPr>
+                        <m:t>=</m:t>
+                      </m:r>
+                      <m:r>
+                        <a:rPr lang="fr-FR" sz="1200" i="1">
+                          <a:latin typeface="Cambria Math" panose="02040503050406030204" pitchFamily="18" charset="0"/>
+                        </a:rPr>
+                        <m:t>𝐿</m:t>
+                      </m:r>
+                      <m:f>
+                        <m:fPr>
+                          <m:ctrlPr>
+                            <a:rPr lang="fr-FR" sz="1200" b="0" i="1" smtClean="0">
+                              <a:latin typeface="Cambria Math" panose="02040503050406030204" pitchFamily="18" charset="0"/>
+                            </a:rPr>
+                          </m:ctrlPr>
+                        </m:fPr>
+                        <m:num>
+                          <m:r>
+                            <m:rPr>
+                              <m:sty m:val="p"/>
+                            </m:rPr>
+                            <a:rPr lang="fr-FR" sz="1200" b="0" i="0" smtClean="0">
+                              <a:latin typeface="Cambria Math" panose="02040503050406030204" pitchFamily="18" charset="0"/>
+                            </a:rPr>
+                            <m:t>d</m:t>
+                          </m:r>
+                          <m:r>
+                            <a:rPr lang="fr-FR" sz="1200" b="0" i="1" smtClean="0">
+                              <a:latin typeface="Cambria Math" panose="02040503050406030204" pitchFamily="18" charset="0"/>
+                            </a:rPr>
+                            <m:t>𝑖</m:t>
+                          </m:r>
+                          <m:r>
+                            <a:rPr lang="fr-FR" sz="1200" b="0" i="1" smtClean="0">
+                              <a:latin typeface="Cambria Math" panose="02040503050406030204" pitchFamily="18" charset="0"/>
+                            </a:rPr>
+                            <m:t>(</m:t>
+                          </m:r>
+                          <m:r>
+                            <a:rPr lang="fr-FR" sz="1200" b="0" i="1" smtClean="0">
+                              <a:latin typeface="Cambria Math" panose="02040503050406030204" pitchFamily="18" charset="0"/>
+                            </a:rPr>
+                            <m:t>𝑡</m:t>
+                          </m:r>
+                          <m:r>
+                            <a:rPr lang="fr-FR" sz="1200" b="0" i="1" smtClean="0">
+                              <a:latin typeface="Cambria Math" panose="02040503050406030204" pitchFamily="18" charset="0"/>
+                            </a:rPr>
+                            <m:t>)</m:t>
+                          </m:r>
+                        </m:num>
+                        <m:den>
+                          <m:r>
+                            <a:rPr lang="fr-FR" sz="1200" b="0" i="1" smtClean="0">
+                              <a:latin typeface="Cambria Math" panose="02040503050406030204" pitchFamily="18" charset="0"/>
+                            </a:rPr>
+                            <m:t>𝑑𝑡</m:t>
+                          </m:r>
+                        </m:den>
+                      </m:f>
+                    </m:oMath>
+                  </m:oMathPara>
+                </a14:m>
+                <a:endParaRPr lang="fr-FR" sz="1200" dirty="0"/>
+              </a:p>
+            </p:txBody>
+          </p:sp>
+        </mc:Choice>
+        <mc:Fallback xmlns="">
+          <p:sp>
+            <p:nvSpPr>
+              <p:cNvPr id="46" name="ZoneTexte 45">
+                <a:extLst>
+                  <a:ext uri="{FF2B5EF4-FFF2-40B4-BE49-F238E27FC236}">
+                    <a16:creationId xmlns:a16="http://schemas.microsoft.com/office/drawing/2014/main" id="{5DBBBB55-9D00-52A7-5BB7-9CEF15BD8672}"/>
+                  </a:ext>
+                </a:extLst>
+              </p:cNvPr>
+              <p:cNvSpPr txBox="1">
+                <a:spLocks noRot="1" noChangeAspect="1" noMove="1" noResize="1" noEditPoints="1" noAdjustHandles="1" noChangeArrowheads="1" noChangeShapeType="1" noTextEdit="1"/>
+              </p:cNvSpPr>
+              <p:nvPr/>
+            </p:nvSpPr>
+            <p:spPr>
+              <a:xfrm>
+                <a:off x="5059178" y="1123339"/>
+                <a:ext cx="1036822" cy="351699"/>
+              </a:xfrm>
+              <a:prstGeom prst="rect">
+                <a:avLst/>
+              </a:prstGeom>
+              <a:blipFill>
+                <a:blip r:embed="rId4"/>
+                <a:stretch>
+                  <a:fillRect l="-2941" t="-5172" r="-4706" b="-15517"/>
+                </a:stretch>
+              </a:blipFill>
+            </p:spPr>
+            <p:txBody>
+              <a:bodyPr/>
+              <a:lstStyle/>
+              <a:p>
+                <a:r>
+                  <a:rPr lang="fr-FR">
+                    <a:noFill/>
+                  </a:rPr>
+                  <a:t> </a:t>
+                </a:r>
+              </a:p>
+            </p:txBody>
+          </p:sp>
+        </mc:Fallback>
+      </mc:AlternateContent>
+      <mc:AlternateContent xmlns:mc="http://schemas.openxmlformats.org/markup-compatibility/2006" xmlns:a14="http://schemas.microsoft.com/office/drawing/2010/main">
+        <mc:Choice Requires="a14">
+          <p:sp>
+            <p:nvSpPr>
+              <p:cNvPr id="47" name="ZoneTexte 46">
+                <a:extLst>
+                  <a:ext uri="{FF2B5EF4-FFF2-40B4-BE49-F238E27FC236}">
+                    <a16:creationId xmlns:a16="http://schemas.microsoft.com/office/drawing/2014/main" id="{4496B787-3B44-8E43-30FF-9786E50CC63D}"/>
+                  </a:ext>
+                </a:extLst>
+              </p:cNvPr>
+              <p:cNvSpPr txBox="1"/>
+              <p:nvPr/>
+            </p:nvSpPr>
+            <p:spPr>
+              <a:xfrm>
+                <a:off x="5038819" y="1898646"/>
+                <a:ext cx="952312" cy="184666"/>
+              </a:xfrm>
+              <a:prstGeom prst="rect">
+                <a:avLst/>
+              </a:prstGeom>
+              <a:noFill/>
+            </p:spPr>
+            <p:txBody>
+              <a:bodyPr wrap="none" lIns="0" tIns="0" rIns="0" bIns="0" rtlCol="0">
+                <a:spAutoFit/>
+              </a:bodyPr>
+              <a:lstStyle/>
+              <a:p>
+                <a:pPr/>
+                <a14:m>
+                  <m:oMathPara xmlns:m="http://schemas.openxmlformats.org/officeDocument/2006/math">
+                    <m:oMathParaPr>
+                      <m:jc m:val="centerGroup"/>
+                    </m:oMathParaPr>
+                    <m:oMath xmlns:m="http://schemas.openxmlformats.org/officeDocument/2006/math">
+                      <m:sSub>
+                        <m:sSubPr>
+                          <m:ctrlPr>
+                            <a:rPr lang="fr-FR" sz="1200" b="0" i="1" smtClean="0">
+                              <a:latin typeface="Cambria Math" panose="02040503050406030204" pitchFamily="18" charset="0"/>
+                            </a:rPr>
+                          </m:ctrlPr>
+                        </m:sSubPr>
+                        <m:e>
+                          <m:r>
+                            <a:rPr lang="fr-FR" sz="1200" b="0" i="1" smtClean="0">
+                              <a:latin typeface="Cambria Math" panose="02040503050406030204" pitchFamily="18" charset="0"/>
+                            </a:rPr>
+                            <m:t>𝑈</m:t>
+                          </m:r>
+                        </m:e>
+                        <m:sub>
+                          <m:r>
+                            <a:rPr lang="fr-FR" sz="1200" b="0" i="1" smtClean="0">
+                              <a:latin typeface="Cambria Math" panose="02040503050406030204" pitchFamily="18" charset="0"/>
+                            </a:rPr>
+                            <m:t>𝑅</m:t>
+                          </m:r>
+                        </m:sub>
+                      </m:sSub>
+                      <m:d>
+                        <m:dPr>
+                          <m:ctrlPr>
+                            <a:rPr lang="fr-FR" sz="1200" b="0" i="1" smtClean="0">
+                              <a:latin typeface="Cambria Math" panose="02040503050406030204" pitchFamily="18" charset="0"/>
+                            </a:rPr>
+                          </m:ctrlPr>
+                        </m:dPr>
+                        <m:e>
+                          <m:r>
+                            <a:rPr lang="fr-FR" sz="1200" b="0" i="1" smtClean="0">
+                              <a:latin typeface="Cambria Math" panose="02040503050406030204" pitchFamily="18" charset="0"/>
+                            </a:rPr>
+                            <m:t>𝑡</m:t>
+                          </m:r>
+                        </m:e>
+                      </m:d>
+                      <m:r>
+                        <a:rPr lang="fr-FR" sz="1200" b="0" i="1" smtClean="0">
+                          <a:latin typeface="Cambria Math" panose="02040503050406030204" pitchFamily="18" charset="0"/>
+                        </a:rPr>
+                        <m:t>=</m:t>
+                      </m:r>
+                      <m:r>
+                        <a:rPr lang="fr-FR" sz="1200" b="0" i="1" smtClean="0">
+                          <a:latin typeface="Cambria Math" panose="02040503050406030204" pitchFamily="18" charset="0"/>
+                        </a:rPr>
+                        <m:t>𝑅𝑖</m:t>
+                      </m:r>
+                      <m:r>
+                        <a:rPr lang="fr-FR" sz="1200" b="0" i="1" smtClean="0">
+                          <a:latin typeface="Cambria Math" panose="02040503050406030204" pitchFamily="18" charset="0"/>
+                        </a:rPr>
+                        <m:t>(</m:t>
+                      </m:r>
+                      <m:r>
+                        <a:rPr lang="fr-FR" sz="1200" b="0" i="1" smtClean="0">
+                          <a:latin typeface="Cambria Math" panose="02040503050406030204" pitchFamily="18" charset="0"/>
+                        </a:rPr>
+                        <m:t>𝑡</m:t>
+                      </m:r>
+                      <m:r>
+                        <a:rPr lang="fr-FR" sz="1200" b="0" i="1" smtClean="0">
+                          <a:latin typeface="Cambria Math" panose="02040503050406030204" pitchFamily="18" charset="0"/>
+                        </a:rPr>
+                        <m:t>)</m:t>
+                      </m:r>
+                    </m:oMath>
+                  </m:oMathPara>
+                </a14:m>
+                <a:endParaRPr lang="fr-FR" sz="1200" dirty="0"/>
+              </a:p>
+            </p:txBody>
+          </p:sp>
+        </mc:Choice>
+        <mc:Fallback xmlns="">
+          <p:sp>
+            <p:nvSpPr>
+              <p:cNvPr id="47" name="ZoneTexte 46">
+                <a:extLst>
+                  <a:ext uri="{FF2B5EF4-FFF2-40B4-BE49-F238E27FC236}">
+                    <a16:creationId xmlns:a16="http://schemas.microsoft.com/office/drawing/2014/main" id="{4496B787-3B44-8E43-30FF-9786E50CC63D}"/>
+                  </a:ext>
+                </a:extLst>
+              </p:cNvPr>
+              <p:cNvSpPr txBox="1">
+                <a:spLocks noRot="1" noChangeAspect="1" noMove="1" noResize="1" noEditPoints="1" noAdjustHandles="1" noChangeArrowheads="1" noChangeShapeType="1" noTextEdit="1"/>
+              </p:cNvSpPr>
+              <p:nvPr/>
+            </p:nvSpPr>
+            <p:spPr>
+              <a:xfrm>
+                <a:off x="5038819" y="1898646"/>
+                <a:ext cx="952312" cy="184666"/>
+              </a:xfrm>
+              <a:prstGeom prst="rect">
+                <a:avLst/>
+              </a:prstGeom>
+              <a:blipFill>
+                <a:blip r:embed="rId5"/>
+                <a:stretch>
+                  <a:fillRect l="-3205" t="-3226" r="-5128" b="-35484"/>
+                </a:stretch>
+              </a:blipFill>
+            </p:spPr>
+            <p:txBody>
+              <a:bodyPr/>
+              <a:lstStyle/>
+              <a:p>
+                <a:r>
+                  <a:rPr lang="fr-FR">
+                    <a:noFill/>
+                  </a:rPr>
+                  <a:t> </a:t>
+                </a:r>
+              </a:p>
+            </p:txBody>
+          </p:sp>
+        </mc:Fallback>
+      </mc:AlternateContent>
+      <mc:AlternateContent xmlns:mc="http://schemas.openxmlformats.org/markup-compatibility/2006" xmlns:a14="http://schemas.microsoft.com/office/drawing/2010/main">
+        <mc:Choice Requires="a14">
+          <p:sp>
+            <p:nvSpPr>
+              <p:cNvPr id="48" name="ZoneTexte 47">
+                <a:extLst>
+                  <a:ext uri="{FF2B5EF4-FFF2-40B4-BE49-F238E27FC236}">
+                    <a16:creationId xmlns:a16="http://schemas.microsoft.com/office/drawing/2014/main" id="{66BA161B-0B26-7790-8B3D-12759723633F}"/>
+                  </a:ext>
+                </a:extLst>
+              </p:cNvPr>
+              <p:cNvSpPr txBox="1"/>
+              <p:nvPr/>
+            </p:nvSpPr>
+            <p:spPr>
+              <a:xfrm>
+                <a:off x="5038819" y="2628355"/>
+                <a:ext cx="329899" cy="184666"/>
+              </a:xfrm>
+              <a:prstGeom prst="rect">
+                <a:avLst/>
+              </a:prstGeom>
+              <a:noFill/>
+            </p:spPr>
+            <p:txBody>
+              <a:bodyPr wrap="none" lIns="0" tIns="0" rIns="0" bIns="0" rtlCol="0">
+                <a:spAutoFit/>
+              </a:bodyPr>
+              <a:lstStyle/>
+              <a:p>
+                <a:pPr/>
+                <a14:m>
+                  <m:oMathPara xmlns:m="http://schemas.openxmlformats.org/officeDocument/2006/math">
+                    <m:oMathParaPr>
+                      <m:jc m:val="centerGroup"/>
+                    </m:oMathParaPr>
+                    <m:oMath xmlns:m="http://schemas.openxmlformats.org/officeDocument/2006/math">
+                      <m:r>
+                        <a:rPr lang="fr-FR" sz="1200" b="0" i="1" smtClean="0">
+                          <a:latin typeface="Cambria Math" panose="02040503050406030204" pitchFamily="18" charset="0"/>
+                        </a:rPr>
+                        <m:t>𝐸</m:t>
+                      </m:r>
+                      <m:d>
+                        <m:dPr>
+                          <m:ctrlPr>
+                            <a:rPr lang="fr-FR" sz="1200" b="0" i="1" smtClean="0">
+                              <a:latin typeface="Cambria Math" panose="02040503050406030204" pitchFamily="18" charset="0"/>
+                            </a:rPr>
+                          </m:ctrlPr>
+                        </m:dPr>
+                        <m:e>
+                          <m:r>
+                            <a:rPr lang="fr-FR" sz="1200" b="0" i="1" smtClean="0">
+                              <a:latin typeface="Cambria Math" panose="02040503050406030204" pitchFamily="18" charset="0"/>
+                            </a:rPr>
+                            <m:t>𝑡</m:t>
+                          </m:r>
+                        </m:e>
+                      </m:d>
+                    </m:oMath>
+                  </m:oMathPara>
+                </a14:m>
+                <a:endParaRPr lang="fr-FR" sz="1200" dirty="0"/>
+              </a:p>
+            </p:txBody>
+          </p:sp>
+        </mc:Choice>
+        <mc:Fallback xmlns="">
+          <p:sp>
+            <p:nvSpPr>
+              <p:cNvPr id="48" name="ZoneTexte 47">
+                <a:extLst>
+                  <a:ext uri="{FF2B5EF4-FFF2-40B4-BE49-F238E27FC236}">
+                    <a16:creationId xmlns:a16="http://schemas.microsoft.com/office/drawing/2014/main" id="{66BA161B-0B26-7790-8B3D-12759723633F}"/>
+                  </a:ext>
+                </a:extLst>
+              </p:cNvPr>
+              <p:cNvSpPr txBox="1">
+                <a:spLocks noRot="1" noChangeAspect="1" noMove="1" noResize="1" noEditPoints="1" noAdjustHandles="1" noChangeArrowheads="1" noChangeShapeType="1" noTextEdit="1"/>
+              </p:cNvSpPr>
+              <p:nvPr/>
+            </p:nvSpPr>
+            <p:spPr>
+              <a:xfrm>
+                <a:off x="5038819" y="2628355"/>
+                <a:ext cx="329899" cy="184666"/>
+              </a:xfrm>
+              <a:prstGeom prst="rect">
+                <a:avLst/>
+              </a:prstGeom>
+              <a:blipFill>
+                <a:blip r:embed="rId6"/>
+                <a:stretch>
+                  <a:fillRect l="-11111" b="-6667"/>
+                </a:stretch>
+              </a:blipFill>
+            </p:spPr>
+            <p:txBody>
+              <a:bodyPr/>
+              <a:lstStyle/>
+              <a:p>
+                <a:r>
+                  <a:rPr lang="fr-FR">
+                    <a:noFill/>
+                  </a:rPr>
+                  <a:t> </a:t>
+                </a:r>
+              </a:p>
+            </p:txBody>
+          </p:sp>
+        </mc:Fallback>
+      </mc:AlternateContent>
+    </p:spTree>
+    <p:extLst>
+      <p:ext uri="{BB962C8B-B14F-4D97-AF65-F5344CB8AC3E}">
+        <p14:creationId xmlns:p14="http://schemas.microsoft.com/office/powerpoint/2010/main" val="195072018"/>
+      </p:ext>
+    </p:extLst>
+  </p:cSld>
+  <p:clrMapOvr>
+    <a:masterClrMapping/>
+  </p:clrMapOvr>
+</p:sld>
+</file>
+
+<file path=ppt/slides/slide7.xml><?xml version="1.0" encoding="utf-8"?>
+<p:sld xmlns:a="http://schemas.openxmlformats.org/drawingml/2006/main" xmlns:r="http://schemas.openxmlformats.org/officeDocument/2006/relationships" xmlns:p="http://schemas.openxmlformats.org/presentationml/2006/main">
+  <p:cSld>
+    <p:spTree>
+      <p:nvGrpSpPr>
+        <p:cNvPr id="1" name="">
+          <a:extLst>
+            <a:ext uri="{FF2B5EF4-FFF2-40B4-BE49-F238E27FC236}">
+              <a16:creationId xmlns:a16="http://schemas.microsoft.com/office/drawing/2014/main" id="{60160C46-15EA-8C31-0466-9CEEBE9FF340}"/>
+            </a:ext>
+          </a:extLst>
+        </p:cNvPr>
+        <p:cNvGrpSpPr/>
+        <p:nvPr/>
+      </p:nvGrpSpPr>
+      <p:grpSpPr>
+        <a:xfrm>
+          <a:off x="0" y="0"/>
+          <a:ext cx="0" cy="0"/>
+          <a:chOff x="0" y="0"/>
+          <a:chExt cx="0" cy="0"/>
+        </a:xfrm>
+      </p:grpSpPr>
+      <p:grpSp>
+        <p:nvGrpSpPr>
+          <p:cNvPr id="11" name="Groupe 10">
+            <a:extLst>
+              <a:ext uri="{FF2B5EF4-FFF2-40B4-BE49-F238E27FC236}">
+                <a16:creationId xmlns:a16="http://schemas.microsoft.com/office/drawing/2014/main" id="{CAFC3BCE-93A4-398E-465A-6F64B68348E4}"/>
+              </a:ext>
+            </a:extLst>
+          </p:cNvPr>
+          <p:cNvGrpSpPr/>
+          <p:nvPr/>
+        </p:nvGrpSpPr>
+        <p:grpSpPr>
+          <a:xfrm>
+            <a:off x="2059674" y="1260775"/>
+            <a:ext cx="2063282" cy="1444161"/>
+            <a:chOff x="2059674" y="1260775"/>
+            <a:chExt cx="2063282" cy="1444161"/>
+          </a:xfrm>
+        </p:grpSpPr>
+        <p:sp>
+          <p:nvSpPr>
+            <p:cNvPr id="4" name="Ellipse 3">
+              <a:extLst>
+                <a:ext uri="{FF2B5EF4-FFF2-40B4-BE49-F238E27FC236}">
+                  <a16:creationId xmlns:a16="http://schemas.microsoft.com/office/drawing/2014/main" id="{E240754F-ADEC-3DFB-95CB-541930C077AD}"/>
+                </a:ext>
+              </a:extLst>
+            </p:cNvPr>
+            <p:cNvSpPr/>
+            <p:nvPr/>
+          </p:nvSpPr>
+          <p:spPr>
+            <a:xfrm>
+              <a:off x="2545789" y="1810979"/>
+              <a:ext cx="360000" cy="360000"/>
+            </a:xfrm>
+            <a:prstGeom prst="ellipse">
+              <a:avLst/>
+            </a:prstGeom>
+            <a:noFill/>
+            <a:ln w="28575">
+              <a:solidFill>
+                <a:schemeClr val="accent1">
+                  <a:lumMod val="50000"/>
+                </a:schemeClr>
+              </a:solidFill>
+            </a:ln>
+          </p:spPr>
+          <p:style>
+            <a:lnRef idx="2">
+              <a:schemeClr val="accent1">
+                <a:shade val="15000"/>
+              </a:schemeClr>
+            </a:lnRef>
+            <a:fillRef idx="1">
+              <a:schemeClr val="accent1"/>
+            </a:fillRef>
+            <a:effectRef idx="0">
+              <a:schemeClr val="accent1"/>
+            </a:effectRef>
+            <a:fontRef idx="minor">
+              <a:schemeClr val="lt1"/>
+            </a:fontRef>
+          </p:style>
+          <p:txBody>
+            <a:bodyPr rtlCol="0" anchor="ctr"/>
+            <a:lstStyle/>
+            <a:p>
+              <a:pPr algn="ctr"/>
+              <a:endParaRPr lang="fr-FR"/>
+            </a:p>
+          </p:txBody>
+        </p:sp>
+        <p:cxnSp>
+          <p:nvCxnSpPr>
+            <p:cNvPr id="6" name="Connecteur droit 5">
+              <a:extLst>
+                <a:ext uri="{FF2B5EF4-FFF2-40B4-BE49-F238E27FC236}">
+                  <a16:creationId xmlns:a16="http://schemas.microsoft.com/office/drawing/2014/main" id="{84A52627-7985-A534-B6D5-7D19CAD1C7A5}"/>
+                </a:ext>
+              </a:extLst>
+            </p:cNvPr>
+            <p:cNvCxnSpPr>
+              <a:cxnSpLocks/>
+              <a:stCxn id="4" idx="0"/>
+            </p:cNvCxnSpPr>
+            <p:nvPr/>
+          </p:nvCxnSpPr>
+          <p:spPr>
+            <a:xfrm flipV="1">
+              <a:off x="2725789" y="1260775"/>
+              <a:ext cx="0" cy="550204"/>
+            </a:xfrm>
+            <a:prstGeom prst="line">
+              <a:avLst/>
+            </a:prstGeom>
+            <a:noFill/>
+            <a:ln w="28575">
+              <a:solidFill>
+                <a:schemeClr val="accent1">
+                  <a:lumMod val="50000"/>
+                </a:schemeClr>
+              </a:solidFill>
+            </a:ln>
+          </p:spPr>
+          <p:style>
+            <a:lnRef idx="2">
+              <a:schemeClr val="accent1">
+                <a:shade val="15000"/>
+              </a:schemeClr>
+            </a:lnRef>
+            <a:fillRef idx="1">
+              <a:schemeClr val="accent1"/>
+            </a:fillRef>
+            <a:effectRef idx="0">
+              <a:schemeClr val="accent1"/>
+            </a:effectRef>
+            <a:fontRef idx="minor">
+              <a:schemeClr val="lt1"/>
+            </a:fontRef>
+          </p:style>
+        </p:cxnSp>
+        <p:cxnSp>
+          <p:nvCxnSpPr>
+            <p:cNvPr id="20" name="Connecteur droit 19">
+              <a:extLst>
+                <a:ext uri="{FF2B5EF4-FFF2-40B4-BE49-F238E27FC236}">
+                  <a16:creationId xmlns:a16="http://schemas.microsoft.com/office/drawing/2014/main" id="{FB52CC0D-E941-82C5-5CFC-788656D471BB}"/>
+                </a:ext>
+              </a:extLst>
+            </p:cNvPr>
+            <p:cNvCxnSpPr>
+              <a:cxnSpLocks/>
+            </p:cNvCxnSpPr>
+            <p:nvPr/>
+          </p:nvCxnSpPr>
+          <p:spPr>
+            <a:xfrm flipH="1">
+              <a:off x="2714521" y="1260775"/>
+              <a:ext cx="1228435" cy="0"/>
+            </a:xfrm>
+            <a:prstGeom prst="line">
+              <a:avLst/>
+            </a:prstGeom>
+            <a:noFill/>
+            <a:ln w="28575">
+              <a:solidFill>
+                <a:schemeClr val="accent1">
+                  <a:lumMod val="50000"/>
+                </a:schemeClr>
+              </a:solidFill>
+            </a:ln>
+          </p:spPr>
+          <p:style>
+            <a:lnRef idx="2">
+              <a:schemeClr val="accent1">
+                <a:shade val="15000"/>
+              </a:schemeClr>
+            </a:lnRef>
+            <a:fillRef idx="1">
+              <a:schemeClr val="accent1"/>
+            </a:fillRef>
+            <a:effectRef idx="0">
+              <a:schemeClr val="accent1"/>
+            </a:effectRef>
+            <a:fontRef idx="minor">
+              <a:schemeClr val="lt1"/>
+            </a:fontRef>
+          </p:style>
+        </p:cxnSp>
+        <p:cxnSp>
+          <p:nvCxnSpPr>
+            <p:cNvPr id="27" name="Connecteur droit 26">
+              <a:extLst>
+                <a:ext uri="{FF2B5EF4-FFF2-40B4-BE49-F238E27FC236}">
+                  <a16:creationId xmlns:a16="http://schemas.microsoft.com/office/drawing/2014/main" id="{A445602F-538F-5509-78D4-92C05D0E4994}"/>
+                </a:ext>
+              </a:extLst>
+            </p:cNvPr>
+            <p:cNvCxnSpPr>
+              <a:cxnSpLocks/>
+            </p:cNvCxnSpPr>
+            <p:nvPr/>
+          </p:nvCxnSpPr>
+          <p:spPr>
+            <a:xfrm flipV="1">
+              <a:off x="2725789" y="2170979"/>
+              <a:ext cx="0" cy="533957"/>
+            </a:xfrm>
+            <a:prstGeom prst="line">
+              <a:avLst/>
+            </a:prstGeom>
+            <a:noFill/>
+            <a:ln w="28575">
+              <a:solidFill>
+                <a:schemeClr val="accent1">
+                  <a:lumMod val="50000"/>
+                </a:schemeClr>
+              </a:solidFill>
+            </a:ln>
+          </p:spPr>
+          <p:style>
+            <a:lnRef idx="2">
+              <a:schemeClr val="accent1">
+                <a:shade val="15000"/>
+              </a:schemeClr>
+            </a:lnRef>
+            <a:fillRef idx="1">
+              <a:schemeClr val="accent1"/>
+            </a:fillRef>
+            <a:effectRef idx="0">
+              <a:schemeClr val="accent1"/>
+            </a:effectRef>
+            <a:fontRef idx="minor">
+              <a:schemeClr val="lt1"/>
+            </a:fontRef>
+          </p:style>
+        </p:cxnSp>
+        <p:cxnSp>
+          <p:nvCxnSpPr>
+            <p:cNvPr id="28" name="Connecteur droit 27">
+              <a:extLst>
+                <a:ext uri="{FF2B5EF4-FFF2-40B4-BE49-F238E27FC236}">
+                  <a16:creationId xmlns:a16="http://schemas.microsoft.com/office/drawing/2014/main" id="{2FE0F575-67B7-64F5-6F05-073FC773B593}"/>
+                </a:ext>
+              </a:extLst>
+            </p:cNvPr>
+            <p:cNvCxnSpPr>
+              <a:cxnSpLocks/>
+            </p:cNvCxnSpPr>
+            <p:nvPr/>
+          </p:nvCxnSpPr>
+          <p:spPr>
+            <a:xfrm>
+              <a:off x="2714521" y="2704936"/>
+              <a:ext cx="1228435" cy="0"/>
+            </a:xfrm>
+            <a:prstGeom prst="line">
+              <a:avLst/>
+            </a:prstGeom>
+            <a:noFill/>
+            <a:ln w="28575">
+              <a:solidFill>
+                <a:schemeClr val="accent1">
+                  <a:lumMod val="50000"/>
+                </a:schemeClr>
+              </a:solidFill>
+            </a:ln>
+          </p:spPr>
+          <p:style>
+            <a:lnRef idx="2">
+              <a:schemeClr val="accent1">
+                <a:shade val="15000"/>
+              </a:schemeClr>
+            </a:lnRef>
+            <a:fillRef idx="1">
+              <a:schemeClr val="accent1"/>
+            </a:fillRef>
+            <a:effectRef idx="0">
+              <a:schemeClr val="accent1"/>
+            </a:effectRef>
+            <a:fontRef idx="minor">
+              <a:schemeClr val="lt1"/>
+            </a:fontRef>
+          </p:style>
+        </p:cxnSp>
+        <p:cxnSp>
+          <p:nvCxnSpPr>
+            <p:cNvPr id="35" name="Connecteur droit avec flèche 34">
+              <a:extLst>
+                <a:ext uri="{FF2B5EF4-FFF2-40B4-BE49-F238E27FC236}">
+                  <a16:creationId xmlns:a16="http://schemas.microsoft.com/office/drawing/2014/main" id="{C8E6EB69-5A47-4E02-04FB-5E741158E560}"/>
+                </a:ext>
+              </a:extLst>
+            </p:cNvPr>
+            <p:cNvCxnSpPr>
+              <a:cxnSpLocks/>
+            </p:cNvCxnSpPr>
+            <p:nvPr/>
+          </p:nvCxnSpPr>
+          <p:spPr>
+            <a:xfrm>
+              <a:off x="2725789" y="1331341"/>
+              <a:ext cx="0" cy="406400"/>
+            </a:xfrm>
+            <a:prstGeom prst="straightConnector1">
+              <a:avLst/>
+            </a:prstGeom>
+            <a:noFill/>
+            <a:ln w="28575">
+              <a:solidFill>
+                <a:srgbClr val="C00000"/>
+              </a:solidFill>
+              <a:headEnd type="stealth" w="med" len="lg"/>
+            </a:ln>
+          </p:spPr>
+          <p:style>
+            <a:lnRef idx="2">
+              <a:schemeClr val="accent1">
+                <a:shade val="15000"/>
+              </a:schemeClr>
+            </a:lnRef>
+            <a:fillRef idx="1">
+              <a:schemeClr val="accent1"/>
+            </a:fillRef>
+            <a:effectRef idx="0">
+              <a:schemeClr val="accent1"/>
+            </a:effectRef>
+            <a:fontRef idx="minor">
+              <a:schemeClr val="lt1"/>
+            </a:fontRef>
+          </p:style>
+        </p:cxnSp>
+        <p:cxnSp>
+          <p:nvCxnSpPr>
+            <p:cNvPr id="37" name="Connecteur droit avec flèche 36">
+              <a:extLst>
+                <a:ext uri="{FF2B5EF4-FFF2-40B4-BE49-F238E27FC236}">
+                  <a16:creationId xmlns:a16="http://schemas.microsoft.com/office/drawing/2014/main" id="{E8A25699-D143-FA0E-BB72-3089B79DD0E7}"/>
+                </a:ext>
+              </a:extLst>
+            </p:cNvPr>
+            <p:cNvCxnSpPr>
+              <a:cxnSpLocks/>
+            </p:cNvCxnSpPr>
+            <p:nvPr/>
+          </p:nvCxnSpPr>
+          <p:spPr>
+            <a:xfrm>
+              <a:off x="2446389" y="1764579"/>
+              <a:ext cx="0" cy="406400"/>
+            </a:xfrm>
+            <a:prstGeom prst="straightConnector1">
+              <a:avLst/>
+            </a:prstGeom>
+            <a:noFill/>
+            <a:ln w="28575">
+              <a:solidFill>
+                <a:schemeClr val="accent1">
+                  <a:lumMod val="50000"/>
+                </a:schemeClr>
+              </a:solidFill>
+              <a:headEnd type="stealth" w="med" len="lg"/>
+            </a:ln>
+          </p:spPr>
+          <p:style>
+            <a:lnRef idx="2">
+              <a:schemeClr val="accent1">
+                <a:shade val="15000"/>
+              </a:schemeClr>
+            </a:lnRef>
+            <a:fillRef idx="1">
+              <a:schemeClr val="accent1"/>
+            </a:fillRef>
+            <a:effectRef idx="0">
+              <a:schemeClr val="accent1"/>
+            </a:effectRef>
+            <a:fontRef idx="minor">
+              <a:schemeClr val="lt1"/>
+            </a:fontRef>
+          </p:style>
+        </p:cxnSp>
+        <p:cxnSp>
+          <p:nvCxnSpPr>
+            <p:cNvPr id="38" name="Connecteur droit avec flèche 37">
+              <a:extLst>
+                <a:ext uri="{FF2B5EF4-FFF2-40B4-BE49-F238E27FC236}">
+                  <a16:creationId xmlns:a16="http://schemas.microsoft.com/office/drawing/2014/main" id="{EE8E3C81-470F-0E30-335E-D10006E0A99B}"/>
+                </a:ext>
+              </a:extLst>
+            </p:cNvPr>
+            <p:cNvCxnSpPr>
+              <a:cxnSpLocks/>
+              <a:stCxn id="4" idx="0"/>
+              <a:endCxn id="4" idx="4"/>
+            </p:cNvCxnSpPr>
+            <p:nvPr/>
+          </p:nvCxnSpPr>
+          <p:spPr>
+            <a:xfrm>
+              <a:off x="2725789" y="1810979"/>
+              <a:ext cx="0" cy="360000"/>
+            </a:xfrm>
+            <a:prstGeom prst="straightConnector1">
+              <a:avLst/>
+            </a:prstGeom>
+            <a:noFill/>
+            <a:ln w="28575">
+              <a:solidFill>
+                <a:schemeClr val="accent1">
+                  <a:lumMod val="50000"/>
+                </a:schemeClr>
+              </a:solidFill>
+              <a:headEnd type="stealth" w="med" len="lg"/>
+            </a:ln>
+          </p:spPr>
+          <p:style>
+            <a:lnRef idx="2">
+              <a:schemeClr val="accent1">
+                <a:shade val="15000"/>
+              </a:schemeClr>
+            </a:lnRef>
+            <a:fillRef idx="1">
+              <a:schemeClr val="accent1"/>
+            </a:fillRef>
+            <a:effectRef idx="0">
+              <a:schemeClr val="accent1"/>
+            </a:effectRef>
+            <a:fontRef idx="minor">
+              <a:schemeClr val="lt1"/>
+            </a:fontRef>
+          </p:style>
+        </p:cxnSp>
+        <mc:AlternateContent xmlns:mc="http://schemas.openxmlformats.org/markup-compatibility/2006">
+          <mc:Choice xmlns:a14="http://schemas.microsoft.com/office/drawing/2010/main" Requires="a14">
+            <p:sp>
+              <p:nvSpPr>
+                <p:cNvPr id="44" name="ZoneTexte 43">
+                  <a:extLst>
+                    <a:ext uri="{FF2B5EF4-FFF2-40B4-BE49-F238E27FC236}">
+                      <a16:creationId xmlns:a16="http://schemas.microsoft.com/office/drawing/2014/main" id="{6D38F63B-5D69-7184-239D-125883E71AFF}"/>
+                    </a:ext>
+                  </a:extLst>
+                </p:cNvPr>
+                <p:cNvSpPr txBox="1"/>
+                <p:nvPr/>
+              </p:nvSpPr>
+              <p:spPr>
+                <a:xfrm>
+                  <a:off x="2059674" y="1875446"/>
+                  <a:ext cx="337015" cy="184666"/>
+                </a:xfrm>
+                <a:prstGeom prst="rect">
+                  <a:avLst/>
+                </a:prstGeom>
+                <a:noFill/>
+              </p:spPr>
+              <p:txBody>
+                <a:bodyPr wrap="none" lIns="0" tIns="0" rIns="0" bIns="0" rtlCol="0">
+                  <a:spAutoFit/>
+                </a:bodyPr>
+                <a:lstStyle/>
+                <a:p>
+                  <a:pPr/>
+                  <a14:m>
+                    <m:oMathPara xmlns:m="http://schemas.openxmlformats.org/officeDocument/2006/math">
+                      <m:oMathParaPr>
+                        <m:jc m:val="centerGroup"/>
+                      </m:oMathParaPr>
+                      <m:oMath xmlns:m="http://schemas.openxmlformats.org/officeDocument/2006/math">
+                        <m:r>
+                          <a:rPr lang="fr-FR" sz="1200" b="0" i="1" smtClean="0">
+                            <a:latin typeface="Cambria Math" panose="02040503050406030204" pitchFamily="18" charset="0"/>
+                          </a:rPr>
+                          <m:t>𝑈</m:t>
+                        </m:r>
+                        <m:r>
+                          <a:rPr lang="fr-FR" sz="1200" b="0" i="1" smtClean="0">
+                            <a:latin typeface="Cambria Math" panose="02040503050406030204" pitchFamily="18" charset="0"/>
+                          </a:rPr>
+                          <m:t>(</m:t>
+                        </m:r>
+                        <m:r>
+                          <a:rPr lang="fr-FR" sz="1200" b="0" i="1" smtClean="0">
+                            <a:latin typeface="Cambria Math" panose="02040503050406030204" pitchFamily="18" charset="0"/>
+                          </a:rPr>
+                          <m:t>𝑡</m:t>
+                        </m:r>
+                        <m:r>
+                          <a:rPr lang="fr-FR" sz="1200" b="0" i="1" smtClean="0">
+                            <a:latin typeface="Cambria Math" panose="02040503050406030204" pitchFamily="18" charset="0"/>
+                          </a:rPr>
+                          <m:t>)</m:t>
+                        </m:r>
+                      </m:oMath>
+                    </m:oMathPara>
+                  </a14:m>
+                  <a:endParaRPr lang="fr-FR" sz="1200" dirty="0"/>
+                </a:p>
+              </p:txBody>
+            </p:sp>
+          </mc:Choice>
+          <mc:Fallback>
+            <p:sp>
+              <p:nvSpPr>
+                <p:cNvPr id="44" name="ZoneTexte 43">
+                  <a:extLst>
+                    <a:ext uri="{FF2B5EF4-FFF2-40B4-BE49-F238E27FC236}">
+                      <a16:creationId xmlns:a16="http://schemas.microsoft.com/office/drawing/2014/main" id="{6D38F63B-5D69-7184-239D-125883E71AFF}"/>
+                    </a:ext>
+                  </a:extLst>
+                </p:cNvPr>
+                <p:cNvSpPr txBox="1">
+                  <a:spLocks noRot="1" noChangeAspect="1" noMove="1" noResize="1" noEditPoints="1" noAdjustHandles="1" noChangeArrowheads="1" noChangeShapeType="1" noTextEdit="1"/>
+                </p:cNvSpPr>
+                <p:nvPr/>
+              </p:nvSpPr>
+              <p:spPr>
+                <a:xfrm>
+                  <a:off x="2059674" y="1875446"/>
+                  <a:ext cx="337015" cy="184666"/>
+                </a:xfrm>
+                <a:prstGeom prst="rect">
+                  <a:avLst/>
+                </a:prstGeom>
+                <a:blipFill>
+                  <a:blip r:embed="rId2"/>
+                  <a:stretch>
+                    <a:fillRect l="-10909" t="-6667" r="-16364" b="-36667"/>
+                  </a:stretch>
+                </a:blipFill>
+              </p:spPr>
+              <p:txBody>
+                <a:bodyPr/>
+                <a:lstStyle/>
+                <a:p>
+                  <a:r>
+                    <a:rPr lang="fr-FR">
+                      <a:noFill/>
+                    </a:rPr>
+                    <a:t> </a:t>
+                  </a:r>
+                </a:p>
+              </p:txBody>
+            </p:sp>
+          </mc:Fallback>
+        </mc:AlternateContent>
+        <mc:AlternateContent xmlns:mc="http://schemas.openxmlformats.org/markup-compatibility/2006">
+          <mc:Choice xmlns:a14="http://schemas.microsoft.com/office/drawing/2010/main" Requires="a14">
+            <p:sp>
+              <p:nvSpPr>
+                <p:cNvPr id="45" name="ZoneTexte 44">
+                  <a:extLst>
+                    <a:ext uri="{FF2B5EF4-FFF2-40B4-BE49-F238E27FC236}">
+                      <a16:creationId xmlns:a16="http://schemas.microsoft.com/office/drawing/2014/main" id="{98CC2BE2-B1C2-F5F2-4D91-282914AB135B}"/>
+                    </a:ext>
+                  </a:extLst>
+                </p:cNvPr>
+                <p:cNvSpPr txBox="1"/>
+                <p:nvPr/>
+              </p:nvSpPr>
+              <p:spPr>
+                <a:xfrm>
+                  <a:off x="2329406" y="1463921"/>
+                  <a:ext cx="324256" cy="215444"/>
+                </a:xfrm>
+                <a:prstGeom prst="rect">
+                  <a:avLst/>
+                </a:prstGeom>
+                <a:noFill/>
+              </p:spPr>
+              <p:txBody>
+                <a:bodyPr wrap="none" lIns="0" tIns="0" rIns="0" bIns="0" rtlCol="0">
+                  <a:spAutoFit/>
+                </a:bodyPr>
+                <a:lstStyle/>
+                <a:p>
+                  <a:pPr/>
+                  <a14:m>
+                    <m:oMathPara xmlns:m="http://schemas.openxmlformats.org/officeDocument/2006/math">
+                      <m:oMathParaPr>
+                        <m:jc m:val="centerGroup"/>
+                      </m:oMathParaPr>
+                      <m:oMath xmlns:m="http://schemas.openxmlformats.org/officeDocument/2006/math">
+                        <m:r>
+                          <a:rPr lang="fr-FR" sz="1400" b="0" i="1" smtClean="0">
+                            <a:latin typeface="Cambria Math" panose="02040503050406030204" pitchFamily="18" charset="0"/>
+                          </a:rPr>
+                          <m:t>𝑖</m:t>
+                        </m:r>
+                        <m:r>
+                          <a:rPr lang="fr-FR" sz="1400" b="0" i="1" smtClean="0">
+                            <a:latin typeface="Cambria Math" panose="02040503050406030204" pitchFamily="18" charset="0"/>
+                          </a:rPr>
+                          <m:t>(</m:t>
+                        </m:r>
+                        <m:r>
+                          <a:rPr lang="fr-FR" sz="1400" b="0" i="1" smtClean="0">
+                            <a:latin typeface="Cambria Math" panose="02040503050406030204" pitchFamily="18" charset="0"/>
+                          </a:rPr>
+                          <m:t>𝑡</m:t>
+                        </m:r>
+                        <m:r>
+                          <a:rPr lang="fr-FR" sz="1400" b="0" i="1" smtClean="0">
+                            <a:latin typeface="Cambria Math" panose="02040503050406030204" pitchFamily="18" charset="0"/>
+                          </a:rPr>
+                          <m:t>)</m:t>
+                        </m:r>
+                      </m:oMath>
+                    </m:oMathPara>
+                  </a14:m>
+                  <a:endParaRPr lang="fr-FR" sz="1400" dirty="0"/>
+                </a:p>
+              </p:txBody>
+            </p:sp>
+          </mc:Choice>
+          <mc:Fallback>
+            <p:sp>
+              <p:nvSpPr>
+                <p:cNvPr id="45" name="ZoneTexte 44">
+                  <a:extLst>
+                    <a:ext uri="{FF2B5EF4-FFF2-40B4-BE49-F238E27FC236}">
+                      <a16:creationId xmlns:a16="http://schemas.microsoft.com/office/drawing/2014/main" id="{98CC2BE2-B1C2-F5F2-4D91-282914AB135B}"/>
+                    </a:ext>
+                  </a:extLst>
+                </p:cNvPr>
+                <p:cNvSpPr txBox="1">
+                  <a:spLocks noRot="1" noChangeAspect="1" noMove="1" noResize="1" noEditPoints="1" noAdjustHandles="1" noChangeArrowheads="1" noChangeShapeType="1" noTextEdit="1"/>
+                </p:cNvSpPr>
+                <p:nvPr/>
+              </p:nvSpPr>
+              <p:spPr>
+                <a:xfrm>
+                  <a:off x="2329406" y="1463921"/>
+                  <a:ext cx="324256" cy="215444"/>
+                </a:xfrm>
+                <a:prstGeom prst="rect">
+                  <a:avLst/>
+                </a:prstGeom>
+                <a:blipFill>
+                  <a:blip r:embed="rId3"/>
+                  <a:stretch>
+                    <a:fillRect l="-13208" r="-20755" b="-34286"/>
+                  </a:stretch>
+                </a:blipFill>
+              </p:spPr>
+              <p:txBody>
+                <a:bodyPr/>
+                <a:lstStyle/>
+                <a:p>
+                  <a:r>
+                    <a:rPr lang="fr-FR">
+                      <a:noFill/>
+                    </a:rPr>
+                    <a:t> </a:t>
+                  </a:r>
+                </a:p>
+              </p:txBody>
+            </p:sp>
+          </mc:Fallback>
+        </mc:AlternateContent>
+        <p:cxnSp>
+          <p:nvCxnSpPr>
+            <p:cNvPr id="5" name="Connecteur droit 4">
+              <a:extLst>
+                <a:ext uri="{FF2B5EF4-FFF2-40B4-BE49-F238E27FC236}">
+                  <a16:creationId xmlns:a16="http://schemas.microsoft.com/office/drawing/2014/main" id="{BC8392B5-A4E6-5A1A-B30C-242364E59F49}"/>
+                </a:ext>
+              </a:extLst>
+            </p:cNvPr>
+            <p:cNvCxnSpPr>
+              <a:cxnSpLocks/>
+            </p:cNvCxnSpPr>
+            <p:nvPr/>
+          </p:nvCxnSpPr>
+          <p:spPr>
+            <a:xfrm flipV="1">
+              <a:off x="3944595" y="1260775"/>
+              <a:ext cx="0" cy="1444161"/>
+            </a:xfrm>
+            <a:prstGeom prst="line">
+              <a:avLst/>
+            </a:prstGeom>
+            <a:noFill/>
+            <a:ln w="28575">
+              <a:solidFill>
+                <a:schemeClr val="accent1">
+                  <a:lumMod val="50000"/>
+                </a:schemeClr>
+              </a:solidFill>
+            </a:ln>
+          </p:spPr>
+          <p:style>
+            <a:lnRef idx="2">
+              <a:schemeClr val="accent1">
+                <a:shade val="15000"/>
+              </a:schemeClr>
+            </a:lnRef>
+            <a:fillRef idx="1">
+              <a:schemeClr val="accent1"/>
+            </a:fillRef>
+            <a:effectRef idx="0">
+              <a:schemeClr val="accent1"/>
+            </a:effectRef>
+            <a:fontRef idx="minor">
+              <a:schemeClr val="lt1"/>
+            </a:fontRef>
+          </p:style>
+        </p:cxnSp>
+        <p:grpSp>
+          <p:nvGrpSpPr>
+            <p:cNvPr id="3" name="Groupe 2">
+              <a:extLst>
+                <a:ext uri="{FF2B5EF4-FFF2-40B4-BE49-F238E27FC236}">
+                  <a16:creationId xmlns:a16="http://schemas.microsoft.com/office/drawing/2014/main" id="{FDE81B3D-F0C8-CDFB-48FD-048BA005D3A6}"/>
+                </a:ext>
+              </a:extLst>
+            </p:cNvPr>
+            <p:cNvGrpSpPr/>
+            <p:nvPr/>
+          </p:nvGrpSpPr>
+          <p:grpSpPr>
+            <a:xfrm>
+              <a:off x="3762956" y="1758349"/>
+              <a:ext cx="360000" cy="541100"/>
+              <a:chOff x="3762956" y="1758349"/>
+              <a:chExt cx="360000" cy="541100"/>
+            </a:xfrm>
+          </p:grpSpPr>
+          <p:sp>
+            <p:nvSpPr>
+              <p:cNvPr id="2" name="Ellipse 1">
+                <a:extLst>
+                  <a:ext uri="{FF2B5EF4-FFF2-40B4-BE49-F238E27FC236}">
+                    <a16:creationId xmlns:a16="http://schemas.microsoft.com/office/drawing/2014/main" id="{B42F8215-C3C9-E602-38DB-0644C92AC876}"/>
+                  </a:ext>
+                </a:extLst>
+              </p:cNvPr>
+              <p:cNvSpPr/>
+              <p:nvPr/>
+            </p:nvSpPr>
+            <p:spPr>
+              <a:xfrm>
+                <a:off x="3762956" y="1848899"/>
+                <a:ext cx="360000" cy="360000"/>
+              </a:xfrm>
+              <a:prstGeom prst="ellipse">
+                <a:avLst/>
+              </a:prstGeom>
+              <a:solidFill>
+                <a:schemeClr val="bg1"/>
+              </a:solidFill>
+              <a:ln w="28575">
+                <a:solidFill>
+                  <a:schemeClr val="accent1">
+                    <a:lumMod val="50000"/>
+                  </a:schemeClr>
+                </a:solidFill>
+              </a:ln>
+            </p:spPr>
+            <p:style>
+              <a:lnRef idx="2">
+                <a:schemeClr val="accent1">
+                  <a:shade val="15000"/>
+                </a:schemeClr>
+              </a:lnRef>
+              <a:fillRef idx="1">
+                <a:schemeClr val="accent1"/>
+              </a:fillRef>
+              <a:effectRef idx="0">
+                <a:schemeClr val="accent1"/>
+              </a:effectRef>
+              <a:fontRef idx="minor">
+                <a:schemeClr val="lt1"/>
+              </a:fontRef>
+            </p:style>
+            <p:txBody>
+              <a:bodyPr rtlCol="0" anchor="ctr"/>
+              <a:lstStyle/>
+              <a:p>
+                <a:pPr algn="ctr"/>
+                <a:endParaRPr lang="fr-FR"/>
+              </a:p>
+            </p:txBody>
+          </p:sp>
+          <p:sp>
+            <p:nvSpPr>
+              <p:cNvPr id="25" name="Rectangle 24">
+                <a:extLst>
+                  <a:ext uri="{FF2B5EF4-FFF2-40B4-BE49-F238E27FC236}">
+                    <a16:creationId xmlns:a16="http://schemas.microsoft.com/office/drawing/2014/main" id="{71F0ED7A-618F-45D4-8F2B-FE954C5D0A48}"/>
+                  </a:ext>
+                </a:extLst>
+              </p:cNvPr>
+              <p:cNvSpPr/>
+              <p:nvPr/>
+            </p:nvSpPr>
+            <p:spPr>
+              <a:xfrm>
+                <a:off x="3864223" y="1758349"/>
+                <a:ext cx="157464" cy="110867"/>
+              </a:xfrm>
+              <a:prstGeom prst="rect">
+                <a:avLst/>
+              </a:prstGeom>
+              <a:solidFill>
+                <a:schemeClr val="bg1"/>
+              </a:solidFill>
+              <a:ln w="28575">
+                <a:solidFill>
+                  <a:schemeClr val="accent1">
+                    <a:lumMod val="50000"/>
+                  </a:schemeClr>
+                </a:solidFill>
+              </a:ln>
+            </p:spPr>
+            <p:style>
+              <a:lnRef idx="2">
+                <a:schemeClr val="accent1">
+                  <a:shade val="15000"/>
+                </a:schemeClr>
+              </a:lnRef>
+              <a:fillRef idx="1">
+                <a:schemeClr val="accent1"/>
+              </a:fillRef>
+              <a:effectRef idx="0">
+                <a:schemeClr val="accent1"/>
+              </a:effectRef>
+              <a:fontRef idx="minor">
+                <a:schemeClr val="lt1"/>
+              </a:fontRef>
+            </p:style>
+            <p:txBody>
+              <a:bodyPr rtlCol="0" anchor="ctr"/>
+              <a:lstStyle/>
+              <a:p>
+                <a:pPr algn="ctr"/>
+                <a:endParaRPr lang="fr-FR"/>
+              </a:p>
+            </p:txBody>
+          </p:sp>
+          <p:sp>
+            <p:nvSpPr>
+              <p:cNvPr id="31" name="Rectangle 30">
+                <a:extLst>
+                  <a:ext uri="{FF2B5EF4-FFF2-40B4-BE49-F238E27FC236}">
+                    <a16:creationId xmlns:a16="http://schemas.microsoft.com/office/drawing/2014/main" id="{D26549AB-C506-B07A-5563-3CF73643C041}"/>
+                  </a:ext>
+                </a:extLst>
+              </p:cNvPr>
+              <p:cNvSpPr/>
+              <p:nvPr/>
+            </p:nvSpPr>
+            <p:spPr>
+              <a:xfrm>
+                <a:off x="3866029" y="2188582"/>
+                <a:ext cx="157464" cy="110867"/>
+              </a:xfrm>
+              <a:prstGeom prst="rect">
+                <a:avLst/>
+              </a:prstGeom>
+              <a:solidFill>
+                <a:schemeClr val="bg1"/>
+              </a:solidFill>
+              <a:ln w="28575">
+                <a:solidFill>
+                  <a:schemeClr val="accent1">
+                    <a:lumMod val="50000"/>
+                  </a:schemeClr>
+                </a:solidFill>
+              </a:ln>
+            </p:spPr>
+            <p:style>
+              <a:lnRef idx="2">
+                <a:schemeClr val="accent1">
+                  <a:shade val="15000"/>
+                </a:schemeClr>
+              </a:lnRef>
+              <a:fillRef idx="1">
+                <a:schemeClr val="accent1"/>
+              </a:fillRef>
+              <a:effectRef idx="0">
+                <a:schemeClr val="accent1"/>
+              </a:effectRef>
+              <a:fontRef idx="minor">
+                <a:schemeClr val="lt1"/>
+              </a:fontRef>
+            </p:style>
+            <p:txBody>
+              <a:bodyPr rtlCol="0" anchor="ctr"/>
+              <a:lstStyle/>
+              <a:p>
+                <a:pPr algn="ctr"/>
+                <a:endParaRPr lang="fr-FR"/>
+              </a:p>
+            </p:txBody>
+          </p:sp>
+        </p:grpSp>
+      </p:grpSp>
+    </p:spTree>
+    <p:extLst>
+      <p:ext uri="{BB962C8B-B14F-4D97-AF65-F5344CB8AC3E}">
+        <p14:creationId xmlns:p14="http://schemas.microsoft.com/office/powerpoint/2010/main" val="670904030"/>
+      </p:ext>
+    </p:extLst>
+  </p:cSld>
+  <p:clrMapOvr>
+    <a:masterClrMapping/>
+  </p:clrMapOvr>
+</p:sld>
+</file>
+
+<file path=ppt/slides/slide8.xml><?xml version="1.0" encoding="utf-8"?>
+<p:sld xmlns:a="http://schemas.openxmlformats.org/drawingml/2006/main" xmlns:r="http://schemas.openxmlformats.org/officeDocument/2006/relationships" xmlns:p="http://schemas.openxmlformats.org/presentationml/2006/main">
+  <p:cSld>
+    <p:spTree>
+      <p:nvGrpSpPr>
+        <p:cNvPr id="1" name=""/>
+        <p:cNvGrpSpPr/>
+        <p:nvPr/>
+      </p:nvGrpSpPr>
+      <p:grpSpPr>
+        <a:xfrm>
+          <a:off x="0" y="0"/>
+          <a:ext cx="0" cy="0"/>
+          <a:chOff x="0" y="0"/>
+          <a:chExt cx="0" cy="0"/>
+        </a:xfrm>
+      </p:grpSpPr>
+      <p:cxnSp>
+        <p:nvCxnSpPr>
+          <p:cNvPr id="33" name="Connecteur droit 32">
+            <a:extLst>
+              <a:ext uri="{FF2B5EF4-FFF2-40B4-BE49-F238E27FC236}">
+                <a16:creationId xmlns:a16="http://schemas.microsoft.com/office/drawing/2014/main" id="{5EFB9298-98A2-BD46-C446-EF2935B5E512}"/>
+              </a:ext>
+            </a:extLst>
+          </p:cNvPr>
+          <p:cNvCxnSpPr>
+            <a:cxnSpLocks/>
+          </p:cNvCxnSpPr>
+          <p:nvPr/>
+        </p:nvCxnSpPr>
+        <p:spPr>
+          <a:xfrm flipH="1" flipV="1">
+            <a:off x="4885017" y="2706919"/>
+            <a:ext cx="0" cy="1444161"/>
+          </a:xfrm>
+          <a:prstGeom prst="line">
+            <a:avLst/>
+          </a:prstGeom>
+          <a:noFill/>
+          <a:ln w="28575">
+            <a:solidFill>
+              <a:schemeClr val="accent1">
+                <a:lumMod val="50000"/>
+              </a:schemeClr>
+            </a:solidFill>
+          </a:ln>
+        </p:spPr>
+        <p:style>
+          <a:lnRef idx="2">
+            <a:schemeClr val="accent1">
+              <a:shade val="15000"/>
+            </a:schemeClr>
+          </a:lnRef>
+          <a:fillRef idx="1">
+            <a:schemeClr val="accent1"/>
+          </a:fillRef>
+          <a:effectRef idx="0">
+            <a:schemeClr val="accent1"/>
+          </a:effectRef>
+          <a:fontRef idx="minor">
+            <a:schemeClr val="lt1"/>
+          </a:fontRef>
+        </p:style>
+      </p:cxnSp>
+      <p:sp>
+        <p:nvSpPr>
+          <p:cNvPr id="7" name="Ellipse 6">
+            <a:extLst>
+              <a:ext uri="{FF2B5EF4-FFF2-40B4-BE49-F238E27FC236}">
+                <a16:creationId xmlns:a16="http://schemas.microsoft.com/office/drawing/2014/main" id="{827E5D08-77CE-EB80-507E-B1486BC74075}"/>
+              </a:ext>
+            </a:extLst>
+          </p:cNvPr>
+          <p:cNvSpPr/>
+          <p:nvPr/>
+        </p:nvSpPr>
+        <p:spPr>
+          <a:xfrm>
+            <a:off x="2351055" y="3257123"/>
+            <a:ext cx="360000" cy="360000"/>
+          </a:xfrm>
+          <a:prstGeom prst="ellipse">
+            <a:avLst/>
+          </a:prstGeom>
+          <a:noFill/>
+          <a:ln w="28575">
+            <a:solidFill>
+              <a:schemeClr val="accent1">
+                <a:lumMod val="50000"/>
+              </a:schemeClr>
+            </a:solidFill>
+          </a:ln>
+        </p:spPr>
+        <p:style>
+          <a:lnRef idx="2">
+            <a:schemeClr val="accent1">
+              <a:shade val="15000"/>
+            </a:schemeClr>
+          </a:lnRef>
+          <a:fillRef idx="1">
+            <a:schemeClr val="accent1"/>
+          </a:fillRef>
+          <a:effectRef idx="0">
+            <a:schemeClr val="accent1"/>
+          </a:effectRef>
+          <a:fontRef idx="minor">
+            <a:schemeClr val="lt1"/>
+          </a:fontRef>
+        </p:style>
+        <p:txBody>
+          <a:bodyPr rtlCol="0" anchor="ctr"/>
+          <a:lstStyle/>
+          <a:p>
+            <a:pPr algn="ctr"/>
+            <a:endParaRPr lang="fr-FR"/>
+          </a:p>
+        </p:txBody>
+      </p:sp>
+      <p:cxnSp>
+        <p:nvCxnSpPr>
+          <p:cNvPr id="8" name="Connecteur droit 7">
+            <a:extLst>
+              <a:ext uri="{FF2B5EF4-FFF2-40B4-BE49-F238E27FC236}">
+                <a16:creationId xmlns:a16="http://schemas.microsoft.com/office/drawing/2014/main" id="{9D90503B-3A37-7A2C-4F9A-4FF148443FE3}"/>
+              </a:ext>
+            </a:extLst>
+          </p:cNvPr>
+          <p:cNvCxnSpPr>
+            <a:cxnSpLocks/>
+            <a:stCxn id="7" idx="0"/>
+          </p:cNvCxnSpPr>
+          <p:nvPr/>
+        </p:nvCxnSpPr>
+        <p:spPr>
+          <a:xfrm flipV="1">
+            <a:off x="2531055" y="2706919"/>
+            <a:ext cx="0" cy="550204"/>
+          </a:xfrm>
+          <a:prstGeom prst="line">
+            <a:avLst/>
+          </a:prstGeom>
+          <a:noFill/>
+          <a:ln w="28575">
+            <a:solidFill>
+              <a:schemeClr val="accent1">
+                <a:lumMod val="50000"/>
+              </a:schemeClr>
+            </a:solidFill>
+          </a:ln>
+        </p:spPr>
+        <p:style>
+          <a:lnRef idx="2">
+            <a:schemeClr val="accent1">
+              <a:shade val="15000"/>
+            </a:schemeClr>
+          </a:lnRef>
+          <a:fillRef idx="1">
+            <a:schemeClr val="accent1"/>
+          </a:fillRef>
+          <a:effectRef idx="0">
+            <a:schemeClr val="accent1"/>
+          </a:effectRef>
+          <a:fontRef idx="minor">
+            <a:schemeClr val="lt1"/>
+          </a:fontRef>
+        </p:style>
+      </p:cxnSp>
+      <p:cxnSp>
+        <p:nvCxnSpPr>
+          <p:cNvPr id="9" name="Connecteur droit 8">
+            <a:extLst>
+              <a:ext uri="{FF2B5EF4-FFF2-40B4-BE49-F238E27FC236}">
+                <a16:creationId xmlns:a16="http://schemas.microsoft.com/office/drawing/2014/main" id="{69B68024-43D6-03F6-EE3A-AD40EA00612D}"/>
+              </a:ext>
+            </a:extLst>
+          </p:cNvPr>
+          <p:cNvCxnSpPr>
+            <a:cxnSpLocks/>
+          </p:cNvCxnSpPr>
+          <p:nvPr/>
+        </p:nvCxnSpPr>
+        <p:spPr>
+          <a:xfrm flipH="1">
+            <a:off x="2519787" y="2706919"/>
+            <a:ext cx="1228435" cy="0"/>
+          </a:xfrm>
+          <a:prstGeom prst="line">
+            <a:avLst/>
+          </a:prstGeom>
+          <a:noFill/>
+          <a:ln w="28575">
+            <a:solidFill>
+              <a:schemeClr val="accent1">
+                <a:lumMod val="50000"/>
+              </a:schemeClr>
+            </a:solidFill>
+          </a:ln>
+        </p:spPr>
+        <p:style>
+          <a:lnRef idx="2">
+            <a:schemeClr val="accent1">
+              <a:shade val="15000"/>
+            </a:schemeClr>
+          </a:lnRef>
+          <a:fillRef idx="1">
+            <a:schemeClr val="accent1"/>
+          </a:fillRef>
+          <a:effectRef idx="0">
+            <a:schemeClr val="accent1"/>
+          </a:effectRef>
+          <a:fontRef idx="minor">
+            <a:schemeClr val="lt1"/>
+          </a:fontRef>
+        </p:style>
+      </p:cxnSp>
+      <p:cxnSp>
+        <p:nvCxnSpPr>
+          <p:cNvPr id="10" name="Connecteur droit 9">
+            <a:extLst>
+              <a:ext uri="{FF2B5EF4-FFF2-40B4-BE49-F238E27FC236}">
+                <a16:creationId xmlns:a16="http://schemas.microsoft.com/office/drawing/2014/main" id="{4CD5EB14-9DC7-D131-5D7A-A359C5ACE38F}"/>
+              </a:ext>
+            </a:extLst>
+          </p:cNvPr>
+          <p:cNvCxnSpPr>
+            <a:cxnSpLocks/>
+          </p:cNvCxnSpPr>
+          <p:nvPr/>
+        </p:nvCxnSpPr>
+        <p:spPr>
+          <a:xfrm flipV="1">
+            <a:off x="2531055" y="3617123"/>
+            <a:ext cx="0" cy="533957"/>
+          </a:xfrm>
+          <a:prstGeom prst="line">
+            <a:avLst/>
+          </a:prstGeom>
+          <a:noFill/>
+          <a:ln w="28575">
+            <a:solidFill>
+              <a:schemeClr val="accent1">
+                <a:lumMod val="50000"/>
+              </a:schemeClr>
+            </a:solidFill>
+          </a:ln>
+        </p:spPr>
+        <p:style>
+          <a:lnRef idx="2">
+            <a:schemeClr val="accent1">
+              <a:shade val="15000"/>
+            </a:schemeClr>
+          </a:lnRef>
+          <a:fillRef idx="1">
+            <a:schemeClr val="accent1"/>
+          </a:fillRef>
+          <a:effectRef idx="0">
+            <a:schemeClr val="accent1"/>
+          </a:effectRef>
+          <a:fontRef idx="minor">
+            <a:schemeClr val="lt1"/>
+          </a:fontRef>
+        </p:style>
+      </p:cxnSp>
+      <p:cxnSp>
+        <p:nvCxnSpPr>
+          <p:cNvPr id="11" name="Connecteur droit 10">
+            <a:extLst>
+              <a:ext uri="{FF2B5EF4-FFF2-40B4-BE49-F238E27FC236}">
+                <a16:creationId xmlns:a16="http://schemas.microsoft.com/office/drawing/2014/main" id="{B3A05EF3-21F2-147F-404B-F6DBC0E742F1}"/>
+              </a:ext>
+            </a:extLst>
+          </p:cNvPr>
+          <p:cNvCxnSpPr>
+            <a:cxnSpLocks/>
+          </p:cNvCxnSpPr>
+          <p:nvPr/>
+        </p:nvCxnSpPr>
+        <p:spPr>
+          <a:xfrm>
+            <a:off x="2519787" y="4151080"/>
+            <a:ext cx="1228435" cy="0"/>
+          </a:xfrm>
+          <a:prstGeom prst="line">
+            <a:avLst/>
+          </a:prstGeom>
+          <a:noFill/>
+          <a:ln w="28575">
+            <a:solidFill>
+              <a:schemeClr val="accent1">
+                <a:lumMod val="50000"/>
+              </a:schemeClr>
+            </a:solidFill>
+          </a:ln>
+        </p:spPr>
+        <p:style>
+          <a:lnRef idx="2">
+            <a:schemeClr val="accent1">
+              <a:shade val="15000"/>
+            </a:schemeClr>
+          </a:lnRef>
+          <a:fillRef idx="1">
+            <a:schemeClr val="accent1"/>
+          </a:fillRef>
+          <a:effectRef idx="0">
+            <a:schemeClr val="accent1"/>
+          </a:effectRef>
+          <a:fontRef idx="minor">
+            <a:schemeClr val="lt1"/>
+          </a:fontRef>
+        </p:style>
+      </p:cxnSp>
+      <p:cxnSp>
+        <p:nvCxnSpPr>
+          <p:cNvPr id="12" name="Connecteur droit avec flèche 11">
+            <a:extLst>
+              <a:ext uri="{FF2B5EF4-FFF2-40B4-BE49-F238E27FC236}">
+                <a16:creationId xmlns:a16="http://schemas.microsoft.com/office/drawing/2014/main" id="{71AA89C0-4E31-F789-466D-AFBC84E84108}"/>
+              </a:ext>
+            </a:extLst>
+          </p:cNvPr>
+          <p:cNvCxnSpPr>
+            <a:cxnSpLocks/>
+          </p:cNvCxnSpPr>
+          <p:nvPr/>
+        </p:nvCxnSpPr>
+        <p:spPr>
+          <a:xfrm>
+            <a:off x="2531055" y="2777485"/>
+            <a:ext cx="0" cy="406400"/>
+          </a:xfrm>
+          <a:prstGeom prst="straightConnector1">
+            <a:avLst/>
+          </a:prstGeom>
+          <a:noFill/>
+          <a:ln w="28575">
+            <a:solidFill>
+              <a:srgbClr val="C00000"/>
+            </a:solidFill>
+            <a:headEnd type="stealth" w="med" len="lg"/>
+          </a:ln>
+        </p:spPr>
+        <p:style>
+          <a:lnRef idx="2">
+            <a:schemeClr val="accent1">
+              <a:shade val="15000"/>
+            </a:schemeClr>
+          </a:lnRef>
+          <a:fillRef idx="1">
+            <a:schemeClr val="accent1"/>
+          </a:fillRef>
+          <a:effectRef idx="0">
+            <a:schemeClr val="accent1"/>
+          </a:effectRef>
+          <a:fontRef idx="minor">
+            <a:schemeClr val="lt1"/>
+          </a:fontRef>
+        </p:style>
+      </p:cxnSp>
+      <p:cxnSp>
+        <p:nvCxnSpPr>
+          <p:cNvPr id="13" name="Connecteur droit avec flèche 12">
+            <a:extLst>
+              <a:ext uri="{FF2B5EF4-FFF2-40B4-BE49-F238E27FC236}">
+                <a16:creationId xmlns:a16="http://schemas.microsoft.com/office/drawing/2014/main" id="{BDF1C2E9-2EB5-3423-1E76-002C0C10B2EF}"/>
+              </a:ext>
+            </a:extLst>
+          </p:cNvPr>
+          <p:cNvCxnSpPr>
+            <a:cxnSpLocks/>
+          </p:cNvCxnSpPr>
+          <p:nvPr/>
+        </p:nvCxnSpPr>
+        <p:spPr>
+          <a:xfrm>
+            <a:off x="2251655" y="3210723"/>
+            <a:ext cx="0" cy="406400"/>
+          </a:xfrm>
+          <a:prstGeom prst="straightConnector1">
+            <a:avLst/>
+          </a:prstGeom>
+          <a:noFill/>
+          <a:ln w="28575">
+            <a:solidFill>
+              <a:schemeClr val="accent1">
+                <a:lumMod val="50000"/>
+              </a:schemeClr>
+            </a:solidFill>
+            <a:headEnd type="stealth" w="med" len="lg"/>
+          </a:ln>
+        </p:spPr>
+        <p:style>
+          <a:lnRef idx="2">
+            <a:schemeClr val="accent1">
+              <a:shade val="15000"/>
+            </a:schemeClr>
+          </a:lnRef>
+          <a:fillRef idx="1">
+            <a:schemeClr val="accent1"/>
+          </a:fillRef>
+          <a:effectRef idx="0">
+            <a:schemeClr val="accent1"/>
+          </a:effectRef>
+          <a:fontRef idx="minor">
+            <a:schemeClr val="lt1"/>
+          </a:fontRef>
+        </p:style>
+      </p:cxnSp>
+      <p:cxnSp>
+        <p:nvCxnSpPr>
+          <p:cNvPr id="14" name="Connecteur droit avec flèche 13">
+            <a:extLst>
+              <a:ext uri="{FF2B5EF4-FFF2-40B4-BE49-F238E27FC236}">
+                <a16:creationId xmlns:a16="http://schemas.microsoft.com/office/drawing/2014/main" id="{BBD0CF73-FFAE-EF63-E8D5-F3D7F124BB62}"/>
+              </a:ext>
+            </a:extLst>
+          </p:cNvPr>
+          <p:cNvCxnSpPr>
+            <a:cxnSpLocks/>
+            <a:stCxn id="7" idx="0"/>
+            <a:endCxn id="7" idx="4"/>
+          </p:cNvCxnSpPr>
+          <p:nvPr/>
+        </p:nvCxnSpPr>
+        <p:spPr>
+          <a:xfrm>
+            <a:off x="2531055" y="3257123"/>
+            <a:ext cx="0" cy="360000"/>
+          </a:xfrm>
+          <a:prstGeom prst="straightConnector1">
+            <a:avLst/>
+          </a:prstGeom>
+          <a:noFill/>
+          <a:ln w="28575">
+            <a:solidFill>
+              <a:schemeClr val="accent1">
+                <a:lumMod val="50000"/>
+              </a:schemeClr>
+            </a:solidFill>
+            <a:headEnd type="stealth" w="med" len="lg"/>
+          </a:ln>
+        </p:spPr>
+        <p:style>
+          <a:lnRef idx="2">
+            <a:schemeClr val="accent1">
+              <a:shade val="15000"/>
+            </a:schemeClr>
+          </a:lnRef>
+          <a:fillRef idx="1">
+            <a:schemeClr val="accent1"/>
+          </a:fillRef>
+          <a:effectRef idx="0">
+            <a:schemeClr val="accent1"/>
+          </a:effectRef>
+          <a:fontRef idx="minor">
+            <a:schemeClr val="lt1"/>
+          </a:fontRef>
+        </p:style>
+      </p:cxnSp>
+      <mc:AlternateContent xmlns:mc="http://schemas.openxmlformats.org/markup-compatibility/2006">
+        <mc:Choice xmlns:a14="http://schemas.microsoft.com/office/drawing/2010/main" Requires="a14">
+          <p:sp>
+            <p:nvSpPr>
+              <p:cNvPr id="15" name="ZoneTexte 14">
+                <a:extLst>
+                  <a:ext uri="{FF2B5EF4-FFF2-40B4-BE49-F238E27FC236}">
+                    <a16:creationId xmlns:a16="http://schemas.microsoft.com/office/drawing/2014/main" id="{7016F9D8-8607-B211-587B-CF7010F6BB3A}"/>
+                  </a:ext>
+                </a:extLst>
+              </p:cNvPr>
+              <p:cNvSpPr txBox="1"/>
+              <p:nvPr/>
+            </p:nvSpPr>
+            <p:spPr>
+              <a:xfrm>
+                <a:off x="1864940" y="3321590"/>
+                <a:ext cx="337015" cy="184666"/>
+              </a:xfrm>
+              <a:prstGeom prst="rect">
+                <a:avLst/>
+              </a:prstGeom>
+              <a:noFill/>
+            </p:spPr>
+            <p:txBody>
+              <a:bodyPr wrap="none" lIns="0" tIns="0" rIns="0" bIns="0" rtlCol="0">
+                <a:spAutoFit/>
+              </a:bodyPr>
+              <a:lstStyle/>
+              <a:p>
+                <a:pPr/>
+                <a14:m>
+                  <m:oMathPara xmlns:m="http://schemas.openxmlformats.org/officeDocument/2006/math">
+                    <m:oMathParaPr>
+                      <m:jc m:val="centerGroup"/>
+                    </m:oMathParaPr>
+                    <m:oMath xmlns:m="http://schemas.openxmlformats.org/officeDocument/2006/math">
+                      <m:r>
+                        <a:rPr lang="fr-FR" sz="1200" b="0" i="1" smtClean="0">
+                          <a:latin typeface="Cambria Math" panose="02040503050406030204" pitchFamily="18" charset="0"/>
+                        </a:rPr>
+                        <m:t>𝑈</m:t>
+                      </m:r>
+                      <m:r>
+                        <a:rPr lang="fr-FR" sz="1200" b="0" i="1" smtClean="0">
+                          <a:latin typeface="Cambria Math" panose="02040503050406030204" pitchFamily="18" charset="0"/>
+                        </a:rPr>
+                        <m:t>(</m:t>
+                      </m:r>
+                      <m:r>
+                        <a:rPr lang="fr-FR" sz="1200" b="0" i="1" smtClean="0">
+                          <a:latin typeface="Cambria Math" panose="02040503050406030204" pitchFamily="18" charset="0"/>
+                        </a:rPr>
+                        <m:t>𝑡</m:t>
+                      </m:r>
+                      <m:r>
+                        <a:rPr lang="fr-FR" sz="1200" b="0" i="1" smtClean="0">
+                          <a:latin typeface="Cambria Math" panose="02040503050406030204" pitchFamily="18" charset="0"/>
+                        </a:rPr>
+                        <m:t>)</m:t>
+                      </m:r>
+                    </m:oMath>
+                  </m:oMathPara>
+                </a14:m>
+                <a:endParaRPr lang="fr-FR" sz="1200" dirty="0"/>
+              </a:p>
+            </p:txBody>
+          </p:sp>
+        </mc:Choice>
+        <mc:Fallback>
+          <p:sp>
+            <p:nvSpPr>
+              <p:cNvPr id="15" name="ZoneTexte 14">
+                <a:extLst>
+                  <a:ext uri="{FF2B5EF4-FFF2-40B4-BE49-F238E27FC236}">
+                    <a16:creationId xmlns:a16="http://schemas.microsoft.com/office/drawing/2014/main" id="{7016F9D8-8607-B211-587B-CF7010F6BB3A}"/>
+                  </a:ext>
+                </a:extLst>
+              </p:cNvPr>
+              <p:cNvSpPr txBox="1">
+                <a:spLocks noRot="1" noChangeAspect="1" noMove="1" noResize="1" noEditPoints="1" noAdjustHandles="1" noChangeArrowheads="1" noChangeShapeType="1" noTextEdit="1"/>
+              </p:cNvSpPr>
+              <p:nvPr/>
+            </p:nvSpPr>
+            <p:spPr>
+              <a:xfrm>
+                <a:off x="1864940" y="3321590"/>
+                <a:ext cx="337015" cy="184666"/>
+              </a:xfrm>
+              <a:prstGeom prst="rect">
+                <a:avLst/>
+              </a:prstGeom>
+              <a:blipFill>
+                <a:blip r:embed="rId2"/>
+                <a:stretch>
+                  <a:fillRect l="-10909" t="-6667" r="-16364" b="-36667"/>
+                </a:stretch>
+              </a:blipFill>
+            </p:spPr>
+            <p:txBody>
+              <a:bodyPr/>
+              <a:lstStyle/>
+              <a:p>
+                <a:r>
+                  <a:rPr lang="fr-FR">
+                    <a:noFill/>
+                  </a:rPr>
+                  <a:t> </a:t>
+                </a:r>
+              </a:p>
+            </p:txBody>
+          </p:sp>
+        </mc:Fallback>
+      </mc:AlternateContent>
+      <mc:AlternateContent xmlns:mc="http://schemas.openxmlformats.org/markup-compatibility/2006">
+        <mc:Choice xmlns:a14="http://schemas.microsoft.com/office/drawing/2010/main" Requires="a14">
+          <p:sp>
+            <p:nvSpPr>
+              <p:cNvPr id="16" name="ZoneTexte 15">
+                <a:extLst>
+                  <a:ext uri="{FF2B5EF4-FFF2-40B4-BE49-F238E27FC236}">
+                    <a16:creationId xmlns:a16="http://schemas.microsoft.com/office/drawing/2014/main" id="{C09C9AFF-93C0-2C4F-3880-B8A2DBDD30CE}"/>
+                  </a:ext>
+                </a:extLst>
+              </p:cNvPr>
+              <p:cNvSpPr txBox="1"/>
+              <p:nvPr/>
+            </p:nvSpPr>
+            <p:spPr>
+              <a:xfrm>
+                <a:off x="2134672" y="2910065"/>
+                <a:ext cx="324256" cy="215444"/>
+              </a:xfrm>
+              <a:prstGeom prst="rect">
+                <a:avLst/>
+              </a:prstGeom>
+              <a:noFill/>
+            </p:spPr>
+            <p:txBody>
+              <a:bodyPr wrap="none" lIns="0" tIns="0" rIns="0" bIns="0" rtlCol="0">
+                <a:spAutoFit/>
+              </a:bodyPr>
+              <a:lstStyle/>
+              <a:p>
+                <a:pPr/>
+                <a14:m>
+                  <m:oMathPara xmlns:m="http://schemas.openxmlformats.org/officeDocument/2006/math">
+                    <m:oMathParaPr>
+                      <m:jc m:val="centerGroup"/>
+                    </m:oMathParaPr>
+                    <m:oMath xmlns:m="http://schemas.openxmlformats.org/officeDocument/2006/math">
+                      <m:r>
+                        <a:rPr lang="fr-FR" sz="1400" b="0" i="1" smtClean="0">
+                          <a:latin typeface="Cambria Math" panose="02040503050406030204" pitchFamily="18" charset="0"/>
+                        </a:rPr>
+                        <m:t>𝑖</m:t>
+                      </m:r>
+                      <m:r>
+                        <a:rPr lang="fr-FR" sz="1400" b="0" i="1" smtClean="0">
+                          <a:latin typeface="Cambria Math" panose="02040503050406030204" pitchFamily="18" charset="0"/>
+                        </a:rPr>
+                        <m:t>(</m:t>
+                      </m:r>
+                      <m:r>
+                        <a:rPr lang="fr-FR" sz="1400" b="0" i="1" smtClean="0">
+                          <a:latin typeface="Cambria Math" panose="02040503050406030204" pitchFamily="18" charset="0"/>
+                        </a:rPr>
+                        <m:t>𝑡</m:t>
+                      </m:r>
+                      <m:r>
+                        <a:rPr lang="fr-FR" sz="1400" b="0" i="1" smtClean="0">
+                          <a:latin typeface="Cambria Math" panose="02040503050406030204" pitchFamily="18" charset="0"/>
+                        </a:rPr>
+                        <m:t>)</m:t>
+                      </m:r>
+                    </m:oMath>
+                  </m:oMathPara>
+                </a14:m>
+                <a:endParaRPr lang="fr-FR" sz="1400" dirty="0"/>
+              </a:p>
+            </p:txBody>
+          </p:sp>
+        </mc:Choice>
+        <mc:Fallback>
+          <p:sp>
+            <p:nvSpPr>
+              <p:cNvPr id="16" name="ZoneTexte 15">
+                <a:extLst>
+                  <a:ext uri="{FF2B5EF4-FFF2-40B4-BE49-F238E27FC236}">
+                    <a16:creationId xmlns:a16="http://schemas.microsoft.com/office/drawing/2014/main" id="{C09C9AFF-93C0-2C4F-3880-B8A2DBDD30CE}"/>
+                  </a:ext>
+                </a:extLst>
+              </p:cNvPr>
+              <p:cNvSpPr txBox="1">
+                <a:spLocks noRot="1" noChangeAspect="1" noMove="1" noResize="1" noEditPoints="1" noAdjustHandles="1" noChangeArrowheads="1" noChangeShapeType="1" noTextEdit="1"/>
+              </p:cNvSpPr>
+              <p:nvPr/>
+            </p:nvSpPr>
+            <p:spPr>
+              <a:xfrm>
+                <a:off x="2134672" y="2910065"/>
+                <a:ext cx="324256" cy="215444"/>
+              </a:xfrm>
+              <a:prstGeom prst="rect">
+                <a:avLst/>
+              </a:prstGeom>
+              <a:blipFill>
+                <a:blip r:embed="rId3"/>
+                <a:stretch>
+                  <a:fillRect l="-13208" r="-20755" b="-30556"/>
+                </a:stretch>
+              </a:blipFill>
+            </p:spPr>
+            <p:txBody>
+              <a:bodyPr/>
+              <a:lstStyle/>
+              <a:p>
+                <a:r>
+                  <a:rPr lang="fr-FR">
+                    <a:noFill/>
+                  </a:rPr>
+                  <a:t> </a:t>
+                </a:r>
+              </a:p>
+            </p:txBody>
+          </p:sp>
+        </mc:Fallback>
+      </mc:AlternateContent>
+      <p:cxnSp>
+        <p:nvCxnSpPr>
+          <p:cNvPr id="17" name="Connecteur droit 16">
+            <a:extLst>
+              <a:ext uri="{FF2B5EF4-FFF2-40B4-BE49-F238E27FC236}">
+                <a16:creationId xmlns:a16="http://schemas.microsoft.com/office/drawing/2014/main" id="{2A95D6E9-30D6-D07A-355A-C72F4FF9F483}"/>
+              </a:ext>
+            </a:extLst>
+          </p:cNvPr>
+          <p:cNvCxnSpPr>
+            <a:cxnSpLocks/>
+          </p:cNvCxnSpPr>
+          <p:nvPr/>
+        </p:nvCxnSpPr>
+        <p:spPr>
+          <a:xfrm flipV="1">
+            <a:off x="3749861" y="2706919"/>
+            <a:ext cx="0" cy="1444161"/>
+          </a:xfrm>
+          <a:prstGeom prst="line">
+            <a:avLst/>
+          </a:prstGeom>
+          <a:noFill/>
+          <a:ln w="28575">
+            <a:solidFill>
+              <a:schemeClr val="accent1">
+                <a:lumMod val="50000"/>
+              </a:schemeClr>
+            </a:solidFill>
+          </a:ln>
+        </p:spPr>
+        <p:style>
+          <a:lnRef idx="2">
+            <a:schemeClr val="accent1">
+              <a:shade val="15000"/>
+            </a:schemeClr>
+          </a:lnRef>
+          <a:fillRef idx="1">
+            <a:schemeClr val="accent1"/>
+          </a:fillRef>
+          <a:effectRef idx="0">
+            <a:schemeClr val="accent1"/>
+          </a:effectRef>
+          <a:fontRef idx="minor">
+            <a:schemeClr val="lt1"/>
+          </a:fontRef>
+        </p:style>
+      </p:cxnSp>
+      <p:grpSp>
+        <p:nvGrpSpPr>
+          <p:cNvPr id="18" name="Groupe 17">
+            <a:extLst>
+              <a:ext uri="{FF2B5EF4-FFF2-40B4-BE49-F238E27FC236}">
+                <a16:creationId xmlns:a16="http://schemas.microsoft.com/office/drawing/2014/main" id="{5ACA584E-9EA9-6A7F-772D-5E9751D568F2}"/>
+              </a:ext>
+            </a:extLst>
+          </p:cNvPr>
+          <p:cNvGrpSpPr/>
+          <p:nvPr/>
+        </p:nvGrpSpPr>
+        <p:grpSpPr>
+          <a:xfrm>
+            <a:off x="3568222" y="3166393"/>
+            <a:ext cx="360000" cy="541100"/>
+            <a:chOff x="3762956" y="1758349"/>
+            <a:chExt cx="360000" cy="541100"/>
+          </a:xfrm>
+        </p:grpSpPr>
+        <p:sp>
+          <p:nvSpPr>
+            <p:cNvPr id="19" name="Ellipse 18">
+              <a:extLst>
+                <a:ext uri="{FF2B5EF4-FFF2-40B4-BE49-F238E27FC236}">
+                  <a16:creationId xmlns:a16="http://schemas.microsoft.com/office/drawing/2014/main" id="{22B687EF-8292-7CA2-20DE-E9209D224B21}"/>
+                </a:ext>
+              </a:extLst>
+            </p:cNvPr>
+            <p:cNvSpPr/>
+            <p:nvPr/>
+          </p:nvSpPr>
+          <p:spPr>
+            <a:xfrm>
+              <a:off x="3762956" y="1848899"/>
+              <a:ext cx="360000" cy="360000"/>
+            </a:xfrm>
+            <a:prstGeom prst="ellipse">
+              <a:avLst/>
+            </a:prstGeom>
+            <a:solidFill>
+              <a:schemeClr val="bg1"/>
+            </a:solidFill>
+            <a:ln w="28575">
+              <a:solidFill>
+                <a:schemeClr val="accent1">
+                  <a:lumMod val="50000"/>
+                </a:schemeClr>
+              </a:solidFill>
+            </a:ln>
+          </p:spPr>
+          <p:style>
+            <a:lnRef idx="2">
+              <a:schemeClr val="accent1">
+                <a:shade val="15000"/>
+              </a:schemeClr>
+            </a:lnRef>
+            <a:fillRef idx="1">
+              <a:schemeClr val="accent1"/>
+            </a:fillRef>
+            <a:effectRef idx="0">
+              <a:schemeClr val="accent1"/>
+            </a:effectRef>
+            <a:fontRef idx="minor">
+              <a:schemeClr val="lt1"/>
+            </a:fontRef>
+          </p:style>
+          <p:txBody>
+            <a:bodyPr rtlCol="0" anchor="ctr"/>
+            <a:lstStyle/>
+            <a:p>
+              <a:pPr algn="ctr"/>
+              <a:endParaRPr lang="fr-FR"/>
+            </a:p>
+          </p:txBody>
+        </p:sp>
+        <p:sp>
+          <p:nvSpPr>
+            <p:cNvPr id="20" name="Rectangle 19">
+              <a:extLst>
+                <a:ext uri="{FF2B5EF4-FFF2-40B4-BE49-F238E27FC236}">
+                  <a16:creationId xmlns:a16="http://schemas.microsoft.com/office/drawing/2014/main" id="{F07B2BB8-A46B-4929-9205-FCE1FEFE7287}"/>
+                </a:ext>
+              </a:extLst>
+            </p:cNvPr>
+            <p:cNvSpPr/>
+            <p:nvPr/>
+          </p:nvSpPr>
+          <p:spPr>
+            <a:xfrm>
+              <a:off x="3864223" y="1758349"/>
+              <a:ext cx="157464" cy="110867"/>
+            </a:xfrm>
+            <a:prstGeom prst="rect">
+              <a:avLst/>
+            </a:prstGeom>
+            <a:solidFill>
+              <a:schemeClr val="bg1"/>
+            </a:solidFill>
+            <a:ln w="28575">
+              <a:solidFill>
+                <a:schemeClr val="accent1">
+                  <a:lumMod val="50000"/>
+                </a:schemeClr>
+              </a:solidFill>
+            </a:ln>
+          </p:spPr>
+          <p:style>
+            <a:lnRef idx="2">
+              <a:schemeClr val="accent1">
+                <a:shade val="15000"/>
+              </a:schemeClr>
+            </a:lnRef>
+            <a:fillRef idx="1">
+              <a:schemeClr val="accent1"/>
+            </a:fillRef>
+            <a:effectRef idx="0">
+              <a:schemeClr val="accent1"/>
+            </a:effectRef>
+            <a:fontRef idx="minor">
+              <a:schemeClr val="lt1"/>
+            </a:fontRef>
+          </p:style>
+          <p:txBody>
+            <a:bodyPr rtlCol="0" anchor="ctr"/>
+            <a:lstStyle/>
+            <a:p>
+              <a:pPr algn="ctr"/>
+              <a:endParaRPr lang="fr-FR"/>
+            </a:p>
+          </p:txBody>
+        </p:sp>
+        <p:sp>
+          <p:nvSpPr>
+            <p:cNvPr id="21" name="Rectangle 20">
+              <a:extLst>
+                <a:ext uri="{FF2B5EF4-FFF2-40B4-BE49-F238E27FC236}">
+                  <a16:creationId xmlns:a16="http://schemas.microsoft.com/office/drawing/2014/main" id="{C429C8BA-DF08-E6E1-85FA-6900CA998EEB}"/>
+                </a:ext>
+              </a:extLst>
+            </p:cNvPr>
+            <p:cNvSpPr/>
+            <p:nvPr/>
+          </p:nvSpPr>
+          <p:spPr>
+            <a:xfrm>
+              <a:off x="3866029" y="2188582"/>
+              <a:ext cx="157464" cy="110867"/>
+            </a:xfrm>
+            <a:prstGeom prst="rect">
+              <a:avLst/>
+            </a:prstGeom>
+            <a:solidFill>
+              <a:schemeClr val="bg1"/>
+            </a:solidFill>
+            <a:ln w="28575">
+              <a:solidFill>
+                <a:schemeClr val="accent1">
+                  <a:lumMod val="50000"/>
+                </a:schemeClr>
+              </a:solidFill>
+            </a:ln>
+          </p:spPr>
+          <p:style>
+            <a:lnRef idx="2">
+              <a:schemeClr val="accent1">
+                <a:shade val="15000"/>
+              </a:schemeClr>
+            </a:lnRef>
+            <a:fillRef idx="1">
+              <a:schemeClr val="accent1"/>
+            </a:fillRef>
+            <a:effectRef idx="0">
+              <a:schemeClr val="accent1"/>
+            </a:effectRef>
+            <a:fontRef idx="minor">
+              <a:schemeClr val="lt1"/>
+            </a:fontRef>
+          </p:style>
+          <p:txBody>
+            <a:bodyPr rtlCol="0" anchor="ctr"/>
+            <a:lstStyle/>
+            <a:p>
+              <a:pPr algn="ctr"/>
+              <a:endParaRPr lang="fr-FR"/>
+            </a:p>
+          </p:txBody>
+        </p:sp>
+      </p:grpSp>
+      <p:sp>
+        <p:nvSpPr>
+          <p:cNvPr id="23" name="Ellipse 22">
+            <a:extLst>
+              <a:ext uri="{FF2B5EF4-FFF2-40B4-BE49-F238E27FC236}">
+                <a16:creationId xmlns:a16="http://schemas.microsoft.com/office/drawing/2014/main" id="{822BA9D6-E28E-E2A3-B159-5A749FE19559}"/>
+              </a:ext>
+            </a:extLst>
+          </p:cNvPr>
+          <p:cNvSpPr/>
+          <p:nvPr/>
+        </p:nvSpPr>
+        <p:spPr>
+          <a:xfrm flipH="1">
+            <a:off x="5598703" y="3257123"/>
+            <a:ext cx="360000" cy="360000"/>
+          </a:xfrm>
+          <a:prstGeom prst="ellipse">
+            <a:avLst/>
+          </a:prstGeom>
+          <a:noFill/>
+          <a:ln w="28575">
+            <a:solidFill>
+              <a:schemeClr val="accent1">
+                <a:lumMod val="50000"/>
+              </a:schemeClr>
+            </a:solidFill>
+          </a:ln>
+        </p:spPr>
+        <p:style>
+          <a:lnRef idx="2">
+            <a:schemeClr val="accent1">
+              <a:shade val="15000"/>
+            </a:schemeClr>
+          </a:lnRef>
+          <a:fillRef idx="1">
+            <a:schemeClr val="accent1"/>
+          </a:fillRef>
+          <a:effectRef idx="0">
+            <a:schemeClr val="accent1"/>
+          </a:effectRef>
+          <a:fontRef idx="minor">
+            <a:schemeClr val="lt1"/>
+          </a:fontRef>
+        </p:style>
+        <p:txBody>
+          <a:bodyPr rtlCol="0" anchor="ctr"/>
+          <a:lstStyle/>
+          <a:p>
+            <a:pPr algn="ctr"/>
+            <a:endParaRPr lang="fr-FR"/>
+          </a:p>
+        </p:txBody>
+      </p:sp>
+      <p:cxnSp>
+        <p:nvCxnSpPr>
+          <p:cNvPr id="24" name="Connecteur droit 23">
+            <a:extLst>
+              <a:ext uri="{FF2B5EF4-FFF2-40B4-BE49-F238E27FC236}">
+                <a16:creationId xmlns:a16="http://schemas.microsoft.com/office/drawing/2014/main" id="{95542BDE-7088-2F4F-7252-441064D79744}"/>
+              </a:ext>
+            </a:extLst>
+          </p:cNvPr>
+          <p:cNvCxnSpPr>
+            <a:cxnSpLocks/>
+            <a:stCxn id="23" idx="0"/>
+          </p:cNvCxnSpPr>
+          <p:nvPr/>
+        </p:nvCxnSpPr>
+        <p:spPr>
+          <a:xfrm flipH="1" flipV="1">
+            <a:off x="5778703" y="2706919"/>
+            <a:ext cx="0" cy="550204"/>
+          </a:xfrm>
+          <a:prstGeom prst="line">
+            <a:avLst/>
+          </a:prstGeom>
+          <a:noFill/>
+          <a:ln w="28575">
+            <a:solidFill>
+              <a:schemeClr val="accent1">
+                <a:lumMod val="50000"/>
+              </a:schemeClr>
+            </a:solidFill>
+          </a:ln>
+        </p:spPr>
+        <p:style>
+          <a:lnRef idx="2">
+            <a:schemeClr val="accent1">
+              <a:shade val="15000"/>
+            </a:schemeClr>
+          </a:lnRef>
+          <a:fillRef idx="1">
+            <a:schemeClr val="accent1"/>
+          </a:fillRef>
+          <a:effectRef idx="0">
+            <a:schemeClr val="accent1"/>
+          </a:effectRef>
+          <a:fontRef idx="minor">
+            <a:schemeClr val="lt1"/>
+          </a:fontRef>
+        </p:style>
+      </p:cxnSp>
+      <p:cxnSp>
+        <p:nvCxnSpPr>
+          <p:cNvPr id="25" name="Connecteur droit 24">
+            <a:extLst>
+              <a:ext uri="{FF2B5EF4-FFF2-40B4-BE49-F238E27FC236}">
+                <a16:creationId xmlns:a16="http://schemas.microsoft.com/office/drawing/2014/main" id="{6D3D489F-FB52-BC00-751D-CB38E628F0EC}"/>
+              </a:ext>
+            </a:extLst>
+          </p:cNvPr>
+          <p:cNvCxnSpPr>
+            <a:cxnSpLocks/>
+          </p:cNvCxnSpPr>
+          <p:nvPr/>
+        </p:nvCxnSpPr>
+        <p:spPr>
+          <a:xfrm>
+            <a:off x="4877588" y="2706919"/>
+            <a:ext cx="901115" cy="0"/>
+          </a:xfrm>
+          <a:prstGeom prst="line">
+            <a:avLst/>
+          </a:prstGeom>
+          <a:noFill/>
+          <a:ln w="28575">
+            <a:solidFill>
+              <a:schemeClr val="accent1">
+                <a:lumMod val="50000"/>
+              </a:schemeClr>
+            </a:solidFill>
+          </a:ln>
+        </p:spPr>
+        <p:style>
+          <a:lnRef idx="2">
+            <a:schemeClr val="accent1">
+              <a:shade val="15000"/>
+            </a:schemeClr>
+          </a:lnRef>
+          <a:fillRef idx="1">
+            <a:schemeClr val="accent1"/>
+          </a:fillRef>
+          <a:effectRef idx="0">
+            <a:schemeClr val="accent1"/>
+          </a:effectRef>
+          <a:fontRef idx="minor">
+            <a:schemeClr val="lt1"/>
+          </a:fontRef>
+        </p:style>
+      </p:cxnSp>
+      <p:cxnSp>
+        <p:nvCxnSpPr>
+          <p:cNvPr id="26" name="Connecteur droit 25">
+            <a:extLst>
+              <a:ext uri="{FF2B5EF4-FFF2-40B4-BE49-F238E27FC236}">
+                <a16:creationId xmlns:a16="http://schemas.microsoft.com/office/drawing/2014/main" id="{2E10FBA8-4970-A19F-3D98-4949C1EFEB7D}"/>
+              </a:ext>
+            </a:extLst>
+          </p:cNvPr>
+          <p:cNvCxnSpPr>
+            <a:cxnSpLocks/>
+          </p:cNvCxnSpPr>
+          <p:nvPr/>
+        </p:nvCxnSpPr>
+        <p:spPr>
+          <a:xfrm flipH="1" flipV="1">
+            <a:off x="5778703" y="3617123"/>
+            <a:ext cx="0" cy="533957"/>
+          </a:xfrm>
+          <a:prstGeom prst="line">
+            <a:avLst/>
+          </a:prstGeom>
+          <a:noFill/>
+          <a:ln w="28575">
+            <a:solidFill>
+              <a:schemeClr val="accent1">
+                <a:lumMod val="50000"/>
+              </a:schemeClr>
+            </a:solidFill>
+          </a:ln>
+        </p:spPr>
+        <p:style>
+          <a:lnRef idx="2">
+            <a:schemeClr val="accent1">
+              <a:shade val="15000"/>
+            </a:schemeClr>
+          </a:lnRef>
+          <a:fillRef idx="1">
+            <a:schemeClr val="accent1"/>
+          </a:fillRef>
+          <a:effectRef idx="0">
+            <a:schemeClr val="accent1"/>
+          </a:effectRef>
+          <a:fontRef idx="minor">
+            <a:schemeClr val="lt1"/>
+          </a:fontRef>
+        </p:style>
+      </p:cxnSp>
+      <p:cxnSp>
+        <p:nvCxnSpPr>
+          <p:cNvPr id="27" name="Connecteur droit 26">
+            <a:extLst>
+              <a:ext uri="{FF2B5EF4-FFF2-40B4-BE49-F238E27FC236}">
+                <a16:creationId xmlns:a16="http://schemas.microsoft.com/office/drawing/2014/main" id="{00FC4C28-4582-B449-B4EE-E5B49F376D55}"/>
+              </a:ext>
+            </a:extLst>
+          </p:cNvPr>
+          <p:cNvCxnSpPr>
+            <a:cxnSpLocks/>
+          </p:cNvCxnSpPr>
+          <p:nvPr/>
+        </p:nvCxnSpPr>
+        <p:spPr>
+          <a:xfrm flipH="1">
+            <a:off x="4886656" y="4151080"/>
+            <a:ext cx="892047" cy="0"/>
+          </a:xfrm>
+          <a:prstGeom prst="line">
+            <a:avLst/>
+          </a:prstGeom>
+          <a:noFill/>
+          <a:ln w="28575">
+            <a:solidFill>
+              <a:schemeClr val="accent1">
+                <a:lumMod val="50000"/>
+              </a:schemeClr>
+            </a:solidFill>
+          </a:ln>
+        </p:spPr>
+        <p:style>
+          <a:lnRef idx="2">
+            <a:schemeClr val="accent1">
+              <a:shade val="15000"/>
+            </a:schemeClr>
+          </a:lnRef>
+          <a:fillRef idx="1">
+            <a:schemeClr val="accent1"/>
+          </a:fillRef>
+          <a:effectRef idx="0">
+            <a:schemeClr val="accent1"/>
+          </a:effectRef>
+          <a:fontRef idx="minor">
+            <a:schemeClr val="lt1"/>
+          </a:fontRef>
+        </p:style>
+      </p:cxnSp>
+      <p:cxnSp>
+        <p:nvCxnSpPr>
+          <p:cNvPr id="29" name="Connecteur droit avec flèche 28">
+            <a:extLst>
+              <a:ext uri="{FF2B5EF4-FFF2-40B4-BE49-F238E27FC236}">
+                <a16:creationId xmlns:a16="http://schemas.microsoft.com/office/drawing/2014/main" id="{01B119B1-52EB-870A-279A-D92E9BE62522}"/>
+              </a:ext>
+            </a:extLst>
+          </p:cNvPr>
+          <p:cNvCxnSpPr>
+            <a:cxnSpLocks/>
+          </p:cNvCxnSpPr>
+          <p:nvPr/>
+        </p:nvCxnSpPr>
+        <p:spPr>
+          <a:xfrm flipH="1" flipV="1">
+            <a:off x="6053023" y="3206313"/>
+            <a:ext cx="0" cy="406400"/>
+          </a:xfrm>
+          <a:prstGeom prst="straightConnector1">
+            <a:avLst/>
+          </a:prstGeom>
+          <a:noFill/>
+          <a:ln w="28575">
+            <a:solidFill>
+              <a:schemeClr val="accent1">
+                <a:lumMod val="50000"/>
+              </a:schemeClr>
+            </a:solidFill>
+            <a:headEnd type="stealth" w="med" len="lg"/>
+          </a:ln>
+        </p:spPr>
+        <p:style>
+          <a:lnRef idx="2">
+            <a:schemeClr val="accent1">
+              <a:shade val="15000"/>
+            </a:schemeClr>
+          </a:lnRef>
+          <a:fillRef idx="1">
+            <a:schemeClr val="accent1"/>
+          </a:fillRef>
+          <a:effectRef idx="0">
+            <a:schemeClr val="accent1"/>
+          </a:effectRef>
+          <a:fontRef idx="minor">
+            <a:schemeClr val="lt1"/>
+          </a:fontRef>
+        </p:style>
+      </p:cxnSp>
+      <mc:AlternateContent xmlns:mc="http://schemas.openxmlformats.org/markup-compatibility/2006">
+        <mc:Choice xmlns:a14="http://schemas.microsoft.com/office/drawing/2010/main" Requires="a14">
+          <p:sp>
+            <p:nvSpPr>
+              <p:cNvPr id="31" name="ZoneTexte 30">
+                <a:extLst>
+                  <a:ext uri="{FF2B5EF4-FFF2-40B4-BE49-F238E27FC236}">
+                    <a16:creationId xmlns:a16="http://schemas.microsoft.com/office/drawing/2014/main" id="{E9128B21-2CD3-042B-C6FC-8F4ECB54F9DD}"/>
+                  </a:ext>
+                </a:extLst>
+              </p:cNvPr>
+              <p:cNvSpPr txBox="1"/>
+              <p:nvPr/>
+            </p:nvSpPr>
+            <p:spPr>
+              <a:xfrm>
+                <a:off x="6096000" y="3349304"/>
+                <a:ext cx="246754" cy="199735"/>
+              </a:xfrm>
+              <a:prstGeom prst="rect">
+                <a:avLst/>
+              </a:prstGeom>
+              <a:noFill/>
+            </p:spPr>
+            <p:txBody>
+              <a:bodyPr wrap="square" lIns="0" tIns="0" rIns="0" bIns="0" rtlCol="0">
+                <a:spAutoFit/>
+              </a:bodyPr>
+              <a:lstStyle/>
+              <a:p>
+                <a:pPr/>
+                <a14:m>
+                  <m:oMathPara xmlns:m="http://schemas.openxmlformats.org/officeDocument/2006/math">
+                    <m:oMathParaPr>
+                      <m:jc m:val="centerGroup"/>
+                    </m:oMathParaPr>
+                    <m:oMath xmlns:m="http://schemas.openxmlformats.org/officeDocument/2006/math">
+                      <m:sSub>
+                        <m:sSubPr>
+                          <m:ctrlPr>
+                            <a:rPr lang="fr-FR" sz="1200" b="0" i="1" smtClean="0">
+                              <a:latin typeface="Cambria Math" panose="02040503050406030204" pitchFamily="18" charset="0"/>
+                            </a:rPr>
+                          </m:ctrlPr>
+                        </m:sSubPr>
+                        <m:e>
+                          <m:r>
+                            <a:rPr lang="fr-FR" sz="1200" b="0" i="1" smtClean="0">
+                              <a:latin typeface="Cambria Math" panose="02040503050406030204" pitchFamily="18" charset="0"/>
+                            </a:rPr>
+                            <m:t>𝑈</m:t>
+                          </m:r>
+                        </m:e>
+                        <m:sub>
+                          <m:r>
+                            <a:rPr lang="fr-FR" sz="1200" b="0" i="1" smtClean="0">
+                              <a:latin typeface="Cambria Math" panose="02040503050406030204" pitchFamily="18" charset="0"/>
+                            </a:rPr>
+                            <m:t>𝑔</m:t>
+                          </m:r>
+                        </m:sub>
+                      </m:sSub>
+                      <m:r>
+                        <a:rPr lang="fr-FR" sz="1200" b="0" i="1" smtClean="0">
+                          <a:latin typeface="Cambria Math" panose="02040503050406030204" pitchFamily="18" charset="0"/>
+                        </a:rPr>
+                        <m:t>(</m:t>
+                      </m:r>
+                      <m:r>
+                        <a:rPr lang="fr-FR" sz="1200" b="0" i="1" smtClean="0">
+                          <a:latin typeface="Cambria Math" panose="02040503050406030204" pitchFamily="18" charset="0"/>
+                        </a:rPr>
+                        <m:t>𝑡</m:t>
+                      </m:r>
+                      <m:r>
+                        <a:rPr lang="fr-FR" sz="1200" b="0" i="1" smtClean="0">
+                          <a:latin typeface="Cambria Math" panose="02040503050406030204" pitchFamily="18" charset="0"/>
+                        </a:rPr>
+                        <m:t>)</m:t>
+                      </m:r>
+                    </m:oMath>
+                  </m:oMathPara>
+                </a14:m>
+                <a:endParaRPr lang="fr-FR" sz="1200" dirty="0"/>
+              </a:p>
+            </p:txBody>
+          </p:sp>
+        </mc:Choice>
+        <mc:Fallback>
+          <p:sp>
+            <p:nvSpPr>
+              <p:cNvPr id="31" name="ZoneTexte 30">
+                <a:extLst>
+                  <a:ext uri="{FF2B5EF4-FFF2-40B4-BE49-F238E27FC236}">
+                    <a16:creationId xmlns:a16="http://schemas.microsoft.com/office/drawing/2014/main" id="{E9128B21-2CD3-042B-C6FC-8F4ECB54F9DD}"/>
+                  </a:ext>
+                </a:extLst>
+              </p:cNvPr>
+              <p:cNvSpPr txBox="1">
+                <a:spLocks noRot="1" noChangeAspect="1" noMove="1" noResize="1" noEditPoints="1" noAdjustHandles="1" noChangeArrowheads="1" noChangeShapeType="1" noTextEdit="1"/>
+              </p:cNvSpPr>
+              <p:nvPr/>
+            </p:nvSpPr>
+            <p:spPr>
+              <a:xfrm>
+                <a:off x="6096000" y="3349304"/>
+                <a:ext cx="246754" cy="199735"/>
+              </a:xfrm>
+              <a:prstGeom prst="rect">
+                <a:avLst/>
+              </a:prstGeom>
+              <a:blipFill>
+                <a:blip r:embed="rId4"/>
+                <a:stretch>
+                  <a:fillRect l="-22500" r="-77500" b="-30303"/>
+                </a:stretch>
+              </a:blipFill>
+            </p:spPr>
+            <p:txBody>
+              <a:bodyPr/>
+              <a:lstStyle/>
+              <a:p>
+                <a:r>
+                  <a:rPr lang="fr-FR">
+                    <a:noFill/>
+                  </a:rPr>
+                  <a:t> </a:t>
+                </a:r>
+              </a:p>
+            </p:txBody>
+          </p:sp>
+        </mc:Fallback>
+      </mc:AlternateContent>
+      <mc:AlternateContent xmlns:mc="http://schemas.openxmlformats.org/markup-compatibility/2006">
+        <mc:Choice xmlns:a14="http://schemas.microsoft.com/office/drawing/2010/main" Requires="a14">
+          <p:sp>
+            <p:nvSpPr>
+              <p:cNvPr id="32" name="ZoneTexte 31">
+                <a:extLst>
+                  <a:ext uri="{FF2B5EF4-FFF2-40B4-BE49-F238E27FC236}">
+                    <a16:creationId xmlns:a16="http://schemas.microsoft.com/office/drawing/2014/main" id="{D745ECB0-3CD0-BB1B-EDAD-9FC2F368C65A}"/>
+                  </a:ext>
+                </a:extLst>
+              </p:cNvPr>
+              <p:cNvSpPr txBox="1"/>
+              <p:nvPr/>
+            </p:nvSpPr>
+            <p:spPr>
+              <a:xfrm flipH="1">
+                <a:off x="4917309" y="2822480"/>
+                <a:ext cx="407098" cy="232949"/>
+              </a:xfrm>
+              <a:prstGeom prst="rect">
+                <a:avLst/>
+              </a:prstGeom>
+              <a:noFill/>
+            </p:spPr>
+            <p:txBody>
+              <a:bodyPr wrap="none" lIns="0" tIns="0" rIns="0" bIns="0" rtlCol="0">
+                <a:spAutoFit/>
+              </a:bodyPr>
+              <a:lstStyle/>
+              <a:p>
+                <a:pPr/>
+                <a14:m>
+                  <m:oMathPara xmlns:m="http://schemas.openxmlformats.org/officeDocument/2006/math">
+                    <m:oMathParaPr>
+                      <m:jc m:val="centerGroup"/>
+                    </m:oMathParaPr>
+                    <m:oMath xmlns:m="http://schemas.openxmlformats.org/officeDocument/2006/math">
+                      <m:sSub>
+                        <m:sSubPr>
+                          <m:ctrlPr>
+                            <a:rPr lang="fr-FR" sz="1400" b="0" i="1" smtClean="0">
+                              <a:latin typeface="Cambria Math" panose="02040503050406030204" pitchFamily="18" charset="0"/>
+                            </a:rPr>
+                          </m:ctrlPr>
+                        </m:sSubPr>
+                        <m:e>
+                          <m:r>
+                            <a:rPr lang="fr-FR" sz="1400" b="0" i="1" smtClean="0">
+                              <a:latin typeface="Cambria Math" panose="02040503050406030204" pitchFamily="18" charset="0"/>
+                            </a:rPr>
+                            <m:t>𝑖</m:t>
+                          </m:r>
+                        </m:e>
+                        <m:sub>
+                          <m:r>
+                            <a:rPr lang="fr-FR" sz="1400" b="0" i="1" smtClean="0">
+                              <a:latin typeface="Cambria Math" panose="02040503050406030204" pitchFamily="18" charset="0"/>
+                            </a:rPr>
+                            <m:t>𝑔</m:t>
+                          </m:r>
+                        </m:sub>
+                      </m:sSub>
+                      <m:r>
+                        <a:rPr lang="fr-FR" sz="1400" b="0" i="1" smtClean="0">
+                          <a:latin typeface="Cambria Math" panose="02040503050406030204" pitchFamily="18" charset="0"/>
+                        </a:rPr>
+                        <m:t>(</m:t>
+                      </m:r>
+                      <m:r>
+                        <a:rPr lang="fr-FR" sz="1400" b="0" i="1" smtClean="0">
+                          <a:latin typeface="Cambria Math" panose="02040503050406030204" pitchFamily="18" charset="0"/>
+                        </a:rPr>
+                        <m:t>𝑡</m:t>
+                      </m:r>
+                      <m:r>
+                        <a:rPr lang="fr-FR" sz="1400" b="0" i="1" smtClean="0">
+                          <a:latin typeface="Cambria Math" panose="02040503050406030204" pitchFamily="18" charset="0"/>
+                        </a:rPr>
+                        <m:t>)</m:t>
+                      </m:r>
+                    </m:oMath>
+                  </m:oMathPara>
+                </a14:m>
+                <a:endParaRPr lang="fr-FR" sz="1400" dirty="0"/>
+              </a:p>
+            </p:txBody>
+          </p:sp>
+        </mc:Choice>
+        <mc:Fallback>
+          <p:sp>
+            <p:nvSpPr>
+              <p:cNvPr id="32" name="ZoneTexte 31">
+                <a:extLst>
+                  <a:ext uri="{FF2B5EF4-FFF2-40B4-BE49-F238E27FC236}">
+                    <a16:creationId xmlns:a16="http://schemas.microsoft.com/office/drawing/2014/main" id="{D745ECB0-3CD0-BB1B-EDAD-9FC2F368C65A}"/>
+                  </a:ext>
+                </a:extLst>
+              </p:cNvPr>
+              <p:cNvSpPr txBox="1">
+                <a:spLocks noRot="1" noChangeAspect="1" noMove="1" noResize="1" noEditPoints="1" noAdjustHandles="1" noChangeArrowheads="1" noChangeShapeType="1" noTextEdit="1"/>
+              </p:cNvSpPr>
+              <p:nvPr/>
+            </p:nvSpPr>
+            <p:spPr>
+              <a:xfrm flipH="1">
+                <a:off x="4917309" y="2822480"/>
+                <a:ext cx="407098" cy="232949"/>
+              </a:xfrm>
+              <a:prstGeom prst="rect">
+                <a:avLst/>
+              </a:prstGeom>
+              <a:blipFill>
+                <a:blip r:embed="rId5"/>
+                <a:stretch>
+                  <a:fillRect l="-10606" r="-15152" b="-26316"/>
+                </a:stretch>
+              </a:blipFill>
+            </p:spPr>
+            <p:txBody>
+              <a:bodyPr/>
+              <a:lstStyle/>
+              <a:p>
+                <a:r>
+                  <a:rPr lang="fr-FR">
+                    <a:noFill/>
+                  </a:rPr>
+                  <a:t> </a:t>
+                </a:r>
+              </a:p>
+            </p:txBody>
+          </p:sp>
+        </mc:Fallback>
+      </mc:AlternateContent>
+      <p:cxnSp>
+        <p:nvCxnSpPr>
+          <p:cNvPr id="28" name="Connecteur droit avec flèche 27">
+            <a:extLst>
+              <a:ext uri="{FF2B5EF4-FFF2-40B4-BE49-F238E27FC236}">
+                <a16:creationId xmlns:a16="http://schemas.microsoft.com/office/drawing/2014/main" id="{7A08A54C-4AAB-DB69-CF83-8B2B99D052B8}"/>
+              </a:ext>
+            </a:extLst>
+          </p:cNvPr>
+          <p:cNvCxnSpPr>
+            <a:cxnSpLocks/>
+          </p:cNvCxnSpPr>
+          <p:nvPr/>
+        </p:nvCxnSpPr>
+        <p:spPr>
+          <a:xfrm flipH="1">
+            <a:off x="4884851" y="2706865"/>
+            <a:ext cx="0" cy="406400"/>
+          </a:xfrm>
+          <a:prstGeom prst="straightConnector1">
+            <a:avLst/>
+          </a:prstGeom>
+          <a:noFill/>
+          <a:ln w="28575">
+            <a:solidFill>
+              <a:srgbClr val="C00000"/>
+            </a:solidFill>
+            <a:headEnd type="stealth" w="med" len="lg"/>
+          </a:ln>
+        </p:spPr>
+        <p:style>
+          <a:lnRef idx="2">
+            <a:schemeClr val="accent1">
+              <a:shade val="15000"/>
+            </a:schemeClr>
+          </a:lnRef>
+          <a:fillRef idx="1">
+            <a:schemeClr val="accent1"/>
+          </a:fillRef>
+          <a:effectRef idx="0">
+            <a:schemeClr val="accent1"/>
+          </a:effectRef>
+          <a:fontRef idx="minor">
+            <a:schemeClr val="lt1"/>
+          </a:fontRef>
+        </p:style>
+      </p:cxnSp>
+      <p:grpSp>
+        <p:nvGrpSpPr>
+          <p:cNvPr id="34" name="Groupe 33">
+            <a:extLst>
+              <a:ext uri="{FF2B5EF4-FFF2-40B4-BE49-F238E27FC236}">
+                <a16:creationId xmlns:a16="http://schemas.microsoft.com/office/drawing/2014/main" id="{19853D34-F7D4-8168-C11E-ABC3634A2D86}"/>
+              </a:ext>
+            </a:extLst>
+          </p:cNvPr>
+          <p:cNvGrpSpPr/>
+          <p:nvPr/>
+        </p:nvGrpSpPr>
+        <p:grpSpPr>
+          <a:xfrm flipH="1">
+            <a:off x="4706656" y="3162163"/>
+            <a:ext cx="360000" cy="541100"/>
+            <a:chOff x="3762956" y="1758349"/>
+            <a:chExt cx="360000" cy="541100"/>
+          </a:xfrm>
+        </p:grpSpPr>
+        <p:sp>
+          <p:nvSpPr>
+            <p:cNvPr id="35" name="Ellipse 34">
+              <a:extLst>
+                <a:ext uri="{FF2B5EF4-FFF2-40B4-BE49-F238E27FC236}">
+                  <a16:creationId xmlns:a16="http://schemas.microsoft.com/office/drawing/2014/main" id="{0E13D502-76F0-0EDC-BBF8-87F5C6035287}"/>
+                </a:ext>
+              </a:extLst>
+            </p:cNvPr>
+            <p:cNvSpPr/>
+            <p:nvPr/>
+          </p:nvSpPr>
+          <p:spPr>
+            <a:xfrm>
+              <a:off x="3762956" y="1848899"/>
+              <a:ext cx="360000" cy="360000"/>
+            </a:xfrm>
+            <a:prstGeom prst="ellipse">
+              <a:avLst/>
+            </a:prstGeom>
+            <a:solidFill>
+              <a:schemeClr val="bg1"/>
+            </a:solidFill>
+            <a:ln w="28575">
+              <a:solidFill>
+                <a:schemeClr val="accent1">
+                  <a:lumMod val="50000"/>
+                </a:schemeClr>
+              </a:solidFill>
+            </a:ln>
+          </p:spPr>
+          <p:style>
+            <a:lnRef idx="2">
+              <a:schemeClr val="accent1">
+                <a:shade val="15000"/>
+              </a:schemeClr>
+            </a:lnRef>
+            <a:fillRef idx="1">
+              <a:schemeClr val="accent1"/>
+            </a:fillRef>
+            <a:effectRef idx="0">
+              <a:schemeClr val="accent1"/>
+            </a:effectRef>
+            <a:fontRef idx="minor">
+              <a:schemeClr val="lt1"/>
+            </a:fontRef>
+          </p:style>
+          <p:txBody>
+            <a:bodyPr rtlCol="0" anchor="ctr"/>
+            <a:lstStyle/>
+            <a:p>
+              <a:pPr algn="ctr"/>
+              <a:endParaRPr lang="fr-FR"/>
+            </a:p>
+          </p:txBody>
+        </p:sp>
+        <p:sp>
+          <p:nvSpPr>
+            <p:cNvPr id="36" name="Rectangle 35">
+              <a:extLst>
+                <a:ext uri="{FF2B5EF4-FFF2-40B4-BE49-F238E27FC236}">
+                  <a16:creationId xmlns:a16="http://schemas.microsoft.com/office/drawing/2014/main" id="{18927109-A2A8-93EF-B305-20FA61EAA66C}"/>
+                </a:ext>
+              </a:extLst>
+            </p:cNvPr>
+            <p:cNvSpPr/>
+            <p:nvPr/>
+          </p:nvSpPr>
+          <p:spPr>
+            <a:xfrm>
+              <a:off x="3864223" y="1758349"/>
+              <a:ext cx="157464" cy="110867"/>
+            </a:xfrm>
+            <a:prstGeom prst="rect">
+              <a:avLst/>
+            </a:prstGeom>
+            <a:solidFill>
+              <a:schemeClr val="bg1"/>
+            </a:solidFill>
+            <a:ln w="28575">
+              <a:solidFill>
+                <a:schemeClr val="accent1">
+                  <a:lumMod val="50000"/>
+                </a:schemeClr>
+              </a:solidFill>
+            </a:ln>
+          </p:spPr>
+          <p:style>
+            <a:lnRef idx="2">
+              <a:schemeClr val="accent1">
+                <a:shade val="15000"/>
+              </a:schemeClr>
+            </a:lnRef>
+            <a:fillRef idx="1">
+              <a:schemeClr val="accent1"/>
+            </a:fillRef>
+            <a:effectRef idx="0">
+              <a:schemeClr val="accent1"/>
+            </a:effectRef>
+            <a:fontRef idx="minor">
+              <a:schemeClr val="lt1"/>
+            </a:fontRef>
+          </p:style>
+          <p:txBody>
+            <a:bodyPr rtlCol="0" anchor="ctr"/>
+            <a:lstStyle/>
+            <a:p>
+              <a:pPr algn="ctr"/>
+              <a:endParaRPr lang="fr-FR"/>
+            </a:p>
+          </p:txBody>
+        </p:sp>
+        <p:sp>
+          <p:nvSpPr>
+            <p:cNvPr id="37" name="Rectangle 36">
+              <a:extLst>
+                <a:ext uri="{FF2B5EF4-FFF2-40B4-BE49-F238E27FC236}">
+                  <a16:creationId xmlns:a16="http://schemas.microsoft.com/office/drawing/2014/main" id="{DFECCF5D-69AA-D9D4-7BF1-5CF18070B41E}"/>
+                </a:ext>
+              </a:extLst>
+            </p:cNvPr>
+            <p:cNvSpPr/>
+            <p:nvPr/>
+          </p:nvSpPr>
+          <p:spPr>
+            <a:xfrm>
+              <a:off x="3866029" y="2188582"/>
+              <a:ext cx="157464" cy="110867"/>
+            </a:xfrm>
+            <a:prstGeom prst="rect">
+              <a:avLst/>
+            </a:prstGeom>
+            <a:solidFill>
+              <a:schemeClr val="bg1"/>
+            </a:solidFill>
+            <a:ln w="28575">
+              <a:solidFill>
+                <a:schemeClr val="accent1">
+                  <a:lumMod val="50000"/>
+                </a:schemeClr>
+              </a:solidFill>
+            </a:ln>
+          </p:spPr>
+          <p:style>
+            <a:lnRef idx="2">
+              <a:schemeClr val="accent1">
+                <a:shade val="15000"/>
+              </a:schemeClr>
+            </a:lnRef>
+            <a:fillRef idx="1">
+              <a:schemeClr val="accent1"/>
+            </a:fillRef>
+            <a:effectRef idx="0">
+              <a:schemeClr val="accent1"/>
+            </a:effectRef>
+            <a:fontRef idx="minor">
+              <a:schemeClr val="lt1"/>
+            </a:fontRef>
+          </p:style>
+          <p:txBody>
+            <a:bodyPr rtlCol="0" anchor="ctr"/>
+            <a:lstStyle/>
+            <a:p>
+              <a:pPr algn="ctr"/>
+              <a:endParaRPr lang="fr-FR"/>
+            </a:p>
+          </p:txBody>
+        </p:sp>
+      </p:grpSp>
+      <p:cxnSp>
+        <p:nvCxnSpPr>
+          <p:cNvPr id="38" name="Connecteur droit 37">
+            <a:extLst>
+              <a:ext uri="{FF2B5EF4-FFF2-40B4-BE49-F238E27FC236}">
+                <a16:creationId xmlns:a16="http://schemas.microsoft.com/office/drawing/2014/main" id="{5E474B1E-6E9C-C570-D2D2-299415441A3B}"/>
+              </a:ext>
+            </a:extLst>
+          </p:cNvPr>
+          <p:cNvCxnSpPr>
+            <a:cxnSpLocks/>
+            <a:stCxn id="35" idx="6"/>
+          </p:cNvCxnSpPr>
+          <p:nvPr/>
+        </p:nvCxnSpPr>
+        <p:spPr>
+          <a:xfrm flipH="1">
+            <a:off x="3928222" y="3432713"/>
+            <a:ext cx="778434" cy="0"/>
+          </a:xfrm>
+          <a:prstGeom prst="line">
+            <a:avLst/>
+          </a:prstGeom>
+          <a:noFill/>
+          <a:ln w="28575">
+            <a:solidFill>
+              <a:schemeClr val="accent1">
+                <a:lumMod val="50000"/>
+              </a:schemeClr>
+            </a:solidFill>
+          </a:ln>
+        </p:spPr>
+        <p:style>
+          <a:lnRef idx="2">
+            <a:schemeClr val="accent1">
+              <a:shade val="15000"/>
+            </a:schemeClr>
+          </a:lnRef>
+          <a:fillRef idx="1">
+            <a:schemeClr val="accent1"/>
+          </a:fillRef>
+          <a:effectRef idx="0">
+            <a:schemeClr val="accent1"/>
+          </a:effectRef>
+          <a:fontRef idx="minor">
+            <a:schemeClr val="lt1"/>
+          </a:fontRef>
+        </p:style>
+      </p:cxnSp>
+      <p:sp>
+        <p:nvSpPr>
+          <p:cNvPr id="42" name="Rectangle 41">
+            <a:extLst>
+              <a:ext uri="{FF2B5EF4-FFF2-40B4-BE49-F238E27FC236}">
+                <a16:creationId xmlns:a16="http://schemas.microsoft.com/office/drawing/2014/main" id="{6CC7AAA4-9825-7D08-ACFC-F8AF94A0257F}"/>
+              </a:ext>
+            </a:extLst>
+          </p:cNvPr>
+          <p:cNvSpPr/>
+          <p:nvPr/>
+        </p:nvSpPr>
+        <p:spPr>
+          <a:xfrm>
+            <a:off x="4253550" y="3142441"/>
+            <a:ext cx="119479" cy="576000"/>
+          </a:xfrm>
+          <a:prstGeom prst="rect">
+            <a:avLst/>
+          </a:prstGeom>
+          <a:solidFill>
+            <a:schemeClr val="bg1"/>
+          </a:solidFill>
+          <a:ln w="28575">
+            <a:solidFill>
+              <a:schemeClr val="accent1">
+                <a:lumMod val="50000"/>
+              </a:schemeClr>
+            </a:solidFill>
+          </a:ln>
+        </p:spPr>
+        <p:style>
+          <a:lnRef idx="2">
+            <a:schemeClr val="accent1">
+              <a:shade val="15000"/>
+            </a:schemeClr>
+          </a:lnRef>
+          <a:fillRef idx="1">
+            <a:schemeClr val="accent1"/>
+          </a:fillRef>
+          <a:effectRef idx="0">
+            <a:schemeClr val="accent1"/>
+          </a:effectRef>
+          <a:fontRef idx="minor">
+            <a:schemeClr val="lt1"/>
+          </a:fontRef>
+        </p:style>
+        <p:txBody>
+          <a:bodyPr rtlCol="0" anchor="ctr"/>
+          <a:lstStyle/>
+          <a:p>
+            <a:pPr algn="ctr"/>
+            <a:endParaRPr lang="fr-FR"/>
+          </a:p>
+        </p:txBody>
+      </p:sp>
+      <p:sp>
+        <p:nvSpPr>
+          <p:cNvPr id="43" name="Rectangle 42">
+            <a:extLst>
+              <a:ext uri="{FF2B5EF4-FFF2-40B4-BE49-F238E27FC236}">
+                <a16:creationId xmlns:a16="http://schemas.microsoft.com/office/drawing/2014/main" id="{4579187D-DCED-1489-B0DF-AE3E45B4CE6C}"/>
+              </a:ext>
+            </a:extLst>
+          </p:cNvPr>
+          <p:cNvSpPr/>
+          <p:nvPr/>
+        </p:nvSpPr>
+        <p:spPr>
+          <a:xfrm>
+            <a:off x="4257639" y="3138723"/>
+            <a:ext cx="108000" cy="108000"/>
+          </a:xfrm>
+          <a:prstGeom prst="rect">
+            <a:avLst/>
+          </a:prstGeom>
+          <a:solidFill>
+            <a:schemeClr val="accent1">
+              <a:lumMod val="50000"/>
+            </a:schemeClr>
+          </a:solidFill>
+          <a:ln w="28575">
+            <a:noFill/>
+          </a:ln>
+        </p:spPr>
+        <p:style>
+          <a:lnRef idx="2">
+            <a:schemeClr val="accent1">
+              <a:shade val="15000"/>
+            </a:schemeClr>
+          </a:lnRef>
+          <a:fillRef idx="1">
+            <a:schemeClr val="accent1"/>
+          </a:fillRef>
+          <a:effectRef idx="0">
+            <a:schemeClr val="accent1"/>
+          </a:effectRef>
+          <a:fontRef idx="minor">
+            <a:schemeClr val="lt1"/>
+          </a:fontRef>
+        </p:style>
+        <p:txBody>
+          <a:bodyPr rtlCol="0" anchor="ctr"/>
+          <a:lstStyle/>
+          <a:p>
+            <a:pPr algn="ctr"/>
+            <a:endParaRPr lang="fr-FR"/>
+          </a:p>
+        </p:txBody>
+      </p:sp>
+      <p:sp>
+        <p:nvSpPr>
+          <p:cNvPr id="44" name="Rectangle 43">
+            <a:extLst>
+              <a:ext uri="{FF2B5EF4-FFF2-40B4-BE49-F238E27FC236}">
+                <a16:creationId xmlns:a16="http://schemas.microsoft.com/office/drawing/2014/main" id="{9BC5AA9A-3ACA-8449-E2AB-E3CB16F43644}"/>
+              </a:ext>
+            </a:extLst>
+          </p:cNvPr>
+          <p:cNvSpPr/>
+          <p:nvPr/>
+        </p:nvSpPr>
+        <p:spPr>
+          <a:xfrm>
+            <a:off x="4257639" y="3370484"/>
+            <a:ext cx="108000" cy="108000"/>
+          </a:xfrm>
+          <a:prstGeom prst="rect">
+            <a:avLst/>
+          </a:prstGeom>
+          <a:solidFill>
+            <a:schemeClr val="accent1">
+              <a:lumMod val="50000"/>
+            </a:schemeClr>
+          </a:solidFill>
+          <a:ln w="28575">
+            <a:noFill/>
+          </a:ln>
+        </p:spPr>
+        <p:style>
+          <a:lnRef idx="2">
+            <a:schemeClr val="accent1">
+              <a:shade val="15000"/>
+            </a:schemeClr>
+          </a:lnRef>
+          <a:fillRef idx="1">
+            <a:schemeClr val="accent1"/>
+          </a:fillRef>
+          <a:effectRef idx="0">
+            <a:schemeClr val="accent1"/>
+          </a:effectRef>
+          <a:fontRef idx="minor">
+            <a:schemeClr val="lt1"/>
+          </a:fontRef>
+        </p:style>
+        <p:txBody>
+          <a:bodyPr rtlCol="0" anchor="ctr"/>
+          <a:lstStyle/>
+          <a:p>
+            <a:pPr algn="ctr"/>
+            <a:endParaRPr lang="fr-FR"/>
+          </a:p>
+        </p:txBody>
+      </p:sp>
+      <p:sp>
+        <p:nvSpPr>
+          <p:cNvPr id="45" name="Rectangle 44">
+            <a:extLst>
+              <a:ext uri="{FF2B5EF4-FFF2-40B4-BE49-F238E27FC236}">
+                <a16:creationId xmlns:a16="http://schemas.microsoft.com/office/drawing/2014/main" id="{039D7F9A-7388-4A35-5D26-078A4D6DCEAB}"/>
+              </a:ext>
+            </a:extLst>
+          </p:cNvPr>
+          <p:cNvSpPr/>
+          <p:nvPr/>
+        </p:nvSpPr>
+        <p:spPr>
+          <a:xfrm>
+            <a:off x="4257639" y="3602246"/>
+            <a:ext cx="108000" cy="108000"/>
+          </a:xfrm>
+          <a:prstGeom prst="rect">
+            <a:avLst/>
+          </a:prstGeom>
+          <a:solidFill>
+            <a:schemeClr val="accent1">
+              <a:lumMod val="50000"/>
+            </a:schemeClr>
+          </a:solidFill>
+          <a:ln w="28575">
+            <a:noFill/>
+          </a:ln>
+        </p:spPr>
+        <p:style>
+          <a:lnRef idx="2">
+            <a:schemeClr val="accent1">
+              <a:shade val="15000"/>
+            </a:schemeClr>
+          </a:lnRef>
+          <a:fillRef idx="1">
+            <a:schemeClr val="accent1"/>
+          </a:fillRef>
+          <a:effectRef idx="0">
+            <a:schemeClr val="accent1"/>
+          </a:effectRef>
+          <a:fontRef idx="minor">
+            <a:schemeClr val="lt1"/>
+          </a:fontRef>
+        </p:style>
+        <p:txBody>
+          <a:bodyPr rtlCol="0" anchor="ctr"/>
+          <a:lstStyle/>
+          <a:p>
+            <a:pPr algn="ctr"/>
+            <a:endParaRPr lang="fr-FR"/>
+          </a:p>
+        </p:txBody>
+      </p:sp>
+      <p:sp>
+        <p:nvSpPr>
+          <p:cNvPr id="48" name="Rectangle 47">
+            <a:extLst>
+              <a:ext uri="{FF2B5EF4-FFF2-40B4-BE49-F238E27FC236}">
+                <a16:creationId xmlns:a16="http://schemas.microsoft.com/office/drawing/2014/main" id="{9BE11EED-7E95-79B1-DAE0-F63F02CD1C0A}"/>
+              </a:ext>
+            </a:extLst>
+          </p:cNvPr>
+          <p:cNvSpPr/>
+          <p:nvPr/>
+        </p:nvSpPr>
+        <p:spPr>
+          <a:xfrm>
+            <a:off x="1778000" y="2545081"/>
+            <a:ext cx="2196150" cy="1777997"/>
+          </a:xfrm>
+          <a:prstGeom prst="rect">
+            <a:avLst/>
+          </a:prstGeom>
+          <a:noFill/>
+          <a:ln>
+            <a:solidFill>
+              <a:srgbClr val="C00000"/>
+            </a:solidFill>
+            <a:prstDash val="dash"/>
+          </a:ln>
+        </p:spPr>
+        <p:style>
+          <a:lnRef idx="2">
+            <a:schemeClr val="accent1">
+              <a:shade val="15000"/>
+            </a:schemeClr>
+          </a:lnRef>
+          <a:fillRef idx="1">
+            <a:schemeClr val="accent1"/>
+          </a:fillRef>
+          <a:effectRef idx="0">
+            <a:schemeClr val="accent1"/>
+          </a:effectRef>
+          <a:fontRef idx="minor">
+            <a:schemeClr val="lt1"/>
+          </a:fontRef>
+        </p:style>
+        <p:txBody>
+          <a:bodyPr rtlCol="0" anchor="ctr"/>
+          <a:lstStyle/>
+          <a:p>
+            <a:pPr algn="ctr"/>
+            <a:endParaRPr lang="fr-FR"/>
+          </a:p>
+        </p:txBody>
+      </p:sp>
+      <p:sp>
+        <p:nvSpPr>
+          <p:cNvPr id="49" name="Rectangle 48">
+            <a:extLst>
+              <a:ext uri="{FF2B5EF4-FFF2-40B4-BE49-F238E27FC236}">
+                <a16:creationId xmlns:a16="http://schemas.microsoft.com/office/drawing/2014/main" id="{4BDAB0C7-8F21-3207-73FE-4E4A8C85BA46}"/>
+              </a:ext>
+            </a:extLst>
+          </p:cNvPr>
+          <p:cNvSpPr/>
+          <p:nvPr/>
+        </p:nvSpPr>
+        <p:spPr>
+          <a:xfrm>
+            <a:off x="4620237" y="2543714"/>
+            <a:ext cx="1975378" cy="1777997"/>
+          </a:xfrm>
+          <a:prstGeom prst="rect">
+            <a:avLst/>
+          </a:prstGeom>
+          <a:noFill/>
+          <a:ln>
+            <a:solidFill>
+              <a:srgbClr val="00B050"/>
+            </a:solidFill>
+            <a:prstDash val="dash"/>
+          </a:ln>
+        </p:spPr>
+        <p:style>
+          <a:lnRef idx="2">
+            <a:schemeClr val="accent1">
+              <a:shade val="15000"/>
+            </a:schemeClr>
+          </a:lnRef>
+          <a:fillRef idx="1">
+            <a:schemeClr val="accent1"/>
+          </a:fillRef>
+          <a:effectRef idx="0">
+            <a:schemeClr val="accent1"/>
+          </a:effectRef>
+          <a:fontRef idx="minor">
+            <a:schemeClr val="lt1"/>
+          </a:fontRef>
+        </p:style>
+        <p:txBody>
+          <a:bodyPr rtlCol="0" anchor="ctr"/>
+          <a:lstStyle/>
+          <a:p>
+            <a:pPr algn="ctr"/>
+            <a:endParaRPr lang="fr-FR"/>
+          </a:p>
+        </p:txBody>
+      </p:sp>
+      <p:sp>
+        <p:nvSpPr>
+          <p:cNvPr id="52" name="ZoneTexte 51">
+            <a:extLst>
+              <a:ext uri="{FF2B5EF4-FFF2-40B4-BE49-F238E27FC236}">
+                <a16:creationId xmlns:a16="http://schemas.microsoft.com/office/drawing/2014/main" id="{0FFC6A44-10EA-442A-7743-DDCA2BE3BF02}"/>
+              </a:ext>
+            </a:extLst>
+          </p:cNvPr>
+          <p:cNvSpPr txBox="1"/>
+          <p:nvPr/>
+        </p:nvSpPr>
+        <p:spPr>
+          <a:xfrm>
+            <a:off x="5712743" y="3303138"/>
+            <a:ext cx="136256" cy="276999"/>
+          </a:xfrm>
+          <a:prstGeom prst="rect">
+            <a:avLst/>
+          </a:prstGeom>
+          <a:noFill/>
+        </p:spPr>
+        <p:txBody>
+          <a:bodyPr wrap="none" lIns="0" tIns="0" rIns="0" bIns="0" rtlCol="0">
+            <a:spAutoFit/>
+          </a:bodyPr>
+          <a:lstStyle/>
+          <a:p>
+            <a:pPr/>
+            <a:r>
+              <a:rPr lang="fr-FR" b="1" dirty="0">
+                <a:solidFill>
+                  <a:srgbClr val="002060"/>
+                </a:solidFill>
+              </a:rPr>
+              <a:t>V</a:t>
+            </a:r>
+          </a:p>
+        </p:txBody>
+      </p:sp>
+      <p:sp>
+        <p:nvSpPr>
+          <p:cNvPr id="53" name="ZoneTexte 52">
+            <a:extLst>
+              <a:ext uri="{FF2B5EF4-FFF2-40B4-BE49-F238E27FC236}">
+                <a16:creationId xmlns:a16="http://schemas.microsoft.com/office/drawing/2014/main" id="{E221B4C5-7A1D-FE67-E4CD-683A335F39DC}"/>
+              </a:ext>
+            </a:extLst>
+          </p:cNvPr>
+          <p:cNvSpPr txBox="1"/>
+          <p:nvPr/>
+        </p:nvSpPr>
+        <p:spPr>
+          <a:xfrm>
+            <a:off x="1778000" y="2174632"/>
+            <a:ext cx="2196150" cy="369332"/>
+          </a:xfrm>
+          <a:prstGeom prst="rect">
+            <a:avLst/>
+          </a:prstGeom>
+          <a:noFill/>
+        </p:spPr>
+        <p:txBody>
+          <a:bodyPr wrap="square" rtlCol="0">
+            <a:spAutoFit/>
+          </a:bodyPr>
+          <a:lstStyle/>
+          <a:p>
+            <a:pPr algn="ctr"/>
+            <a:r>
+              <a:rPr lang="fr-FR" dirty="0"/>
+              <a:t>Moteur</a:t>
+            </a:r>
+          </a:p>
+        </p:txBody>
+      </p:sp>
+      <p:sp>
+        <p:nvSpPr>
+          <p:cNvPr id="54" name="ZoneTexte 53">
+            <a:extLst>
+              <a:ext uri="{FF2B5EF4-FFF2-40B4-BE49-F238E27FC236}">
+                <a16:creationId xmlns:a16="http://schemas.microsoft.com/office/drawing/2014/main" id="{5EE88F01-AAA5-94E7-B23C-6ACFB66D1757}"/>
+              </a:ext>
+            </a:extLst>
+          </p:cNvPr>
+          <p:cNvSpPr txBox="1"/>
+          <p:nvPr/>
+        </p:nvSpPr>
+        <p:spPr>
+          <a:xfrm>
+            <a:off x="4620233" y="2177908"/>
+            <a:ext cx="1975379" cy="369332"/>
+          </a:xfrm>
+          <a:prstGeom prst="rect">
+            <a:avLst/>
+          </a:prstGeom>
+          <a:noFill/>
+        </p:spPr>
+        <p:txBody>
+          <a:bodyPr wrap="square" rtlCol="0">
+            <a:spAutoFit/>
+          </a:bodyPr>
+          <a:lstStyle/>
+          <a:p>
+            <a:pPr algn="ctr"/>
+            <a:r>
+              <a:rPr lang="fr-FR" dirty="0"/>
+              <a:t>Générateur</a:t>
+            </a:r>
+          </a:p>
+        </p:txBody>
+      </p:sp>
+      <p:sp>
+        <p:nvSpPr>
+          <p:cNvPr id="55" name="ZoneTexte 54">
+            <a:extLst>
+              <a:ext uri="{FF2B5EF4-FFF2-40B4-BE49-F238E27FC236}">
+                <a16:creationId xmlns:a16="http://schemas.microsoft.com/office/drawing/2014/main" id="{5E632992-3D99-33AE-2BB3-181300FF8202}"/>
+              </a:ext>
+            </a:extLst>
+          </p:cNvPr>
+          <p:cNvSpPr txBox="1"/>
+          <p:nvPr/>
+        </p:nvSpPr>
+        <p:spPr>
+          <a:xfrm rot="16200000">
+            <a:off x="3300681" y="2136247"/>
+            <a:ext cx="1975379" cy="369332"/>
+          </a:xfrm>
+          <a:prstGeom prst="rect">
+            <a:avLst/>
+          </a:prstGeom>
+          <a:noFill/>
+        </p:spPr>
+        <p:txBody>
+          <a:bodyPr wrap="square" rtlCol="0">
+            <a:spAutoFit/>
+          </a:bodyPr>
+          <a:lstStyle/>
+          <a:p>
+            <a:pPr algn="ctr"/>
+            <a:r>
+              <a:rPr lang="fr-FR" dirty="0"/>
+              <a:t>Mesure vitesse</a:t>
+            </a:r>
+          </a:p>
+        </p:txBody>
+      </p:sp>
+    </p:spTree>
+    <p:extLst>
+      <p:ext uri="{BB962C8B-B14F-4D97-AF65-F5344CB8AC3E}">
+        <p14:creationId xmlns:p14="http://schemas.microsoft.com/office/powerpoint/2010/main" val="2488368663"/>
+      </p:ext>
+    </p:extLst>
+  </p:cSld>
+  <p:clrMapOvr>
+    <a:masterClrMapping/>
+  </p:clrMapOvr>
+</p:sld>
+</file>
+
 <file path=ppt/theme/theme1.xml><?xml version="1.0" encoding="utf-8"?>
 <a:theme xmlns:a="http://schemas.openxmlformats.org/drawingml/2006/main" name="Thème Office">
   <a:themeElements>

--- a/12_MoteurCC_3Sigma/Figures_Documentation.pptx
+++ b/12_MoteurCC_3Sigma/Figures_Documentation.pptx
@@ -13,6 +13,8 @@
     <p:sldId id="261" r:id="rId7"/>
     <p:sldId id="262" r:id="rId8"/>
     <p:sldId id="263" r:id="rId9"/>
+    <p:sldId id="264" r:id="rId10"/>
+    <p:sldId id="265" r:id="rId11"/>
   </p:sldIdLst>
   <p:sldSz cx="12192000" cy="6858000"/>
   <p:notesSz cx="6858000" cy="9144000"/>
@@ -277,7 +279,7 @@
           <a:p>
             <a:fld id="{D8F77264-DAD5-491C-B248-225FD8257E34}" type="datetimeFigureOut">
               <a:rPr lang="fr-FR" smtClean="0"/>
-              <a:t>17/04/2025</a:t>
+              <a:t>18/04/2025</a:t>
             </a:fld>
             <a:endParaRPr lang="fr-FR"/>
           </a:p>
@@ -475,7 +477,7 @@
           <a:p>
             <a:fld id="{D8F77264-DAD5-491C-B248-225FD8257E34}" type="datetimeFigureOut">
               <a:rPr lang="fr-FR" smtClean="0"/>
-              <a:t>17/04/2025</a:t>
+              <a:t>18/04/2025</a:t>
             </a:fld>
             <a:endParaRPr lang="fr-FR"/>
           </a:p>
@@ -683,7 +685,7 @@
           <a:p>
             <a:fld id="{D8F77264-DAD5-491C-B248-225FD8257E34}" type="datetimeFigureOut">
               <a:rPr lang="fr-FR" smtClean="0"/>
-              <a:t>17/04/2025</a:t>
+              <a:t>18/04/2025</a:t>
             </a:fld>
             <a:endParaRPr lang="fr-FR"/>
           </a:p>
@@ -881,7 +883,7 @@
           <a:p>
             <a:fld id="{D8F77264-DAD5-491C-B248-225FD8257E34}" type="datetimeFigureOut">
               <a:rPr lang="fr-FR" smtClean="0"/>
-              <a:t>17/04/2025</a:t>
+              <a:t>18/04/2025</a:t>
             </a:fld>
             <a:endParaRPr lang="fr-FR"/>
           </a:p>
@@ -1156,7 +1158,7 @@
           <a:p>
             <a:fld id="{D8F77264-DAD5-491C-B248-225FD8257E34}" type="datetimeFigureOut">
               <a:rPr lang="fr-FR" smtClean="0"/>
-              <a:t>17/04/2025</a:t>
+              <a:t>18/04/2025</a:t>
             </a:fld>
             <a:endParaRPr lang="fr-FR"/>
           </a:p>
@@ -1421,7 +1423,7 @@
           <a:p>
             <a:fld id="{D8F77264-DAD5-491C-B248-225FD8257E34}" type="datetimeFigureOut">
               <a:rPr lang="fr-FR" smtClean="0"/>
-              <a:t>17/04/2025</a:t>
+              <a:t>18/04/2025</a:t>
             </a:fld>
             <a:endParaRPr lang="fr-FR"/>
           </a:p>
@@ -1833,7 +1835,7 @@
           <a:p>
             <a:fld id="{D8F77264-DAD5-491C-B248-225FD8257E34}" type="datetimeFigureOut">
               <a:rPr lang="fr-FR" smtClean="0"/>
-              <a:t>17/04/2025</a:t>
+              <a:t>18/04/2025</a:t>
             </a:fld>
             <a:endParaRPr lang="fr-FR"/>
           </a:p>
@@ -1974,7 +1976,7 @@
           <a:p>
             <a:fld id="{D8F77264-DAD5-491C-B248-225FD8257E34}" type="datetimeFigureOut">
               <a:rPr lang="fr-FR" smtClean="0"/>
-              <a:t>17/04/2025</a:t>
+              <a:t>18/04/2025</a:t>
             </a:fld>
             <a:endParaRPr lang="fr-FR"/>
           </a:p>
@@ -2087,7 +2089,7 @@
           <a:p>
             <a:fld id="{D8F77264-DAD5-491C-B248-225FD8257E34}" type="datetimeFigureOut">
               <a:rPr lang="fr-FR" smtClean="0"/>
-              <a:t>17/04/2025</a:t>
+              <a:t>18/04/2025</a:t>
             </a:fld>
             <a:endParaRPr lang="fr-FR"/>
           </a:p>
@@ -2398,7 +2400,7 @@
           <a:p>
             <a:fld id="{D8F77264-DAD5-491C-B248-225FD8257E34}" type="datetimeFigureOut">
               <a:rPr lang="fr-FR" smtClean="0"/>
-              <a:t>17/04/2025</a:t>
+              <a:t>18/04/2025</a:t>
             </a:fld>
             <a:endParaRPr lang="fr-FR"/>
           </a:p>
@@ -2686,7 +2688,7 @@
           <a:p>
             <a:fld id="{D8F77264-DAD5-491C-B248-225FD8257E34}" type="datetimeFigureOut">
               <a:rPr lang="fr-FR" smtClean="0"/>
-              <a:t>17/04/2025</a:t>
+              <a:t>18/04/2025</a:t>
             </a:fld>
             <a:endParaRPr lang="fr-FR"/>
           </a:p>
@@ -2927,7 +2929,7 @@
           <a:p>
             <a:fld id="{D8F77264-DAD5-491C-B248-225FD8257E34}" type="datetimeFigureOut">
               <a:rPr lang="fr-FR" smtClean="0"/>
-              <a:t>17/04/2025</a:t>
+              <a:t>18/04/2025</a:t>
             </a:fld>
             <a:endParaRPr lang="fr-FR"/>
           </a:p>
@@ -3398,6 +3400,2178 @@
     <p:extLst>
       <p:ext uri="{BB962C8B-B14F-4D97-AF65-F5344CB8AC3E}">
         <p14:creationId xmlns:p14="http://schemas.microsoft.com/office/powerpoint/2010/main" val="2190165682"/>
+      </p:ext>
+    </p:extLst>
+  </p:cSld>
+  <p:clrMapOvr>
+    <a:masterClrMapping/>
+  </p:clrMapOvr>
+</p:sld>
+</file>
+
+<file path=ppt/slides/slide10.xml><?xml version="1.0" encoding="utf-8"?>
+<p:sld xmlns:a="http://schemas.openxmlformats.org/drawingml/2006/main" xmlns:r="http://schemas.openxmlformats.org/officeDocument/2006/relationships" xmlns:p="http://schemas.openxmlformats.org/presentationml/2006/main">
+  <p:cSld>
+    <p:spTree>
+      <p:nvGrpSpPr>
+        <p:cNvPr id="1" name="">
+          <a:extLst>
+            <a:ext uri="{FF2B5EF4-FFF2-40B4-BE49-F238E27FC236}">
+              <a16:creationId xmlns:a16="http://schemas.microsoft.com/office/drawing/2014/main" id="{3AD82AC1-E850-9A39-4528-1DB1F100BFBD}"/>
+            </a:ext>
+          </a:extLst>
+        </p:cNvPr>
+        <p:cNvGrpSpPr/>
+        <p:nvPr/>
+      </p:nvGrpSpPr>
+      <p:grpSpPr>
+        <a:xfrm>
+          <a:off x="0" y="0"/>
+          <a:ext cx="0" cy="0"/>
+          <a:chOff x="0" y="0"/>
+          <a:chExt cx="0" cy="0"/>
+        </a:xfrm>
+      </p:grpSpPr>
+      <p:cxnSp>
+        <p:nvCxnSpPr>
+          <p:cNvPr id="33" name="Connecteur droit 32">
+            <a:extLst>
+              <a:ext uri="{FF2B5EF4-FFF2-40B4-BE49-F238E27FC236}">
+                <a16:creationId xmlns:a16="http://schemas.microsoft.com/office/drawing/2014/main" id="{28F8FBA4-9D90-1459-63C6-5A14DDDB1691}"/>
+              </a:ext>
+            </a:extLst>
+          </p:cNvPr>
+          <p:cNvCxnSpPr>
+            <a:cxnSpLocks/>
+          </p:cNvCxnSpPr>
+          <p:nvPr/>
+        </p:nvCxnSpPr>
+        <p:spPr>
+          <a:xfrm flipH="1" flipV="1">
+            <a:off x="4885017" y="2706919"/>
+            <a:ext cx="0" cy="1444161"/>
+          </a:xfrm>
+          <a:prstGeom prst="line">
+            <a:avLst/>
+          </a:prstGeom>
+          <a:noFill/>
+          <a:ln w="28575">
+            <a:solidFill>
+              <a:schemeClr val="accent1">
+                <a:lumMod val="50000"/>
+              </a:schemeClr>
+            </a:solidFill>
+          </a:ln>
+        </p:spPr>
+        <p:style>
+          <a:lnRef idx="2">
+            <a:schemeClr val="accent1">
+              <a:shade val="15000"/>
+            </a:schemeClr>
+          </a:lnRef>
+          <a:fillRef idx="1">
+            <a:schemeClr val="accent1"/>
+          </a:fillRef>
+          <a:effectRef idx="0">
+            <a:schemeClr val="accent1"/>
+          </a:effectRef>
+          <a:fontRef idx="minor">
+            <a:schemeClr val="lt1"/>
+          </a:fontRef>
+        </p:style>
+      </p:cxnSp>
+      <p:sp>
+        <p:nvSpPr>
+          <p:cNvPr id="7" name="Ellipse 6">
+            <a:extLst>
+              <a:ext uri="{FF2B5EF4-FFF2-40B4-BE49-F238E27FC236}">
+                <a16:creationId xmlns:a16="http://schemas.microsoft.com/office/drawing/2014/main" id="{7099FA6A-C2D3-C303-A8BC-7426FD0EE63D}"/>
+              </a:ext>
+            </a:extLst>
+          </p:cNvPr>
+          <p:cNvSpPr/>
+          <p:nvPr/>
+        </p:nvSpPr>
+        <p:spPr>
+          <a:xfrm>
+            <a:off x="2351055" y="3257123"/>
+            <a:ext cx="360000" cy="360000"/>
+          </a:xfrm>
+          <a:prstGeom prst="ellipse">
+            <a:avLst/>
+          </a:prstGeom>
+          <a:noFill/>
+          <a:ln w="28575">
+            <a:solidFill>
+              <a:schemeClr val="accent1">
+                <a:lumMod val="50000"/>
+              </a:schemeClr>
+            </a:solidFill>
+          </a:ln>
+        </p:spPr>
+        <p:style>
+          <a:lnRef idx="2">
+            <a:schemeClr val="accent1">
+              <a:shade val="15000"/>
+            </a:schemeClr>
+          </a:lnRef>
+          <a:fillRef idx="1">
+            <a:schemeClr val="accent1"/>
+          </a:fillRef>
+          <a:effectRef idx="0">
+            <a:schemeClr val="accent1"/>
+          </a:effectRef>
+          <a:fontRef idx="minor">
+            <a:schemeClr val="lt1"/>
+          </a:fontRef>
+        </p:style>
+        <p:txBody>
+          <a:bodyPr rtlCol="0" anchor="ctr"/>
+          <a:lstStyle/>
+          <a:p>
+            <a:pPr algn="ctr"/>
+            <a:endParaRPr lang="fr-FR"/>
+          </a:p>
+        </p:txBody>
+      </p:sp>
+      <p:cxnSp>
+        <p:nvCxnSpPr>
+          <p:cNvPr id="8" name="Connecteur droit 7">
+            <a:extLst>
+              <a:ext uri="{FF2B5EF4-FFF2-40B4-BE49-F238E27FC236}">
+                <a16:creationId xmlns:a16="http://schemas.microsoft.com/office/drawing/2014/main" id="{35968FF7-D7B0-563B-193F-9F57AA00E472}"/>
+              </a:ext>
+            </a:extLst>
+          </p:cNvPr>
+          <p:cNvCxnSpPr>
+            <a:cxnSpLocks/>
+            <a:stCxn id="7" idx="0"/>
+          </p:cNvCxnSpPr>
+          <p:nvPr/>
+        </p:nvCxnSpPr>
+        <p:spPr>
+          <a:xfrm flipV="1">
+            <a:off x="2531055" y="2706919"/>
+            <a:ext cx="0" cy="550204"/>
+          </a:xfrm>
+          <a:prstGeom prst="line">
+            <a:avLst/>
+          </a:prstGeom>
+          <a:noFill/>
+          <a:ln w="28575">
+            <a:solidFill>
+              <a:schemeClr val="accent1">
+                <a:lumMod val="50000"/>
+              </a:schemeClr>
+            </a:solidFill>
+          </a:ln>
+        </p:spPr>
+        <p:style>
+          <a:lnRef idx="2">
+            <a:schemeClr val="accent1">
+              <a:shade val="15000"/>
+            </a:schemeClr>
+          </a:lnRef>
+          <a:fillRef idx="1">
+            <a:schemeClr val="accent1"/>
+          </a:fillRef>
+          <a:effectRef idx="0">
+            <a:schemeClr val="accent1"/>
+          </a:effectRef>
+          <a:fontRef idx="minor">
+            <a:schemeClr val="lt1"/>
+          </a:fontRef>
+        </p:style>
+      </p:cxnSp>
+      <p:cxnSp>
+        <p:nvCxnSpPr>
+          <p:cNvPr id="9" name="Connecteur droit 8">
+            <a:extLst>
+              <a:ext uri="{FF2B5EF4-FFF2-40B4-BE49-F238E27FC236}">
+                <a16:creationId xmlns:a16="http://schemas.microsoft.com/office/drawing/2014/main" id="{C7A25B01-4DA3-BC6D-3C06-EE24707A196F}"/>
+              </a:ext>
+            </a:extLst>
+          </p:cNvPr>
+          <p:cNvCxnSpPr>
+            <a:cxnSpLocks/>
+          </p:cNvCxnSpPr>
+          <p:nvPr/>
+        </p:nvCxnSpPr>
+        <p:spPr>
+          <a:xfrm flipH="1">
+            <a:off x="2519787" y="2706919"/>
+            <a:ext cx="1228435" cy="0"/>
+          </a:xfrm>
+          <a:prstGeom prst="line">
+            <a:avLst/>
+          </a:prstGeom>
+          <a:noFill/>
+          <a:ln w="28575">
+            <a:solidFill>
+              <a:schemeClr val="accent1">
+                <a:lumMod val="50000"/>
+              </a:schemeClr>
+            </a:solidFill>
+          </a:ln>
+        </p:spPr>
+        <p:style>
+          <a:lnRef idx="2">
+            <a:schemeClr val="accent1">
+              <a:shade val="15000"/>
+            </a:schemeClr>
+          </a:lnRef>
+          <a:fillRef idx="1">
+            <a:schemeClr val="accent1"/>
+          </a:fillRef>
+          <a:effectRef idx="0">
+            <a:schemeClr val="accent1"/>
+          </a:effectRef>
+          <a:fontRef idx="minor">
+            <a:schemeClr val="lt1"/>
+          </a:fontRef>
+        </p:style>
+      </p:cxnSp>
+      <p:cxnSp>
+        <p:nvCxnSpPr>
+          <p:cNvPr id="10" name="Connecteur droit 9">
+            <a:extLst>
+              <a:ext uri="{FF2B5EF4-FFF2-40B4-BE49-F238E27FC236}">
+                <a16:creationId xmlns:a16="http://schemas.microsoft.com/office/drawing/2014/main" id="{BB55D73D-9799-9FD4-4E02-B664EBED6B32}"/>
+              </a:ext>
+            </a:extLst>
+          </p:cNvPr>
+          <p:cNvCxnSpPr>
+            <a:cxnSpLocks/>
+          </p:cNvCxnSpPr>
+          <p:nvPr/>
+        </p:nvCxnSpPr>
+        <p:spPr>
+          <a:xfrm flipV="1">
+            <a:off x="2531055" y="3617123"/>
+            <a:ext cx="0" cy="533957"/>
+          </a:xfrm>
+          <a:prstGeom prst="line">
+            <a:avLst/>
+          </a:prstGeom>
+          <a:noFill/>
+          <a:ln w="28575">
+            <a:solidFill>
+              <a:schemeClr val="accent1">
+                <a:lumMod val="50000"/>
+              </a:schemeClr>
+            </a:solidFill>
+          </a:ln>
+        </p:spPr>
+        <p:style>
+          <a:lnRef idx="2">
+            <a:schemeClr val="accent1">
+              <a:shade val="15000"/>
+            </a:schemeClr>
+          </a:lnRef>
+          <a:fillRef idx="1">
+            <a:schemeClr val="accent1"/>
+          </a:fillRef>
+          <a:effectRef idx="0">
+            <a:schemeClr val="accent1"/>
+          </a:effectRef>
+          <a:fontRef idx="minor">
+            <a:schemeClr val="lt1"/>
+          </a:fontRef>
+        </p:style>
+      </p:cxnSp>
+      <p:cxnSp>
+        <p:nvCxnSpPr>
+          <p:cNvPr id="11" name="Connecteur droit 10">
+            <a:extLst>
+              <a:ext uri="{FF2B5EF4-FFF2-40B4-BE49-F238E27FC236}">
+                <a16:creationId xmlns:a16="http://schemas.microsoft.com/office/drawing/2014/main" id="{013B66CF-AB10-8F2D-7911-40323E03CE45}"/>
+              </a:ext>
+            </a:extLst>
+          </p:cNvPr>
+          <p:cNvCxnSpPr>
+            <a:cxnSpLocks/>
+          </p:cNvCxnSpPr>
+          <p:nvPr/>
+        </p:nvCxnSpPr>
+        <p:spPr>
+          <a:xfrm>
+            <a:off x="2519787" y="4151080"/>
+            <a:ext cx="1228435" cy="0"/>
+          </a:xfrm>
+          <a:prstGeom prst="line">
+            <a:avLst/>
+          </a:prstGeom>
+          <a:noFill/>
+          <a:ln w="28575">
+            <a:solidFill>
+              <a:schemeClr val="accent1">
+                <a:lumMod val="50000"/>
+              </a:schemeClr>
+            </a:solidFill>
+          </a:ln>
+        </p:spPr>
+        <p:style>
+          <a:lnRef idx="2">
+            <a:schemeClr val="accent1">
+              <a:shade val="15000"/>
+            </a:schemeClr>
+          </a:lnRef>
+          <a:fillRef idx="1">
+            <a:schemeClr val="accent1"/>
+          </a:fillRef>
+          <a:effectRef idx="0">
+            <a:schemeClr val="accent1"/>
+          </a:effectRef>
+          <a:fontRef idx="minor">
+            <a:schemeClr val="lt1"/>
+          </a:fontRef>
+        </p:style>
+      </p:cxnSp>
+      <p:cxnSp>
+        <p:nvCxnSpPr>
+          <p:cNvPr id="12" name="Connecteur droit avec flèche 11">
+            <a:extLst>
+              <a:ext uri="{FF2B5EF4-FFF2-40B4-BE49-F238E27FC236}">
+                <a16:creationId xmlns:a16="http://schemas.microsoft.com/office/drawing/2014/main" id="{D8A1CEA1-6915-BCDE-7DD2-5F3522C30B74}"/>
+              </a:ext>
+            </a:extLst>
+          </p:cNvPr>
+          <p:cNvCxnSpPr>
+            <a:cxnSpLocks/>
+          </p:cNvCxnSpPr>
+          <p:nvPr/>
+        </p:nvCxnSpPr>
+        <p:spPr>
+          <a:xfrm>
+            <a:off x="2531055" y="2777485"/>
+            <a:ext cx="0" cy="406400"/>
+          </a:xfrm>
+          <a:prstGeom prst="straightConnector1">
+            <a:avLst/>
+          </a:prstGeom>
+          <a:noFill/>
+          <a:ln w="28575">
+            <a:solidFill>
+              <a:srgbClr val="C00000"/>
+            </a:solidFill>
+            <a:headEnd type="stealth" w="med" len="lg"/>
+          </a:ln>
+        </p:spPr>
+        <p:style>
+          <a:lnRef idx="2">
+            <a:schemeClr val="accent1">
+              <a:shade val="15000"/>
+            </a:schemeClr>
+          </a:lnRef>
+          <a:fillRef idx="1">
+            <a:schemeClr val="accent1"/>
+          </a:fillRef>
+          <a:effectRef idx="0">
+            <a:schemeClr val="accent1"/>
+          </a:effectRef>
+          <a:fontRef idx="minor">
+            <a:schemeClr val="lt1"/>
+          </a:fontRef>
+        </p:style>
+      </p:cxnSp>
+      <p:cxnSp>
+        <p:nvCxnSpPr>
+          <p:cNvPr id="13" name="Connecteur droit avec flèche 12">
+            <a:extLst>
+              <a:ext uri="{FF2B5EF4-FFF2-40B4-BE49-F238E27FC236}">
+                <a16:creationId xmlns:a16="http://schemas.microsoft.com/office/drawing/2014/main" id="{A591F5AE-7904-DF87-BF04-BE386E612A1B}"/>
+              </a:ext>
+            </a:extLst>
+          </p:cNvPr>
+          <p:cNvCxnSpPr>
+            <a:cxnSpLocks/>
+          </p:cNvCxnSpPr>
+          <p:nvPr/>
+        </p:nvCxnSpPr>
+        <p:spPr>
+          <a:xfrm>
+            <a:off x="2251655" y="3210723"/>
+            <a:ext cx="0" cy="406400"/>
+          </a:xfrm>
+          <a:prstGeom prst="straightConnector1">
+            <a:avLst/>
+          </a:prstGeom>
+          <a:noFill/>
+          <a:ln w="28575">
+            <a:solidFill>
+              <a:schemeClr val="accent1">
+                <a:lumMod val="50000"/>
+              </a:schemeClr>
+            </a:solidFill>
+            <a:headEnd type="stealth" w="med" len="lg"/>
+          </a:ln>
+        </p:spPr>
+        <p:style>
+          <a:lnRef idx="2">
+            <a:schemeClr val="accent1">
+              <a:shade val="15000"/>
+            </a:schemeClr>
+          </a:lnRef>
+          <a:fillRef idx="1">
+            <a:schemeClr val="accent1"/>
+          </a:fillRef>
+          <a:effectRef idx="0">
+            <a:schemeClr val="accent1"/>
+          </a:effectRef>
+          <a:fontRef idx="minor">
+            <a:schemeClr val="lt1"/>
+          </a:fontRef>
+        </p:style>
+      </p:cxnSp>
+      <p:cxnSp>
+        <p:nvCxnSpPr>
+          <p:cNvPr id="14" name="Connecteur droit avec flèche 13">
+            <a:extLst>
+              <a:ext uri="{FF2B5EF4-FFF2-40B4-BE49-F238E27FC236}">
+                <a16:creationId xmlns:a16="http://schemas.microsoft.com/office/drawing/2014/main" id="{AC53AC72-9027-8B4E-C82C-5B140B78F410}"/>
+              </a:ext>
+            </a:extLst>
+          </p:cNvPr>
+          <p:cNvCxnSpPr>
+            <a:cxnSpLocks/>
+            <a:stCxn id="7" idx="0"/>
+            <a:endCxn id="7" idx="4"/>
+          </p:cNvCxnSpPr>
+          <p:nvPr/>
+        </p:nvCxnSpPr>
+        <p:spPr>
+          <a:xfrm>
+            <a:off x="2531055" y="3257123"/>
+            <a:ext cx="0" cy="360000"/>
+          </a:xfrm>
+          <a:prstGeom prst="straightConnector1">
+            <a:avLst/>
+          </a:prstGeom>
+          <a:noFill/>
+          <a:ln w="28575">
+            <a:solidFill>
+              <a:schemeClr val="accent1">
+                <a:lumMod val="50000"/>
+              </a:schemeClr>
+            </a:solidFill>
+            <a:headEnd type="stealth" w="med" len="lg"/>
+          </a:ln>
+        </p:spPr>
+        <p:style>
+          <a:lnRef idx="2">
+            <a:schemeClr val="accent1">
+              <a:shade val="15000"/>
+            </a:schemeClr>
+          </a:lnRef>
+          <a:fillRef idx="1">
+            <a:schemeClr val="accent1"/>
+          </a:fillRef>
+          <a:effectRef idx="0">
+            <a:schemeClr val="accent1"/>
+          </a:effectRef>
+          <a:fontRef idx="minor">
+            <a:schemeClr val="lt1"/>
+          </a:fontRef>
+        </p:style>
+      </p:cxnSp>
+      <mc:AlternateContent xmlns:mc="http://schemas.openxmlformats.org/markup-compatibility/2006" xmlns:a14="http://schemas.microsoft.com/office/drawing/2010/main">
+        <mc:Choice Requires="a14">
+          <p:sp>
+            <p:nvSpPr>
+              <p:cNvPr id="15" name="ZoneTexte 14">
+                <a:extLst>
+                  <a:ext uri="{FF2B5EF4-FFF2-40B4-BE49-F238E27FC236}">
+                    <a16:creationId xmlns:a16="http://schemas.microsoft.com/office/drawing/2014/main" id="{B5EE6E95-9BD2-40FF-BB84-B23246B7236F}"/>
+                  </a:ext>
+                </a:extLst>
+              </p:cNvPr>
+              <p:cNvSpPr txBox="1"/>
+              <p:nvPr/>
+            </p:nvSpPr>
+            <p:spPr>
+              <a:xfrm>
+                <a:off x="1864940" y="3321590"/>
+                <a:ext cx="337015" cy="184666"/>
+              </a:xfrm>
+              <a:prstGeom prst="rect">
+                <a:avLst/>
+              </a:prstGeom>
+              <a:noFill/>
+            </p:spPr>
+            <p:txBody>
+              <a:bodyPr wrap="none" lIns="0" tIns="0" rIns="0" bIns="0" rtlCol="0">
+                <a:spAutoFit/>
+              </a:bodyPr>
+              <a:lstStyle/>
+              <a:p>
+                <a:pPr/>
+                <a14:m>
+                  <m:oMathPara xmlns:m="http://schemas.openxmlformats.org/officeDocument/2006/math">
+                    <m:oMathParaPr>
+                      <m:jc m:val="centerGroup"/>
+                    </m:oMathParaPr>
+                    <m:oMath xmlns:m="http://schemas.openxmlformats.org/officeDocument/2006/math">
+                      <m:r>
+                        <a:rPr lang="fr-FR" sz="1200" b="0" i="1" smtClean="0">
+                          <a:latin typeface="Cambria Math" panose="02040503050406030204" pitchFamily="18" charset="0"/>
+                        </a:rPr>
+                        <m:t>𝑈</m:t>
+                      </m:r>
+                      <m:r>
+                        <a:rPr lang="fr-FR" sz="1200" b="0" i="1" smtClean="0">
+                          <a:latin typeface="Cambria Math" panose="02040503050406030204" pitchFamily="18" charset="0"/>
+                        </a:rPr>
+                        <m:t>(</m:t>
+                      </m:r>
+                      <m:r>
+                        <a:rPr lang="fr-FR" sz="1200" b="0" i="1" smtClean="0">
+                          <a:latin typeface="Cambria Math" panose="02040503050406030204" pitchFamily="18" charset="0"/>
+                        </a:rPr>
+                        <m:t>𝑡</m:t>
+                      </m:r>
+                      <m:r>
+                        <a:rPr lang="fr-FR" sz="1200" b="0" i="1" smtClean="0">
+                          <a:latin typeface="Cambria Math" panose="02040503050406030204" pitchFamily="18" charset="0"/>
+                        </a:rPr>
+                        <m:t>)</m:t>
+                      </m:r>
+                    </m:oMath>
+                  </m:oMathPara>
+                </a14:m>
+                <a:endParaRPr lang="fr-FR" sz="1200" dirty="0"/>
+              </a:p>
+            </p:txBody>
+          </p:sp>
+        </mc:Choice>
+        <mc:Fallback xmlns="">
+          <p:sp>
+            <p:nvSpPr>
+              <p:cNvPr id="15" name="ZoneTexte 14">
+                <a:extLst>
+                  <a:ext uri="{FF2B5EF4-FFF2-40B4-BE49-F238E27FC236}">
+                    <a16:creationId xmlns:a16="http://schemas.microsoft.com/office/drawing/2014/main" id="{7016F9D8-8607-B211-587B-CF7010F6BB3A}"/>
+                  </a:ext>
+                </a:extLst>
+              </p:cNvPr>
+              <p:cNvSpPr txBox="1">
+                <a:spLocks noRot="1" noChangeAspect="1" noMove="1" noResize="1" noEditPoints="1" noAdjustHandles="1" noChangeArrowheads="1" noChangeShapeType="1" noTextEdit="1"/>
+              </p:cNvSpPr>
+              <p:nvPr/>
+            </p:nvSpPr>
+            <p:spPr>
+              <a:xfrm>
+                <a:off x="1864940" y="3321590"/>
+                <a:ext cx="337015" cy="184666"/>
+              </a:xfrm>
+              <a:prstGeom prst="rect">
+                <a:avLst/>
+              </a:prstGeom>
+              <a:blipFill>
+                <a:blip r:embed="rId2"/>
+                <a:stretch>
+                  <a:fillRect l="-10909" t="-6667" r="-16364" b="-36667"/>
+                </a:stretch>
+              </a:blipFill>
+            </p:spPr>
+            <p:txBody>
+              <a:bodyPr/>
+              <a:lstStyle/>
+              <a:p>
+                <a:r>
+                  <a:rPr lang="fr-FR">
+                    <a:noFill/>
+                  </a:rPr>
+                  <a:t> </a:t>
+                </a:r>
+              </a:p>
+            </p:txBody>
+          </p:sp>
+        </mc:Fallback>
+      </mc:AlternateContent>
+      <mc:AlternateContent xmlns:mc="http://schemas.openxmlformats.org/markup-compatibility/2006" xmlns:a14="http://schemas.microsoft.com/office/drawing/2010/main">
+        <mc:Choice Requires="a14">
+          <p:sp>
+            <p:nvSpPr>
+              <p:cNvPr id="16" name="ZoneTexte 15">
+                <a:extLst>
+                  <a:ext uri="{FF2B5EF4-FFF2-40B4-BE49-F238E27FC236}">
+                    <a16:creationId xmlns:a16="http://schemas.microsoft.com/office/drawing/2014/main" id="{DA8860CD-6FBA-E936-F59E-8C9E3F80A09B}"/>
+                  </a:ext>
+                </a:extLst>
+              </p:cNvPr>
+              <p:cNvSpPr txBox="1"/>
+              <p:nvPr/>
+            </p:nvSpPr>
+            <p:spPr>
+              <a:xfrm>
+                <a:off x="2134672" y="2910065"/>
+                <a:ext cx="324256" cy="215444"/>
+              </a:xfrm>
+              <a:prstGeom prst="rect">
+                <a:avLst/>
+              </a:prstGeom>
+              <a:noFill/>
+            </p:spPr>
+            <p:txBody>
+              <a:bodyPr wrap="none" lIns="0" tIns="0" rIns="0" bIns="0" rtlCol="0">
+                <a:spAutoFit/>
+              </a:bodyPr>
+              <a:lstStyle/>
+              <a:p>
+                <a:pPr/>
+                <a14:m>
+                  <m:oMathPara xmlns:m="http://schemas.openxmlformats.org/officeDocument/2006/math">
+                    <m:oMathParaPr>
+                      <m:jc m:val="centerGroup"/>
+                    </m:oMathParaPr>
+                    <m:oMath xmlns:m="http://schemas.openxmlformats.org/officeDocument/2006/math">
+                      <m:r>
+                        <a:rPr lang="fr-FR" sz="1400" b="0" i="1" smtClean="0">
+                          <a:latin typeface="Cambria Math" panose="02040503050406030204" pitchFamily="18" charset="0"/>
+                        </a:rPr>
+                        <m:t>𝑖</m:t>
+                      </m:r>
+                      <m:r>
+                        <a:rPr lang="fr-FR" sz="1400" b="0" i="1" smtClean="0">
+                          <a:latin typeface="Cambria Math" panose="02040503050406030204" pitchFamily="18" charset="0"/>
+                        </a:rPr>
+                        <m:t>(</m:t>
+                      </m:r>
+                      <m:r>
+                        <a:rPr lang="fr-FR" sz="1400" b="0" i="1" smtClean="0">
+                          <a:latin typeface="Cambria Math" panose="02040503050406030204" pitchFamily="18" charset="0"/>
+                        </a:rPr>
+                        <m:t>𝑡</m:t>
+                      </m:r>
+                      <m:r>
+                        <a:rPr lang="fr-FR" sz="1400" b="0" i="1" smtClean="0">
+                          <a:latin typeface="Cambria Math" panose="02040503050406030204" pitchFamily="18" charset="0"/>
+                        </a:rPr>
+                        <m:t>)</m:t>
+                      </m:r>
+                    </m:oMath>
+                  </m:oMathPara>
+                </a14:m>
+                <a:endParaRPr lang="fr-FR" sz="1400" dirty="0"/>
+              </a:p>
+            </p:txBody>
+          </p:sp>
+        </mc:Choice>
+        <mc:Fallback xmlns="">
+          <p:sp>
+            <p:nvSpPr>
+              <p:cNvPr id="16" name="ZoneTexte 15">
+                <a:extLst>
+                  <a:ext uri="{FF2B5EF4-FFF2-40B4-BE49-F238E27FC236}">
+                    <a16:creationId xmlns:a16="http://schemas.microsoft.com/office/drawing/2014/main" id="{C09C9AFF-93C0-2C4F-3880-B8A2DBDD30CE}"/>
+                  </a:ext>
+                </a:extLst>
+              </p:cNvPr>
+              <p:cNvSpPr txBox="1">
+                <a:spLocks noRot="1" noChangeAspect="1" noMove="1" noResize="1" noEditPoints="1" noAdjustHandles="1" noChangeArrowheads="1" noChangeShapeType="1" noTextEdit="1"/>
+              </p:cNvSpPr>
+              <p:nvPr/>
+            </p:nvSpPr>
+            <p:spPr>
+              <a:xfrm>
+                <a:off x="2134672" y="2910065"/>
+                <a:ext cx="324256" cy="215444"/>
+              </a:xfrm>
+              <a:prstGeom prst="rect">
+                <a:avLst/>
+              </a:prstGeom>
+              <a:blipFill>
+                <a:blip r:embed="rId3"/>
+                <a:stretch>
+                  <a:fillRect l="-13208" r="-20755" b="-30556"/>
+                </a:stretch>
+              </a:blipFill>
+            </p:spPr>
+            <p:txBody>
+              <a:bodyPr/>
+              <a:lstStyle/>
+              <a:p>
+                <a:r>
+                  <a:rPr lang="fr-FR">
+                    <a:noFill/>
+                  </a:rPr>
+                  <a:t> </a:t>
+                </a:r>
+              </a:p>
+            </p:txBody>
+          </p:sp>
+        </mc:Fallback>
+      </mc:AlternateContent>
+      <p:cxnSp>
+        <p:nvCxnSpPr>
+          <p:cNvPr id="17" name="Connecteur droit 16">
+            <a:extLst>
+              <a:ext uri="{FF2B5EF4-FFF2-40B4-BE49-F238E27FC236}">
+                <a16:creationId xmlns:a16="http://schemas.microsoft.com/office/drawing/2014/main" id="{02E74607-81D2-3F66-82BB-71738B85C3E2}"/>
+              </a:ext>
+            </a:extLst>
+          </p:cNvPr>
+          <p:cNvCxnSpPr>
+            <a:cxnSpLocks/>
+          </p:cNvCxnSpPr>
+          <p:nvPr/>
+        </p:nvCxnSpPr>
+        <p:spPr>
+          <a:xfrm flipV="1">
+            <a:off x="3749861" y="2706919"/>
+            <a:ext cx="0" cy="1444161"/>
+          </a:xfrm>
+          <a:prstGeom prst="line">
+            <a:avLst/>
+          </a:prstGeom>
+          <a:noFill/>
+          <a:ln w="28575">
+            <a:solidFill>
+              <a:schemeClr val="accent1">
+                <a:lumMod val="50000"/>
+              </a:schemeClr>
+            </a:solidFill>
+          </a:ln>
+        </p:spPr>
+        <p:style>
+          <a:lnRef idx="2">
+            <a:schemeClr val="accent1">
+              <a:shade val="15000"/>
+            </a:schemeClr>
+          </a:lnRef>
+          <a:fillRef idx="1">
+            <a:schemeClr val="accent1"/>
+          </a:fillRef>
+          <a:effectRef idx="0">
+            <a:schemeClr val="accent1"/>
+          </a:effectRef>
+          <a:fontRef idx="minor">
+            <a:schemeClr val="lt1"/>
+          </a:fontRef>
+        </p:style>
+      </p:cxnSp>
+      <p:grpSp>
+        <p:nvGrpSpPr>
+          <p:cNvPr id="18" name="Groupe 17">
+            <a:extLst>
+              <a:ext uri="{FF2B5EF4-FFF2-40B4-BE49-F238E27FC236}">
+                <a16:creationId xmlns:a16="http://schemas.microsoft.com/office/drawing/2014/main" id="{BCD3DD19-1E84-046A-B2D9-0A4A1CFE60BD}"/>
+              </a:ext>
+            </a:extLst>
+          </p:cNvPr>
+          <p:cNvGrpSpPr/>
+          <p:nvPr/>
+        </p:nvGrpSpPr>
+        <p:grpSpPr>
+          <a:xfrm>
+            <a:off x="3568222" y="3166393"/>
+            <a:ext cx="360000" cy="541100"/>
+            <a:chOff x="3762956" y="1758349"/>
+            <a:chExt cx="360000" cy="541100"/>
+          </a:xfrm>
+        </p:grpSpPr>
+        <p:sp>
+          <p:nvSpPr>
+            <p:cNvPr id="19" name="Ellipse 18">
+              <a:extLst>
+                <a:ext uri="{FF2B5EF4-FFF2-40B4-BE49-F238E27FC236}">
+                  <a16:creationId xmlns:a16="http://schemas.microsoft.com/office/drawing/2014/main" id="{3B59360D-188B-3B3D-3D32-E5409537CC6E}"/>
+                </a:ext>
+              </a:extLst>
+            </p:cNvPr>
+            <p:cNvSpPr/>
+            <p:nvPr/>
+          </p:nvSpPr>
+          <p:spPr>
+            <a:xfrm>
+              <a:off x="3762956" y="1848899"/>
+              <a:ext cx="360000" cy="360000"/>
+            </a:xfrm>
+            <a:prstGeom prst="ellipse">
+              <a:avLst/>
+            </a:prstGeom>
+            <a:solidFill>
+              <a:schemeClr val="bg1"/>
+            </a:solidFill>
+            <a:ln w="28575">
+              <a:solidFill>
+                <a:schemeClr val="accent1">
+                  <a:lumMod val="50000"/>
+                </a:schemeClr>
+              </a:solidFill>
+            </a:ln>
+          </p:spPr>
+          <p:style>
+            <a:lnRef idx="2">
+              <a:schemeClr val="accent1">
+                <a:shade val="15000"/>
+              </a:schemeClr>
+            </a:lnRef>
+            <a:fillRef idx="1">
+              <a:schemeClr val="accent1"/>
+            </a:fillRef>
+            <a:effectRef idx="0">
+              <a:schemeClr val="accent1"/>
+            </a:effectRef>
+            <a:fontRef idx="minor">
+              <a:schemeClr val="lt1"/>
+            </a:fontRef>
+          </p:style>
+          <p:txBody>
+            <a:bodyPr rtlCol="0" anchor="ctr"/>
+            <a:lstStyle/>
+            <a:p>
+              <a:pPr algn="ctr"/>
+              <a:endParaRPr lang="fr-FR"/>
+            </a:p>
+          </p:txBody>
+        </p:sp>
+        <p:sp>
+          <p:nvSpPr>
+            <p:cNvPr id="20" name="Rectangle 19">
+              <a:extLst>
+                <a:ext uri="{FF2B5EF4-FFF2-40B4-BE49-F238E27FC236}">
+                  <a16:creationId xmlns:a16="http://schemas.microsoft.com/office/drawing/2014/main" id="{4B5BB0B6-A13E-1F57-685E-E772A1B729BA}"/>
+                </a:ext>
+              </a:extLst>
+            </p:cNvPr>
+            <p:cNvSpPr/>
+            <p:nvPr/>
+          </p:nvSpPr>
+          <p:spPr>
+            <a:xfrm>
+              <a:off x="3864223" y="1758349"/>
+              <a:ext cx="157464" cy="110867"/>
+            </a:xfrm>
+            <a:prstGeom prst="rect">
+              <a:avLst/>
+            </a:prstGeom>
+            <a:solidFill>
+              <a:schemeClr val="bg1"/>
+            </a:solidFill>
+            <a:ln w="28575">
+              <a:solidFill>
+                <a:schemeClr val="accent1">
+                  <a:lumMod val="50000"/>
+                </a:schemeClr>
+              </a:solidFill>
+            </a:ln>
+          </p:spPr>
+          <p:style>
+            <a:lnRef idx="2">
+              <a:schemeClr val="accent1">
+                <a:shade val="15000"/>
+              </a:schemeClr>
+            </a:lnRef>
+            <a:fillRef idx="1">
+              <a:schemeClr val="accent1"/>
+            </a:fillRef>
+            <a:effectRef idx="0">
+              <a:schemeClr val="accent1"/>
+            </a:effectRef>
+            <a:fontRef idx="minor">
+              <a:schemeClr val="lt1"/>
+            </a:fontRef>
+          </p:style>
+          <p:txBody>
+            <a:bodyPr rtlCol="0" anchor="ctr"/>
+            <a:lstStyle/>
+            <a:p>
+              <a:pPr algn="ctr"/>
+              <a:endParaRPr lang="fr-FR"/>
+            </a:p>
+          </p:txBody>
+        </p:sp>
+        <p:sp>
+          <p:nvSpPr>
+            <p:cNvPr id="21" name="Rectangle 20">
+              <a:extLst>
+                <a:ext uri="{FF2B5EF4-FFF2-40B4-BE49-F238E27FC236}">
+                  <a16:creationId xmlns:a16="http://schemas.microsoft.com/office/drawing/2014/main" id="{F16A9AD3-788A-1474-02CE-A87293A8DAAF}"/>
+                </a:ext>
+              </a:extLst>
+            </p:cNvPr>
+            <p:cNvSpPr/>
+            <p:nvPr/>
+          </p:nvSpPr>
+          <p:spPr>
+            <a:xfrm>
+              <a:off x="3866029" y="2188582"/>
+              <a:ext cx="157464" cy="110867"/>
+            </a:xfrm>
+            <a:prstGeom prst="rect">
+              <a:avLst/>
+            </a:prstGeom>
+            <a:solidFill>
+              <a:schemeClr val="bg1"/>
+            </a:solidFill>
+            <a:ln w="28575">
+              <a:solidFill>
+                <a:schemeClr val="accent1">
+                  <a:lumMod val="50000"/>
+                </a:schemeClr>
+              </a:solidFill>
+            </a:ln>
+          </p:spPr>
+          <p:style>
+            <a:lnRef idx="2">
+              <a:schemeClr val="accent1">
+                <a:shade val="15000"/>
+              </a:schemeClr>
+            </a:lnRef>
+            <a:fillRef idx="1">
+              <a:schemeClr val="accent1"/>
+            </a:fillRef>
+            <a:effectRef idx="0">
+              <a:schemeClr val="accent1"/>
+            </a:effectRef>
+            <a:fontRef idx="minor">
+              <a:schemeClr val="lt1"/>
+            </a:fontRef>
+          </p:style>
+          <p:txBody>
+            <a:bodyPr rtlCol="0" anchor="ctr"/>
+            <a:lstStyle/>
+            <a:p>
+              <a:pPr algn="ctr"/>
+              <a:endParaRPr lang="fr-FR"/>
+            </a:p>
+          </p:txBody>
+        </p:sp>
+      </p:grpSp>
+      <p:sp>
+        <p:nvSpPr>
+          <p:cNvPr id="23" name="Ellipse 22">
+            <a:extLst>
+              <a:ext uri="{FF2B5EF4-FFF2-40B4-BE49-F238E27FC236}">
+                <a16:creationId xmlns:a16="http://schemas.microsoft.com/office/drawing/2014/main" id="{2F9633F2-DA76-106A-9355-440DC6AB279A}"/>
+              </a:ext>
+            </a:extLst>
+          </p:cNvPr>
+          <p:cNvSpPr/>
+          <p:nvPr/>
+        </p:nvSpPr>
+        <p:spPr>
+          <a:xfrm flipH="1">
+            <a:off x="5598703" y="3257123"/>
+            <a:ext cx="360000" cy="360000"/>
+          </a:xfrm>
+          <a:prstGeom prst="ellipse">
+            <a:avLst/>
+          </a:prstGeom>
+          <a:noFill/>
+          <a:ln w="28575">
+            <a:solidFill>
+              <a:schemeClr val="accent1">
+                <a:lumMod val="50000"/>
+              </a:schemeClr>
+            </a:solidFill>
+          </a:ln>
+        </p:spPr>
+        <p:style>
+          <a:lnRef idx="2">
+            <a:schemeClr val="accent1">
+              <a:shade val="15000"/>
+            </a:schemeClr>
+          </a:lnRef>
+          <a:fillRef idx="1">
+            <a:schemeClr val="accent1"/>
+          </a:fillRef>
+          <a:effectRef idx="0">
+            <a:schemeClr val="accent1"/>
+          </a:effectRef>
+          <a:fontRef idx="minor">
+            <a:schemeClr val="lt1"/>
+          </a:fontRef>
+        </p:style>
+        <p:txBody>
+          <a:bodyPr rtlCol="0" anchor="ctr"/>
+          <a:lstStyle/>
+          <a:p>
+            <a:pPr algn="ctr"/>
+            <a:endParaRPr lang="fr-FR"/>
+          </a:p>
+        </p:txBody>
+      </p:sp>
+      <p:cxnSp>
+        <p:nvCxnSpPr>
+          <p:cNvPr id="24" name="Connecteur droit 23">
+            <a:extLst>
+              <a:ext uri="{FF2B5EF4-FFF2-40B4-BE49-F238E27FC236}">
+                <a16:creationId xmlns:a16="http://schemas.microsoft.com/office/drawing/2014/main" id="{7E21949E-042C-2698-C00A-0830CED1F930}"/>
+              </a:ext>
+            </a:extLst>
+          </p:cNvPr>
+          <p:cNvCxnSpPr>
+            <a:cxnSpLocks/>
+            <a:stCxn id="23" idx="0"/>
+          </p:cNvCxnSpPr>
+          <p:nvPr/>
+        </p:nvCxnSpPr>
+        <p:spPr>
+          <a:xfrm flipH="1" flipV="1">
+            <a:off x="5778703" y="2706919"/>
+            <a:ext cx="0" cy="550204"/>
+          </a:xfrm>
+          <a:prstGeom prst="line">
+            <a:avLst/>
+          </a:prstGeom>
+          <a:noFill/>
+          <a:ln w="28575">
+            <a:solidFill>
+              <a:schemeClr val="accent1">
+                <a:lumMod val="50000"/>
+              </a:schemeClr>
+            </a:solidFill>
+          </a:ln>
+        </p:spPr>
+        <p:style>
+          <a:lnRef idx="2">
+            <a:schemeClr val="accent1">
+              <a:shade val="15000"/>
+            </a:schemeClr>
+          </a:lnRef>
+          <a:fillRef idx="1">
+            <a:schemeClr val="accent1"/>
+          </a:fillRef>
+          <a:effectRef idx="0">
+            <a:schemeClr val="accent1"/>
+          </a:effectRef>
+          <a:fontRef idx="minor">
+            <a:schemeClr val="lt1"/>
+          </a:fontRef>
+        </p:style>
+      </p:cxnSp>
+      <p:cxnSp>
+        <p:nvCxnSpPr>
+          <p:cNvPr id="25" name="Connecteur droit 24">
+            <a:extLst>
+              <a:ext uri="{FF2B5EF4-FFF2-40B4-BE49-F238E27FC236}">
+                <a16:creationId xmlns:a16="http://schemas.microsoft.com/office/drawing/2014/main" id="{FCB2FECD-050A-12D6-5AF8-44A7AAFD9E64}"/>
+              </a:ext>
+            </a:extLst>
+          </p:cNvPr>
+          <p:cNvCxnSpPr>
+            <a:cxnSpLocks/>
+          </p:cNvCxnSpPr>
+          <p:nvPr/>
+        </p:nvCxnSpPr>
+        <p:spPr>
+          <a:xfrm>
+            <a:off x="4877588" y="2706919"/>
+            <a:ext cx="901115" cy="0"/>
+          </a:xfrm>
+          <a:prstGeom prst="line">
+            <a:avLst/>
+          </a:prstGeom>
+          <a:noFill/>
+          <a:ln w="28575">
+            <a:solidFill>
+              <a:schemeClr val="accent1">
+                <a:lumMod val="50000"/>
+              </a:schemeClr>
+            </a:solidFill>
+          </a:ln>
+        </p:spPr>
+        <p:style>
+          <a:lnRef idx="2">
+            <a:schemeClr val="accent1">
+              <a:shade val="15000"/>
+            </a:schemeClr>
+          </a:lnRef>
+          <a:fillRef idx="1">
+            <a:schemeClr val="accent1"/>
+          </a:fillRef>
+          <a:effectRef idx="0">
+            <a:schemeClr val="accent1"/>
+          </a:effectRef>
+          <a:fontRef idx="minor">
+            <a:schemeClr val="lt1"/>
+          </a:fontRef>
+        </p:style>
+      </p:cxnSp>
+      <p:cxnSp>
+        <p:nvCxnSpPr>
+          <p:cNvPr id="26" name="Connecteur droit 25">
+            <a:extLst>
+              <a:ext uri="{FF2B5EF4-FFF2-40B4-BE49-F238E27FC236}">
+                <a16:creationId xmlns:a16="http://schemas.microsoft.com/office/drawing/2014/main" id="{111619FF-C639-BD05-15BA-90CC91340439}"/>
+              </a:ext>
+            </a:extLst>
+          </p:cNvPr>
+          <p:cNvCxnSpPr>
+            <a:cxnSpLocks/>
+          </p:cNvCxnSpPr>
+          <p:nvPr/>
+        </p:nvCxnSpPr>
+        <p:spPr>
+          <a:xfrm flipH="1" flipV="1">
+            <a:off x="5778703" y="3617123"/>
+            <a:ext cx="0" cy="533957"/>
+          </a:xfrm>
+          <a:prstGeom prst="line">
+            <a:avLst/>
+          </a:prstGeom>
+          <a:noFill/>
+          <a:ln w="28575">
+            <a:solidFill>
+              <a:schemeClr val="accent1">
+                <a:lumMod val="50000"/>
+              </a:schemeClr>
+            </a:solidFill>
+          </a:ln>
+        </p:spPr>
+        <p:style>
+          <a:lnRef idx="2">
+            <a:schemeClr val="accent1">
+              <a:shade val="15000"/>
+            </a:schemeClr>
+          </a:lnRef>
+          <a:fillRef idx="1">
+            <a:schemeClr val="accent1"/>
+          </a:fillRef>
+          <a:effectRef idx="0">
+            <a:schemeClr val="accent1"/>
+          </a:effectRef>
+          <a:fontRef idx="minor">
+            <a:schemeClr val="lt1"/>
+          </a:fontRef>
+        </p:style>
+      </p:cxnSp>
+      <p:cxnSp>
+        <p:nvCxnSpPr>
+          <p:cNvPr id="27" name="Connecteur droit 26">
+            <a:extLst>
+              <a:ext uri="{FF2B5EF4-FFF2-40B4-BE49-F238E27FC236}">
+                <a16:creationId xmlns:a16="http://schemas.microsoft.com/office/drawing/2014/main" id="{5D9CF443-C5FC-0FDD-7D33-AA15E5A6B64D}"/>
+              </a:ext>
+            </a:extLst>
+          </p:cNvPr>
+          <p:cNvCxnSpPr>
+            <a:cxnSpLocks/>
+          </p:cNvCxnSpPr>
+          <p:nvPr/>
+        </p:nvCxnSpPr>
+        <p:spPr>
+          <a:xfrm flipH="1">
+            <a:off x="4886656" y="4151080"/>
+            <a:ext cx="892047" cy="0"/>
+          </a:xfrm>
+          <a:prstGeom prst="line">
+            <a:avLst/>
+          </a:prstGeom>
+          <a:noFill/>
+          <a:ln w="28575">
+            <a:solidFill>
+              <a:schemeClr val="accent1">
+                <a:lumMod val="50000"/>
+              </a:schemeClr>
+            </a:solidFill>
+          </a:ln>
+        </p:spPr>
+        <p:style>
+          <a:lnRef idx="2">
+            <a:schemeClr val="accent1">
+              <a:shade val="15000"/>
+            </a:schemeClr>
+          </a:lnRef>
+          <a:fillRef idx="1">
+            <a:schemeClr val="accent1"/>
+          </a:fillRef>
+          <a:effectRef idx="0">
+            <a:schemeClr val="accent1"/>
+          </a:effectRef>
+          <a:fontRef idx="minor">
+            <a:schemeClr val="lt1"/>
+          </a:fontRef>
+        </p:style>
+      </p:cxnSp>
+      <mc:AlternateContent xmlns:mc="http://schemas.openxmlformats.org/markup-compatibility/2006" xmlns:a14="http://schemas.microsoft.com/office/drawing/2010/main">
+        <mc:Choice Requires="a14">
+          <p:sp>
+            <p:nvSpPr>
+              <p:cNvPr id="32" name="ZoneTexte 31">
+                <a:extLst>
+                  <a:ext uri="{FF2B5EF4-FFF2-40B4-BE49-F238E27FC236}">
+                    <a16:creationId xmlns:a16="http://schemas.microsoft.com/office/drawing/2014/main" id="{AC186D63-0989-E61B-C440-74FDDBDB734B}"/>
+                  </a:ext>
+                </a:extLst>
+              </p:cNvPr>
+              <p:cNvSpPr txBox="1"/>
+              <p:nvPr/>
+            </p:nvSpPr>
+            <p:spPr>
+              <a:xfrm flipH="1">
+                <a:off x="4917309" y="2822480"/>
+                <a:ext cx="407098" cy="232949"/>
+              </a:xfrm>
+              <a:prstGeom prst="rect">
+                <a:avLst/>
+              </a:prstGeom>
+              <a:noFill/>
+            </p:spPr>
+            <p:txBody>
+              <a:bodyPr wrap="none" lIns="0" tIns="0" rIns="0" bIns="0" rtlCol="0">
+                <a:spAutoFit/>
+              </a:bodyPr>
+              <a:lstStyle/>
+              <a:p>
+                <a:pPr/>
+                <a14:m>
+                  <m:oMathPara xmlns:m="http://schemas.openxmlformats.org/officeDocument/2006/math">
+                    <m:oMathParaPr>
+                      <m:jc m:val="centerGroup"/>
+                    </m:oMathParaPr>
+                    <m:oMath xmlns:m="http://schemas.openxmlformats.org/officeDocument/2006/math">
+                      <m:sSub>
+                        <m:sSubPr>
+                          <m:ctrlPr>
+                            <a:rPr lang="fr-FR" sz="1400" b="0" i="1" smtClean="0">
+                              <a:latin typeface="Cambria Math" panose="02040503050406030204" pitchFamily="18" charset="0"/>
+                            </a:rPr>
+                          </m:ctrlPr>
+                        </m:sSubPr>
+                        <m:e>
+                          <m:r>
+                            <a:rPr lang="fr-FR" sz="1400" b="0" i="1" smtClean="0">
+                              <a:latin typeface="Cambria Math" panose="02040503050406030204" pitchFamily="18" charset="0"/>
+                            </a:rPr>
+                            <m:t>𝑖</m:t>
+                          </m:r>
+                        </m:e>
+                        <m:sub>
+                          <m:r>
+                            <a:rPr lang="fr-FR" sz="1400" b="0" i="1" smtClean="0">
+                              <a:latin typeface="Cambria Math" panose="02040503050406030204" pitchFamily="18" charset="0"/>
+                            </a:rPr>
+                            <m:t>𝑔</m:t>
+                          </m:r>
+                        </m:sub>
+                      </m:sSub>
+                      <m:r>
+                        <a:rPr lang="fr-FR" sz="1400" b="0" i="1" smtClean="0">
+                          <a:latin typeface="Cambria Math" panose="02040503050406030204" pitchFamily="18" charset="0"/>
+                        </a:rPr>
+                        <m:t>(</m:t>
+                      </m:r>
+                      <m:r>
+                        <a:rPr lang="fr-FR" sz="1400" b="0" i="1" smtClean="0">
+                          <a:latin typeface="Cambria Math" panose="02040503050406030204" pitchFamily="18" charset="0"/>
+                        </a:rPr>
+                        <m:t>𝑡</m:t>
+                      </m:r>
+                      <m:r>
+                        <a:rPr lang="fr-FR" sz="1400" b="0" i="1" smtClean="0">
+                          <a:latin typeface="Cambria Math" panose="02040503050406030204" pitchFamily="18" charset="0"/>
+                        </a:rPr>
+                        <m:t>)</m:t>
+                      </m:r>
+                    </m:oMath>
+                  </m:oMathPara>
+                </a14:m>
+                <a:endParaRPr lang="fr-FR" sz="1400" dirty="0"/>
+              </a:p>
+            </p:txBody>
+          </p:sp>
+        </mc:Choice>
+        <mc:Fallback xmlns="">
+          <p:sp>
+            <p:nvSpPr>
+              <p:cNvPr id="32" name="ZoneTexte 31">
+                <a:extLst>
+                  <a:ext uri="{FF2B5EF4-FFF2-40B4-BE49-F238E27FC236}">
+                    <a16:creationId xmlns:a16="http://schemas.microsoft.com/office/drawing/2014/main" id="{D745ECB0-3CD0-BB1B-EDAD-9FC2F368C65A}"/>
+                  </a:ext>
+                </a:extLst>
+              </p:cNvPr>
+              <p:cNvSpPr txBox="1">
+                <a:spLocks noRot="1" noChangeAspect="1" noMove="1" noResize="1" noEditPoints="1" noAdjustHandles="1" noChangeArrowheads="1" noChangeShapeType="1" noTextEdit="1"/>
+              </p:cNvSpPr>
+              <p:nvPr/>
+            </p:nvSpPr>
+            <p:spPr>
+              <a:xfrm flipH="1">
+                <a:off x="4917309" y="2822480"/>
+                <a:ext cx="407098" cy="232949"/>
+              </a:xfrm>
+              <a:prstGeom prst="rect">
+                <a:avLst/>
+              </a:prstGeom>
+              <a:blipFill>
+                <a:blip r:embed="rId5"/>
+                <a:stretch>
+                  <a:fillRect l="-10606" r="-15152" b="-26316"/>
+                </a:stretch>
+              </a:blipFill>
+            </p:spPr>
+            <p:txBody>
+              <a:bodyPr/>
+              <a:lstStyle/>
+              <a:p>
+                <a:r>
+                  <a:rPr lang="fr-FR">
+                    <a:noFill/>
+                  </a:rPr>
+                  <a:t> </a:t>
+                </a:r>
+              </a:p>
+            </p:txBody>
+          </p:sp>
+        </mc:Fallback>
+      </mc:AlternateContent>
+      <p:cxnSp>
+        <p:nvCxnSpPr>
+          <p:cNvPr id="28" name="Connecteur droit avec flèche 27">
+            <a:extLst>
+              <a:ext uri="{FF2B5EF4-FFF2-40B4-BE49-F238E27FC236}">
+                <a16:creationId xmlns:a16="http://schemas.microsoft.com/office/drawing/2014/main" id="{B2093C64-623F-0FE8-4BB7-6B99B61C15AA}"/>
+              </a:ext>
+            </a:extLst>
+          </p:cNvPr>
+          <p:cNvCxnSpPr>
+            <a:cxnSpLocks/>
+          </p:cNvCxnSpPr>
+          <p:nvPr/>
+        </p:nvCxnSpPr>
+        <p:spPr>
+          <a:xfrm flipH="1">
+            <a:off x="4884851" y="2706865"/>
+            <a:ext cx="0" cy="406400"/>
+          </a:xfrm>
+          <a:prstGeom prst="straightConnector1">
+            <a:avLst/>
+          </a:prstGeom>
+          <a:noFill/>
+          <a:ln w="28575">
+            <a:solidFill>
+              <a:srgbClr val="C00000"/>
+            </a:solidFill>
+            <a:headEnd type="stealth" w="med" len="lg"/>
+          </a:ln>
+        </p:spPr>
+        <p:style>
+          <a:lnRef idx="2">
+            <a:schemeClr val="accent1">
+              <a:shade val="15000"/>
+            </a:schemeClr>
+          </a:lnRef>
+          <a:fillRef idx="1">
+            <a:schemeClr val="accent1"/>
+          </a:fillRef>
+          <a:effectRef idx="0">
+            <a:schemeClr val="accent1"/>
+          </a:effectRef>
+          <a:fontRef idx="minor">
+            <a:schemeClr val="lt1"/>
+          </a:fontRef>
+        </p:style>
+      </p:cxnSp>
+      <p:grpSp>
+        <p:nvGrpSpPr>
+          <p:cNvPr id="34" name="Groupe 33">
+            <a:extLst>
+              <a:ext uri="{FF2B5EF4-FFF2-40B4-BE49-F238E27FC236}">
+                <a16:creationId xmlns:a16="http://schemas.microsoft.com/office/drawing/2014/main" id="{FFF22699-568A-2787-E9AD-0E2726752317}"/>
+              </a:ext>
+            </a:extLst>
+          </p:cNvPr>
+          <p:cNvGrpSpPr/>
+          <p:nvPr/>
+        </p:nvGrpSpPr>
+        <p:grpSpPr>
+          <a:xfrm flipH="1">
+            <a:off x="4706656" y="3162163"/>
+            <a:ext cx="360000" cy="541100"/>
+            <a:chOff x="3762956" y="1758349"/>
+            <a:chExt cx="360000" cy="541100"/>
+          </a:xfrm>
+        </p:grpSpPr>
+        <p:sp>
+          <p:nvSpPr>
+            <p:cNvPr id="35" name="Ellipse 34">
+              <a:extLst>
+                <a:ext uri="{FF2B5EF4-FFF2-40B4-BE49-F238E27FC236}">
+                  <a16:creationId xmlns:a16="http://schemas.microsoft.com/office/drawing/2014/main" id="{1E7475D5-635D-015E-9DAD-CBADF2E59CBE}"/>
+                </a:ext>
+              </a:extLst>
+            </p:cNvPr>
+            <p:cNvSpPr/>
+            <p:nvPr/>
+          </p:nvSpPr>
+          <p:spPr>
+            <a:xfrm>
+              <a:off x="3762956" y="1848899"/>
+              <a:ext cx="360000" cy="360000"/>
+            </a:xfrm>
+            <a:prstGeom prst="ellipse">
+              <a:avLst/>
+            </a:prstGeom>
+            <a:solidFill>
+              <a:schemeClr val="bg1"/>
+            </a:solidFill>
+            <a:ln w="28575">
+              <a:solidFill>
+                <a:schemeClr val="accent1">
+                  <a:lumMod val="50000"/>
+                </a:schemeClr>
+              </a:solidFill>
+            </a:ln>
+          </p:spPr>
+          <p:style>
+            <a:lnRef idx="2">
+              <a:schemeClr val="accent1">
+                <a:shade val="15000"/>
+              </a:schemeClr>
+            </a:lnRef>
+            <a:fillRef idx="1">
+              <a:schemeClr val="accent1"/>
+            </a:fillRef>
+            <a:effectRef idx="0">
+              <a:schemeClr val="accent1"/>
+            </a:effectRef>
+            <a:fontRef idx="minor">
+              <a:schemeClr val="lt1"/>
+            </a:fontRef>
+          </p:style>
+          <p:txBody>
+            <a:bodyPr rtlCol="0" anchor="ctr"/>
+            <a:lstStyle/>
+            <a:p>
+              <a:pPr algn="ctr"/>
+              <a:endParaRPr lang="fr-FR"/>
+            </a:p>
+          </p:txBody>
+        </p:sp>
+        <p:sp>
+          <p:nvSpPr>
+            <p:cNvPr id="36" name="Rectangle 35">
+              <a:extLst>
+                <a:ext uri="{FF2B5EF4-FFF2-40B4-BE49-F238E27FC236}">
+                  <a16:creationId xmlns:a16="http://schemas.microsoft.com/office/drawing/2014/main" id="{D9A7A54B-344E-978D-45AF-29FDBDC0B1FF}"/>
+                </a:ext>
+              </a:extLst>
+            </p:cNvPr>
+            <p:cNvSpPr/>
+            <p:nvPr/>
+          </p:nvSpPr>
+          <p:spPr>
+            <a:xfrm>
+              <a:off x="3864223" y="1758349"/>
+              <a:ext cx="157464" cy="110867"/>
+            </a:xfrm>
+            <a:prstGeom prst="rect">
+              <a:avLst/>
+            </a:prstGeom>
+            <a:solidFill>
+              <a:schemeClr val="bg1"/>
+            </a:solidFill>
+            <a:ln w="28575">
+              <a:solidFill>
+                <a:schemeClr val="accent1">
+                  <a:lumMod val="50000"/>
+                </a:schemeClr>
+              </a:solidFill>
+            </a:ln>
+          </p:spPr>
+          <p:style>
+            <a:lnRef idx="2">
+              <a:schemeClr val="accent1">
+                <a:shade val="15000"/>
+              </a:schemeClr>
+            </a:lnRef>
+            <a:fillRef idx="1">
+              <a:schemeClr val="accent1"/>
+            </a:fillRef>
+            <a:effectRef idx="0">
+              <a:schemeClr val="accent1"/>
+            </a:effectRef>
+            <a:fontRef idx="minor">
+              <a:schemeClr val="lt1"/>
+            </a:fontRef>
+          </p:style>
+          <p:txBody>
+            <a:bodyPr rtlCol="0" anchor="ctr"/>
+            <a:lstStyle/>
+            <a:p>
+              <a:pPr algn="ctr"/>
+              <a:endParaRPr lang="fr-FR"/>
+            </a:p>
+          </p:txBody>
+        </p:sp>
+        <p:sp>
+          <p:nvSpPr>
+            <p:cNvPr id="37" name="Rectangle 36">
+              <a:extLst>
+                <a:ext uri="{FF2B5EF4-FFF2-40B4-BE49-F238E27FC236}">
+                  <a16:creationId xmlns:a16="http://schemas.microsoft.com/office/drawing/2014/main" id="{58F62CB6-0117-9BCC-39C0-B02938144730}"/>
+                </a:ext>
+              </a:extLst>
+            </p:cNvPr>
+            <p:cNvSpPr/>
+            <p:nvPr/>
+          </p:nvSpPr>
+          <p:spPr>
+            <a:xfrm>
+              <a:off x="3866029" y="2188582"/>
+              <a:ext cx="157464" cy="110867"/>
+            </a:xfrm>
+            <a:prstGeom prst="rect">
+              <a:avLst/>
+            </a:prstGeom>
+            <a:solidFill>
+              <a:schemeClr val="bg1"/>
+            </a:solidFill>
+            <a:ln w="28575">
+              <a:solidFill>
+                <a:schemeClr val="accent1">
+                  <a:lumMod val="50000"/>
+                </a:schemeClr>
+              </a:solidFill>
+            </a:ln>
+          </p:spPr>
+          <p:style>
+            <a:lnRef idx="2">
+              <a:schemeClr val="accent1">
+                <a:shade val="15000"/>
+              </a:schemeClr>
+            </a:lnRef>
+            <a:fillRef idx="1">
+              <a:schemeClr val="accent1"/>
+            </a:fillRef>
+            <a:effectRef idx="0">
+              <a:schemeClr val="accent1"/>
+            </a:effectRef>
+            <a:fontRef idx="minor">
+              <a:schemeClr val="lt1"/>
+            </a:fontRef>
+          </p:style>
+          <p:txBody>
+            <a:bodyPr rtlCol="0" anchor="ctr"/>
+            <a:lstStyle/>
+            <a:p>
+              <a:pPr algn="ctr"/>
+              <a:endParaRPr lang="fr-FR"/>
+            </a:p>
+          </p:txBody>
+        </p:sp>
+      </p:grpSp>
+      <p:cxnSp>
+        <p:nvCxnSpPr>
+          <p:cNvPr id="38" name="Connecteur droit 37">
+            <a:extLst>
+              <a:ext uri="{FF2B5EF4-FFF2-40B4-BE49-F238E27FC236}">
+                <a16:creationId xmlns:a16="http://schemas.microsoft.com/office/drawing/2014/main" id="{DFACD1C4-3BB1-60B9-20EC-CD0B339AFEFD}"/>
+              </a:ext>
+            </a:extLst>
+          </p:cNvPr>
+          <p:cNvCxnSpPr>
+            <a:cxnSpLocks/>
+            <a:stCxn id="35" idx="6"/>
+          </p:cNvCxnSpPr>
+          <p:nvPr/>
+        </p:nvCxnSpPr>
+        <p:spPr>
+          <a:xfrm flipH="1">
+            <a:off x="3928222" y="3432713"/>
+            <a:ext cx="778434" cy="0"/>
+          </a:xfrm>
+          <a:prstGeom prst="line">
+            <a:avLst/>
+          </a:prstGeom>
+          <a:noFill/>
+          <a:ln w="28575">
+            <a:solidFill>
+              <a:schemeClr val="accent1">
+                <a:lumMod val="50000"/>
+              </a:schemeClr>
+            </a:solidFill>
+          </a:ln>
+        </p:spPr>
+        <p:style>
+          <a:lnRef idx="2">
+            <a:schemeClr val="accent1">
+              <a:shade val="15000"/>
+            </a:schemeClr>
+          </a:lnRef>
+          <a:fillRef idx="1">
+            <a:schemeClr val="accent1"/>
+          </a:fillRef>
+          <a:effectRef idx="0">
+            <a:schemeClr val="accent1"/>
+          </a:effectRef>
+          <a:fontRef idx="minor">
+            <a:schemeClr val="lt1"/>
+          </a:fontRef>
+        </p:style>
+      </p:cxnSp>
+      <p:sp>
+        <p:nvSpPr>
+          <p:cNvPr id="42" name="Rectangle 41">
+            <a:extLst>
+              <a:ext uri="{FF2B5EF4-FFF2-40B4-BE49-F238E27FC236}">
+                <a16:creationId xmlns:a16="http://schemas.microsoft.com/office/drawing/2014/main" id="{38EBB995-8B92-4AE6-091D-F95DF41D6BC5}"/>
+              </a:ext>
+            </a:extLst>
+          </p:cNvPr>
+          <p:cNvSpPr/>
+          <p:nvPr/>
+        </p:nvSpPr>
+        <p:spPr>
+          <a:xfrm>
+            <a:off x="4253550" y="3142441"/>
+            <a:ext cx="119479" cy="576000"/>
+          </a:xfrm>
+          <a:prstGeom prst="rect">
+            <a:avLst/>
+          </a:prstGeom>
+          <a:solidFill>
+            <a:schemeClr val="bg1"/>
+          </a:solidFill>
+          <a:ln w="28575">
+            <a:solidFill>
+              <a:schemeClr val="accent1">
+                <a:lumMod val="50000"/>
+              </a:schemeClr>
+            </a:solidFill>
+          </a:ln>
+        </p:spPr>
+        <p:style>
+          <a:lnRef idx="2">
+            <a:schemeClr val="accent1">
+              <a:shade val="15000"/>
+            </a:schemeClr>
+          </a:lnRef>
+          <a:fillRef idx="1">
+            <a:schemeClr val="accent1"/>
+          </a:fillRef>
+          <a:effectRef idx="0">
+            <a:schemeClr val="accent1"/>
+          </a:effectRef>
+          <a:fontRef idx="minor">
+            <a:schemeClr val="lt1"/>
+          </a:fontRef>
+        </p:style>
+        <p:txBody>
+          <a:bodyPr rtlCol="0" anchor="ctr"/>
+          <a:lstStyle/>
+          <a:p>
+            <a:pPr algn="ctr"/>
+            <a:endParaRPr lang="fr-FR"/>
+          </a:p>
+        </p:txBody>
+      </p:sp>
+      <p:sp>
+        <p:nvSpPr>
+          <p:cNvPr id="43" name="Rectangle 42">
+            <a:extLst>
+              <a:ext uri="{FF2B5EF4-FFF2-40B4-BE49-F238E27FC236}">
+                <a16:creationId xmlns:a16="http://schemas.microsoft.com/office/drawing/2014/main" id="{74BBE9D2-648C-2964-731F-A1E73A0B85EE}"/>
+              </a:ext>
+            </a:extLst>
+          </p:cNvPr>
+          <p:cNvSpPr/>
+          <p:nvPr/>
+        </p:nvSpPr>
+        <p:spPr>
+          <a:xfrm>
+            <a:off x="4257639" y="3138723"/>
+            <a:ext cx="108000" cy="108000"/>
+          </a:xfrm>
+          <a:prstGeom prst="rect">
+            <a:avLst/>
+          </a:prstGeom>
+          <a:solidFill>
+            <a:schemeClr val="accent1">
+              <a:lumMod val="50000"/>
+            </a:schemeClr>
+          </a:solidFill>
+          <a:ln w="28575">
+            <a:noFill/>
+          </a:ln>
+        </p:spPr>
+        <p:style>
+          <a:lnRef idx="2">
+            <a:schemeClr val="accent1">
+              <a:shade val="15000"/>
+            </a:schemeClr>
+          </a:lnRef>
+          <a:fillRef idx="1">
+            <a:schemeClr val="accent1"/>
+          </a:fillRef>
+          <a:effectRef idx="0">
+            <a:schemeClr val="accent1"/>
+          </a:effectRef>
+          <a:fontRef idx="minor">
+            <a:schemeClr val="lt1"/>
+          </a:fontRef>
+        </p:style>
+        <p:txBody>
+          <a:bodyPr rtlCol="0" anchor="ctr"/>
+          <a:lstStyle/>
+          <a:p>
+            <a:pPr algn="ctr"/>
+            <a:endParaRPr lang="fr-FR"/>
+          </a:p>
+        </p:txBody>
+      </p:sp>
+      <p:sp>
+        <p:nvSpPr>
+          <p:cNvPr id="44" name="Rectangle 43">
+            <a:extLst>
+              <a:ext uri="{FF2B5EF4-FFF2-40B4-BE49-F238E27FC236}">
+                <a16:creationId xmlns:a16="http://schemas.microsoft.com/office/drawing/2014/main" id="{E7839D75-C903-80A3-9017-B43DB27FB16B}"/>
+              </a:ext>
+            </a:extLst>
+          </p:cNvPr>
+          <p:cNvSpPr/>
+          <p:nvPr/>
+        </p:nvSpPr>
+        <p:spPr>
+          <a:xfrm>
+            <a:off x="4257639" y="3370484"/>
+            <a:ext cx="108000" cy="108000"/>
+          </a:xfrm>
+          <a:prstGeom prst="rect">
+            <a:avLst/>
+          </a:prstGeom>
+          <a:solidFill>
+            <a:schemeClr val="accent1">
+              <a:lumMod val="50000"/>
+            </a:schemeClr>
+          </a:solidFill>
+          <a:ln w="28575">
+            <a:noFill/>
+          </a:ln>
+        </p:spPr>
+        <p:style>
+          <a:lnRef idx="2">
+            <a:schemeClr val="accent1">
+              <a:shade val="15000"/>
+            </a:schemeClr>
+          </a:lnRef>
+          <a:fillRef idx="1">
+            <a:schemeClr val="accent1"/>
+          </a:fillRef>
+          <a:effectRef idx="0">
+            <a:schemeClr val="accent1"/>
+          </a:effectRef>
+          <a:fontRef idx="minor">
+            <a:schemeClr val="lt1"/>
+          </a:fontRef>
+        </p:style>
+        <p:txBody>
+          <a:bodyPr rtlCol="0" anchor="ctr"/>
+          <a:lstStyle/>
+          <a:p>
+            <a:pPr algn="ctr"/>
+            <a:endParaRPr lang="fr-FR"/>
+          </a:p>
+        </p:txBody>
+      </p:sp>
+      <p:sp>
+        <p:nvSpPr>
+          <p:cNvPr id="45" name="Rectangle 44">
+            <a:extLst>
+              <a:ext uri="{FF2B5EF4-FFF2-40B4-BE49-F238E27FC236}">
+                <a16:creationId xmlns:a16="http://schemas.microsoft.com/office/drawing/2014/main" id="{B4F1BEAE-D1B7-D535-D9B3-97CA751B7E7C}"/>
+              </a:ext>
+            </a:extLst>
+          </p:cNvPr>
+          <p:cNvSpPr/>
+          <p:nvPr/>
+        </p:nvSpPr>
+        <p:spPr>
+          <a:xfrm>
+            <a:off x="4257639" y="3602246"/>
+            <a:ext cx="108000" cy="108000"/>
+          </a:xfrm>
+          <a:prstGeom prst="rect">
+            <a:avLst/>
+          </a:prstGeom>
+          <a:solidFill>
+            <a:schemeClr val="accent1">
+              <a:lumMod val="50000"/>
+            </a:schemeClr>
+          </a:solidFill>
+          <a:ln w="28575">
+            <a:noFill/>
+          </a:ln>
+        </p:spPr>
+        <p:style>
+          <a:lnRef idx="2">
+            <a:schemeClr val="accent1">
+              <a:shade val="15000"/>
+            </a:schemeClr>
+          </a:lnRef>
+          <a:fillRef idx="1">
+            <a:schemeClr val="accent1"/>
+          </a:fillRef>
+          <a:effectRef idx="0">
+            <a:schemeClr val="accent1"/>
+          </a:effectRef>
+          <a:fontRef idx="minor">
+            <a:schemeClr val="lt1"/>
+          </a:fontRef>
+        </p:style>
+        <p:txBody>
+          <a:bodyPr rtlCol="0" anchor="ctr"/>
+          <a:lstStyle/>
+          <a:p>
+            <a:pPr algn="ctr"/>
+            <a:endParaRPr lang="fr-FR"/>
+          </a:p>
+        </p:txBody>
+      </p:sp>
+      <p:sp>
+        <p:nvSpPr>
+          <p:cNvPr id="48" name="Rectangle 47">
+            <a:extLst>
+              <a:ext uri="{FF2B5EF4-FFF2-40B4-BE49-F238E27FC236}">
+                <a16:creationId xmlns:a16="http://schemas.microsoft.com/office/drawing/2014/main" id="{115EDA64-EBB9-CD81-CC59-F38C230CFCCE}"/>
+              </a:ext>
+            </a:extLst>
+          </p:cNvPr>
+          <p:cNvSpPr/>
+          <p:nvPr/>
+        </p:nvSpPr>
+        <p:spPr>
+          <a:xfrm>
+            <a:off x="1778000" y="2545081"/>
+            <a:ext cx="2196150" cy="1777997"/>
+          </a:xfrm>
+          <a:prstGeom prst="rect">
+            <a:avLst/>
+          </a:prstGeom>
+          <a:noFill/>
+          <a:ln>
+            <a:solidFill>
+              <a:srgbClr val="C00000"/>
+            </a:solidFill>
+            <a:prstDash val="dash"/>
+          </a:ln>
+        </p:spPr>
+        <p:style>
+          <a:lnRef idx="2">
+            <a:schemeClr val="accent1">
+              <a:shade val="15000"/>
+            </a:schemeClr>
+          </a:lnRef>
+          <a:fillRef idx="1">
+            <a:schemeClr val="accent1"/>
+          </a:fillRef>
+          <a:effectRef idx="0">
+            <a:schemeClr val="accent1"/>
+          </a:effectRef>
+          <a:fontRef idx="minor">
+            <a:schemeClr val="lt1"/>
+          </a:fontRef>
+        </p:style>
+        <p:txBody>
+          <a:bodyPr rtlCol="0" anchor="ctr"/>
+          <a:lstStyle/>
+          <a:p>
+            <a:pPr algn="ctr"/>
+            <a:endParaRPr lang="fr-FR"/>
+          </a:p>
+        </p:txBody>
+      </p:sp>
+      <p:sp>
+        <p:nvSpPr>
+          <p:cNvPr id="49" name="Rectangle 48">
+            <a:extLst>
+              <a:ext uri="{FF2B5EF4-FFF2-40B4-BE49-F238E27FC236}">
+                <a16:creationId xmlns:a16="http://schemas.microsoft.com/office/drawing/2014/main" id="{997A098B-2039-4348-B9D4-808D164C0455}"/>
+              </a:ext>
+            </a:extLst>
+          </p:cNvPr>
+          <p:cNvSpPr/>
+          <p:nvPr/>
+        </p:nvSpPr>
+        <p:spPr>
+          <a:xfrm>
+            <a:off x="4620237" y="2543714"/>
+            <a:ext cx="1475763" cy="1777997"/>
+          </a:xfrm>
+          <a:prstGeom prst="rect">
+            <a:avLst/>
+          </a:prstGeom>
+          <a:noFill/>
+          <a:ln>
+            <a:solidFill>
+              <a:srgbClr val="00B050"/>
+            </a:solidFill>
+            <a:prstDash val="dash"/>
+          </a:ln>
+        </p:spPr>
+        <p:style>
+          <a:lnRef idx="2">
+            <a:schemeClr val="accent1">
+              <a:shade val="15000"/>
+            </a:schemeClr>
+          </a:lnRef>
+          <a:fillRef idx="1">
+            <a:schemeClr val="accent1"/>
+          </a:fillRef>
+          <a:effectRef idx="0">
+            <a:schemeClr val="accent1"/>
+          </a:effectRef>
+          <a:fontRef idx="minor">
+            <a:schemeClr val="lt1"/>
+          </a:fontRef>
+        </p:style>
+        <p:txBody>
+          <a:bodyPr rtlCol="0" anchor="ctr"/>
+          <a:lstStyle/>
+          <a:p>
+            <a:pPr algn="ctr"/>
+            <a:endParaRPr lang="fr-FR"/>
+          </a:p>
+        </p:txBody>
+      </p:sp>
+      <p:sp>
+        <p:nvSpPr>
+          <p:cNvPr id="52" name="ZoneTexte 51">
+            <a:extLst>
+              <a:ext uri="{FF2B5EF4-FFF2-40B4-BE49-F238E27FC236}">
+                <a16:creationId xmlns:a16="http://schemas.microsoft.com/office/drawing/2014/main" id="{74AFD132-36E9-04F4-C12E-2CCBEDE51245}"/>
+              </a:ext>
+            </a:extLst>
+          </p:cNvPr>
+          <p:cNvSpPr txBox="1"/>
+          <p:nvPr/>
+        </p:nvSpPr>
+        <p:spPr>
+          <a:xfrm>
+            <a:off x="5712743" y="3303138"/>
+            <a:ext cx="139462" cy="276999"/>
+          </a:xfrm>
+          <a:prstGeom prst="rect">
+            <a:avLst/>
+          </a:prstGeom>
+          <a:noFill/>
+        </p:spPr>
+        <p:txBody>
+          <a:bodyPr wrap="none" lIns="0" tIns="0" rIns="0" bIns="0" rtlCol="0">
+            <a:spAutoFit/>
+          </a:bodyPr>
+          <a:lstStyle/>
+          <a:p>
+            <a:r>
+              <a:rPr lang="fr-FR" b="1" dirty="0">
+                <a:solidFill>
+                  <a:srgbClr val="002060"/>
+                </a:solidFill>
+              </a:rPr>
+              <a:t>A</a:t>
+            </a:r>
+          </a:p>
+        </p:txBody>
+      </p:sp>
+      <p:sp>
+        <p:nvSpPr>
+          <p:cNvPr id="53" name="ZoneTexte 52">
+            <a:extLst>
+              <a:ext uri="{FF2B5EF4-FFF2-40B4-BE49-F238E27FC236}">
+                <a16:creationId xmlns:a16="http://schemas.microsoft.com/office/drawing/2014/main" id="{95E513A3-C08E-F94C-7D69-5220FCF8F9A1}"/>
+              </a:ext>
+            </a:extLst>
+          </p:cNvPr>
+          <p:cNvSpPr txBox="1"/>
+          <p:nvPr/>
+        </p:nvSpPr>
+        <p:spPr>
+          <a:xfrm>
+            <a:off x="1773533" y="2174632"/>
+            <a:ext cx="2200617" cy="369332"/>
+          </a:xfrm>
+          <a:prstGeom prst="rect">
+            <a:avLst/>
+          </a:prstGeom>
+          <a:noFill/>
+        </p:spPr>
+        <p:txBody>
+          <a:bodyPr wrap="square" rtlCol="0">
+            <a:spAutoFit/>
+          </a:bodyPr>
+          <a:lstStyle/>
+          <a:p>
+            <a:pPr algn="ctr"/>
+            <a:r>
+              <a:rPr lang="fr-FR" dirty="0"/>
+              <a:t>Moteur</a:t>
+            </a:r>
+          </a:p>
+        </p:txBody>
+      </p:sp>
+      <p:sp>
+        <p:nvSpPr>
+          <p:cNvPr id="54" name="ZoneTexte 53">
+            <a:extLst>
+              <a:ext uri="{FF2B5EF4-FFF2-40B4-BE49-F238E27FC236}">
+                <a16:creationId xmlns:a16="http://schemas.microsoft.com/office/drawing/2014/main" id="{E0D417D2-62C0-6A46-C291-4BA1137F1C36}"/>
+              </a:ext>
+            </a:extLst>
+          </p:cNvPr>
+          <p:cNvSpPr txBox="1"/>
+          <p:nvPr/>
+        </p:nvSpPr>
+        <p:spPr>
+          <a:xfrm>
+            <a:off x="4615770" y="2181445"/>
+            <a:ext cx="1475763" cy="369332"/>
+          </a:xfrm>
+          <a:prstGeom prst="rect">
+            <a:avLst/>
+          </a:prstGeom>
+          <a:noFill/>
+        </p:spPr>
+        <p:txBody>
+          <a:bodyPr wrap="square" rtlCol="0">
+            <a:spAutoFit/>
+          </a:bodyPr>
+          <a:lstStyle/>
+          <a:p>
+            <a:pPr algn="ctr"/>
+            <a:r>
+              <a:rPr lang="fr-FR" dirty="0"/>
+              <a:t>Générateur</a:t>
+            </a:r>
+          </a:p>
+        </p:txBody>
+      </p:sp>
+      <p:sp>
+        <p:nvSpPr>
+          <p:cNvPr id="55" name="ZoneTexte 54">
+            <a:extLst>
+              <a:ext uri="{FF2B5EF4-FFF2-40B4-BE49-F238E27FC236}">
+                <a16:creationId xmlns:a16="http://schemas.microsoft.com/office/drawing/2014/main" id="{49EAE679-1145-05F7-220F-38503212D6A8}"/>
+              </a:ext>
+            </a:extLst>
+          </p:cNvPr>
+          <p:cNvSpPr txBox="1"/>
+          <p:nvPr/>
+        </p:nvSpPr>
+        <p:spPr>
+          <a:xfrm rot="16200000">
+            <a:off x="3762775" y="2607314"/>
+            <a:ext cx="1025970" cy="461665"/>
+          </a:xfrm>
+          <a:prstGeom prst="rect">
+            <a:avLst/>
+          </a:prstGeom>
+          <a:noFill/>
+        </p:spPr>
+        <p:txBody>
+          <a:bodyPr wrap="square" rtlCol="0">
+            <a:spAutoFit/>
+          </a:bodyPr>
+          <a:lstStyle/>
+          <a:p>
+            <a:pPr algn="ctr"/>
+            <a:r>
+              <a:rPr lang="fr-FR" sz="1200" dirty="0"/>
+              <a:t>Mesure vitesse</a:t>
+            </a:r>
+          </a:p>
+        </p:txBody>
+      </p:sp>
+      <p:sp>
+        <p:nvSpPr>
+          <p:cNvPr id="2" name="ZoneTexte 1">
+            <a:extLst>
+              <a:ext uri="{FF2B5EF4-FFF2-40B4-BE49-F238E27FC236}">
+                <a16:creationId xmlns:a16="http://schemas.microsoft.com/office/drawing/2014/main" id="{A646CFAB-6D87-202E-5A8F-00C09C811192}"/>
+              </a:ext>
+            </a:extLst>
+          </p:cNvPr>
+          <p:cNvSpPr txBox="1"/>
+          <p:nvPr/>
+        </p:nvSpPr>
+        <p:spPr>
+          <a:xfrm>
+            <a:off x="7983666" y="1033136"/>
+            <a:ext cx="3627087" cy="1200329"/>
+          </a:xfrm>
+          <a:prstGeom prst="rect">
+            <a:avLst/>
+          </a:prstGeom>
+          <a:noFill/>
+        </p:spPr>
+        <p:txBody>
+          <a:bodyPr wrap="square" rtlCol="0">
+            <a:spAutoFit/>
+          </a:bodyPr>
+          <a:lstStyle/>
+          <a:p>
+            <a:r>
+              <a:rPr lang="fr-FR" dirty="0"/>
+              <a:t>NDLR </a:t>
+            </a:r>
+          </a:p>
+          <a:p>
+            <a:r>
+              <a:rPr lang="fr-FR" dirty="0"/>
+              <a:t>L’impédance de l’</a:t>
+            </a:r>
+            <a:r>
+              <a:rPr lang="fr-FR" dirty="0" err="1"/>
+              <a:t>ampèremetre</a:t>
+            </a:r>
+            <a:r>
+              <a:rPr lang="fr-FR" dirty="0"/>
+              <a:t> est </a:t>
+            </a:r>
+            <a:r>
+              <a:rPr lang="fr-FR" dirty="0" err="1"/>
+              <a:t>est</a:t>
+            </a:r>
+            <a:r>
+              <a:rPr lang="fr-FR" dirty="0"/>
+              <a:t> petite  le moteur est en court circuit</a:t>
+            </a:r>
+          </a:p>
+        </p:txBody>
+      </p:sp>
+      <p:sp>
+        <p:nvSpPr>
+          <p:cNvPr id="3" name="ZoneTexte 2">
+            <a:extLst>
+              <a:ext uri="{FF2B5EF4-FFF2-40B4-BE49-F238E27FC236}">
+                <a16:creationId xmlns:a16="http://schemas.microsoft.com/office/drawing/2014/main" id="{C8E6BC4B-DDA0-20C3-B395-CC53917DE7DA}"/>
+              </a:ext>
+            </a:extLst>
+          </p:cNvPr>
+          <p:cNvSpPr txBox="1"/>
+          <p:nvPr/>
+        </p:nvSpPr>
+        <p:spPr>
+          <a:xfrm>
+            <a:off x="4884851" y="3938741"/>
+            <a:ext cx="998549" cy="230832"/>
+          </a:xfrm>
+          <a:prstGeom prst="rect">
+            <a:avLst/>
+          </a:prstGeom>
+          <a:noFill/>
+        </p:spPr>
+        <p:txBody>
+          <a:bodyPr wrap="square" rtlCol="0">
+            <a:spAutoFit/>
+          </a:bodyPr>
+          <a:lstStyle/>
+          <a:p>
+            <a:pPr algn="ctr"/>
+            <a:r>
+              <a:rPr lang="fr-FR" sz="900" dirty="0"/>
+              <a:t>AMPEREMETRE</a:t>
+            </a:r>
+          </a:p>
+        </p:txBody>
+      </p:sp>
+    </p:spTree>
+    <p:extLst>
+      <p:ext uri="{BB962C8B-B14F-4D97-AF65-F5344CB8AC3E}">
+        <p14:creationId xmlns:p14="http://schemas.microsoft.com/office/powerpoint/2010/main" val="3477320335"/>
       </p:ext>
     </p:extLst>
   </p:cSld>
@@ -7457,8 +9631,8 @@
             </a:fontRef>
           </p:style>
         </p:cxnSp>
-        <mc:AlternateContent xmlns:mc="http://schemas.openxmlformats.org/markup-compatibility/2006">
-          <mc:Choice xmlns:a14="http://schemas.microsoft.com/office/drawing/2010/main" Requires="a14">
+        <mc:AlternateContent xmlns:mc="http://schemas.openxmlformats.org/markup-compatibility/2006" xmlns:a14="http://schemas.microsoft.com/office/drawing/2010/main">
+          <mc:Choice Requires="a14">
             <p:sp>
               <p:nvSpPr>
                 <p:cNvPr id="44" name="ZoneTexte 43">
@@ -7526,7 +9700,7 @@
               </p:txBody>
             </p:sp>
           </mc:Choice>
-          <mc:Fallback>
+          <mc:Fallback xmlns="">
             <p:sp>
               <p:nvSpPr>
                 <p:cNvPr id="44" name="ZoneTexte 43">
@@ -7571,8 +9745,8 @@
             </p:sp>
           </mc:Fallback>
         </mc:AlternateContent>
-        <mc:AlternateContent xmlns:mc="http://schemas.openxmlformats.org/markup-compatibility/2006">
-          <mc:Choice xmlns:a14="http://schemas.microsoft.com/office/drawing/2010/main" Requires="a14">
+        <mc:AlternateContent xmlns:mc="http://schemas.openxmlformats.org/markup-compatibility/2006" xmlns:a14="http://schemas.microsoft.com/office/drawing/2010/main">
+          <mc:Choice Requires="a14">
             <p:sp>
               <p:nvSpPr>
                 <p:cNvPr id="45" name="ZoneTexte 44">
@@ -7640,7 +9814,7 @@
               </p:txBody>
             </p:sp>
           </mc:Choice>
-          <mc:Fallback>
+          <mc:Fallback xmlns="">
             <p:sp>
               <p:nvSpPr>
                 <p:cNvPr id="45" name="ZoneTexte 44">
@@ -8395,8 +10569,8 @@
           </a:fontRef>
         </p:style>
       </p:cxnSp>
-      <mc:AlternateContent xmlns:mc="http://schemas.openxmlformats.org/markup-compatibility/2006">
-        <mc:Choice xmlns:a14="http://schemas.microsoft.com/office/drawing/2010/main" Requires="a14">
+      <mc:AlternateContent xmlns:mc="http://schemas.openxmlformats.org/markup-compatibility/2006" xmlns:a14="http://schemas.microsoft.com/office/drawing/2010/main">
+        <mc:Choice Requires="a14">
           <p:sp>
             <p:nvSpPr>
               <p:cNvPr id="15" name="ZoneTexte 14">
@@ -8464,7 +10638,7 @@
             </p:txBody>
           </p:sp>
         </mc:Choice>
-        <mc:Fallback>
+        <mc:Fallback xmlns="">
           <p:sp>
             <p:nvSpPr>
               <p:cNvPr id="15" name="ZoneTexte 14">
@@ -8509,8 +10683,8 @@
           </p:sp>
         </mc:Fallback>
       </mc:AlternateContent>
-      <mc:AlternateContent xmlns:mc="http://schemas.openxmlformats.org/markup-compatibility/2006">
-        <mc:Choice xmlns:a14="http://schemas.microsoft.com/office/drawing/2010/main" Requires="a14">
+      <mc:AlternateContent xmlns:mc="http://schemas.openxmlformats.org/markup-compatibility/2006" xmlns:a14="http://schemas.microsoft.com/office/drawing/2010/main">
+        <mc:Choice Requires="a14">
           <p:sp>
             <p:nvSpPr>
               <p:cNvPr id="16" name="ZoneTexte 15">
@@ -8578,7 +10752,7 @@
             </p:txBody>
           </p:sp>
         </mc:Choice>
-        <mc:Fallback>
+        <mc:Fallback xmlns="">
           <p:sp>
             <p:nvSpPr>
               <p:cNvPr id="16" name="ZoneTexte 15">
@@ -9122,7 +11296,7 @@
           <p:nvPr/>
         </p:nvCxnSpPr>
         <p:spPr>
-          <a:xfrm flipH="1" flipV="1">
+          <a:xfrm flipH="1">
             <a:off x="6053023" y="3206313"/>
             <a:ext cx="0" cy="406400"/>
           </a:xfrm>
@@ -9156,8 +11330,8 @@
           </a:fontRef>
         </p:style>
       </p:cxnSp>
-      <mc:AlternateContent xmlns:mc="http://schemas.openxmlformats.org/markup-compatibility/2006">
-        <mc:Choice xmlns:a14="http://schemas.microsoft.com/office/drawing/2010/main" Requires="a14">
+      <mc:AlternateContent xmlns:mc="http://schemas.openxmlformats.org/markup-compatibility/2006" xmlns:a14="http://schemas.microsoft.com/office/drawing/2010/main">
+        <mc:Choice Requires="a14">
           <p:sp>
             <p:nvSpPr>
               <p:cNvPr id="31" name="ZoneTexte 30">
@@ -9244,7 +11418,7 @@
             </p:txBody>
           </p:sp>
         </mc:Choice>
-        <mc:Fallback>
+        <mc:Fallback xmlns="">
           <p:sp>
             <p:nvSpPr>
               <p:cNvPr id="31" name="ZoneTexte 30">
@@ -9289,8 +11463,8 @@
           </p:sp>
         </mc:Fallback>
       </mc:AlternateContent>
-      <mc:AlternateContent xmlns:mc="http://schemas.openxmlformats.org/markup-compatibility/2006">
-        <mc:Choice xmlns:a14="http://schemas.microsoft.com/office/drawing/2010/main" Requires="a14">
+      <mc:AlternateContent xmlns:mc="http://schemas.openxmlformats.org/markup-compatibility/2006" xmlns:a14="http://schemas.microsoft.com/office/drawing/2010/main">
+        <mc:Choice Requires="a14">
           <p:sp>
             <p:nvSpPr>
               <p:cNvPr id="32" name="ZoneTexte 31">
@@ -9377,7 +11551,7 @@
             </p:txBody>
           </p:sp>
         </mc:Choice>
-        <mc:Fallback>
+        <mc:Fallback xmlns="">
           <p:sp>
             <p:nvSpPr>
               <p:cNvPr id="32" name="ZoneTexte 31">
@@ -10059,7 +12233,6 @@
           </a:bodyPr>
           <a:lstStyle/>
           <a:p>
-            <a:pPr/>
             <a:r>
               <a:rPr lang="fr-FR" b="1" dirty="0">
                 <a:solidFill>
@@ -10157,7 +12330,2127 @@
         </p:nvSpPr>
         <p:spPr>
           <a:xfrm rot="16200000">
-            <a:off x="3300681" y="2136247"/>
+            <a:off x="3762775" y="2607314"/>
+            <a:ext cx="1025970" cy="461665"/>
+          </a:xfrm>
+          <a:prstGeom prst="rect">
+            <a:avLst/>
+          </a:prstGeom>
+          <a:noFill/>
+        </p:spPr>
+        <p:txBody>
+          <a:bodyPr wrap="square" rtlCol="0">
+            <a:spAutoFit/>
+          </a:bodyPr>
+          <a:lstStyle/>
+          <a:p>
+            <a:pPr algn="ctr"/>
+            <a:r>
+              <a:rPr lang="fr-FR" sz="1200" dirty="0"/>
+              <a:t>Mesure vitesse</a:t>
+            </a:r>
+          </a:p>
+        </p:txBody>
+      </p:sp>
+      <p:sp>
+        <p:nvSpPr>
+          <p:cNvPr id="2" name="ZoneTexte 1">
+            <a:extLst>
+              <a:ext uri="{FF2B5EF4-FFF2-40B4-BE49-F238E27FC236}">
+                <a16:creationId xmlns:a16="http://schemas.microsoft.com/office/drawing/2014/main" id="{65C26760-6D5F-3969-6631-C2881E4DCEFF}"/>
+              </a:ext>
+            </a:extLst>
+          </p:cNvPr>
+          <p:cNvSpPr txBox="1"/>
+          <p:nvPr/>
+        </p:nvSpPr>
+        <p:spPr>
+          <a:xfrm>
+            <a:off x="7983666" y="1033136"/>
+            <a:ext cx="3627087" cy="1477328"/>
+          </a:xfrm>
+          <a:prstGeom prst="rect">
+            <a:avLst/>
+          </a:prstGeom>
+          <a:noFill/>
+        </p:spPr>
+        <p:txBody>
+          <a:bodyPr wrap="square" rtlCol="0">
+            <a:spAutoFit/>
+          </a:bodyPr>
+          <a:lstStyle/>
+          <a:p>
+            <a:r>
+              <a:rPr lang="fr-FR" dirty="0"/>
+              <a:t>NDLR </a:t>
+            </a:r>
+          </a:p>
+          <a:p>
+            <a:r>
+              <a:rPr lang="fr-FR" dirty="0"/>
+              <a:t>L’impédance du voltmètre est grande donc le courant est petit, donc le couple est petit, donc le générateur tourne facilement.</a:t>
+            </a:r>
+          </a:p>
+        </p:txBody>
+      </p:sp>
+      <p:sp>
+        <p:nvSpPr>
+          <p:cNvPr id="3" name="ZoneTexte 2">
+            <a:extLst>
+              <a:ext uri="{FF2B5EF4-FFF2-40B4-BE49-F238E27FC236}">
+                <a16:creationId xmlns:a16="http://schemas.microsoft.com/office/drawing/2014/main" id="{18317438-8187-A84A-F991-1321BA0588E6}"/>
+              </a:ext>
+            </a:extLst>
+          </p:cNvPr>
+          <p:cNvSpPr txBox="1"/>
+          <p:nvPr/>
+        </p:nvSpPr>
+        <p:spPr>
+          <a:xfrm>
+            <a:off x="5703069" y="4071462"/>
+            <a:ext cx="995558" cy="276999"/>
+          </a:xfrm>
+          <a:prstGeom prst="rect">
+            <a:avLst/>
+          </a:prstGeom>
+          <a:noFill/>
+        </p:spPr>
+        <p:txBody>
+          <a:bodyPr wrap="square" rtlCol="0">
+            <a:spAutoFit/>
+          </a:bodyPr>
+          <a:lstStyle/>
+          <a:p>
+            <a:pPr algn="ctr"/>
+            <a:r>
+              <a:rPr lang="fr-FR" sz="1200" dirty="0"/>
+              <a:t>VOLTMETRE</a:t>
+            </a:r>
+          </a:p>
+        </p:txBody>
+      </p:sp>
+    </p:spTree>
+    <p:extLst>
+      <p:ext uri="{BB962C8B-B14F-4D97-AF65-F5344CB8AC3E}">
+        <p14:creationId xmlns:p14="http://schemas.microsoft.com/office/powerpoint/2010/main" val="2488368663"/>
+      </p:ext>
+    </p:extLst>
+  </p:cSld>
+  <p:clrMapOvr>
+    <a:masterClrMapping/>
+  </p:clrMapOvr>
+</p:sld>
+</file>
+
+<file path=ppt/slides/slide9.xml><?xml version="1.0" encoding="utf-8"?>
+<p:sld xmlns:a="http://schemas.openxmlformats.org/drawingml/2006/main" xmlns:r="http://schemas.openxmlformats.org/officeDocument/2006/relationships" xmlns:p="http://schemas.openxmlformats.org/presentationml/2006/main">
+  <p:cSld>
+    <p:spTree>
+      <p:nvGrpSpPr>
+        <p:cNvPr id="1" name="">
+          <a:extLst>
+            <a:ext uri="{FF2B5EF4-FFF2-40B4-BE49-F238E27FC236}">
+              <a16:creationId xmlns:a16="http://schemas.microsoft.com/office/drawing/2014/main" id="{3FCBC5B0-16FD-113E-846D-FCF0DBEC8C33}"/>
+            </a:ext>
+          </a:extLst>
+        </p:cNvPr>
+        <p:cNvGrpSpPr/>
+        <p:nvPr/>
+      </p:nvGrpSpPr>
+      <p:grpSpPr>
+        <a:xfrm>
+          <a:off x="0" y="0"/>
+          <a:ext cx="0" cy="0"/>
+          <a:chOff x="0" y="0"/>
+          <a:chExt cx="0" cy="0"/>
+        </a:xfrm>
+      </p:grpSpPr>
+      <p:cxnSp>
+        <p:nvCxnSpPr>
+          <p:cNvPr id="33" name="Connecteur droit 32">
+            <a:extLst>
+              <a:ext uri="{FF2B5EF4-FFF2-40B4-BE49-F238E27FC236}">
+                <a16:creationId xmlns:a16="http://schemas.microsoft.com/office/drawing/2014/main" id="{221371C7-7945-CCEC-BCA2-8F7F20E4F5F3}"/>
+              </a:ext>
+            </a:extLst>
+          </p:cNvPr>
+          <p:cNvCxnSpPr>
+            <a:cxnSpLocks/>
+          </p:cNvCxnSpPr>
+          <p:nvPr/>
+        </p:nvCxnSpPr>
+        <p:spPr>
+          <a:xfrm flipH="1" flipV="1">
+            <a:off x="4885017" y="2706919"/>
+            <a:ext cx="0" cy="1444161"/>
+          </a:xfrm>
+          <a:prstGeom prst="line">
+            <a:avLst/>
+          </a:prstGeom>
+          <a:noFill/>
+          <a:ln w="28575">
+            <a:solidFill>
+              <a:schemeClr val="accent1">
+                <a:lumMod val="50000"/>
+              </a:schemeClr>
+            </a:solidFill>
+          </a:ln>
+        </p:spPr>
+        <p:style>
+          <a:lnRef idx="2">
+            <a:schemeClr val="accent1">
+              <a:shade val="15000"/>
+            </a:schemeClr>
+          </a:lnRef>
+          <a:fillRef idx="1">
+            <a:schemeClr val="accent1"/>
+          </a:fillRef>
+          <a:effectRef idx="0">
+            <a:schemeClr val="accent1"/>
+          </a:effectRef>
+          <a:fontRef idx="minor">
+            <a:schemeClr val="lt1"/>
+          </a:fontRef>
+        </p:style>
+      </p:cxnSp>
+      <p:sp>
+        <p:nvSpPr>
+          <p:cNvPr id="7" name="Ellipse 6">
+            <a:extLst>
+              <a:ext uri="{FF2B5EF4-FFF2-40B4-BE49-F238E27FC236}">
+                <a16:creationId xmlns:a16="http://schemas.microsoft.com/office/drawing/2014/main" id="{B5573440-3904-5171-6DEA-DC8F2B24AE22}"/>
+              </a:ext>
+            </a:extLst>
+          </p:cNvPr>
+          <p:cNvSpPr/>
+          <p:nvPr/>
+        </p:nvSpPr>
+        <p:spPr>
+          <a:xfrm>
+            <a:off x="2351055" y="3257123"/>
+            <a:ext cx="360000" cy="360000"/>
+          </a:xfrm>
+          <a:prstGeom prst="ellipse">
+            <a:avLst/>
+          </a:prstGeom>
+          <a:noFill/>
+          <a:ln w="28575">
+            <a:solidFill>
+              <a:schemeClr val="accent1">
+                <a:lumMod val="50000"/>
+              </a:schemeClr>
+            </a:solidFill>
+          </a:ln>
+        </p:spPr>
+        <p:style>
+          <a:lnRef idx="2">
+            <a:schemeClr val="accent1">
+              <a:shade val="15000"/>
+            </a:schemeClr>
+          </a:lnRef>
+          <a:fillRef idx="1">
+            <a:schemeClr val="accent1"/>
+          </a:fillRef>
+          <a:effectRef idx="0">
+            <a:schemeClr val="accent1"/>
+          </a:effectRef>
+          <a:fontRef idx="minor">
+            <a:schemeClr val="lt1"/>
+          </a:fontRef>
+        </p:style>
+        <p:txBody>
+          <a:bodyPr rtlCol="0" anchor="ctr"/>
+          <a:lstStyle/>
+          <a:p>
+            <a:pPr algn="ctr"/>
+            <a:endParaRPr lang="fr-FR"/>
+          </a:p>
+        </p:txBody>
+      </p:sp>
+      <p:cxnSp>
+        <p:nvCxnSpPr>
+          <p:cNvPr id="8" name="Connecteur droit 7">
+            <a:extLst>
+              <a:ext uri="{FF2B5EF4-FFF2-40B4-BE49-F238E27FC236}">
+                <a16:creationId xmlns:a16="http://schemas.microsoft.com/office/drawing/2014/main" id="{9249C815-5935-8693-2B28-BF81AE96D9A8}"/>
+              </a:ext>
+            </a:extLst>
+          </p:cNvPr>
+          <p:cNvCxnSpPr>
+            <a:cxnSpLocks/>
+            <a:stCxn id="7" idx="0"/>
+          </p:cNvCxnSpPr>
+          <p:nvPr/>
+        </p:nvCxnSpPr>
+        <p:spPr>
+          <a:xfrm flipV="1">
+            <a:off x="2531055" y="2706919"/>
+            <a:ext cx="0" cy="550204"/>
+          </a:xfrm>
+          <a:prstGeom prst="line">
+            <a:avLst/>
+          </a:prstGeom>
+          <a:noFill/>
+          <a:ln w="28575">
+            <a:solidFill>
+              <a:schemeClr val="accent1">
+                <a:lumMod val="50000"/>
+              </a:schemeClr>
+            </a:solidFill>
+          </a:ln>
+        </p:spPr>
+        <p:style>
+          <a:lnRef idx="2">
+            <a:schemeClr val="accent1">
+              <a:shade val="15000"/>
+            </a:schemeClr>
+          </a:lnRef>
+          <a:fillRef idx="1">
+            <a:schemeClr val="accent1"/>
+          </a:fillRef>
+          <a:effectRef idx="0">
+            <a:schemeClr val="accent1"/>
+          </a:effectRef>
+          <a:fontRef idx="minor">
+            <a:schemeClr val="lt1"/>
+          </a:fontRef>
+        </p:style>
+      </p:cxnSp>
+      <p:cxnSp>
+        <p:nvCxnSpPr>
+          <p:cNvPr id="9" name="Connecteur droit 8">
+            <a:extLst>
+              <a:ext uri="{FF2B5EF4-FFF2-40B4-BE49-F238E27FC236}">
+                <a16:creationId xmlns:a16="http://schemas.microsoft.com/office/drawing/2014/main" id="{7C05DFA3-5F23-D42C-2AFE-CD2B8D28DC98}"/>
+              </a:ext>
+            </a:extLst>
+          </p:cNvPr>
+          <p:cNvCxnSpPr>
+            <a:cxnSpLocks/>
+          </p:cNvCxnSpPr>
+          <p:nvPr/>
+        </p:nvCxnSpPr>
+        <p:spPr>
+          <a:xfrm flipH="1">
+            <a:off x="2519787" y="2706919"/>
+            <a:ext cx="1228435" cy="0"/>
+          </a:xfrm>
+          <a:prstGeom prst="line">
+            <a:avLst/>
+          </a:prstGeom>
+          <a:noFill/>
+          <a:ln w="28575">
+            <a:solidFill>
+              <a:schemeClr val="accent1">
+                <a:lumMod val="50000"/>
+              </a:schemeClr>
+            </a:solidFill>
+          </a:ln>
+        </p:spPr>
+        <p:style>
+          <a:lnRef idx="2">
+            <a:schemeClr val="accent1">
+              <a:shade val="15000"/>
+            </a:schemeClr>
+          </a:lnRef>
+          <a:fillRef idx="1">
+            <a:schemeClr val="accent1"/>
+          </a:fillRef>
+          <a:effectRef idx="0">
+            <a:schemeClr val="accent1"/>
+          </a:effectRef>
+          <a:fontRef idx="minor">
+            <a:schemeClr val="lt1"/>
+          </a:fontRef>
+        </p:style>
+      </p:cxnSp>
+      <p:cxnSp>
+        <p:nvCxnSpPr>
+          <p:cNvPr id="10" name="Connecteur droit 9">
+            <a:extLst>
+              <a:ext uri="{FF2B5EF4-FFF2-40B4-BE49-F238E27FC236}">
+                <a16:creationId xmlns:a16="http://schemas.microsoft.com/office/drawing/2014/main" id="{9155B9F7-4125-778D-99AE-9234B477F266}"/>
+              </a:ext>
+            </a:extLst>
+          </p:cNvPr>
+          <p:cNvCxnSpPr>
+            <a:cxnSpLocks/>
+          </p:cNvCxnSpPr>
+          <p:nvPr/>
+        </p:nvCxnSpPr>
+        <p:spPr>
+          <a:xfrm flipV="1">
+            <a:off x="2531055" y="3617123"/>
+            <a:ext cx="0" cy="533957"/>
+          </a:xfrm>
+          <a:prstGeom prst="line">
+            <a:avLst/>
+          </a:prstGeom>
+          <a:noFill/>
+          <a:ln w="28575">
+            <a:solidFill>
+              <a:schemeClr val="accent1">
+                <a:lumMod val="50000"/>
+              </a:schemeClr>
+            </a:solidFill>
+          </a:ln>
+        </p:spPr>
+        <p:style>
+          <a:lnRef idx="2">
+            <a:schemeClr val="accent1">
+              <a:shade val="15000"/>
+            </a:schemeClr>
+          </a:lnRef>
+          <a:fillRef idx="1">
+            <a:schemeClr val="accent1"/>
+          </a:fillRef>
+          <a:effectRef idx="0">
+            <a:schemeClr val="accent1"/>
+          </a:effectRef>
+          <a:fontRef idx="minor">
+            <a:schemeClr val="lt1"/>
+          </a:fontRef>
+        </p:style>
+      </p:cxnSp>
+      <p:cxnSp>
+        <p:nvCxnSpPr>
+          <p:cNvPr id="11" name="Connecteur droit 10">
+            <a:extLst>
+              <a:ext uri="{FF2B5EF4-FFF2-40B4-BE49-F238E27FC236}">
+                <a16:creationId xmlns:a16="http://schemas.microsoft.com/office/drawing/2014/main" id="{9528A191-C1F4-0AFC-16D1-ACBDEE46BF47}"/>
+              </a:ext>
+            </a:extLst>
+          </p:cNvPr>
+          <p:cNvCxnSpPr>
+            <a:cxnSpLocks/>
+          </p:cNvCxnSpPr>
+          <p:nvPr/>
+        </p:nvCxnSpPr>
+        <p:spPr>
+          <a:xfrm>
+            <a:off x="2519787" y="4151080"/>
+            <a:ext cx="1228435" cy="0"/>
+          </a:xfrm>
+          <a:prstGeom prst="line">
+            <a:avLst/>
+          </a:prstGeom>
+          <a:noFill/>
+          <a:ln w="28575">
+            <a:solidFill>
+              <a:schemeClr val="accent1">
+                <a:lumMod val="50000"/>
+              </a:schemeClr>
+            </a:solidFill>
+          </a:ln>
+        </p:spPr>
+        <p:style>
+          <a:lnRef idx="2">
+            <a:schemeClr val="accent1">
+              <a:shade val="15000"/>
+            </a:schemeClr>
+          </a:lnRef>
+          <a:fillRef idx="1">
+            <a:schemeClr val="accent1"/>
+          </a:fillRef>
+          <a:effectRef idx="0">
+            <a:schemeClr val="accent1"/>
+          </a:effectRef>
+          <a:fontRef idx="minor">
+            <a:schemeClr val="lt1"/>
+          </a:fontRef>
+        </p:style>
+      </p:cxnSp>
+      <p:cxnSp>
+        <p:nvCxnSpPr>
+          <p:cNvPr id="12" name="Connecteur droit avec flèche 11">
+            <a:extLst>
+              <a:ext uri="{FF2B5EF4-FFF2-40B4-BE49-F238E27FC236}">
+                <a16:creationId xmlns:a16="http://schemas.microsoft.com/office/drawing/2014/main" id="{6815939B-F634-615A-FA40-02A3370DB5EA}"/>
+              </a:ext>
+            </a:extLst>
+          </p:cNvPr>
+          <p:cNvCxnSpPr>
+            <a:cxnSpLocks/>
+          </p:cNvCxnSpPr>
+          <p:nvPr/>
+        </p:nvCxnSpPr>
+        <p:spPr>
+          <a:xfrm>
+            <a:off x="2531055" y="2777485"/>
+            <a:ext cx="0" cy="406400"/>
+          </a:xfrm>
+          <a:prstGeom prst="straightConnector1">
+            <a:avLst/>
+          </a:prstGeom>
+          <a:noFill/>
+          <a:ln w="28575">
+            <a:solidFill>
+              <a:srgbClr val="C00000"/>
+            </a:solidFill>
+            <a:headEnd type="stealth" w="med" len="lg"/>
+          </a:ln>
+        </p:spPr>
+        <p:style>
+          <a:lnRef idx="2">
+            <a:schemeClr val="accent1">
+              <a:shade val="15000"/>
+            </a:schemeClr>
+          </a:lnRef>
+          <a:fillRef idx="1">
+            <a:schemeClr val="accent1"/>
+          </a:fillRef>
+          <a:effectRef idx="0">
+            <a:schemeClr val="accent1"/>
+          </a:effectRef>
+          <a:fontRef idx="minor">
+            <a:schemeClr val="lt1"/>
+          </a:fontRef>
+        </p:style>
+      </p:cxnSp>
+      <p:cxnSp>
+        <p:nvCxnSpPr>
+          <p:cNvPr id="13" name="Connecteur droit avec flèche 12">
+            <a:extLst>
+              <a:ext uri="{FF2B5EF4-FFF2-40B4-BE49-F238E27FC236}">
+                <a16:creationId xmlns:a16="http://schemas.microsoft.com/office/drawing/2014/main" id="{75D6B1AA-0B8B-05FE-E7C4-CF46C83A3E55}"/>
+              </a:ext>
+            </a:extLst>
+          </p:cNvPr>
+          <p:cNvCxnSpPr>
+            <a:cxnSpLocks/>
+          </p:cNvCxnSpPr>
+          <p:nvPr/>
+        </p:nvCxnSpPr>
+        <p:spPr>
+          <a:xfrm>
+            <a:off x="2251655" y="3210723"/>
+            <a:ext cx="0" cy="406400"/>
+          </a:xfrm>
+          <a:prstGeom prst="straightConnector1">
+            <a:avLst/>
+          </a:prstGeom>
+          <a:noFill/>
+          <a:ln w="28575">
+            <a:solidFill>
+              <a:schemeClr val="accent1">
+                <a:lumMod val="50000"/>
+              </a:schemeClr>
+            </a:solidFill>
+            <a:headEnd type="stealth" w="med" len="lg"/>
+          </a:ln>
+        </p:spPr>
+        <p:style>
+          <a:lnRef idx="2">
+            <a:schemeClr val="accent1">
+              <a:shade val="15000"/>
+            </a:schemeClr>
+          </a:lnRef>
+          <a:fillRef idx="1">
+            <a:schemeClr val="accent1"/>
+          </a:fillRef>
+          <a:effectRef idx="0">
+            <a:schemeClr val="accent1"/>
+          </a:effectRef>
+          <a:fontRef idx="minor">
+            <a:schemeClr val="lt1"/>
+          </a:fontRef>
+        </p:style>
+      </p:cxnSp>
+      <p:cxnSp>
+        <p:nvCxnSpPr>
+          <p:cNvPr id="14" name="Connecteur droit avec flèche 13">
+            <a:extLst>
+              <a:ext uri="{FF2B5EF4-FFF2-40B4-BE49-F238E27FC236}">
+                <a16:creationId xmlns:a16="http://schemas.microsoft.com/office/drawing/2014/main" id="{770025DE-7FEA-63A5-D794-23C78DB22390}"/>
+              </a:ext>
+            </a:extLst>
+          </p:cNvPr>
+          <p:cNvCxnSpPr>
+            <a:cxnSpLocks/>
+            <a:stCxn id="7" idx="0"/>
+            <a:endCxn id="7" idx="4"/>
+          </p:cNvCxnSpPr>
+          <p:nvPr/>
+        </p:nvCxnSpPr>
+        <p:spPr>
+          <a:xfrm>
+            <a:off x="2531055" y="3257123"/>
+            <a:ext cx="0" cy="360000"/>
+          </a:xfrm>
+          <a:prstGeom prst="straightConnector1">
+            <a:avLst/>
+          </a:prstGeom>
+          <a:noFill/>
+          <a:ln w="28575">
+            <a:solidFill>
+              <a:schemeClr val="accent1">
+                <a:lumMod val="50000"/>
+              </a:schemeClr>
+            </a:solidFill>
+            <a:headEnd type="stealth" w="med" len="lg"/>
+          </a:ln>
+        </p:spPr>
+        <p:style>
+          <a:lnRef idx="2">
+            <a:schemeClr val="accent1">
+              <a:shade val="15000"/>
+            </a:schemeClr>
+          </a:lnRef>
+          <a:fillRef idx="1">
+            <a:schemeClr val="accent1"/>
+          </a:fillRef>
+          <a:effectRef idx="0">
+            <a:schemeClr val="accent1"/>
+          </a:effectRef>
+          <a:fontRef idx="minor">
+            <a:schemeClr val="lt1"/>
+          </a:fontRef>
+        </p:style>
+      </p:cxnSp>
+      <mc:AlternateContent xmlns:mc="http://schemas.openxmlformats.org/markup-compatibility/2006" xmlns:a14="http://schemas.microsoft.com/office/drawing/2010/main">
+        <mc:Choice Requires="a14">
+          <p:sp>
+            <p:nvSpPr>
+              <p:cNvPr id="15" name="ZoneTexte 14">
+                <a:extLst>
+                  <a:ext uri="{FF2B5EF4-FFF2-40B4-BE49-F238E27FC236}">
+                    <a16:creationId xmlns:a16="http://schemas.microsoft.com/office/drawing/2014/main" id="{16EBEB4C-2653-A787-2BEC-CD445D5F8C8F}"/>
+                  </a:ext>
+                </a:extLst>
+              </p:cNvPr>
+              <p:cNvSpPr txBox="1"/>
+              <p:nvPr/>
+            </p:nvSpPr>
+            <p:spPr>
+              <a:xfrm>
+                <a:off x="1864940" y="3321590"/>
+                <a:ext cx="337015" cy="184666"/>
+              </a:xfrm>
+              <a:prstGeom prst="rect">
+                <a:avLst/>
+              </a:prstGeom>
+              <a:noFill/>
+            </p:spPr>
+            <p:txBody>
+              <a:bodyPr wrap="none" lIns="0" tIns="0" rIns="0" bIns="0" rtlCol="0">
+                <a:spAutoFit/>
+              </a:bodyPr>
+              <a:lstStyle/>
+              <a:p>
+                <a:pPr/>
+                <a14:m>
+                  <m:oMathPara xmlns:m="http://schemas.openxmlformats.org/officeDocument/2006/math">
+                    <m:oMathParaPr>
+                      <m:jc m:val="centerGroup"/>
+                    </m:oMathParaPr>
+                    <m:oMath xmlns:m="http://schemas.openxmlformats.org/officeDocument/2006/math">
+                      <m:r>
+                        <a:rPr lang="fr-FR" sz="1200" b="0" i="1" smtClean="0">
+                          <a:latin typeface="Cambria Math" panose="02040503050406030204" pitchFamily="18" charset="0"/>
+                        </a:rPr>
+                        <m:t>𝑈</m:t>
+                      </m:r>
+                      <m:r>
+                        <a:rPr lang="fr-FR" sz="1200" b="0" i="1" smtClean="0">
+                          <a:latin typeface="Cambria Math" panose="02040503050406030204" pitchFamily="18" charset="0"/>
+                        </a:rPr>
+                        <m:t>(</m:t>
+                      </m:r>
+                      <m:r>
+                        <a:rPr lang="fr-FR" sz="1200" b="0" i="1" smtClean="0">
+                          <a:latin typeface="Cambria Math" panose="02040503050406030204" pitchFamily="18" charset="0"/>
+                        </a:rPr>
+                        <m:t>𝑡</m:t>
+                      </m:r>
+                      <m:r>
+                        <a:rPr lang="fr-FR" sz="1200" b="0" i="1" smtClean="0">
+                          <a:latin typeface="Cambria Math" panose="02040503050406030204" pitchFamily="18" charset="0"/>
+                        </a:rPr>
+                        <m:t>)</m:t>
+                      </m:r>
+                    </m:oMath>
+                  </m:oMathPara>
+                </a14:m>
+                <a:endParaRPr lang="fr-FR" sz="1200" dirty="0"/>
+              </a:p>
+            </p:txBody>
+          </p:sp>
+        </mc:Choice>
+        <mc:Fallback xmlns="">
+          <p:sp>
+            <p:nvSpPr>
+              <p:cNvPr id="15" name="ZoneTexte 14">
+                <a:extLst>
+                  <a:ext uri="{FF2B5EF4-FFF2-40B4-BE49-F238E27FC236}">
+                    <a16:creationId xmlns:a16="http://schemas.microsoft.com/office/drawing/2014/main" id="{7016F9D8-8607-B211-587B-CF7010F6BB3A}"/>
+                  </a:ext>
+                </a:extLst>
+              </p:cNvPr>
+              <p:cNvSpPr txBox="1">
+                <a:spLocks noRot="1" noChangeAspect="1" noMove="1" noResize="1" noEditPoints="1" noAdjustHandles="1" noChangeArrowheads="1" noChangeShapeType="1" noTextEdit="1"/>
+              </p:cNvSpPr>
+              <p:nvPr/>
+            </p:nvSpPr>
+            <p:spPr>
+              <a:xfrm>
+                <a:off x="1864940" y="3321590"/>
+                <a:ext cx="337015" cy="184666"/>
+              </a:xfrm>
+              <a:prstGeom prst="rect">
+                <a:avLst/>
+              </a:prstGeom>
+              <a:blipFill>
+                <a:blip r:embed="rId2"/>
+                <a:stretch>
+                  <a:fillRect l="-10909" t="-6667" r="-16364" b="-36667"/>
+                </a:stretch>
+              </a:blipFill>
+            </p:spPr>
+            <p:txBody>
+              <a:bodyPr/>
+              <a:lstStyle/>
+              <a:p>
+                <a:r>
+                  <a:rPr lang="fr-FR">
+                    <a:noFill/>
+                  </a:rPr>
+                  <a:t> </a:t>
+                </a:r>
+              </a:p>
+            </p:txBody>
+          </p:sp>
+        </mc:Fallback>
+      </mc:AlternateContent>
+      <mc:AlternateContent xmlns:mc="http://schemas.openxmlformats.org/markup-compatibility/2006" xmlns:a14="http://schemas.microsoft.com/office/drawing/2010/main">
+        <mc:Choice Requires="a14">
+          <p:sp>
+            <p:nvSpPr>
+              <p:cNvPr id="16" name="ZoneTexte 15">
+                <a:extLst>
+                  <a:ext uri="{FF2B5EF4-FFF2-40B4-BE49-F238E27FC236}">
+                    <a16:creationId xmlns:a16="http://schemas.microsoft.com/office/drawing/2014/main" id="{14C3248A-693D-A277-3765-8503457784F8}"/>
+                  </a:ext>
+                </a:extLst>
+              </p:cNvPr>
+              <p:cNvSpPr txBox="1"/>
+              <p:nvPr/>
+            </p:nvSpPr>
+            <p:spPr>
+              <a:xfrm>
+                <a:off x="2134672" y="2910065"/>
+                <a:ext cx="324256" cy="215444"/>
+              </a:xfrm>
+              <a:prstGeom prst="rect">
+                <a:avLst/>
+              </a:prstGeom>
+              <a:noFill/>
+            </p:spPr>
+            <p:txBody>
+              <a:bodyPr wrap="none" lIns="0" tIns="0" rIns="0" bIns="0" rtlCol="0">
+                <a:spAutoFit/>
+              </a:bodyPr>
+              <a:lstStyle/>
+              <a:p>
+                <a:pPr/>
+                <a14:m>
+                  <m:oMathPara xmlns:m="http://schemas.openxmlformats.org/officeDocument/2006/math">
+                    <m:oMathParaPr>
+                      <m:jc m:val="centerGroup"/>
+                    </m:oMathParaPr>
+                    <m:oMath xmlns:m="http://schemas.openxmlformats.org/officeDocument/2006/math">
+                      <m:r>
+                        <a:rPr lang="fr-FR" sz="1400" b="0" i="1" smtClean="0">
+                          <a:latin typeface="Cambria Math" panose="02040503050406030204" pitchFamily="18" charset="0"/>
+                        </a:rPr>
+                        <m:t>𝑖</m:t>
+                      </m:r>
+                      <m:r>
+                        <a:rPr lang="fr-FR" sz="1400" b="0" i="1" smtClean="0">
+                          <a:latin typeface="Cambria Math" panose="02040503050406030204" pitchFamily="18" charset="0"/>
+                        </a:rPr>
+                        <m:t>(</m:t>
+                      </m:r>
+                      <m:r>
+                        <a:rPr lang="fr-FR" sz="1400" b="0" i="1" smtClean="0">
+                          <a:latin typeface="Cambria Math" panose="02040503050406030204" pitchFamily="18" charset="0"/>
+                        </a:rPr>
+                        <m:t>𝑡</m:t>
+                      </m:r>
+                      <m:r>
+                        <a:rPr lang="fr-FR" sz="1400" b="0" i="1" smtClean="0">
+                          <a:latin typeface="Cambria Math" panose="02040503050406030204" pitchFamily="18" charset="0"/>
+                        </a:rPr>
+                        <m:t>)</m:t>
+                      </m:r>
+                    </m:oMath>
+                  </m:oMathPara>
+                </a14:m>
+                <a:endParaRPr lang="fr-FR" sz="1400" dirty="0"/>
+              </a:p>
+            </p:txBody>
+          </p:sp>
+        </mc:Choice>
+        <mc:Fallback xmlns="">
+          <p:sp>
+            <p:nvSpPr>
+              <p:cNvPr id="16" name="ZoneTexte 15">
+                <a:extLst>
+                  <a:ext uri="{FF2B5EF4-FFF2-40B4-BE49-F238E27FC236}">
+                    <a16:creationId xmlns:a16="http://schemas.microsoft.com/office/drawing/2014/main" id="{C09C9AFF-93C0-2C4F-3880-B8A2DBDD30CE}"/>
+                  </a:ext>
+                </a:extLst>
+              </p:cNvPr>
+              <p:cNvSpPr txBox="1">
+                <a:spLocks noRot="1" noChangeAspect="1" noMove="1" noResize="1" noEditPoints="1" noAdjustHandles="1" noChangeArrowheads="1" noChangeShapeType="1" noTextEdit="1"/>
+              </p:cNvSpPr>
+              <p:nvPr/>
+            </p:nvSpPr>
+            <p:spPr>
+              <a:xfrm>
+                <a:off x="2134672" y="2910065"/>
+                <a:ext cx="324256" cy="215444"/>
+              </a:xfrm>
+              <a:prstGeom prst="rect">
+                <a:avLst/>
+              </a:prstGeom>
+              <a:blipFill>
+                <a:blip r:embed="rId3"/>
+                <a:stretch>
+                  <a:fillRect l="-13208" r="-20755" b="-30556"/>
+                </a:stretch>
+              </a:blipFill>
+            </p:spPr>
+            <p:txBody>
+              <a:bodyPr/>
+              <a:lstStyle/>
+              <a:p>
+                <a:r>
+                  <a:rPr lang="fr-FR">
+                    <a:noFill/>
+                  </a:rPr>
+                  <a:t> </a:t>
+                </a:r>
+              </a:p>
+            </p:txBody>
+          </p:sp>
+        </mc:Fallback>
+      </mc:AlternateContent>
+      <p:cxnSp>
+        <p:nvCxnSpPr>
+          <p:cNvPr id="17" name="Connecteur droit 16">
+            <a:extLst>
+              <a:ext uri="{FF2B5EF4-FFF2-40B4-BE49-F238E27FC236}">
+                <a16:creationId xmlns:a16="http://schemas.microsoft.com/office/drawing/2014/main" id="{9488F13F-E918-505B-9684-CE988B57258E}"/>
+              </a:ext>
+            </a:extLst>
+          </p:cNvPr>
+          <p:cNvCxnSpPr>
+            <a:cxnSpLocks/>
+          </p:cNvCxnSpPr>
+          <p:nvPr/>
+        </p:nvCxnSpPr>
+        <p:spPr>
+          <a:xfrm flipV="1">
+            <a:off x="3749861" y="2706919"/>
+            <a:ext cx="0" cy="1444161"/>
+          </a:xfrm>
+          <a:prstGeom prst="line">
+            <a:avLst/>
+          </a:prstGeom>
+          <a:noFill/>
+          <a:ln w="28575">
+            <a:solidFill>
+              <a:schemeClr val="accent1">
+                <a:lumMod val="50000"/>
+              </a:schemeClr>
+            </a:solidFill>
+          </a:ln>
+        </p:spPr>
+        <p:style>
+          <a:lnRef idx="2">
+            <a:schemeClr val="accent1">
+              <a:shade val="15000"/>
+            </a:schemeClr>
+          </a:lnRef>
+          <a:fillRef idx="1">
+            <a:schemeClr val="accent1"/>
+          </a:fillRef>
+          <a:effectRef idx="0">
+            <a:schemeClr val="accent1"/>
+          </a:effectRef>
+          <a:fontRef idx="minor">
+            <a:schemeClr val="lt1"/>
+          </a:fontRef>
+        </p:style>
+      </p:cxnSp>
+      <p:grpSp>
+        <p:nvGrpSpPr>
+          <p:cNvPr id="18" name="Groupe 17">
+            <a:extLst>
+              <a:ext uri="{FF2B5EF4-FFF2-40B4-BE49-F238E27FC236}">
+                <a16:creationId xmlns:a16="http://schemas.microsoft.com/office/drawing/2014/main" id="{87AA9D8A-AAD1-FE4F-06C3-A6954EBE5B8D}"/>
+              </a:ext>
+            </a:extLst>
+          </p:cNvPr>
+          <p:cNvGrpSpPr/>
+          <p:nvPr/>
+        </p:nvGrpSpPr>
+        <p:grpSpPr>
+          <a:xfrm>
+            <a:off x="3568222" y="3166393"/>
+            <a:ext cx="360000" cy="541100"/>
+            <a:chOff x="3762956" y="1758349"/>
+            <a:chExt cx="360000" cy="541100"/>
+          </a:xfrm>
+        </p:grpSpPr>
+        <p:sp>
+          <p:nvSpPr>
+            <p:cNvPr id="19" name="Ellipse 18">
+              <a:extLst>
+                <a:ext uri="{FF2B5EF4-FFF2-40B4-BE49-F238E27FC236}">
+                  <a16:creationId xmlns:a16="http://schemas.microsoft.com/office/drawing/2014/main" id="{5C956F92-4CAE-39D8-F71E-1FBD92B8EF3E}"/>
+                </a:ext>
+              </a:extLst>
+            </p:cNvPr>
+            <p:cNvSpPr/>
+            <p:nvPr/>
+          </p:nvSpPr>
+          <p:spPr>
+            <a:xfrm>
+              <a:off x="3762956" y="1848899"/>
+              <a:ext cx="360000" cy="360000"/>
+            </a:xfrm>
+            <a:prstGeom prst="ellipse">
+              <a:avLst/>
+            </a:prstGeom>
+            <a:solidFill>
+              <a:schemeClr val="bg1"/>
+            </a:solidFill>
+            <a:ln w="28575">
+              <a:solidFill>
+                <a:schemeClr val="accent1">
+                  <a:lumMod val="50000"/>
+                </a:schemeClr>
+              </a:solidFill>
+            </a:ln>
+          </p:spPr>
+          <p:style>
+            <a:lnRef idx="2">
+              <a:schemeClr val="accent1">
+                <a:shade val="15000"/>
+              </a:schemeClr>
+            </a:lnRef>
+            <a:fillRef idx="1">
+              <a:schemeClr val="accent1"/>
+            </a:fillRef>
+            <a:effectRef idx="0">
+              <a:schemeClr val="accent1"/>
+            </a:effectRef>
+            <a:fontRef idx="minor">
+              <a:schemeClr val="lt1"/>
+            </a:fontRef>
+          </p:style>
+          <p:txBody>
+            <a:bodyPr rtlCol="0" anchor="ctr"/>
+            <a:lstStyle/>
+            <a:p>
+              <a:pPr algn="ctr"/>
+              <a:endParaRPr lang="fr-FR"/>
+            </a:p>
+          </p:txBody>
+        </p:sp>
+        <p:sp>
+          <p:nvSpPr>
+            <p:cNvPr id="20" name="Rectangle 19">
+              <a:extLst>
+                <a:ext uri="{FF2B5EF4-FFF2-40B4-BE49-F238E27FC236}">
+                  <a16:creationId xmlns:a16="http://schemas.microsoft.com/office/drawing/2014/main" id="{6857DDB9-E0AD-9346-C6D8-93803E08599E}"/>
+                </a:ext>
+              </a:extLst>
+            </p:cNvPr>
+            <p:cNvSpPr/>
+            <p:nvPr/>
+          </p:nvSpPr>
+          <p:spPr>
+            <a:xfrm>
+              <a:off x="3864223" y="1758349"/>
+              <a:ext cx="157464" cy="110867"/>
+            </a:xfrm>
+            <a:prstGeom prst="rect">
+              <a:avLst/>
+            </a:prstGeom>
+            <a:solidFill>
+              <a:schemeClr val="bg1"/>
+            </a:solidFill>
+            <a:ln w="28575">
+              <a:solidFill>
+                <a:schemeClr val="accent1">
+                  <a:lumMod val="50000"/>
+                </a:schemeClr>
+              </a:solidFill>
+            </a:ln>
+          </p:spPr>
+          <p:style>
+            <a:lnRef idx="2">
+              <a:schemeClr val="accent1">
+                <a:shade val="15000"/>
+              </a:schemeClr>
+            </a:lnRef>
+            <a:fillRef idx="1">
+              <a:schemeClr val="accent1"/>
+            </a:fillRef>
+            <a:effectRef idx="0">
+              <a:schemeClr val="accent1"/>
+            </a:effectRef>
+            <a:fontRef idx="minor">
+              <a:schemeClr val="lt1"/>
+            </a:fontRef>
+          </p:style>
+          <p:txBody>
+            <a:bodyPr rtlCol="0" anchor="ctr"/>
+            <a:lstStyle/>
+            <a:p>
+              <a:pPr algn="ctr"/>
+              <a:endParaRPr lang="fr-FR"/>
+            </a:p>
+          </p:txBody>
+        </p:sp>
+        <p:sp>
+          <p:nvSpPr>
+            <p:cNvPr id="21" name="Rectangle 20">
+              <a:extLst>
+                <a:ext uri="{FF2B5EF4-FFF2-40B4-BE49-F238E27FC236}">
+                  <a16:creationId xmlns:a16="http://schemas.microsoft.com/office/drawing/2014/main" id="{96EBDBBC-7EB8-B540-609B-9D6E958B0247}"/>
+                </a:ext>
+              </a:extLst>
+            </p:cNvPr>
+            <p:cNvSpPr/>
+            <p:nvPr/>
+          </p:nvSpPr>
+          <p:spPr>
+            <a:xfrm>
+              <a:off x="3866029" y="2188582"/>
+              <a:ext cx="157464" cy="110867"/>
+            </a:xfrm>
+            <a:prstGeom prst="rect">
+              <a:avLst/>
+            </a:prstGeom>
+            <a:solidFill>
+              <a:schemeClr val="bg1"/>
+            </a:solidFill>
+            <a:ln w="28575">
+              <a:solidFill>
+                <a:schemeClr val="accent1">
+                  <a:lumMod val="50000"/>
+                </a:schemeClr>
+              </a:solidFill>
+            </a:ln>
+          </p:spPr>
+          <p:style>
+            <a:lnRef idx="2">
+              <a:schemeClr val="accent1">
+                <a:shade val="15000"/>
+              </a:schemeClr>
+            </a:lnRef>
+            <a:fillRef idx="1">
+              <a:schemeClr val="accent1"/>
+            </a:fillRef>
+            <a:effectRef idx="0">
+              <a:schemeClr val="accent1"/>
+            </a:effectRef>
+            <a:fontRef idx="minor">
+              <a:schemeClr val="lt1"/>
+            </a:fontRef>
+          </p:style>
+          <p:txBody>
+            <a:bodyPr rtlCol="0" anchor="ctr"/>
+            <a:lstStyle/>
+            <a:p>
+              <a:pPr algn="ctr"/>
+              <a:endParaRPr lang="fr-FR"/>
+            </a:p>
+          </p:txBody>
+        </p:sp>
+      </p:grpSp>
+      <p:sp>
+        <p:nvSpPr>
+          <p:cNvPr id="23" name="Ellipse 22">
+            <a:extLst>
+              <a:ext uri="{FF2B5EF4-FFF2-40B4-BE49-F238E27FC236}">
+                <a16:creationId xmlns:a16="http://schemas.microsoft.com/office/drawing/2014/main" id="{0C7C022F-D7A3-610E-617B-20B346D85851}"/>
+              </a:ext>
+            </a:extLst>
+          </p:cNvPr>
+          <p:cNvSpPr/>
+          <p:nvPr/>
+        </p:nvSpPr>
+        <p:spPr>
+          <a:xfrm flipH="1">
+            <a:off x="5598703" y="3257123"/>
+            <a:ext cx="360000" cy="360000"/>
+          </a:xfrm>
+          <a:prstGeom prst="ellipse">
+            <a:avLst/>
+          </a:prstGeom>
+          <a:noFill/>
+          <a:ln w="28575">
+            <a:solidFill>
+              <a:schemeClr val="accent1">
+                <a:lumMod val="50000"/>
+              </a:schemeClr>
+            </a:solidFill>
+          </a:ln>
+        </p:spPr>
+        <p:style>
+          <a:lnRef idx="2">
+            <a:schemeClr val="accent1">
+              <a:shade val="15000"/>
+            </a:schemeClr>
+          </a:lnRef>
+          <a:fillRef idx="1">
+            <a:schemeClr val="accent1"/>
+          </a:fillRef>
+          <a:effectRef idx="0">
+            <a:schemeClr val="accent1"/>
+          </a:effectRef>
+          <a:fontRef idx="minor">
+            <a:schemeClr val="lt1"/>
+          </a:fontRef>
+        </p:style>
+        <p:txBody>
+          <a:bodyPr rtlCol="0" anchor="ctr"/>
+          <a:lstStyle/>
+          <a:p>
+            <a:pPr algn="ctr"/>
+            <a:endParaRPr lang="fr-FR"/>
+          </a:p>
+        </p:txBody>
+      </p:sp>
+      <p:cxnSp>
+        <p:nvCxnSpPr>
+          <p:cNvPr id="24" name="Connecteur droit 23">
+            <a:extLst>
+              <a:ext uri="{FF2B5EF4-FFF2-40B4-BE49-F238E27FC236}">
+                <a16:creationId xmlns:a16="http://schemas.microsoft.com/office/drawing/2014/main" id="{96BA39EC-502D-137F-4FC3-A8628A37AC05}"/>
+              </a:ext>
+            </a:extLst>
+          </p:cNvPr>
+          <p:cNvCxnSpPr>
+            <a:cxnSpLocks/>
+            <a:stCxn id="23" idx="0"/>
+          </p:cNvCxnSpPr>
+          <p:nvPr/>
+        </p:nvCxnSpPr>
+        <p:spPr>
+          <a:xfrm flipH="1" flipV="1">
+            <a:off x="5778703" y="2706919"/>
+            <a:ext cx="0" cy="550204"/>
+          </a:xfrm>
+          <a:prstGeom prst="line">
+            <a:avLst/>
+          </a:prstGeom>
+          <a:noFill/>
+          <a:ln w="28575">
+            <a:solidFill>
+              <a:schemeClr val="accent1">
+                <a:lumMod val="50000"/>
+              </a:schemeClr>
+            </a:solidFill>
+          </a:ln>
+        </p:spPr>
+        <p:style>
+          <a:lnRef idx="2">
+            <a:schemeClr val="accent1">
+              <a:shade val="15000"/>
+            </a:schemeClr>
+          </a:lnRef>
+          <a:fillRef idx="1">
+            <a:schemeClr val="accent1"/>
+          </a:fillRef>
+          <a:effectRef idx="0">
+            <a:schemeClr val="accent1"/>
+          </a:effectRef>
+          <a:fontRef idx="minor">
+            <a:schemeClr val="lt1"/>
+          </a:fontRef>
+        </p:style>
+      </p:cxnSp>
+      <p:cxnSp>
+        <p:nvCxnSpPr>
+          <p:cNvPr id="25" name="Connecteur droit 24">
+            <a:extLst>
+              <a:ext uri="{FF2B5EF4-FFF2-40B4-BE49-F238E27FC236}">
+                <a16:creationId xmlns:a16="http://schemas.microsoft.com/office/drawing/2014/main" id="{EB8AF947-1EEB-4726-E0CD-F2C849222C88}"/>
+              </a:ext>
+            </a:extLst>
+          </p:cNvPr>
+          <p:cNvCxnSpPr>
+            <a:cxnSpLocks/>
+          </p:cNvCxnSpPr>
+          <p:nvPr/>
+        </p:nvCxnSpPr>
+        <p:spPr>
+          <a:xfrm>
+            <a:off x="4877588" y="2706919"/>
+            <a:ext cx="1381124" cy="0"/>
+          </a:xfrm>
+          <a:prstGeom prst="line">
+            <a:avLst/>
+          </a:prstGeom>
+          <a:noFill/>
+          <a:ln w="28575">
+            <a:solidFill>
+              <a:schemeClr val="accent1">
+                <a:lumMod val="50000"/>
+              </a:schemeClr>
+            </a:solidFill>
+          </a:ln>
+        </p:spPr>
+        <p:style>
+          <a:lnRef idx="2">
+            <a:schemeClr val="accent1">
+              <a:shade val="15000"/>
+            </a:schemeClr>
+          </a:lnRef>
+          <a:fillRef idx="1">
+            <a:schemeClr val="accent1"/>
+          </a:fillRef>
+          <a:effectRef idx="0">
+            <a:schemeClr val="accent1"/>
+          </a:effectRef>
+          <a:fontRef idx="minor">
+            <a:schemeClr val="lt1"/>
+          </a:fontRef>
+        </p:style>
+      </p:cxnSp>
+      <p:cxnSp>
+        <p:nvCxnSpPr>
+          <p:cNvPr id="26" name="Connecteur droit 25">
+            <a:extLst>
+              <a:ext uri="{FF2B5EF4-FFF2-40B4-BE49-F238E27FC236}">
+                <a16:creationId xmlns:a16="http://schemas.microsoft.com/office/drawing/2014/main" id="{626CF869-17AA-6F7A-D10D-17C5EB126772}"/>
+              </a:ext>
+            </a:extLst>
+          </p:cNvPr>
+          <p:cNvCxnSpPr>
+            <a:cxnSpLocks/>
+          </p:cNvCxnSpPr>
+          <p:nvPr/>
+        </p:nvCxnSpPr>
+        <p:spPr>
+          <a:xfrm flipH="1" flipV="1">
+            <a:off x="5778703" y="3617123"/>
+            <a:ext cx="0" cy="533957"/>
+          </a:xfrm>
+          <a:prstGeom prst="line">
+            <a:avLst/>
+          </a:prstGeom>
+          <a:noFill/>
+          <a:ln w="28575">
+            <a:solidFill>
+              <a:schemeClr val="accent1">
+                <a:lumMod val="50000"/>
+              </a:schemeClr>
+            </a:solidFill>
+          </a:ln>
+        </p:spPr>
+        <p:style>
+          <a:lnRef idx="2">
+            <a:schemeClr val="accent1">
+              <a:shade val="15000"/>
+            </a:schemeClr>
+          </a:lnRef>
+          <a:fillRef idx="1">
+            <a:schemeClr val="accent1"/>
+          </a:fillRef>
+          <a:effectRef idx="0">
+            <a:schemeClr val="accent1"/>
+          </a:effectRef>
+          <a:fontRef idx="minor">
+            <a:schemeClr val="lt1"/>
+          </a:fontRef>
+        </p:style>
+      </p:cxnSp>
+      <p:cxnSp>
+        <p:nvCxnSpPr>
+          <p:cNvPr id="27" name="Connecteur droit 26">
+            <a:extLst>
+              <a:ext uri="{FF2B5EF4-FFF2-40B4-BE49-F238E27FC236}">
+                <a16:creationId xmlns:a16="http://schemas.microsoft.com/office/drawing/2014/main" id="{814CE2CB-EE07-689D-202A-10D6103EC4BD}"/>
+              </a:ext>
+            </a:extLst>
+          </p:cNvPr>
+          <p:cNvCxnSpPr>
+            <a:cxnSpLocks/>
+          </p:cNvCxnSpPr>
+          <p:nvPr/>
+        </p:nvCxnSpPr>
+        <p:spPr>
+          <a:xfrm flipH="1">
+            <a:off x="4886656" y="4151080"/>
+            <a:ext cx="1372056" cy="0"/>
+          </a:xfrm>
+          <a:prstGeom prst="line">
+            <a:avLst/>
+          </a:prstGeom>
+          <a:noFill/>
+          <a:ln w="28575">
+            <a:solidFill>
+              <a:schemeClr val="accent1">
+                <a:lumMod val="50000"/>
+              </a:schemeClr>
+            </a:solidFill>
+          </a:ln>
+        </p:spPr>
+        <p:style>
+          <a:lnRef idx="2">
+            <a:schemeClr val="accent1">
+              <a:shade val="15000"/>
+            </a:schemeClr>
+          </a:lnRef>
+          <a:fillRef idx="1">
+            <a:schemeClr val="accent1"/>
+          </a:fillRef>
+          <a:effectRef idx="0">
+            <a:schemeClr val="accent1"/>
+          </a:effectRef>
+          <a:fontRef idx="minor">
+            <a:schemeClr val="lt1"/>
+          </a:fontRef>
+        </p:style>
+      </p:cxnSp>
+      <mc:AlternateContent xmlns:mc="http://schemas.openxmlformats.org/markup-compatibility/2006" xmlns:a14="http://schemas.microsoft.com/office/drawing/2010/main">
+        <mc:Choice Requires="a14">
+          <p:sp>
+            <p:nvSpPr>
+              <p:cNvPr id="32" name="ZoneTexte 31">
+                <a:extLst>
+                  <a:ext uri="{FF2B5EF4-FFF2-40B4-BE49-F238E27FC236}">
+                    <a16:creationId xmlns:a16="http://schemas.microsoft.com/office/drawing/2014/main" id="{28E232FA-F039-8307-E481-2E8362710032}"/>
+                  </a:ext>
+                </a:extLst>
+              </p:cNvPr>
+              <p:cNvSpPr txBox="1"/>
+              <p:nvPr/>
+            </p:nvSpPr>
+            <p:spPr>
+              <a:xfrm flipH="1">
+                <a:off x="4917309" y="2822480"/>
+                <a:ext cx="407098" cy="232949"/>
+              </a:xfrm>
+              <a:prstGeom prst="rect">
+                <a:avLst/>
+              </a:prstGeom>
+              <a:noFill/>
+            </p:spPr>
+            <p:txBody>
+              <a:bodyPr wrap="none" lIns="0" tIns="0" rIns="0" bIns="0" rtlCol="0">
+                <a:spAutoFit/>
+              </a:bodyPr>
+              <a:lstStyle/>
+              <a:p>
+                <a:pPr/>
+                <a14:m>
+                  <m:oMathPara xmlns:m="http://schemas.openxmlformats.org/officeDocument/2006/math">
+                    <m:oMathParaPr>
+                      <m:jc m:val="centerGroup"/>
+                    </m:oMathParaPr>
+                    <m:oMath xmlns:m="http://schemas.openxmlformats.org/officeDocument/2006/math">
+                      <m:sSub>
+                        <m:sSubPr>
+                          <m:ctrlPr>
+                            <a:rPr lang="fr-FR" sz="1400" b="0" i="1" smtClean="0">
+                              <a:latin typeface="Cambria Math" panose="02040503050406030204" pitchFamily="18" charset="0"/>
+                            </a:rPr>
+                          </m:ctrlPr>
+                        </m:sSubPr>
+                        <m:e>
+                          <m:r>
+                            <a:rPr lang="fr-FR" sz="1400" b="0" i="1" smtClean="0">
+                              <a:latin typeface="Cambria Math" panose="02040503050406030204" pitchFamily="18" charset="0"/>
+                            </a:rPr>
+                            <m:t>𝑖</m:t>
+                          </m:r>
+                        </m:e>
+                        <m:sub>
+                          <m:r>
+                            <a:rPr lang="fr-FR" sz="1400" b="0" i="1" smtClean="0">
+                              <a:latin typeface="Cambria Math" panose="02040503050406030204" pitchFamily="18" charset="0"/>
+                            </a:rPr>
+                            <m:t>𝑔</m:t>
+                          </m:r>
+                        </m:sub>
+                      </m:sSub>
+                      <m:r>
+                        <a:rPr lang="fr-FR" sz="1400" b="0" i="1" smtClean="0">
+                          <a:latin typeface="Cambria Math" panose="02040503050406030204" pitchFamily="18" charset="0"/>
+                        </a:rPr>
+                        <m:t>(</m:t>
+                      </m:r>
+                      <m:r>
+                        <a:rPr lang="fr-FR" sz="1400" b="0" i="1" smtClean="0">
+                          <a:latin typeface="Cambria Math" panose="02040503050406030204" pitchFamily="18" charset="0"/>
+                        </a:rPr>
+                        <m:t>𝑡</m:t>
+                      </m:r>
+                      <m:r>
+                        <a:rPr lang="fr-FR" sz="1400" b="0" i="1" smtClean="0">
+                          <a:latin typeface="Cambria Math" panose="02040503050406030204" pitchFamily="18" charset="0"/>
+                        </a:rPr>
+                        <m:t>)</m:t>
+                      </m:r>
+                    </m:oMath>
+                  </m:oMathPara>
+                </a14:m>
+                <a:endParaRPr lang="fr-FR" sz="1400" dirty="0"/>
+              </a:p>
+            </p:txBody>
+          </p:sp>
+        </mc:Choice>
+        <mc:Fallback xmlns="">
+          <p:sp>
+            <p:nvSpPr>
+              <p:cNvPr id="32" name="ZoneTexte 31">
+                <a:extLst>
+                  <a:ext uri="{FF2B5EF4-FFF2-40B4-BE49-F238E27FC236}">
+                    <a16:creationId xmlns:a16="http://schemas.microsoft.com/office/drawing/2014/main" id="{D745ECB0-3CD0-BB1B-EDAD-9FC2F368C65A}"/>
+                  </a:ext>
+                </a:extLst>
+              </p:cNvPr>
+              <p:cNvSpPr txBox="1">
+                <a:spLocks noRot="1" noChangeAspect="1" noMove="1" noResize="1" noEditPoints="1" noAdjustHandles="1" noChangeArrowheads="1" noChangeShapeType="1" noTextEdit="1"/>
+              </p:cNvSpPr>
+              <p:nvPr/>
+            </p:nvSpPr>
+            <p:spPr>
+              <a:xfrm flipH="1">
+                <a:off x="4917309" y="2822480"/>
+                <a:ext cx="407098" cy="232949"/>
+              </a:xfrm>
+              <a:prstGeom prst="rect">
+                <a:avLst/>
+              </a:prstGeom>
+              <a:blipFill>
+                <a:blip r:embed="rId5"/>
+                <a:stretch>
+                  <a:fillRect l="-10606" r="-15152" b="-26316"/>
+                </a:stretch>
+              </a:blipFill>
+            </p:spPr>
+            <p:txBody>
+              <a:bodyPr/>
+              <a:lstStyle/>
+              <a:p>
+                <a:r>
+                  <a:rPr lang="fr-FR">
+                    <a:noFill/>
+                  </a:rPr>
+                  <a:t> </a:t>
+                </a:r>
+              </a:p>
+            </p:txBody>
+          </p:sp>
+        </mc:Fallback>
+      </mc:AlternateContent>
+      <p:cxnSp>
+        <p:nvCxnSpPr>
+          <p:cNvPr id="28" name="Connecteur droit avec flèche 27">
+            <a:extLst>
+              <a:ext uri="{FF2B5EF4-FFF2-40B4-BE49-F238E27FC236}">
+                <a16:creationId xmlns:a16="http://schemas.microsoft.com/office/drawing/2014/main" id="{E38D98AA-B5CA-4514-F71D-0CD84481CED2}"/>
+              </a:ext>
+            </a:extLst>
+          </p:cNvPr>
+          <p:cNvCxnSpPr>
+            <a:cxnSpLocks/>
+          </p:cNvCxnSpPr>
+          <p:nvPr/>
+        </p:nvCxnSpPr>
+        <p:spPr>
+          <a:xfrm flipH="1">
+            <a:off x="4884851" y="2706865"/>
+            <a:ext cx="0" cy="406400"/>
+          </a:xfrm>
+          <a:prstGeom prst="straightConnector1">
+            <a:avLst/>
+          </a:prstGeom>
+          <a:noFill/>
+          <a:ln w="28575">
+            <a:solidFill>
+              <a:srgbClr val="C00000"/>
+            </a:solidFill>
+            <a:headEnd type="stealth" w="med" len="lg"/>
+          </a:ln>
+        </p:spPr>
+        <p:style>
+          <a:lnRef idx="2">
+            <a:schemeClr val="accent1">
+              <a:shade val="15000"/>
+            </a:schemeClr>
+          </a:lnRef>
+          <a:fillRef idx="1">
+            <a:schemeClr val="accent1"/>
+          </a:fillRef>
+          <a:effectRef idx="0">
+            <a:schemeClr val="accent1"/>
+          </a:effectRef>
+          <a:fontRef idx="minor">
+            <a:schemeClr val="lt1"/>
+          </a:fontRef>
+        </p:style>
+      </p:cxnSp>
+      <p:grpSp>
+        <p:nvGrpSpPr>
+          <p:cNvPr id="34" name="Groupe 33">
+            <a:extLst>
+              <a:ext uri="{FF2B5EF4-FFF2-40B4-BE49-F238E27FC236}">
+                <a16:creationId xmlns:a16="http://schemas.microsoft.com/office/drawing/2014/main" id="{6B3F536B-EA92-7C42-AEB4-405CBA15C5C1}"/>
+              </a:ext>
+            </a:extLst>
+          </p:cNvPr>
+          <p:cNvGrpSpPr/>
+          <p:nvPr/>
+        </p:nvGrpSpPr>
+        <p:grpSpPr>
+          <a:xfrm flipH="1">
+            <a:off x="4706656" y="3162163"/>
+            <a:ext cx="360000" cy="541100"/>
+            <a:chOff x="3762956" y="1758349"/>
+            <a:chExt cx="360000" cy="541100"/>
+          </a:xfrm>
+        </p:grpSpPr>
+        <p:sp>
+          <p:nvSpPr>
+            <p:cNvPr id="35" name="Ellipse 34">
+              <a:extLst>
+                <a:ext uri="{FF2B5EF4-FFF2-40B4-BE49-F238E27FC236}">
+                  <a16:creationId xmlns:a16="http://schemas.microsoft.com/office/drawing/2014/main" id="{9952B981-7664-EFB5-5FCF-31819ABA4871}"/>
+                </a:ext>
+              </a:extLst>
+            </p:cNvPr>
+            <p:cNvSpPr/>
+            <p:nvPr/>
+          </p:nvSpPr>
+          <p:spPr>
+            <a:xfrm>
+              <a:off x="3762956" y="1848899"/>
+              <a:ext cx="360000" cy="360000"/>
+            </a:xfrm>
+            <a:prstGeom prst="ellipse">
+              <a:avLst/>
+            </a:prstGeom>
+            <a:solidFill>
+              <a:schemeClr val="bg1"/>
+            </a:solidFill>
+            <a:ln w="28575">
+              <a:solidFill>
+                <a:schemeClr val="accent1">
+                  <a:lumMod val="50000"/>
+                </a:schemeClr>
+              </a:solidFill>
+            </a:ln>
+          </p:spPr>
+          <p:style>
+            <a:lnRef idx="2">
+              <a:schemeClr val="accent1">
+                <a:shade val="15000"/>
+              </a:schemeClr>
+            </a:lnRef>
+            <a:fillRef idx="1">
+              <a:schemeClr val="accent1"/>
+            </a:fillRef>
+            <a:effectRef idx="0">
+              <a:schemeClr val="accent1"/>
+            </a:effectRef>
+            <a:fontRef idx="minor">
+              <a:schemeClr val="lt1"/>
+            </a:fontRef>
+          </p:style>
+          <p:txBody>
+            <a:bodyPr rtlCol="0" anchor="ctr"/>
+            <a:lstStyle/>
+            <a:p>
+              <a:pPr algn="ctr"/>
+              <a:endParaRPr lang="fr-FR"/>
+            </a:p>
+          </p:txBody>
+        </p:sp>
+        <p:sp>
+          <p:nvSpPr>
+            <p:cNvPr id="36" name="Rectangle 35">
+              <a:extLst>
+                <a:ext uri="{FF2B5EF4-FFF2-40B4-BE49-F238E27FC236}">
+                  <a16:creationId xmlns:a16="http://schemas.microsoft.com/office/drawing/2014/main" id="{91D0BD85-68CB-5698-8AB9-9C388C54FCE7}"/>
+                </a:ext>
+              </a:extLst>
+            </p:cNvPr>
+            <p:cNvSpPr/>
+            <p:nvPr/>
+          </p:nvSpPr>
+          <p:spPr>
+            <a:xfrm>
+              <a:off x="3864223" y="1758349"/>
+              <a:ext cx="157464" cy="110867"/>
+            </a:xfrm>
+            <a:prstGeom prst="rect">
+              <a:avLst/>
+            </a:prstGeom>
+            <a:solidFill>
+              <a:schemeClr val="bg1"/>
+            </a:solidFill>
+            <a:ln w="28575">
+              <a:solidFill>
+                <a:schemeClr val="accent1">
+                  <a:lumMod val="50000"/>
+                </a:schemeClr>
+              </a:solidFill>
+            </a:ln>
+          </p:spPr>
+          <p:style>
+            <a:lnRef idx="2">
+              <a:schemeClr val="accent1">
+                <a:shade val="15000"/>
+              </a:schemeClr>
+            </a:lnRef>
+            <a:fillRef idx="1">
+              <a:schemeClr val="accent1"/>
+            </a:fillRef>
+            <a:effectRef idx="0">
+              <a:schemeClr val="accent1"/>
+            </a:effectRef>
+            <a:fontRef idx="minor">
+              <a:schemeClr val="lt1"/>
+            </a:fontRef>
+          </p:style>
+          <p:txBody>
+            <a:bodyPr rtlCol="0" anchor="ctr"/>
+            <a:lstStyle/>
+            <a:p>
+              <a:pPr algn="ctr"/>
+              <a:endParaRPr lang="fr-FR"/>
+            </a:p>
+          </p:txBody>
+        </p:sp>
+        <p:sp>
+          <p:nvSpPr>
+            <p:cNvPr id="37" name="Rectangle 36">
+              <a:extLst>
+                <a:ext uri="{FF2B5EF4-FFF2-40B4-BE49-F238E27FC236}">
+                  <a16:creationId xmlns:a16="http://schemas.microsoft.com/office/drawing/2014/main" id="{AC5ACB48-D965-0160-19D6-883FBDF71B63}"/>
+                </a:ext>
+              </a:extLst>
+            </p:cNvPr>
+            <p:cNvSpPr/>
+            <p:nvPr/>
+          </p:nvSpPr>
+          <p:spPr>
+            <a:xfrm>
+              <a:off x="3866029" y="2188582"/>
+              <a:ext cx="157464" cy="110867"/>
+            </a:xfrm>
+            <a:prstGeom prst="rect">
+              <a:avLst/>
+            </a:prstGeom>
+            <a:solidFill>
+              <a:schemeClr val="bg1"/>
+            </a:solidFill>
+            <a:ln w="28575">
+              <a:solidFill>
+                <a:schemeClr val="accent1">
+                  <a:lumMod val="50000"/>
+                </a:schemeClr>
+              </a:solidFill>
+            </a:ln>
+          </p:spPr>
+          <p:style>
+            <a:lnRef idx="2">
+              <a:schemeClr val="accent1">
+                <a:shade val="15000"/>
+              </a:schemeClr>
+            </a:lnRef>
+            <a:fillRef idx="1">
+              <a:schemeClr val="accent1"/>
+            </a:fillRef>
+            <a:effectRef idx="0">
+              <a:schemeClr val="accent1"/>
+            </a:effectRef>
+            <a:fontRef idx="minor">
+              <a:schemeClr val="lt1"/>
+            </a:fontRef>
+          </p:style>
+          <p:txBody>
+            <a:bodyPr rtlCol="0" anchor="ctr"/>
+            <a:lstStyle/>
+            <a:p>
+              <a:pPr algn="ctr"/>
+              <a:endParaRPr lang="fr-FR"/>
+            </a:p>
+          </p:txBody>
+        </p:sp>
+      </p:grpSp>
+      <p:cxnSp>
+        <p:nvCxnSpPr>
+          <p:cNvPr id="38" name="Connecteur droit 37">
+            <a:extLst>
+              <a:ext uri="{FF2B5EF4-FFF2-40B4-BE49-F238E27FC236}">
+                <a16:creationId xmlns:a16="http://schemas.microsoft.com/office/drawing/2014/main" id="{C34C8904-3FCE-6438-1C43-91393E53A048}"/>
+              </a:ext>
+            </a:extLst>
+          </p:cNvPr>
+          <p:cNvCxnSpPr>
+            <a:cxnSpLocks/>
+            <a:stCxn id="35" idx="6"/>
+          </p:cNvCxnSpPr>
+          <p:nvPr/>
+        </p:nvCxnSpPr>
+        <p:spPr>
+          <a:xfrm flipH="1">
+            <a:off x="3928222" y="3432713"/>
+            <a:ext cx="778434" cy="0"/>
+          </a:xfrm>
+          <a:prstGeom prst="line">
+            <a:avLst/>
+          </a:prstGeom>
+          <a:noFill/>
+          <a:ln w="28575">
+            <a:solidFill>
+              <a:schemeClr val="accent1">
+                <a:lumMod val="50000"/>
+              </a:schemeClr>
+            </a:solidFill>
+          </a:ln>
+        </p:spPr>
+        <p:style>
+          <a:lnRef idx="2">
+            <a:schemeClr val="accent1">
+              <a:shade val="15000"/>
+            </a:schemeClr>
+          </a:lnRef>
+          <a:fillRef idx="1">
+            <a:schemeClr val="accent1"/>
+          </a:fillRef>
+          <a:effectRef idx="0">
+            <a:schemeClr val="accent1"/>
+          </a:effectRef>
+          <a:fontRef idx="minor">
+            <a:schemeClr val="lt1"/>
+          </a:fontRef>
+        </p:style>
+      </p:cxnSp>
+      <p:sp>
+        <p:nvSpPr>
+          <p:cNvPr id="42" name="Rectangle 41">
+            <a:extLst>
+              <a:ext uri="{FF2B5EF4-FFF2-40B4-BE49-F238E27FC236}">
+                <a16:creationId xmlns:a16="http://schemas.microsoft.com/office/drawing/2014/main" id="{1560279A-76AC-110A-1C61-A1542E54FE62}"/>
+              </a:ext>
+            </a:extLst>
+          </p:cNvPr>
+          <p:cNvSpPr/>
+          <p:nvPr/>
+        </p:nvSpPr>
+        <p:spPr>
+          <a:xfrm>
+            <a:off x="4253550" y="3142441"/>
+            <a:ext cx="119479" cy="576000"/>
+          </a:xfrm>
+          <a:prstGeom prst="rect">
+            <a:avLst/>
+          </a:prstGeom>
+          <a:solidFill>
+            <a:schemeClr val="bg1"/>
+          </a:solidFill>
+          <a:ln w="28575">
+            <a:solidFill>
+              <a:schemeClr val="accent1">
+                <a:lumMod val="50000"/>
+              </a:schemeClr>
+            </a:solidFill>
+          </a:ln>
+        </p:spPr>
+        <p:style>
+          <a:lnRef idx="2">
+            <a:schemeClr val="accent1">
+              <a:shade val="15000"/>
+            </a:schemeClr>
+          </a:lnRef>
+          <a:fillRef idx="1">
+            <a:schemeClr val="accent1"/>
+          </a:fillRef>
+          <a:effectRef idx="0">
+            <a:schemeClr val="accent1"/>
+          </a:effectRef>
+          <a:fontRef idx="minor">
+            <a:schemeClr val="lt1"/>
+          </a:fontRef>
+        </p:style>
+        <p:txBody>
+          <a:bodyPr rtlCol="0" anchor="ctr"/>
+          <a:lstStyle/>
+          <a:p>
+            <a:pPr algn="ctr"/>
+            <a:endParaRPr lang="fr-FR"/>
+          </a:p>
+        </p:txBody>
+      </p:sp>
+      <p:sp>
+        <p:nvSpPr>
+          <p:cNvPr id="43" name="Rectangle 42">
+            <a:extLst>
+              <a:ext uri="{FF2B5EF4-FFF2-40B4-BE49-F238E27FC236}">
+                <a16:creationId xmlns:a16="http://schemas.microsoft.com/office/drawing/2014/main" id="{EDF7B792-6250-4A59-3A13-1D04BE712516}"/>
+              </a:ext>
+            </a:extLst>
+          </p:cNvPr>
+          <p:cNvSpPr/>
+          <p:nvPr/>
+        </p:nvSpPr>
+        <p:spPr>
+          <a:xfrm>
+            <a:off x="4257639" y="3138723"/>
+            <a:ext cx="108000" cy="108000"/>
+          </a:xfrm>
+          <a:prstGeom prst="rect">
+            <a:avLst/>
+          </a:prstGeom>
+          <a:solidFill>
+            <a:schemeClr val="accent1">
+              <a:lumMod val="50000"/>
+            </a:schemeClr>
+          </a:solidFill>
+          <a:ln w="28575">
+            <a:noFill/>
+          </a:ln>
+        </p:spPr>
+        <p:style>
+          <a:lnRef idx="2">
+            <a:schemeClr val="accent1">
+              <a:shade val="15000"/>
+            </a:schemeClr>
+          </a:lnRef>
+          <a:fillRef idx="1">
+            <a:schemeClr val="accent1"/>
+          </a:fillRef>
+          <a:effectRef idx="0">
+            <a:schemeClr val="accent1"/>
+          </a:effectRef>
+          <a:fontRef idx="minor">
+            <a:schemeClr val="lt1"/>
+          </a:fontRef>
+        </p:style>
+        <p:txBody>
+          <a:bodyPr rtlCol="0" anchor="ctr"/>
+          <a:lstStyle/>
+          <a:p>
+            <a:pPr algn="ctr"/>
+            <a:endParaRPr lang="fr-FR"/>
+          </a:p>
+        </p:txBody>
+      </p:sp>
+      <p:sp>
+        <p:nvSpPr>
+          <p:cNvPr id="44" name="Rectangle 43">
+            <a:extLst>
+              <a:ext uri="{FF2B5EF4-FFF2-40B4-BE49-F238E27FC236}">
+                <a16:creationId xmlns:a16="http://schemas.microsoft.com/office/drawing/2014/main" id="{2FFC3723-DFC4-1984-FF76-F3AD114D7512}"/>
+              </a:ext>
+            </a:extLst>
+          </p:cNvPr>
+          <p:cNvSpPr/>
+          <p:nvPr/>
+        </p:nvSpPr>
+        <p:spPr>
+          <a:xfrm>
+            <a:off x="4257639" y="3370484"/>
+            <a:ext cx="108000" cy="108000"/>
+          </a:xfrm>
+          <a:prstGeom prst="rect">
+            <a:avLst/>
+          </a:prstGeom>
+          <a:solidFill>
+            <a:schemeClr val="accent1">
+              <a:lumMod val="50000"/>
+            </a:schemeClr>
+          </a:solidFill>
+          <a:ln w="28575">
+            <a:noFill/>
+          </a:ln>
+        </p:spPr>
+        <p:style>
+          <a:lnRef idx="2">
+            <a:schemeClr val="accent1">
+              <a:shade val="15000"/>
+            </a:schemeClr>
+          </a:lnRef>
+          <a:fillRef idx="1">
+            <a:schemeClr val="accent1"/>
+          </a:fillRef>
+          <a:effectRef idx="0">
+            <a:schemeClr val="accent1"/>
+          </a:effectRef>
+          <a:fontRef idx="minor">
+            <a:schemeClr val="lt1"/>
+          </a:fontRef>
+        </p:style>
+        <p:txBody>
+          <a:bodyPr rtlCol="0" anchor="ctr"/>
+          <a:lstStyle/>
+          <a:p>
+            <a:pPr algn="ctr"/>
+            <a:endParaRPr lang="fr-FR"/>
+          </a:p>
+        </p:txBody>
+      </p:sp>
+      <p:sp>
+        <p:nvSpPr>
+          <p:cNvPr id="45" name="Rectangle 44">
+            <a:extLst>
+              <a:ext uri="{FF2B5EF4-FFF2-40B4-BE49-F238E27FC236}">
+                <a16:creationId xmlns:a16="http://schemas.microsoft.com/office/drawing/2014/main" id="{35F7628F-1CBE-B6CD-8821-4D99CE856150}"/>
+              </a:ext>
+            </a:extLst>
+          </p:cNvPr>
+          <p:cNvSpPr/>
+          <p:nvPr/>
+        </p:nvSpPr>
+        <p:spPr>
+          <a:xfrm>
+            <a:off x="4257639" y="3602246"/>
+            <a:ext cx="108000" cy="108000"/>
+          </a:xfrm>
+          <a:prstGeom prst="rect">
+            <a:avLst/>
+          </a:prstGeom>
+          <a:solidFill>
+            <a:schemeClr val="accent1">
+              <a:lumMod val="50000"/>
+            </a:schemeClr>
+          </a:solidFill>
+          <a:ln w="28575">
+            <a:noFill/>
+          </a:ln>
+        </p:spPr>
+        <p:style>
+          <a:lnRef idx="2">
+            <a:schemeClr val="accent1">
+              <a:shade val="15000"/>
+            </a:schemeClr>
+          </a:lnRef>
+          <a:fillRef idx="1">
+            <a:schemeClr val="accent1"/>
+          </a:fillRef>
+          <a:effectRef idx="0">
+            <a:schemeClr val="accent1"/>
+          </a:effectRef>
+          <a:fontRef idx="minor">
+            <a:schemeClr val="lt1"/>
+          </a:fontRef>
+        </p:style>
+        <p:txBody>
+          <a:bodyPr rtlCol="0" anchor="ctr"/>
+          <a:lstStyle/>
+          <a:p>
+            <a:pPr algn="ctr"/>
+            <a:endParaRPr lang="fr-FR"/>
+          </a:p>
+        </p:txBody>
+      </p:sp>
+      <p:sp>
+        <p:nvSpPr>
+          <p:cNvPr id="48" name="Rectangle 47">
+            <a:extLst>
+              <a:ext uri="{FF2B5EF4-FFF2-40B4-BE49-F238E27FC236}">
+                <a16:creationId xmlns:a16="http://schemas.microsoft.com/office/drawing/2014/main" id="{489821ED-6406-429C-FAB7-E4612663B7BE}"/>
+              </a:ext>
+            </a:extLst>
+          </p:cNvPr>
+          <p:cNvSpPr/>
+          <p:nvPr/>
+        </p:nvSpPr>
+        <p:spPr>
+          <a:xfrm>
+            <a:off x="1778000" y="2545081"/>
+            <a:ext cx="2196150" cy="1777997"/>
+          </a:xfrm>
+          <a:prstGeom prst="rect">
+            <a:avLst/>
+          </a:prstGeom>
+          <a:noFill/>
+          <a:ln>
+            <a:solidFill>
+              <a:srgbClr val="C00000"/>
+            </a:solidFill>
+            <a:prstDash val="dash"/>
+          </a:ln>
+        </p:spPr>
+        <p:style>
+          <a:lnRef idx="2">
+            <a:schemeClr val="accent1">
+              <a:shade val="15000"/>
+            </a:schemeClr>
+          </a:lnRef>
+          <a:fillRef idx="1">
+            <a:schemeClr val="accent1"/>
+          </a:fillRef>
+          <a:effectRef idx="0">
+            <a:schemeClr val="accent1"/>
+          </a:effectRef>
+          <a:fontRef idx="minor">
+            <a:schemeClr val="lt1"/>
+          </a:fontRef>
+        </p:style>
+        <p:txBody>
+          <a:bodyPr rtlCol="0" anchor="ctr"/>
+          <a:lstStyle/>
+          <a:p>
+            <a:pPr algn="ctr"/>
+            <a:endParaRPr lang="fr-FR"/>
+          </a:p>
+        </p:txBody>
+      </p:sp>
+      <p:sp>
+        <p:nvSpPr>
+          <p:cNvPr id="49" name="Rectangle 48">
+            <a:extLst>
+              <a:ext uri="{FF2B5EF4-FFF2-40B4-BE49-F238E27FC236}">
+                <a16:creationId xmlns:a16="http://schemas.microsoft.com/office/drawing/2014/main" id="{E64581FB-3628-D46F-D2E2-C959A773CE76}"/>
+              </a:ext>
+            </a:extLst>
+          </p:cNvPr>
+          <p:cNvSpPr/>
+          <p:nvPr/>
+        </p:nvSpPr>
+        <p:spPr>
+          <a:xfrm>
+            <a:off x="4620237" y="2543714"/>
+            <a:ext cx="1975378" cy="1777997"/>
+          </a:xfrm>
+          <a:prstGeom prst="rect">
+            <a:avLst/>
+          </a:prstGeom>
+          <a:noFill/>
+          <a:ln>
+            <a:solidFill>
+              <a:srgbClr val="00B050"/>
+            </a:solidFill>
+            <a:prstDash val="dash"/>
+          </a:ln>
+        </p:spPr>
+        <p:style>
+          <a:lnRef idx="2">
+            <a:schemeClr val="accent1">
+              <a:shade val="15000"/>
+            </a:schemeClr>
+          </a:lnRef>
+          <a:fillRef idx="1">
+            <a:schemeClr val="accent1"/>
+          </a:fillRef>
+          <a:effectRef idx="0">
+            <a:schemeClr val="accent1"/>
+          </a:effectRef>
+          <a:fontRef idx="minor">
+            <a:schemeClr val="lt1"/>
+          </a:fontRef>
+        </p:style>
+        <p:txBody>
+          <a:bodyPr rtlCol="0" anchor="ctr"/>
+          <a:lstStyle/>
+          <a:p>
+            <a:pPr algn="ctr"/>
+            <a:endParaRPr lang="fr-FR"/>
+          </a:p>
+        </p:txBody>
+      </p:sp>
+      <p:sp>
+        <p:nvSpPr>
+          <p:cNvPr id="52" name="ZoneTexte 51">
+            <a:extLst>
+              <a:ext uri="{FF2B5EF4-FFF2-40B4-BE49-F238E27FC236}">
+                <a16:creationId xmlns:a16="http://schemas.microsoft.com/office/drawing/2014/main" id="{2BCAA077-E1CF-098A-C6DB-CBFE2C5E2D6B}"/>
+              </a:ext>
+            </a:extLst>
+          </p:cNvPr>
+          <p:cNvSpPr txBox="1"/>
+          <p:nvPr/>
+        </p:nvSpPr>
+        <p:spPr>
+          <a:xfrm>
+            <a:off x="5712743" y="3303138"/>
+            <a:ext cx="139462" cy="276999"/>
+          </a:xfrm>
+          <a:prstGeom prst="rect">
+            <a:avLst/>
+          </a:prstGeom>
+          <a:noFill/>
+        </p:spPr>
+        <p:txBody>
+          <a:bodyPr wrap="none" lIns="0" tIns="0" rIns="0" bIns="0" rtlCol="0">
+            <a:spAutoFit/>
+          </a:bodyPr>
+          <a:lstStyle/>
+          <a:p>
+            <a:r>
+              <a:rPr lang="fr-FR" b="1" dirty="0">
+                <a:solidFill>
+                  <a:srgbClr val="002060"/>
+                </a:solidFill>
+              </a:rPr>
+              <a:t>A</a:t>
+            </a:r>
+          </a:p>
+        </p:txBody>
+      </p:sp>
+      <p:sp>
+        <p:nvSpPr>
+          <p:cNvPr id="53" name="ZoneTexte 52">
+            <a:extLst>
+              <a:ext uri="{FF2B5EF4-FFF2-40B4-BE49-F238E27FC236}">
+                <a16:creationId xmlns:a16="http://schemas.microsoft.com/office/drawing/2014/main" id="{A416B9AD-CDE9-B7BF-5556-3DB04072A61A}"/>
+              </a:ext>
+            </a:extLst>
+          </p:cNvPr>
+          <p:cNvSpPr txBox="1"/>
+          <p:nvPr/>
+        </p:nvSpPr>
+        <p:spPr>
+          <a:xfrm>
+            <a:off x="1778000" y="2174632"/>
+            <a:ext cx="2196150" cy="369332"/>
+          </a:xfrm>
+          <a:prstGeom prst="rect">
+            <a:avLst/>
+          </a:prstGeom>
+          <a:noFill/>
+        </p:spPr>
+        <p:txBody>
+          <a:bodyPr wrap="square" rtlCol="0">
+            <a:spAutoFit/>
+          </a:bodyPr>
+          <a:lstStyle/>
+          <a:p>
+            <a:pPr algn="ctr"/>
+            <a:r>
+              <a:rPr lang="fr-FR" dirty="0"/>
+              <a:t>Moteur</a:t>
+            </a:r>
+          </a:p>
+        </p:txBody>
+      </p:sp>
+      <p:sp>
+        <p:nvSpPr>
+          <p:cNvPr id="54" name="ZoneTexte 53">
+            <a:extLst>
+              <a:ext uri="{FF2B5EF4-FFF2-40B4-BE49-F238E27FC236}">
+                <a16:creationId xmlns:a16="http://schemas.microsoft.com/office/drawing/2014/main" id="{880DF7FF-3406-8938-702D-6E7CB345856B}"/>
+              </a:ext>
+            </a:extLst>
+          </p:cNvPr>
+          <p:cNvSpPr txBox="1"/>
+          <p:nvPr/>
+        </p:nvSpPr>
+        <p:spPr>
+          <a:xfrm>
+            <a:off x="4620233" y="2177908"/>
             <a:ext cx="1975379" cy="369332"/>
           </a:xfrm>
           <a:prstGeom prst="rect">
@@ -10174,15 +14467,537 @@
             <a:pPr algn="ctr"/>
             <a:r>
               <a:rPr lang="fr-FR" dirty="0"/>
+              <a:t>Générateur</a:t>
+            </a:r>
+          </a:p>
+        </p:txBody>
+      </p:sp>
+      <p:sp>
+        <p:nvSpPr>
+          <p:cNvPr id="55" name="ZoneTexte 54">
+            <a:extLst>
+              <a:ext uri="{FF2B5EF4-FFF2-40B4-BE49-F238E27FC236}">
+                <a16:creationId xmlns:a16="http://schemas.microsoft.com/office/drawing/2014/main" id="{AB6DA6AB-2586-20F5-98BB-EFAC4273728A}"/>
+              </a:ext>
+            </a:extLst>
+          </p:cNvPr>
+          <p:cNvSpPr txBox="1"/>
+          <p:nvPr/>
+        </p:nvSpPr>
+        <p:spPr>
+          <a:xfrm rot="16200000">
+            <a:off x="3762775" y="2607314"/>
+            <a:ext cx="1025970" cy="461665"/>
+          </a:xfrm>
+          <a:prstGeom prst="rect">
+            <a:avLst/>
+          </a:prstGeom>
+          <a:noFill/>
+        </p:spPr>
+        <p:txBody>
+          <a:bodyPr wrap="square" rtlCol="0">
+            <a:spAutoFit/>
+          </a:bodyPr>
+          <a:lstStyle/>
+          <a:p>
+            <a:pPr algn="ctr"/>
+            <a:r>
+              <a:rPr lang="fr-FR" sz="1200" dirty="0"/>
               <a:t>Mesure vitesse</a:t>
             </a:r>
           </a:p>
         </p:txBody>
       </p:sp>
+      <p:sp>
+        <p:nvSpPr>
+          <p:cNvPr id="2" name="ZoneTexte 1">
+            <a:extLst>
+              <a:ext uri="{FF2B5EF4-FFF2-40B4-BE49-F238E27FC236}">
+                <a16:creationId xmlns:a16="http://schemas.microsoft.com/office/drawing/2014/main" id="{6183285A-2B74-7137-F875-10556E266938}"/>
+              </a:ext>
+            </a:extLst>
+          </p:cNvPr>
+          <p:cNvSpPr txBox="1"/>
+          <p:nvPr/>
+        </p:nvSpPr>
+        <p:spPr>
+          <a:xfrm>
+            <a:off x="7983666" y="1033136"/>
+            <a:ext cx="3627087" cy="1200329"/>
+          </a:xfrm>
+          <a:prstGeom prst="rect">
+            <a:avLst/>
+          </a:prstGeom>
+          <a:noFill/>
+        </p:spPr>
+        <p:txBody>
+          <a:bodyPr wrap="square" rtlCol="0">
+            <a:spAutoFit/>
+          </a:bodyPr>
+          <a:lstStyle/>
+          <a:p>
+            <a:r>
+              <a:rPr lang="fr-FR" dirty="0"/>
+              <a:t>NDLR </a:t>
+            </a:r>
+          </a:p>
+          <a:p>
+            <a:r>
+              <a:rPr lang="fr-FR" dirty="0"/>
+              <a:t>L’impédance de l’</a:t>
+            </a:r>
+            <a:r>
+              <a:rPr lang="fr-FR" dirty="0" err="1"/>
+              <a:t>ampèremetre</a:t>
+            </a:r>
+            <a:r>
+              <a:rPr lang="fr-FR" dirty="0"/>
+              <a:t> est </a:t>
+            </a:r>
+            <a:r>
+              <a:rPr lang="fr-FR" dirty="0" err="1"/>
+              <a:t>est</a:t>
+            </a:r>
+            <a:r>
+              <a:rPr lang="fr-FR" dirty="0"/>
+              <a:t> petite  le moteur est en court circuit</a:t>
+            </a:r>
+          </a:p>
+        </p:txBody>
+      </p:sp>
+      <p:sp>
+        <p:nvSpPr>
+          <p:cNvPr id="3" name="ZoneTexte 2">
+            <a:extLst>
+              <a:ext uri="{FF2B5EF4-FFF2-40B4-BE49-F238E27FC236}">
+                <a16:creationId xmlns:a16="http://schemas.microsoft.com/office/drawing/2014/main" id="{40269AA1-0A89-1937-4A47-7A80224D79B1}"/>
+              </a:ext>
+            </a:extLst>
+          </p:cNvPr>
+          <p:cNvSpPr txBox="1"/>
+          <p:nvPr/>
+        </p:nvSpPr>
+        <p:spPr>
+          <a:xfrm>
+            <a:off x="4720430" y="3608592"/>
+            <a:ext cx="1335683" cy="230832"/>
+          </a:xfrm>
+          <a:prstGeom prst="rect">
+            <a:avLst/>
+          </a:prstGeom>
+          <a:noFill/>
+        </p:spPr>
+        <p:txBody>
+          <a:bodyPr wrap="square" rtlCol="0">
+            <a:spAutoFit/>
+          </a:bodyPr>
+          <a:lstStyle/>
+          <a:p>
+            <a:pPr algn="ctr"/>
+            <a:r>
+              <a:rPr lang="fr-FR" sz="900" dirty="0"/>
+              <a:t>AMPEREMETRE</a:t>
+            </a:r>
+          </a:p>
+        </p:txBody>
+      </p:sp>
+      <p:grpSp>
+        <p:nvGrpSpPr>
+          <p:cNvPr id="41" name="Groupe 40">
+            <a:extLst>
+              <a:ext uri="{FF2B5EF4-FFF2-40B4-BE49-F238E27FC236}">
+                <a16:creationId xmlns:a16="http://schemas.microsoft.com/office/drawing/2014/main" id="{9310A404-97E0-E738-EA09-2E86EA0CF7FF}"/>
+              </a:ext>
+            </a:extLst>
+          </p:cNvPr>
+          <p:cNvGrpSpPr/>
+          <p:nvPr/>
+        </p:nvGrpSpPr>
+        <p:grpSpPr>
+          <a:xfrm>
+            <a:off x="6078712" y="2706919"/>
+            <a:ext cx="744051" cy="1444161"/>
+            <a:chOff x="7151057" y="2706919"/>
+            <a:chExt cx="744051" cy="1444161"/>
+          </a:xfrm>
+        </p:grpSpPr>
+        <p:sp>
+          <p:nvSpPr>
+            <p:cNvPr id="4" name="Ellipse 3">
+              <a:extLst>
+                <a:ext uri="{FF2B5EF4-FFF2-40B4-BE49-F238E27FC236}">
+                  <a16:creationId xmlns:a16="http://schemas.microsoft.com/office/drawing/2014/main" id="{8DC433D4-A741-C001-35B8-B37168F37BEC}"/>
+                </a:ext>
+              </a:extLst>
+            </p:cNvPr>
+            <p:cNvSpPr/>
+            <p:nvPr/>
+          </p:nvSpPr>
+          <p:spPr>
+            <a:xfrm flipH="1">
+              <a:off x="7151057" y="3257123"/>
+              <a:ext cx="360000" cy="360000"/>
+            </a:xfrm>
+            <a:prstGeom prst="ellipse">
+              <a:avLst/>
+            </a:prstGeom>
+            <a:noFill/>
+            <a:ln w="28575">
+              <a:solidFill>
+                <a:schemeClr val="accent1">
+                  <a:lumMod val="50000"/>
+                </a:schemeClr>
+              </a:solidFill>
+            </a:ln>
+          </p:spPr>
+          <p:style>
+            <a:lnRef idx="2">
+              <a:schemeClr val="accent1">
+                <a:shade val="15000"/>
+              </a:schemeClr>
+            </a:lnRef>
+            <a:fillRef idx="1">
+              <a:schemeClr val="accent1"/>
+            </a:fillRef>
+            <a:effectRef idx="0">
+              <a:schemeClr val="accent1"/>
+            </a:effectRef>
+            <a:fontRef idx="minor">
+              <a:schemeClr val="lt1"/>
+            </a:fontRef>
+          </p:style>
+          <p:txBody>
+            <a:bodyPr rtlCol="0" anchor="ctr"/>
+            <a:lstStyle/>
+            <a:p>
+              <a:pPr algn="ctr"/>
+              <a:endParaRPr lang="fr-FR"/>
+            </a:p>
+          </p:txBody>
+        </p:sp>
+        <p:cxnSp>
+          <p:nvCxnSpPr>
+            <p:cNvPr id="5" name="Connecteur droit 4">
+              <a:extLst>
+                <a:ext uri="{FF2B5EF4-FFF2-40B4-BE49-F238E27FC236}">
+                  <a16:creationId xmlns:a16="http://schemas.microsoft.com/office/drawing/2014/main" id="{90E0BB7C-48D9-2F78-C942-BBC7BBADE442}"/>
+                </a:ext>
+              </a:extLst>
+            </p:cNvPr>
+            <p:cNvCxnSpPr>
+              <a:cxnSpLocks/>
+              <a:stCxn id="4" idx="0"/>
+            </p:cNvCxnSpPr>
+            <p:nvPr/>
+          </p:nvCxnSpPr>
+          <p:spPr>
+            <a:xfrm flipH="1" flipV="1">
+              <a:off x="7331057" y="2706919"/>
+              <a:ext cx="0" cy="550204"/>
+            </a:xfrm>
+            <a:prstGeom prst="line">
+              <a:avLst/>
+            </a:prstGeom>
+            <a:noFill/>
+            <a:ln w="28575">
+              <a:solidFill>
+                <a:schemeClr val="accent1">
+                  <a:lumMod val="50000"/>
+                </a:schemeClr>
+              </a:solidFill>
+            </a:ln>
+          </p:spPr>
+          <p:style>
+            <a:lnRef idx="2">
+              <a:schemeClr val="accent1">
+                <a:shade val="15000"/>
+              </a:schemeClr>
+            </a:lnRef>
+            <a:fillRef idx="1">
+              <a:schemeClr val="accent1"/>
+            </a:fillRef>
+            <a:effectRef idx="0">
+              <a:schemeClr val="accent1"/>
+            </a:effectRef>
+            <a:fontRef idx="minor">
+              <a:schemeClr val="lt1"/>
+            </a:fontRef>
+          </p:style>
+        </p:cxnSp>
+        <p:cxnSp>
+          <p:nvCxnSpPr>
+            <p:cNvPr id="6" name="Connecteur droit 5">
+              <a:extLst>
+                <a:ext uri="{FF2B5EF4-FFF2-40B4-BE49-F238E27FC236}">
+                  <a16:creationId xmlns:a16="http://schemas.microsoft.com/office/drawing/2014/main" id="{2214F74A-2577-E5B3-70AA-56072F91DDD2}"/>
+                </a:ext>
+              </a:extLst>
+            </p:cNvPr>
+            <p:cNvCxnSpPr>
+              <a:cxnSpLocks/>
+            </p:cNvCxnSpPr>
+            <p:nvPr/>
+          </p:nvCxnSpPr>
+          <p:spPr>
+            <a:xfrm flipH="1" flipV="1">
+              <a:off x="7331057" y="3617123"/>
+              <a:ext cx="0" cy="533957"/>
+            </a:xfrm>
+            <a:prstGeom prst="line">
+              <a:avLst/>
+            </a:prstGeom>
+            <a:noFill/>
+            <a:ln w="28575">
+              <a:solidFill>
+                <a:schemeClr val="accent1">
+                  <a:lumMod val="50000"/>
+                </a:schemeClr>
+              </a:solidFill>
+            </a:ln>
+          </p:spPr>
+          <p:style>
+            <a:lnRef idx="2">
+              <a:schemeClr val="accent1">
+                <a:shade val="15000"/>
+              </a:schemeClr>
+            </a:lnRef>
+            <a:fillRef idx="1">
+              <a:schemeClr val="accent1"/>
+            </a:fillRef>
+            <a:effectRef idx="0">
+              <a:schemeClr val="accent1"/>
+            </a:effectRef>
+            <a:fontRef idx="minor">
+              <a:schemeClr val="lt1"/>
+            </a:fontRef>
+          </p:style>
+        </p:cxnSp>
+        <p:cxnSp>
+          <p:nvCxnSpPr>
+            <p:cNvPr id="22" name="Connecteur droit avec flèche 21">
+              <a:extLst>
+                <a:ext uri="{FF2B5EF4-FFF2-40B4-BE49-F238E27FC236}">
+                  <a16:creationId xmlns:a16="http://schemas.microsoft.com/office/drawing/2014/main" id="{FCEED6CB-9433-7123-59CE-46B9BD95F79F}"/>
+                </a:ext>
+              </a:extLst>
+            </p:cNvPr>
+            <p:cNvCxnSpPr>
+              <a:cxnSpLocks/>
+            </p:cNvCxnSpPr>
+            <p:nvPr/>
+          </p:nvCxnSpPr>
+          <p:spPr>
+            <a:xfrm flipH="1">
+              <a:off x="7605377" y="3206313"/>
+              <a:ext cx="0" cy="406400"/>
+            </a:xfrm>
+            <a:prstGeom prst="straightConnector1">
+              <a:avLst/>
+            </a:prstGeom>
+            <a:noFill/>
+            <a:ln w="28575">
+              <a:solidFill>
+                <a:schemeClr val="accent1">
+                  <a:lumMod val="50000"/>
+                </a:schemeClr>
+              </a:solidFill>
+              <a:headEnd type="stealth" w="med" len="lg"/>
+            </a:ln>
+          </p:spPr>
+          <p:style>
+            <a:lnRef idx="2">
+              <a:schemeClr val="accent1">
+                <a:shade val="15000"/>
+              </a:schemeClr>
+            </a:lnRef>
+            <a:fillRef idx="1">
+              <a:schemeClr val="accent1"/>
+            </a:fillRef>
+            <a:effectRef idx="0">
+              <a:schemeClr val="accent1"/>
+            </a:effectRef>
+            <a:fontRef idx="minor">
+              <a:schemeClr val="lt1"/>
+            </a:fontRef>
+          </p:style>
+        </p:cxnSp>
+        <mc:AlternateContent xmlns:mc="http://schemas.openxmlformats.org/markup-compatibility/2006">
+          <mc:Choice xmlns:a14="http://schemas.microsoft.com/office/drawing/2010/main" Requires="a14">
+            <p:sp>
+              <p:nvSpPr>
+                <p:cNvPr id="30" name="ZoneTexte 29">
+                  <a:extLst>
+                    <a:ext uri="{FF2B5EF4-FFF2-40B4-BE49-F238E27FC236}">
+                      <a16:creationId xmlns:a16="http://schemas.microsoft.com/office/drawing/2014/main" id="{28DFFC69-3E59-97C1-200E-D3D300FF36AE}"/>
+                    </a:ext>
+                  </a:extLst>
+                </p:cNvPr>
+                <p:cNvSpPr txBox="1"/>
+                <p:nvPr/>
+              </p:nvSpPr>
+              <p:spPr>
+                <a:xfrm>
+                  <a:off x="7648354" y="3349304"/>
+                  <a:ext cx="246754" cy="199735"/>
+                </a:xfrm>
+                <a:prstGeom prst="rect">
+                  <a:avLst/>
+                </a:prstGeom>
+                <a:noFill/>
+              </p:spPr>
+              <p:txBody>
+                <a:bodyPr wrap="square" lIns="0" tIns="0" rIns="0" bIns="0" rtlCol="0">
+                  <a:spAutoFit/>
+                </a:bodyPr>
+                <a:lstStyle/>
+                <a:p>
+                  <a:pPr/>
+                  <a14:m>
+                    <m:oMathPara xmlns:m="http://schemas.openxmlformats.org/officeDocument/2006/math">
+                      <m:oMathParaPr>
+                        <m:jc m:val="centerGroup"/>
+                      </m:oMathParaPr>
+                      <m:oMath xmlns:m="http://schemas.openxmlformats.org/officeDocument/2006/math">
+                        <m:sSub>
+                          <m:sSubPr>
+                            <m:ctrlPr>
+                              <a:rPr lang="fr-FR" sz="1200" b="0" i="1" smtClean="0">
+                                <a:latin typeface="Cambria Math" panose="02040503050406030204" pitchFamily="18" charset="0"/>
+                              </a:rPr>
+                            </m:ctrlPr>
+                          </m:sSubPr>
+                          <m:e>
+                            <m:r>
+                              <a:rPr lang="fr-FR" sz="1200" b="0" i="1" smtClean="0">
+                                <a:latin typeface="Cambria Math" panose="02040503050406030204" pitchFamily="18" charset="0"/>
+                              </a:rPr>
+                              <m:t>𝑈</m:t>
+                            </m:r>
+                          </m:e>
+                          <m:sub>
+                            <m:r>
+                              <a:rPr lang="fr-FR" sz="1200" b="0" i="1" smtClean="0">
+                                <a:latin typeface="Cambria Math" panose="02040503050406030204" pitchFamily="18" charset="0"/>
+                              </a:rPr>
+                              <m:t>𝑔</m:t>
+                            </m:r>
+                          </m:sub>
+                        </m:sSub>
+                        <m:r>
+                          <a:rPr lang="fr-FR" sz="1200" b="0" i="1" smtClean="0">
+                            <a:latin typeface="Cambria Math" panose="02040503050406030204" pitchFamily="18" charset="0"/>
+                          </a:rPr>
+                          <m:t>(</m:t>
+                        </m:r>
+                        <m:r>
+                          <a:rPr lang="fr-FR" sz="1200" b="0" i="1" smtClean="0">
+                            <a:latin typeface="Cambria Math" panose="02040503050406030204" pitchFamily="18" charset="0"/>
+                          </a:rPr>
+                          <m:t>𝑡</m:t>
+                        </m:r>
+                        <m:r>
+                          <a:rPr lang="fr-FR" sz="1200" b="0" i="1" smtClean="0">
+                            <a:latin typeface="Cambria Math" panose="02040503050406030204" pitchFamily="18" charset="0"/>
+                          </a:rPr>
+                          <m:t>)</m:t>
+                        </m:r>
+                      </m:oMath>
+                    </m:oMathPara>
+                  </a14:m>
+                  <a:endParaRPr lang="fr-FR" sz="1200" dirty="0"/>
+                </a:p>
+              </p:txBody>
+            </p:sp>
+          </mc:Choice>
+          <mc:Fallback>
+            <p:sp>
+              <p:nvSpPr>
+                <p:cNvPr id="30" name="ZoneTexte 29">
+                  <a:extLst>
+                    <a:ext uri="{FF2B5EF4-FFF2-40B4-BE49-F238E27FC236}">
+                      <a16:creationId xmlns:a16="http://schemas.microsoft.com/office/drawing/2014/main" id="{28DFFC69-3E59-97C1-200E-D3D300FF36AE}"/>
+                    </a:ext>
+                  </a:extLst>
+                </p:cNvPr>
+                <p:cNvSpPr txBox="1">
+                  <a:spLocks noRot="1" noChangeAspect="1" noMove="1" noResize="1" noEditPoints="1" noAdjustHandles="1" noChangeArrowheads="1" noChangeShapeType="1" noTextEdit="1"/>
+                </p:cNvSpPr>
+                <p:nvPr/>
+              </p:nvSpPr>
+              <p:spPr>
+                <a:xfrm>
+                  <a:off x="7648354" y="3349304"/>
+                  <a:ext cx="246754" cy="199735"/>
+                </a:xfrm>
+                <a:prstGeom prst="rect">
+                  <a:avLst/>
+                </a:prstGeom>
+                <a:blipFill>
+                  <a:blip r:embed="rId6"/>
+                  <a:stretch>
+                    <a:fillRect l="-22500" r="-77500" b="-30303"/>
+                  </a:stretch>
+                </a:blipFill>
+              </p:spPr>
+              <p:txBody>
+                <a:bodyPr/>
+                <a:lstStyle/>
+                <a:p>
+                  <a:r>
+                    <a:rPr lang="fr-FR">
+                      <a:noFill/>
+                    </a:rPr>
+                    <a:t> </a:t>
+                  </a:r>
+                </a:p>
+              </p:txBody>
+            </p:sp>
+          </mc:Fallback>
+        </mc:AlternateContent>
+        <p:sp>
+          <p:nvSpPr>
+            <p:cNvPr id="39" name="ZoneTexte 38">
+              <a:extLst>
+                <a:ext uri="{FF2B5EF4-FFF2-40B4-BE49-F238E27FC236}">
+                  <a16:creationId xmlns:a16="http://schemas.microsoft.com/office/drawing/2014/main" id="{5FBA1F9B-0643-8591-5D88-0AE1F5F483E9}"/>
+                </a:ext>
+              </a:extLst>
+            </p:cNvPr>
+            <p:cNvSpPr txBox="1"/>
+            <p:nvPr/>
+          </p:nvSpPr>
+          <p:spPr>
+            <a:xfrm>
+              <a:off x="7265097" y="3303138"/>
+              <a:ext cx="136256" cy="276999"/>
+            </a:xfrm>
+            <a:prstGeom prst="rect">
+              <a:avLst/>
+            </a:prstGeom>
+            <a:noFill/>
+          </p:spPr>
+          <p:txBody>
+            <a:bodyPr wrap="none" lIns="0" tIns="0" rIns="0" bIns="0" rtlCol="0">
+              <a:spAutoFit/>
+            </a:bodyPr>
+            <a:lstStyle/>
+            <a:p>
+              <a:r>
+                <a:rPr lang="fr-FR" b="1" dirty="0">
+                  <a:solidFill>
+                    <a:srgbClr val="002060"/>
+                  </a:solidFill>
+                </a:rPr>
+                <a:t>V</a:t>
+              </a:r>
+            </a:p>
+          </p:txBody>
+        </p:sp>
+      </p:grpSp>
     </p:spTree>
     <p:extLst>
       <p:ext uri="{BB962C8B-B14F-4D97-AF65-F5344CB8AC3E}">
-        <p14:creationId xmlns:p14="http://schemas.microsoft.com/office/powerpoint/2010/main" val="2488368663"/>
+        <p14:creationId xmlns:p14="http://schemas.microsoft.com/office/powerpoint/2010/main" val="44438622"/>
       </p:ext>
     </p:extLst>
   </p:cSld>

--- a/12_MoteurCC_3Sigma/Figures_Documentation.pptx
+++ b/12_MoteurCC_3Sigma/Figures_Documentation.pptx
@@ -15,6 +15,7 @@
     <p:sldId id="263" r:id="rId9"/>
     <p:sldId id="264" r:id="rId10"/>
     <p:sldId id="265" r:id="rId11"/>
+    <p:sldId id="266" r:id="rId12"/>
   </p:sldIdLst>
   <p:sldSz cx="12192000" cy="6858000"/>
   <p:notesSz cx="6858000" cy="9144000"/>
@@ -5489,8 +5490,8 @@
         </p:nvSpPr>
         <p:spPr>
           <a:xfrm>
-            <a:off x="7983666" y="1033136"/>
-            <a:ext cx="3627087" cy="1200329"/>
+            <a:off x="4615770" y="165492"/>
+            <a:ext cx="3627087" cy="923330"/>
           </a:xfrm>
           <a:prstGeom prst="rect">
             <a:avLst/>
@@ -5511,23 +5512,7 @@
           <a:p>
             <a:r>
               <a:rPr lang="fr-FR" dirty="0"/>
-              <a:t>L’impédance de l’</a:t>
-            </a:r>
-            <a:r>
-              <a:rPr lang="fr-FR" dirty="0" err="1"/>
-              <a:t>ampèremetre</a:t>
-            </a:r>
-            <a:r>
-              <a:rPr lang="fr-FR" dirty="0"/>
-              <a:t> est </a:t>
-            </a:r>
-            <a:r>
-              <a:rPr lang="fr-FR" dirty="0" err="1"/>
-              <a:t>est</a:t>
-            </a:r>
-            <a:r>
-              <a:rPr lang="fr-FR" dirty="0"/>
-              <a:t> petite  le moteur est en court circuit</a:t>
+              <a:t>L’impédance de l’ampèremètre est petite  le moteur est en court circuit</a:t>
             </a:r>
           </a:p>
         </p:txBody>
@@ -5568,10 +5553,3591 @@
           </a:p>
         </p:txBody>
       </p:sp>
+      <p:grpSp>
+        <p:nvGrpSpPr>
+          <p:cNvPr id="50" name="Groupe 49">
+            <a:extLst>
+              <a:ext uri="{FF2B5EF4-FFF2-40B4-BE49-F238E27FC236}">
+                <a16:creationId xmlns:a16="http://schemas.microsoft.com/office/drawing/2014/main" id="{0AD20BC2-7646-4E96-DEE0-87024142A2F8}"/>
+              </a:ext>
+            </a:extLst>
+          </p:cNvPr>
+          <p:cNvGrpSpPr/>
+          <p:nvPr/>
+        </p:nvGrpSpPr>
+        <p:grpSpPr>
+          <a:xfrm>
+            <a:off x="6877106" y="2241087"/>
+            <a:ext cx="360000" cy="2390314"/>
+            <a:chOff x="4476936" y="770726"/>
+            <a:chExt cx="360000" cy="2390314"/>
+          </a:xfrm>
+        </p:grpSpPr>
+        <p:sp>
+          <p:nvSpPr>
+            <p:cNvPr id="51" name="Rectangle 50">
+              <a:extLst>
+                <a:ext uri="{FF2B5EF4-FFF2-40B4-BE49-F238E27FC236}">
+                  <a16:creationId xmlns:a16="http://schemas.microsoft.com/office/drawing/2014/main" id="{8FA81BA0-10D1-370A-76D9-7600F755AF5B}"/>
+                </a:ext>
+              </a:extLst>
+            </p:cNvPr>
+            <p:cNvSpPr/>
+            <p:nvPr/>
+          </p:nvSpPr>
+          <p:spPr>
+            <a:xfrm>
+              <a:off x="4566936" y="1810979"/>
+              <a:ext cx="180000" cy="360000"/>
+            </a:xfrm>
+            <a:prstGeom prst="rect">
+              <a:avLst/>
+            </a:prstGeom>
+            <a:noFill/>
+            <a:ln w="28575">
+              <a:solidFill>
+                <a:schemeClr val="accent1">
+                  <a:lumMod val="50000"/>
+                </a:schemeClr>
+              </a:solidFill>
+            </a:ln>
+          </p:spPr>
+          <p:style>
+            <a:lnRef idx="2">
+              <a:schemeClr val="accent1">
+                <a:shade val="15000"/>
+              </a:schemeClr>
+            </a:lnRef>
+            <a:fillRef idx="1">
+              <a:schemeClr val="accent1"/>
+            </a:fillRef>
+            <a:effectRef idx="0">
+              <a:schemeClr val="accent1"/>
+            </a:effectRef>
+            <a:fontRef idx="minor">
+              <a:schemeClr val="lt1"/>
+            </a:fontRef>
+          </p:style>
+          <p:txBody>
+            <a:bodyPr rtlCol="0" anchor="ctr"/>
+            <a:lstStyle/>
+            <a:p>
+              <a:pPr algn="ctr"/>
+              <a:endParaRPr lang="fr-FR"/>
+            </a:p>
+          </p:txBody>
+        </p:sp>
+        <p:sp>
+          <p:nvSpPr>
+            <p:cNvPr id="56" name="Ellipse 55">
+              <a:extLst>
+                <a:ext uri="{FF2B5EF4-FFF2-40B4-BE49-F238E27FC236}">
+                  <a16:creationId xmlns:a16="http://schemas.microsoft.com/office/drawing/2014/main" id="{C5C25C2D-0074-8215-D543-EF220B9D35F6}"/>
+                </a:ext>
+              </a:extLst>
+            </p:cNvPr>
+            <p:cNvSpPr/>
+            <p:nvPr/>
+          </p:nvSpPr>
+          <p:spPr>
+            <a:xfrm>
+              <a:off x="4476936" y="2528632"/>
+              <a:ext cx="360000" cy="360000"/>
+            </a:xfrm>
+            <a:prstGeom prst="ellipse">
+              <a:avLst/>
+            </a:prstGeom>
+            <a:noFill/>
+            <a:ln w="28575">
+              <a:solidFill>
+                <a:schemeClr val="accent1">
+                  <a:lumMod val="50000"/>
+                </a:schemeClr>
+              </a:solidFill>
+            </a:ln>
+          </p:spPr>
+          <p:style>
+            <a:lnRef idx="2">
+              <a:schemeClr val="accent1">
+                <a:shade val="15000"/>
+              </a:schemeClr>
+            </a:lnRef>
+            <a:fillRef idx="1">
+              <a:schemeClr val="accent1"/>
+            </a:fillRef>
+            <a:effectRef idx="0">
+              <a:schemeClr val="accent1"/>
+            </a:effectRef>
+            <a:fontRef idx="minor">
+              <a:schemeClr val="lt1"/>
+            </a:fontRef>
+          </p:style>
+          <p:txBody>
+            <a:bodyPr rtlCol="0" anchor="ctr"/>
+            <a:lstStyle/>
+            <a:p>
+              <a:pPr algn="ctr"/>
+              <a:endParaRPr lang="fr-FR"/>
+            </a:p>
+          </p:txBody>
+        </p:sp>
+        <p:grpSp>
+          <p:nvGrpSpPr>
+            <p:cNvPr id="57" name="Groupe 56">
+              <a:extLst>
+                <a:ext uri="{FF2B5EF4-FFF2-40B4-BE49-F238E27FC236}">
+                  <a16:creationId xmlns:a16="http://schemas.microsoft.com/office/drawing/2014/main" id="{176FEF44-590C-2D76-4D27-55506820D7FE}"/>
+                </a:ext>
+              </a:extLst>
+            </p:cNvPr>
+            <p:cNvGrpSpPr/>
+            <p:nvPr/>
+          </p:nvGrpSpPr>
+          <p:grpSpPr>
+            <a:xfrm>
+              <a:off x="4596906" y="1043134"/>
+              <a:ext cx="120060" cy="479132"/>
+              <a:chOff x="4540748" y="1104359"/>
+              <a:chExt cx="180000" cy="718341"/>
+            </a:xfrm>
+          </p:grpSpPr>
+          <p:sp>
+            <p:nvSpPr>
+              <p:cNvPr id="62" name="Arc 61">
+                <a:extLst>
+                  <a:ext uri="{FF2B5EF4-FFF2-40B4-BE49-F238E27FC236}">
+                    <a16:creationId xmlns:a16="http://schemas.microsoft.com/office/drawing/2014/main" id="{87BDB3FD-4542-D9C3-0E8E-12669BFF5995}"/>
+                  </a:ext>
+                </a:extLst>
+              </p:cNvPr>
+              <p:cNvSpPr/>
+              <p:nvPr/>
+            </p:nvSpPr>
+            <p:spPr>
+              <a:xfrm>
+                <a:off x="4540748" y="1283806"/>
+                <a:ext cx="180000" cy="180000"/>
+              </a:xfrm>
+              <a:prstGeom prst="arc">
+                <a:avLst>
+                  <a:gd name="adj1" fmla="val 16200000"/>
+                  <a:gd name="adj2" fmla="val 5794934"/>
+                </a:avLst>
+              </a:prstGeom>
+              <a:noFill/>
+              <a:ln w="28575">
+                <a:solidFill>
+                  <a:schemeClr val="accent1">
+                    <a:lumMod val="50000"/>
+                  </a:schemeClr>
+                </a:solidFill>
+              </a:ln>
+            </p:spPr>
+            <p:style>
+              <a:lnRef idx="2">
+                <a:schemeClr val="accent1">
+                  <a:shade val="15000"/>
+                </a:schemeClr>
+              </a:lnRef>
+              <a:fillRef idx="1">
+                <a:schemeClr val="accent1"/>
+              </a:fillRef>
+              <a:effectRef idx="0">
+                <a:schemeClr val="accent1"/>
+              </a:effectRef>
+              <a:fontRef idx="minor">
+                <a:schemeClr val="lt1"/>
+              </a:fontRef>
+            </p:style>
+            <p:txBody>
+              <a:bodyPr rtlCol="0" anchor="ctr"/>
+              <a:lstStyle/>
+              <a:p>
+                <a:pPr algn="ctr"/>
+                <a:endParaRPr lang="fr-FR">
+                  <a:solidFill>
+                    <a:schemeClr val="lt1"/>
+                  </a:solidFill>
+                </a:endParaRPr>
+              </a:p>
+            </p:txBody>
+          </p:sp>
+          <p:sp>
+            <p:nvSpPr>
+              <p:cNvPr id="63" name="Arc 62">
+                <a:extLst>
+                  <a:ext uri="{FF2B5EF4-FFF2-40B4-BE49-F238E27FC236}">
+                    <a16:creationId xmlns:a16="http://schemas.microsoft.com/office/drawing/2014/main" id="{8DC4ACA4-AB94-C274-B32E-DA325FF36C7E}"/>
+                  </a:ext>
+                </a:extLst>
+              </p:cNvPr>
+              <p:cNvSpPr/>
+              <p:nvPr/>
+            </p:nvSpPr>
+            <p:spPr>
+              <a:xfrm>
+                <a:off x="4540748" y="1463253"/>
+                <a:ext cx="180000" cy="180000"/>
+              </a:xfrm>
+              <a:prstGeom prst="arc">
+                <a:avLst>
+                  <a:gd name="adj1" fmla="val 16200000"/>
+                  <a:gd name="adj2" fmla="val 5794934"/>
+                </a:avLst>
+              </a:prstGeom>
+              <a:noFill/>
+              <a:ln w="28575">
+                <a:solidFill>
+                  <a:schemeClr val="accent1">
+                    <a:lumMod val="50000"/>
+                  </a:schemeClr>
+                </a:solidFill>
+              </a:ln>
+            </p:spPr>
+            <p:style>
+              <a:lnRef idx="2">
+                <a:schemeClr val="accent1">
+                  <a:shade val="15000"/>
+                </a:schemeClr>
+              </a:lnRef>
+              <a:fillRef idx="1">
+                <a:schemeClr val="accent1"/>
+              </a:fillRef>
+              <a:effectRef idx="0">
+                <a:schemeClr val="accent1"/>
+              </a:effectRef>
+              <a:fontRef idx="minor">
+                <a:schemeClr val="lt1"/>
+              </a:fontRef>
+            </p:style>
+            <p:txBody>
+              <a:bodyPr rtlCol="0" anchor="ctr"/>
+              <a:lstStyle/>
+              <a:p>
+                <a:pPr algn="ctr"/>
+                <a:endParaRPr lang="fr-FR">
+                  <a:solidFill>
+                    <a:schemeClr val="lt1"/>
+                  </a:solidFill>
+                </a:endParaRPr>
+              </a:p>
+            </p:txBody>
+          </p:sp>
+          <p:sp>
+            <p:nvSpPr>
+              <p:cNvPr id="64" name="Arc 63">
+                <a:extLst>
+                  <a:ext uri="{FF2B5EF4-FFF2-40B4-BE49-F238E27FC236}">
+                    <a16:creationId xmlns:a16="http://schemas.microsoft.com/office/drawing/2014/main" id="{A78C88ED-54E2-56C4-F0DB-85C45B833992}"/>
+                  </a:ext>
+                </a:extLst>
+              </p:cNvPr>
+              <p:cNvSpPr/>
+              <p:nvPr/>
+            </p:nvSpPr>
+            <p:spPr>
+              <a:xfrm>
+                <a:off x="4540748" y="1642700"/>
+                <a:ext cx="180000" cy="180000"/>
+              </a:xfrm>
+              <a:prstGeom prst="arc">
+                <a:avLst>
+                  <a:gd name="adj1" fmla="val 16200000"/>
+                  <a:gd name="adj2" fmla="val 5794934"/>
+                </a:avLst>
+              </a:prstGeom>
+              <a:noFill/>
+              <a:ln w="28575">
+                <a:solidFill>
+                  <a:schemeClr val="accent1">
+                    <a:lumMod val="50000"/>
+                  </a:schemeClr>
+                </a:solidFill>
+              </a:ln>
+            </p:spPr>
+            <p:style>
+              <a:lnRef idx="2">
+                <a:schemeClr val="accent1">
+                  <a:shade val="15000"/>
+                </a:schemeClr>
+              </a:lnRef>
+              <a:fillRef idx="1">
+                <a:schemeClr val="accent1"/>
+              </a:fillRef>
+              <a:effectRef idx="0">
+                <a:schemeClr val="accent1"/>
+              </a:effectRef>
+              <a:fontRef idx="minor">
+                <a:schemeClr val="lt1"/>
+              </a:fontRef>
+            </p:style>
+            <p:txBody>
+              <a:bodyPr rtlCol="0" anchor="ctr"/>
+              <a:lstStyle/>
+              <a:p>
+                <a:pPr algn="ctr"/>
+                <a:endParaRPr lang="fr-FR">
+                  <a:solidFill>
+                    <a:schemeClr val="lt1"/>
+                  </a:solidFill>
+                </a:endParaRPr>
+              </a:p>
+            </p:txBody>
+          </p:sp>
+          <p:sp>
+            <p:nvSpPr>
+              <p:cNvPr id="65" name="Arc 64">
+                <a:extLst>
+                  <a:ext uri="{FF2B5EF4-FFF2-40B4-BE49-F238E27FC236}">
+                    <a16:creationId xmlns:a16="http://schemas.microsoft.com/office/drawing/2014/main" id="{703E1FCB-B08B-1983-70BB-BA9956E9C557}"/>
+                  </a:ext>
+                </a:extLst>
+              </p:cNvPr>
+              <p:cNvSpPr/>
+              <p:nvPr/>
+            </p:nvSpPr>
+            <p:spPr>
+              <a:xfrm>
+                <a:off x="4540748" y="1104359"/>
+                <a:ext cx="180000" cy="180000"/>
+              </a:xfrm>
+              <a:prstGeom prst="arc">
+                <a:avLst>
+                  <a:gd name="adj1" fmla="val 16200000"/>
+                  <a:gd name="adj2" fmla="val 5794934"/>
+                </a:avLst>
+              </a:prstGeom>
+              <a:noFill/>
+              <a:ln w="28575">
+                <a:solidFill>
+                  <a:schemeClr val="accent1">
+                    <a:lumMod val="50000"/>
+                  </a:schemeClr>
+                </a:solidFill>
+              </a:ln>
+            </p:spPr>
+            <p:style>
+              <a:lnRef idx="2">
+                <a:schemeClr val="accent1">
+                  <a:shade val="15000"/>
+                </a:schemeClr>
+              </a:lnRef>
+              <a:fillRef idx="1">
+                <a:schemeClr val="accent1"/>
+              </a:fillRef>
+              <a:effectRef idx="0">
+                <a:schemeClr val="accent1"/>
+              </a:effectRef>
+              <a:fontRef idx="minor">
+                <a:schemeClr val="lt1"/>
+              </a:fontRef>
+            </p:style>
+            <p:txBody>
+              <a:bodyPr rtlCol="0" anchor="ctr"/>
+              <a:lstStyle/>
+              <a:p>
+                <a:pPr algn="ctr"/>
+                <a:endParaRPr lang="fr-FR">
+                  <a:solidFill>
+                    <a:schemeClr val="lt1"/>
+                  </a:solidFill>
+                </a:endParaRPr>
+              </a:p>
+            </p:txBody>
+          </p:sp>
+        </p:grpSp>
+        <p:cxnSp>
+          <p:nvCxnSpPr>
+            <p:cNvPr id="58" name="Connecteur droit 57">
+              <a:extLst>
+                <a:ext uri="{FF2B5EF4-FFF2-40B4-BE49-F238E27FC236}">
+                  <a16:creationId xmlns:a16="http://schemas.microsoft.com/office/drawing/2014/main" id="{D2DAF533-2596-EDD0-6934-4AA862FCB936}"/>
+                </a:ext>
+              </a:extLst>
+            </p:cNvPr>
+            <p:cNvCxnSpPr>
+              <a:cxnSpLocks/>
+              <a:stCxn id="51" idx="0"/>
+              <a:endCxn id="64" idx="2"/>
+            </p:cNvCxnSpPr>
+            <p:nvPr/>
+          </p:nvCxnSpPr>
+          <p:spPr>
+            <a:xfrm flipH="1" flipV="1">
+              <a:off x="4650055" y="1521870"/>
+              <a:ext cx="0" cy="289109"/>
+            </a:xfrm>
+            <a:prstGeom prst="line">
+              <a:avLst/>
+            </a:prstGeom>
+            <a:noFill/>
+            <a:ln w="28575">
+              <a:solidFill>
+                <a:schemeClr val="accent1">
+                  <a:lumMod val="50000"/>
+                </a:schemeClr>
+              </a:solidFill>
+            </a:ln>
+          </p:spPr>
+          <p:style>
+            <a:lnRef idx="2">
+              <a:schemeClr val="accent1">
+                <a:shade val="15000"/>
+              </a:schemeClr>
+            </a:lnRef>
+            <a:fillRef idx="1">
+              <a:schemeClr val="accent1"/>
+            </a:fillRef>
+            <a:effectRef idx="0">
+              <a:schemeClr val="accent1"/>
+            </a:effectRef>
+            <a:fontRef idx="minor">
+              <a:schemeClr val="lt1"/>
+            </a:fontRef>
+          </p:style>
+        </p:cxnSp>
+        <p:cxnSp>
+          <p:nvCxnSpPr>
+            <p:cNvPr id="59" name="Connecteur droit 58">
+              <a:extLst>
+                <a:ext uri="{FF2B5EF4-FFF2-40B4-BE49-F238E27FC236}">
+                  <a16:creationId xmlns:a16="http://schemas.microsoft.com/office/drawing/2014/main" id="{2329C30C-A49B-92E6-DD88-49D2C2496C9E}"/>
+                </a:ext>
+              </a:extLst>
+            </p:cNvPr>
+            <p:cNvCxnSpPr>
+              <a:cxnSpLocks/>
+              <a:stCxn id="56" idx="0"/>
+            </p:cNvCxnSpPr>
+            <p:nvPr/>
+          </p:nvCxnSpPr>
+          <p:spPr>
+            <a:xfrm flipV="1">
+              <a:off x="4656936" y="2170979"/>
+              <a:ext cx="0" cy="357653"/>
+            </a:xfrm>
+            <a:prstGeom prst="line">
+              <a:avLst/>
+            </a:prstGeom>
+            <a:noFill/>
+            <a:ln w="28575">
+              <a:solidFill>
+                <a:schemeClr val="accent1">
+                  <a:lumMod val="50000"/>
+                </a:schemeClr>
+              </a:solidFill>
+            </a:ln>
+          </p:spPr>
+          <p:style>
+            <a:lnRef idx="2">
+              <a:schemeClr val="accent1">
+                <a:shade val="15000"/>
+              </a:schemeClr>
+            </a:lnRef>
+            <a:fillRef idx="1">
+              <a:schemeClr val="accent1"/>
+            </a:fillRef>
+            <a:effectRef idx="0">
+              <a:schemeClr val="accent1"/>
+            </a:effectRef>
+            <a:fontRef idx="minor">
+              <a:schemeClr val="lt1"/>
+            </a:fontRef>
+          </p:style>
+        </p:cxnSp>
+        <p:cxnSp>
+          <p:nvCxnSpPr>
+            <p:cNvPr id="60" name="Connecteur droit 59">
+              <a:extLst>
+                <a:ext uri="{FF2B5EF4-FFF2-40B4-BE49-F238E27FC236}">
+                  <a16:creationId xmlns:a16="http://schemas.microsoft.com/office/drawing/2014/main" id="{2063F49A-0E45-BDEA-9E2D-1A4487E00048}"/>
+                </a:ext>
+              </a:extLst>
+            </p:cNvPr>
+            <p:cNvCxnSpPr>
+              <a:cxnSpLocks/>
+            </p:cNvCxnSpPr>
+            <p:nvPr/>
+          </p:nvCxnSpPr>
+          <p:spPr>
+            <a:xfrm flipV="1">
+              <a:off x="4668204" y="770726"/>
+              <a:ext cx="0" cy="272408"/>
+            </a:xfrm>
+            <a:prstGeom prst="line">
+              <a:avLst/>
+            </a:prstGeom>
+            <a:noFill/>
+            <a:ln w="28575">
+              <a:solidFill>
+                <a:schemeClr val="accent1">
+                  <a:lumMod val="50000"/>
+                </a:schemeClr>
+              </a:solidFill>
+            </a:ln>
+          </p:spPr>
+          <p:style>
+            <a:lnRef idx="2">
+              <a:schemeClr val="accent1">
+                <a:shade val="15000"/>
+              </a:schemeClr>
+            </a:lnRef>
+            <a:fillRef idx="1">
+              <a:schemeClr val="accent1"/>
+            </a:fillRef>
+            <a:effectRef idx="0">
+              <a:schemeClr val="accent1"/>
+            </a:effectRef>
+            <a:fontRef idx="minor">
+              <a:schemeClr val="lt1"/>
+            </a:fontRef>
+          </p:style>
+        </p:cxnSp>
+        <p:cxnSp>
+          <p:nvCxnSpPr>
+            <p:cNvPr id="61" name="Connecteur droit 60">
+              <a:extLst>
+                <a:ext uri="{FF2B5EF4-FFF2-40B4-BE49-F238E27FC236}">
+                  <a16:creationId xmlns:a16="http://schemas.microsoft.com/office/drawing/2014/main" id="{9689F931-4860-138E-A72E-1DADE2B0A6D6}"/>
+                </a:ext>
+              </a:extLst>
+            </p:cNvPr>
+            <p:cNvCxnSpPr>
+              <a:cxnSpLocks/>
+            </p:cNvCxnSpPr>
+            <p:nvPr/>
+          </p:nvCxnSpPr>
+          <p:spPr>
+            <a:xfrm flipV="1">
+              <a:off x="4668204" y="2888632"/>
+              <a:ext cx="0" cy="272408"/>
+            </a:xfrm>
+            <a:prstGeom prst="line">
+              <a:avLst/>
+            </a:prstGeom>
+            <a:noFill/>
+            <a:ln w="28575">
+              <a:solidFill>
+                <a:schemeClr val="accent1">
+                  <a:lumMod val="50000"/>
+                </a:schemeClr>
+              </a:solidFill>
+            </a:ln>
+          </p:spPr>
+          <p:style>
+            <a:lnRef idx="2">
+              <a:schemeClr val="accent1">
+                <a:shade val="15000"/>
+              </a:schemeClr>
+            </a:lnRef>
+            <a:fillRef idx="1">
+              <a:schemeClr val="accent1"/>
+            </a:fillRef>
+            <a:effectRef idx="0">
+              <a:schemeClr val="accent1"/>
+            </a:effectRef>
+            <a:fontRef idx="minor">
+              <a:schemeClr val="lt1"/>
+            </a:fontRef>
+          </p:style>
+        </p:cxnSp>
+      </p:grpSp>
+      <p:cxnSp>
+        <p:nvCxnSpPr>
+          <p:cNvPr id="71" name="Connecteur droit avec flèche 70">
+            <a:extLst>
+              <a:ext uri="{FF2B5EF4-FFF2-40B4-BE49-F238E27FC236}">
+                <a16:creationId xmlns:a16="http://schemas.microsoft.com/office/drawing/2014/main" id="{214D818C-58B1-A133-9011-B19CD7549DAA}"/>
+              </a:ext>
+            </a:extLst>
+          </p:cNvPr>
+          <p:cNvCxnSpPr>
+            <a:cxnSpLocks/>
+          </p:cNvCxnSpPr>
+          <p:nvPr/>
+        </p:nvCxnSpPr>
+        <p:spPr>
+          <a:xfrm>
+            <a:off x="7342109" y="2549677"/>
+            <a:ext cx="0" cy="406400"/>
+          </a:xfrm>
+          <a:prstGeom prst="straightConnector1">
+            <a:avLst/>
+          </a:prstGeom>
+          <a:noFill/>
+          <a:ln w="28575">
+            <a:solidFill>
+              <a:schemeClr val="accent1">
+                <a:lumMod val="50000"/>
+              </a:schemeClr>
+            </a:solidFill>
+            <a:headEnd type="stealth" w="med" len="lg"/>
+          </a:ln>
+        </p:spPr>
+        <p:style>
+          <a:lnRef idx="2">
+            <a:schemeClr val="accent1">
+              <a:shade val="15000"/>
+            </a:schemeClr>
+          </a:lnRef>
+          <a:fillRef idx="1">
+            <a:schemeClr val="accent1"/>
+          </a:fillRef>
+          <a:effectRef idx="0">
+            <a:schemeClr val="accent1"/>
+          </a:effectRef>
+          <a:fontRef idx="minor">
+            <a:schemeClr val="lt1"/>
+          </a:fontRef>
+        </p:style>
+      </p:cxnSp>
+      <p:cxnSp>
+        <p:nvCxnSpPr>
+          <p:cNvPr id="72" name="Connecteur droit avec flèche 71">
+            <a:extLst>
+              <a:ext uri="{FF2B5EF4-FFF2-40B4-BE49-F238E27FC236}">
+                <a16:creationId xmlns:a16="http://schemas.microsoft.com/office/drawing/2014/main" id="{095EC22A-0AF7-F054-F1FA-CC83D9ADDFA0}"/>
+              </a:ext>
+            </a:extLst>
+          </p:cNvPr>
+          <p:cNvCxnSpPr>
+            <a:cxnSpLocks/>
+          </p:cNvCxnSpPr>
+          <p:nvPr/>
+        </p:nvCxnSpPr>
+        <p:spPr>
+          <a:xfrm>
+            <a:off x="7342109" y="3234940"/>
+            <a:ext cx="0" cy="406400"/>
+          </a:xfrm>
+          <a:prstGeom prst="straightConnector1">
+            <a:avLst/>
+          </a:prstGeom>
+          <a:noFill/>
+          <a:ln w="28575">
+            <a:solidFill>
+              <a:schemeClr val="accent1">
+                <a:lumMod val="50000"/>
+              </a:schemeClr>
+            </a:solidFill>
+            <a:headEnd type="stealth" w="med" len="lg"/>
+          </a:ln>
+        </p:spPr>
+        <p:style>
+          <a:lnRef idx="2">
+            <a:schemeClr val="accent1">
+              <a:shade val="15000"/>
+            </a:schemeClr>
+          </a:lnRef>
+          <a:fillRef idx="1">
+            <a:schemeClr val="accent1"/>
+          </a:fillRef>
+          <a:effectRef idx="0">
+            <a:schemeClr val="accent1"/>
+          </a:effectRef>
+          <a:fontRef idx="minor">
+            <a:schemeClr val="lt1"/>
+          </a:fontRef>
+        </p:style>
+      </p:cxnSp>
+      <p:cxnSp>
+        <p:nvCxnSpPr>
+          <p:cNvPr id="73" name="Connecteur droit avec flèche 72">
+            <a:extLst>
+              <a:ext uri="{FF2B5EF4-FFF2-40B4-BE49-F238E27FC236}">
+                <a16:creationId xmlns:a16="http://schemas.microsoft.com/office/drawing/2014/main" id="{73C66F8F-8852-F393-22B8-0DF49125DB33}"/>
+              </a:ext>
+            </a:extLst>
+          </p:cNvPr>
+          <p:cNvCxnSpPr>
+            <a:cxnSpLocks/>
+          </p:cNvCxnSpPr>
+          <p:nvPr/>
+        </p:nvCxnSpPr>
+        <p:spPr>
+          <a:xfrm>
+            <a:off x="7342109" y="3952593"/>
+            <a:ext cx="0" cy="406400"/>
+          </a:xfrm>
+          <a:prstGeom prst="straightConnector1">
+            <a:avLst/>
+          </a:prstGeom>
+          <a:noFill/>
+          <a:ln w="28575">
+            <a:solidFill>
+              <a:schemeClr val="accent1">
+                <a:lumMod val="50000"/>
+              </a:schemeClr>
+            </a:solidFill>
+            <a:headEnd type="stealth" w="med" len="lg"/>
+          </a:ln>
+        </p:spPr>
+        <p:style>
+          <a:lnRef idx="2">
+            <a:schemeClr val="accent1">
+              <a:shade val="15000"/>
+            </a:schemeClr>
+          </a:lnRef>
+          <a:fillRef idx="1">
+            <a:schemeClr val="accent1"/>
+          </a:fillRef>
+          <a:effectRef idx="0">
+            <a:schemeClr val="accent1"/>
+          </a:effectRef>
+          <a:fontRef idx="minor">
+            <a:schemeClr val="lt1"/>
+          </a:fontRef>
+        </p:style>
+      </p:cxnSp>
+      <mc:AlternateContent xmlns:mc="http://schemas.openxmlformats.org/markup-compatibility/2006">
+        <mc:Choice xmlns:a14="http://schemas.microsoft.com/office/drawing/2010/main" Requires="a14">
+          <p:sp>
+            <p:nvSpPr>
+              <p:cNvPr id="76" name="ZoneTexte 75">
+                <a:extLst>
+                  <a:ext uri="{FF2B5EF4-FFF2-40B4-BE49-F238E27FC236}">
+                    <a16:creationId xmlns:a16="http://schemas.microsoft.com/office/drawing/2014/main" id="{98DAF076-C6CC-DCA0-E9CD-BD073DB92901}"/>
+                  </a:ext>
+                </a:extLst>
+              </p:cNvPr>
+              <p:cNvSpPr txBox="1"/>
+              <p:nvPr/>
+            </p:nvSpPr>
+            <p:spPr>
+              <a:xfrm>
+                <a:off x="7459348" y="2593700"/>
+                <a:ext cx="1036822" cy="351699"/>
+              </a:xfrm>
+              <a:prstGeom prst="rect">
+                <a:avLst/>
+              </a:prstGeom>
+              <a:noFill/>
+            </p:spPr>
+            <p:txBody>
+              <a:bodyPr wrap="none" lIns="0" tIns="0" rIns="0" bIns="0" rtlCol="0">
+                <a:spAutoFit/>
+              </a:bodyPr>
+              <a:lstStyle/>
+              <a:p>
+                <a:pPr/>
+                <a14:m>
+                  <m:oMathPara xmlns:m="http://schemas.openxmlformats.org/officeDocument/2006/math">
+                    <m:oMathParaPr>
+                      <m:jc m:val="centerGroup"/>
+                    </m:oMathParaPr>
+                    <m:oMath xmlns:m="http://schemas.openxmlformats.org/officeDocument/2006/math">
+                      <m:sSub>
+                        <m:sSubPr>
+                          <m:ctrlPr>
+                            <a:rPr lang="fr-FR" sz="1200" b="0" i="1" smtClean="0">
+                              <a:latin typeface="Cambria Math" panose="02040503050406030204" pitchFamily="18" charset="0"/>
+                            </a:rPr>
+                          </m:ctrlPr>
+                        </m:sSubPr>
+                        <m:e>
+                          <m:r>
+                            <a:rPr lang="fr-FR" sz="1200" b="0" i="1" smtClean="0">
+                              <a:latin typeface="Cambria Math" panose="02040503050406030204" pitchFamily="18" charset="0"/>
+                            </a:rPr>
+                            <m:t>𝑈</m:t>
+                          </m:r>
+                        </m:e>
+                        <m:sub>
+                          <m:r>
+                            <a:rPr lang="fr-FR" sz="1200" b="0" i="1" smtClean="0">
+                              <a:latin typeface="Cambria Math" panose="02040503050406030204" pitchFamily="18" charset="0"/>
+                            </a:rPr>
+                            <m:t>𝐿</m:t>
+                          </m:r>
+                        </m:sub>
+                      </m:sSub>
+                      <m:d>
+                        <m:dPr>
+                          <m:ctrlPr>
+                            <a:rPr lang="fr-FR" sz="1200" b="0" i="1" smtClean="0">
+                              <a:latin typeface="Cambria Math" panose="02040503050406030204" pitchFamily="18" charset="0"/>
+                            </a:rPr>
+                          </m:ctrlPr>
+                        </m:dPr>
+                        <m:e>
+                          <m:r>
+                            <a:rPr lang="fr-FR" sz="1200" b="0" i="1" smtClean="0">
+                              <a:latin typeface="Cambria Math" panose="02040503050406030204" pitchFamily="18" charset="0"/>
+                            </a:rPr>
+                            <m:t>𝑡</m:t>
+                          </m:r>
+                        </m:e>
+                      </m:d>
+                      <m:r>
+                        <a:rPr lang="fr-FR" sz="1200" b="0" i="1" smtClean="0">
+                          <a:latin typeface="Cambria Math" panose="02040503050406030204" pitchFamily="18" charset="0"/>
+                        </a:rPr>
+                        <m:t>=</m:t>
+                      </m:r>
+                      <m:r>
+                        <a:rPr lang="fr-FR" sz="1200" i="1">
+                          <a:latin typeface="Cambria Math" panose="02040503050406030204" pitchFamily="18" charset="0"/>
+                        </a:rPr>
+                        <m:t>𝐿</m:t>
+                      </m:r>
+                      <m:f>
+                        <m:fPr>
+                          <m:ctrlPr>
+                            <a:rPr lang="fr-FR" sz="1200" b="0" i="1" smtClean="0">
+                              <a:latin typeface="Cambria Math" panose="02040503050406030204" pitchFamily="18" charset="0"/>
+                            </a:rPr>
+                          </m:ctrlPr>
+                        </m:fPr>
+                        <m:num>
+                          <m:r>
+                            <m:rPr>
+                              <m:sty m:val="p"/>
+                            </m:rPr>
+                            <a:rPr lang="fr-FR" sz="1200" b="0" i="0" smtClean="0">
+                              <a:latin typeface="Cambria Math" panose="02040503050406030204" pitchFamily="18" charset="0"/>
+                            </a:rPr>
+                            <m:t>d</m:t>
+                          </m:r>
+                          <m:r>
+                            <a:rPr lang="fr-FR" sz="1200" b="0" i="1" smtClean="0">
+                              <a:latin typeface="Cambria Math" panose="02040503050406030204" pitchFamily="18" charset="0"/>
+                            </a:rPr>
+                            <m:t>𝑖</m:t>
+                          </m:r>
+                          <m:r>
+                            <a:rPr lang="fr-FR" sz="1200" b="0" i="1" smtClean="0">
+                              <a:latin typeface="Cambria Math" panose="02040503050406030204" pitchFamily="18" charset="0"/>
+                            </a:rPr>
+                            <m:t>(</m:t>
+                          </m:r>
+                          <m:r>
+                            <a:rPr lang="fr-FR" sz="1200" b="0" i="1" smtClean="0">
+                              <a:latin typeface="Cambria Math" panose="02040503050406030204" pitchFamily="18" charset="0"/>
+                            </a:rPr>
+                            <m:t>𝑡</m:t>
+                          </m:r>
+                          <m:r>
+                            <a:rPr lang="fr-FR" sz="1200" b="0" i="1" smtClean="0">
+                              <a:latin typeface="Cambria Math" panose="02040503050406030204" pitchFamily="18" charset="0"/>
+                            </a:rPr>
+                            <m:t>)</m:t>
+                          </m:r>
+                        </m:num>
+                        <m:den>
+                          <m:r>
+                            <a:rPr lang="fr-FR" sz="1200" b="0" i="1" smtClean="0">
+                              <a:latin typeface="Cambria Math" panose="02040503050406030204" pitchFamily="18" charset="0"/>
+                            </a:rPr>
+                            <m:t>𝑑𝑡</m:t>
+                          </m:r>
+                        </m:den>
+                      </m:f>
+                    </m:oMath>
+                  </m:oMathPara>
+                </a14:m>
+                <a:endParaRPr lang="fr-FR" sz="1200" dirty="0"/>
+              </a:p>
+            </p:txBody>
+          </p:sp>
+        </mc:Choice>
+        <mc:Fallback>
+          <p:sp>
+            <p:nvSpPr>
+              <p:cNvPr id="76" name="ZoneTexte 75">
+                <a:extLst>
+                  <a:ext uri="{FF2B5EF4-FFF2-40B4-BE49-F238E27FC236}">
+                    <a16:creationId xmlns:a16="http://schemas.microsoft.com/office/drawing/2014/main" id="{98DAF076-C6CC-DCA0-E9CD-BD073DB92901}"/>
+                  </a:ext>
+                </a:extLst>
+              </p:cNvPr>
+              <p:cNvSpPr txBox="1">
+                <a:spLocks noRot="1" noChangeAspect="1" noMove="1" noResize="1" noEditPoints="1" noAdjustHandles="1" noChangeArrowheads="1" noChangeShapeType="1" noTextEdit="1"/>
+              </p:cNvSpPr>
+              <p:nvPr/>
+            </p:nvSpPr>
+            <p:spPr>
+              <a:xfrm>
+                <a:off x="7459348" y="2593700"/>
+                <a:ext cx="1036822" cy="351699"/>
+              </a:xfrm>
+              <a:prstGeom prst="rect">
+                <a:avLst/>
+              </a:prstGeom>
+              <a:blipFill>
+                <a:blip r:embed="rId6"/>
+                <a:stretch>
+                  <a:fillRect l="-2941" t="-5172" r="-4706" b="-15517"/>
+                </a:stretch>
+              </a:blipFill>
+            </p:spPr>
+            <p:txBody>
+              <a:bodyPr/>
+              <a:lstStyle/>
+              <a:p>
+                <a:r>
+                  <a:rPr lang="fr-FR">
+                    <a:noFill/>
+                  </a:rPr>
+                  <a:t> </a:t>
+                </a:r>
+              </a:p>
+            </p:txBody>
+          </p:sp>
+        </mc:Fallback>
+      </mc:AlternateContent>
+      <mc:AlternateContent xmlns:mc="http://schemas.openxmlformats.org/markup-compatibility/2006">
+        <mc:Choice xmlns:a14="http://schemas.microsoft.com/office/drawing/2010/main" Requires="a14">
+          <p:sp>
+            <p:nvSpPr>
+              <p:cNvPr id="77" name="ZoneTexte 76">
+                <a:extLst>
+                  <a:ext uri="{FF2B5EF4-FFF2-40B4-BE49-F238E27FC236}">
+                    <a16:creationId xmlns:a16="http://schemas.microsoft.com/office/drawing/2014/main" id="{3F73D500-A33C-D391-6822-C6C4A34B4F60}"/>
+                  </a:ext>
+                </a:extLst>
+              </p:cNvPr>
+              <p:cNvSpPr txBox="1"/>
+              <p:nvPr/>
+            </p:nvSpPr>
+            <p:spPr>
+              <a:xfrm>
+                <a:off x="7438989" y="3369007"/>
+                <a:ext cx="952312" cy="184666"/>
+              </a:xfrm>
+              <a:prstGeom prst="rect">
+                <a:avLst/>
+              </a:prstGeom>
+              <a:noFill/>
+            </p:spPr>
+            <p:txBody>
+              <a:bodyPr wrap="none" lIns="0" tIns="0" rIns="0" bIns="0" rtlCol="0">
+                <a:spAutoFit/>
+              </a:bodyPr>
+              <a:lstStyle/>
+              <a:p>
+                <a:pPr/>
+                <a14:m>
+                  <m:oMathPara xmlns:m="http://schemas.openxmlformats.org/officeDocument/2006/math">
+                    <m:oMathParaPr>
+                      <m:jc m:val="centerGroup"/>
+                    </m:oMathParaPr>
+                    <m:oMath xmlns:m="http://schemas.openxmlformats.org/officeDocument/2006/math">
+                      <m:sSub>
+                        <m:sSubPr>
+                          <m:ctrlPr>
+                            <a:rPr lang="fr-FR" sz="1200" b="0" i="1" smtClean="0">
+                              <a:latin typeface="Cambria Math" panose="02040503050406030204" pitchFamily="18" charset="0"/>
+                            </a:rPr>
+                          </m:ctrlPr>
+                        </m:sSubPr>
+                        <m:e>
+                          <m:r>
+                            <a:rPr lang="fr-FR" sz="1200" b="0" i="1" smtClean="0">
+                              <a:latin typeface="Cambria Math" panose="02040503050406030204" pitchFamily="18" charset="0"/>
+                            </a:rPr>
+                            <m:t>𝑈</m:t>
+                          </m:r>
+                        </m:e>
+                        <m:sub>
+                          <m:r>
+                            <a:rPr lang="fr-FR" sz="1200" b="0" i="1" smtClean="0">
+                              <a:latin typeface="Cambria Math" panose="02040503050406030204" pitchFamily="18" charset="0"/>
+                            </a:rPr>
+                            <m:t>𝑅</m:t>
+                          </m:r>
+                        </m:sub>
+                      </m:sSub>
+                      <m:d>
+                        <m:dPr>
+                          <m:ctrlPr>
+                            <a:rPr lang="fr-FR" sz="1200" b="0" i="1" smtClean="0">
+                              <a:latin typeface="Cambria Math" panose="02040503050406030204" pitchFamily="18" charset="0"/>
+                            </a:rPr>
+                          </m:ctrlPr>
+                        </m:dPr>
+                        <m:e>
+                          <m:r>
+                            <a:rPr lang="fr-FR" sz="1200" b="0" i="1" smtClean="0">
+                              <a:latin typeface="Cambria Math" panose="02040503050406030204" pitchFamily="18" charset="0"/>
+                            </a:rPr>
+                            <m:t>𝑡</m:t>
+                          </m:r>
+                        </m:e>
+                      </m:d>
+                      <m:r>
+                        <a:rPr lang="fr-FR" sz="1200" b="0" i="1" smtClean="0">
+                          <a:latin typeface="Cambria Math" panose="02040503050406030204" pitchFamily="18" charset="0"/>
+                        </a:rPr>
+                        <m:t>=</m:t>
+                      </m:r>
+                      <m:r>
+                        <a:rPr lang="fr-FR" sz="1200" b="0" i="1" smtClean="0">
+                          <a:latin typeface="Cambria Math" panose="02040503050406030204" pitchFamily="18" charset="0"/>
+                        </a:rPr>
+                        <m:t>𝑅𝑖</m:t>
+                      </m:r>
+                      <m:r>
+                        <a:rPr lang="fr-FR" sz="1200" b="0" i="1" smtClean="0">
+                          <a:latin typeface="Cambria Math" panose="02040503050406030204" pitchFamily="18" charset="0"/>
+                        </a:rPr>
+                        <m:t>(</m:t>
+                      </m:r>
+                      <m:r>
+                        <a:rPr lang="fr-FR" sz="1200" b="0" i="1" smtClean="0">
+                          <a:latin typeface="Cambria Math" panose="02040503050406030204" pitchFamily="18" charset="0"/>
+                        </a:rPr>
+                        <m:t>𝑡</m:t>
+                      </m:r>
+                      <m:r>
+                        <a:rPr lang="fr-FR" sz="1200" b="0" i="1" smtClean="0">
+                          <a:latin typeface="Cambria Math" panose="02040503050406030204" pitchFamily="18" charset="0"/>
+                        </a:rPr>
+                        <m:t>)</m:t>
+                      </m:r>
+                    </m:oMath>
+                  </m:oMathPara>
+                </a14:m>
+                <a:endParaRPr lang="fr-FR" sz="1200" dirty="0"/>
+              </a:p>
+            </p:txBody>
+          </p:sp>
+        </mc:Choice>
+        <mc:Fallback>
+          <p:sp>
+            <p:nvSpPr>
+              <p:cNvPr id="77" name="ZoneTexte 76">
+                <a:extLst>
+                  <a:ext uri="{FF2B5EF4-FFF2-40B4-BE49-F238E27FC236}">
+                    <a16:creationId xmlns:a16="http://schemas.microsoft.com/office/drawing/2014/main" id="{3F73D500-A33C-D391-6822-C6C4A34B4F60}"/>
+                  </a:ext>
+                </a:extLst>
+              </p:cNvPr>
+              <p:cNvSpPr txBox="1">
+                <a:spLocks noRot="1" noChangeAspect="1" noMove="1" noResize="1" noEditPoints="1" noAdjustHandles="1" noChangeArrowheads="1" noChangeShapeType="1" noTextEdit="1"/>
+              </p:cNvSpPr>
+              <p:nvPr/>
+            </p:nvSpPr>
+            <p:spPr>
+              <a:xfrm>
+                <a:off x="7438989" y="3369007"/>
+                <a:ext cx="952312" cy="184666"/>
+              </a:xfrm>
+              <a:prstGeom prst="rect">
+                <a:avLst/>
+              </a:prstGeom>
+              <a:blipFill>
+                <a:blip r:embed="rId7"/>
+                <a:stretch>
+                  <a:fillRect l="-3185" t="-6667" r="-5096" b="-36667"/>
+                </a:stretch>
+              </a:blipFill>
+            </p:spPr>
+            <p:txBody>
+              <a:bodyPr/>
+              <a:lstStyle/>
+              <a:p>
+                <a:r>
+                  <a:rPr lang="fr-FR">
+                    <a:noFill/>
+                  </a:rPr>
+                  <a:t> </a:t>
+                </a:r>
+              </a:p>
+            </p:txBody>
+          </p:sp>
+        </mc:Fallback>
+      </mc:AlternateContent>
+      <mc:AlternateContent xmlns:mc="http://schemas.openxmlformats.org/markup-compatibility/2006">
+        <mc:Choice xmlns:a14="http://schemas.microsoft.com/office/drawing/2010/main" Requires="a14">
+          <p:sp>
+            <p:nvSpPr>
+              <p:cNvPr id="78" name="ZoneTexte 77">
+                <a:extLst>
+                  <a:ext uri="{FF2B5EF4-FFF2-40B4-BE49-F238E27FC236}">
+                    <a16:creationId xmlns:a16="http://schemas.microsoft.com/office/drawing/2014/main" id="{EC7FF28E-2601-B8CA-ED84-0608747034F9}"/>
+                  </a:ext>
+                </a:extLst>
+              </p:cNvPr>
+              <p:cNvSpPr txBox="1"/>
+              <p:nvPr/>
+            </p:nvSpPr>
+            <p:spPr>
+              <a:xfrm>
+                <a:off x="7438989" y="4098716"/>
+                <a:ext cx="329899" cy="184666"/>
+              </a:xfrm>
+              <a:prstGeom prst="rect">
+                <a:avLst/>
+              </a:prstGeom>
+              <a:noFill/>
+            </p:spPr>
+            <p:txBody>
+              <a:bodyPr wrap="none" lIns="0" tIns="0" rIns="0" bIns="0" rtlCol="0">
+                <a:spAutoFit/>
+              </a:bodyPr>
+              <a:lstStyle/>
+              <a:p>
+                <a:pPr/>
+                <a14:m>
+                  <m:oMathPara xmlns:m="http://schemas.openxmlformats.org/officeDocument/2006/math">
+                    <m:oMathParaPr>
+                      <m:jc m:val="centerGroup"/>
+                    </m:oMathParaPr>
+                    <m:oMath xmlns:m="http://schemas.openxmlformats.org/officeDocument/2006/math">
+                      <m:r>
+                        <a:rPr lang="fr-FR" sz="1200" b="0" i="1" smtClean="0">
+                          <a:latin typeface="Cambria Math" panose="02040503050406030204" pitchFamily="18" charset="0"/>
+                        </a:rPr>
+                        <m:t>𝐸</m:t>
+                      </m:r>
+                      <m:d>
+                        <m:dPr>
+                          <m:ctrlPr>
+                            <a:rPr lang="fr-FR" sz="1200" b="0" i="1" smtClean="0">
+                              <a:latin typeface="Cambria Math" panose="02040503050406030204" pitchFamily="18" charset="0"/>
+                            </a:rPr>
+                          </m:ctrlPr>
+                        </m:dPr>
+                        <m:e>
+                          <m:r>
+                            <a:rPr lang="fr-FR" sz="1200" b="0" i="1" smtClean="0">
+                              <a:latin typeface="Cambria Math" panose="02040503050406030204" pitchFamily="18" charset="0"/>
+                            </a:rPr>
+                            <m:t>𝑡</m:t>
+                          </m:r>
+                        </m:e>
+                      </m:d>
+                    </m:oMath>
+                  </m:oMathPara>
+                </a14:m>
+                <a:endParaRPr lang="fr-FR" sz="1200" dirty="0"/>
+              </a:p>
+            </p:txBody>
+          </p:sp>
+        </mc:Choice>
+        <mc:Fallback>
+          <p:sp>
+            <p:nvSpPr>
+              <p:cNvPr id="78" name="ZoneTexte 77">
+                <a:extLst>
+                  <a:ext uri="{FF2B5EF4-FFF2-40B4-BE49-F238E27FC236}">
+                    <a16:creationId xmlns:a16="http://schemas.microsoft.com/office/drawing/2014/main" id="{EC7FF28E-2601-B8CA-ED84-0608747034F9}"/>
+                  </a:ext>
+                </a:extLst>
+              </p:cNvPr>
+              <p:cNvSpPr txBox="1">
+                <a:spLocks noRot="1" noChangeAspect="1" noMove="1" noResize="1" noEditPoints="1" noAdjustHandles="1" noChangeArrowheads="1" noChangeShapeType="1" noTextEdit="1"/>
+              </p:cNvSpPr>
+              <p:nvPr/>
+            </p:nvSpPr>
+            <p:spPr>
+              <a:xfrm>
+                <a:off x="7438989" y="4098716"/>
+                <a:ext cx="329899" cy="184666"/>
+              </a:xfrm>
+              <a:prstGeom prst="rect">
+                <a:avLst/>
+              </a:prstGeom>
+              <a:blipFill>
+                <a:blip r:embed="rId8"/>
+                <a:stretch>
+                  <a:fillRect l="-11111" b="-3226"/>
+                </a:stretch>
+              </a:blipFill>
+            </p:spPr>
+            <p:txBody>
+              <a:bodyPr/>
+              <a:lstStyle/>
+              <a:p>
+                <a:r>
+                  <a:rPr lang="fr-FR">
+                    <a:noFill/>
+                  </a:rPr>
+                  <a:t> </a:t>
+                </a:r>
+              </a:p>
+            </p:txBody>
+          </p:sp>
+        </mc:Fallback>
+      </mc:AlternateContent>
+      <p:cxnSp>
+        <p:nvCxnSpPr>
+          <p:cNvPr id="79" name="Connecteur droit 78">
+            <a:extLst>
+              <a:ext uri="{FF2B5EF4-FFF2-40B4-BE49-F238E27FC236}">
+                <a16:creationId xmlns:a16="http://schemas.microsoft.com/office/drawing/2014/main" id="{84376DF7-6394-EE3C-38C2-CA7DCCB8D7D5}"/>
+              </a:ext>
+            </a:extLst>
+          </p:cNvPr>
+          <p:cNvCxnSpPr>
+            <a:cxnSpLocks/>
+          </p:cNvCxnSpPr>
+          <p:nvPr/>
+        </p:nvCxnSpPr>
+        <p:spPr>
+          <a:xfrm flipH="1">
+            <a:off x="7068374" y="4631401"/>
+            <a:ext cx="1940872" cy="0"/>
+          </a:xfrm>
+          <a:prstGeom prst="line">
+            <a:avLst/>
+          </a:prstGeom>
+          <a:noFill/>
+          <a:ln w="28575">
+            <a:solidFill>
+              <a:schemeClr val="accent1">
+                <a:lumMod val="50000"/>
+              </a:schemeClr>
+            </a:solidFill>
+          </a:ln>
+        </p:spPr>
+        <p:style>
+          <a:lnRef idx="2">
+            <a:schemeClr val="accent1">
+              <a:shade val="15000"/>
+            </a:schemeClr>
+          </a:lnRef>
+          <a:fillRef idx="1">
+            <a:schemeClr val="accent1"/>
+          </a:fillRef>
+          <a:effectRef idx="0">
+            <a:schemeClr val="accent1"/>
+          </a:effectRef>
+          <a:fontRef idx="minor">
+            <a:schemeClr val="lt1"/>
+          </a:fontRef>
+        </p:style>
+      </p:cxnSp>
+      <p:cxnSp>
+        <p:nvCxnSpPr>
+          <p:cNvPr id="82" name="Connecteur droit 81">
+            <a:extLst>
+              <a:ext uri="{FF2B5EF4-FFF2-40B4-BE49-F238E27FC236}">
+                <a16:creationId xmlns:a16="http://schemas.microsoft.com/office/drawing/2014/main" id="{7E26E809-B08D-BE2A-1F6E-2A26DD2AEBE6}"/>
+              </a:ext>
+            </a:extLst>
+          </p:cNvPr>
+          <p:cNvCxnSpPr>
+            <a:cxnSpLocks/>
+          </p:cNvCxnSpPr>
+          <p:nvPr/>
+        </p:nvCxnSpPr>
+        <p:spPr>
+          <a:xfrm flipH="1">
+            <a:off x="7068374" y="2241087"/>
+            <a:ext cx="1940872" cy="0"/>
+          </a:xfrm>
+          <a:prstGeom prst="line">
+            <a:avLst/>
+          </a:prstGeom>
+          <a:noFill/>
+          <a:ln w="28575">
+            <a:solidFill>
+              <a:schemeClr val="accent1">
+                <a:lumMod val="50000"/>
+              </a:schemeClr>
+            </a:solidFill>
+          </a:ln>
+        </p:spPr>
+        <p:style>
+          <a:lnRef idx="2">
+            <a:schemeClr val="accent1">
+              <a:shade val="15000"/>
+            </a:schemeClr>
+          </a:lnRef>
+          <a:fillRef idx="1">
+            <a:schemeClr val="accent1"/>
+          </a:fillRef>
+          <a:effectRef idx="0">
+            <a:schemeClr val="accent1"/>
+          </a:effectRef>
+          <a:fontRef idx="minor">
+            <a:schemeClr val="lt1"/>
+          </a:fontRef>
+        </p:style>
+      </p:cxnSp>
+      <p:cxnSp>
+        <p:nvCxnSpPr>
+          <p:cNvPr id="83" name="Connecteur droit 82">
+            <a:extLst>
+              <a:ext uri="{FF2B5EF4-FFF2-40B4-BE49-F238E27FC236}">
+                <a16:creationId xmlns:a16="http://schemas.microsoft.com/office/drawing/2014/main" id="{E99E8F15-32D7-0662-9ACA-0A476A0DF8B8}"/>
+              </a:ext>
+            </a:extLst>
+          </p:cNvPr>
+          <p:cNvCxnSpPr>
+            <a:cxnSpLocks/>
+          </p:cNvCxnSpPr>
+          <p:nvPr/>
+        </p:nvCxnSpPr>
+        <p:spPr>
+          <a:xfrm>
+            <a:off x="8999621" y="2241087"/>
+            <a:ext cx="0" cy="2375826"/>
+          </a:xfrm>
+          <a:prstGeom prst="line">
+            <a:avLst/>
+          </a:prstGeom>
+          <a:noFill/>
+          <a:ln w="28575">
+            <a:solidFill>
+              <a:schemeClr val="accent1">
+                <a:lumMod val="50000"/>
+              </a:schemeClr>
+            </a:solidFill>
+          </a:ln>
+        </p:spPr>
+        <p:style>
+          <a:lnRef idx="2">
+            <a:schemeClr val="accent1">
+              <a:shade val="15000"/>
+            </a:schemeClr>
+          </a:lnRef>
+          <a:fillRef idx="1">
+            <a:schemeClr val="accent1"/>
+          </a:fillRef>
+          <a:effectRef idx="0">
+            <a:schemeClr val="accent1"/>
+          </a:effectRef>
+          <a:fontRef idx="minor">
+            <a:schemeClr val="lt1"/>
+          </a:fontRef>
+        </p:style>
+      </p:cxnSp>
     </p:spTree>
     <p:extLst>
       <p:ext uri="{BB962C8B-B14F-4D97-AF65-F5344CB8AC3E}">
         <p14:creationId xmlns:p14="http://schemas.microsoft.com/office/powerpoint/2010/main" val="3477320335"/>
+      </p:ext>
+    </p:extLst>
+  </p:cSld>
+  <p:clrMapOvr>
+    <a:masterClrMapping/>
+  </p:clrMapOvr>
+</p:sld>
+</file>
+
+<file path=ppt/slides/slide11.xml><?xml version="1.0" encoding="utf-8"?>
+<p:sld xmlns:a="http://schemas.openxmlformats.org/drawingml/2006/main" xmlns:r="http://schemas.openxmlformats.org/officeDocument/2006/relationships" xmlns:p="http://schemas.openxmlformats.org/presentationml/2006/main">
+  <p:cSld>
+    <p:spTree>
+      <p:nvGrpSpPr>
+        <p:cNvPr id="1" name="">
+          <a:extLst>
+            <a:ext uri="{FF2B5EF4-FFF2-40B4-BE49-F238E27FC236}">
+              <a16:creationId xmlns:a16="http://schemas.microsoft.com/office/drawing/2014/main" id="{22AB9854-2401-840E-8676-7DDD09763BBA}"/>
+            </a:ext>
+          </a:extLst>
+        </p:cNvPr>
+        <p:cNvGrpSpPr/>
+        <p:nvPr/>
+      </p:nvGrpSpPr>
+      <p:grpSpPr>
+        <a:xfrm>
+          <a:off x="0" y="0"/>
+          <a:ext cx="0" cy="0"/>
+          <a:chOff x="0" y="0"/>
+          <a:chExt cx="0" cy="0"/>
+        </a:xfrm>
+      </p:grpSpPr>
+      <p:cxnSp>
+        <p:nvCxnSpPr>
+          <p:cNvPr id="33" name="Connecteur droit 32">
+            <a:extLst>
+              <a:ext uri="{FF2B5EF4-FFF2-40B4-BE49-F238E27FC236}">
+                <a16:creationId xmlns:a16="http://schemas.microsoft.com/office/drawing/2014/main" id="{A0003B82-689E-5DCF-688D-43F647DECEF7}"/>
+              </a:ext>
+            </a:extLst>
+          </p:cNvPr>
+          <p:cNvCxnSpPr>
+            <a:cxnSpLocks/>
+          </p:cNvCxnSpPr>
+          <p:nvPr/>
+        </p:nvCxnSpPr>
+        <p:spPr>
+          <a:xfrm flipH="1" flipV="1">
+            <a:off x="4885017" y="2706919"/>
+            <a:ext cx="0" cy="1444161"/>
+          </a:xfrm>
+          <a:prstGeom prst="line">
+            <a:avLst/>
+          </a:prstGeom>
+          <a:noFill/>
+          <a:ln w="28575">
+            <a:solidFill>
+              <a:schemeClr val="accent1">
+                <a:lumMod val="50000"/>
+              </a:schemeClr>
+            </a:solidFill>
+          </a:ln>
+        </p:spPr>
+        <p:style>
+          <a:lnRef idx="2">
+            <a:schemeClr val="accent1">
+              <a:shade val="15000"/>
+            </a:schemeClr>
+          </a:lnRef>
+          <a:fillRef idx="1">
+            <a:schemeClr val="accent1"/>
+          </a:fillRef>
+          <a:effectRef idx="0">
+            <a:schemeClr val="accent1"/>
+          </a:effectRef>
+          <a:fontRef idx="minor">
+            <a:schemeClr val="lt1"/>
+          </a:fontRef>
+        </p:style>
+      </p:cxnSp>
+      <p:sp>
+        <p:nvSpPr>
+          <p:cNvPr id="7" name="Ellipse 6">
+            <a:extLst>
+              <a:ext uri="{FF2B5EF4-FFF2-40B4-BE49-F238E27FC236}">
+                <a16:creationId xmlns:a16="http://schemas.microsoft.com/office/drawing/2014/main" id="{329C7A1A-8863-6E85-5056-D876C0528A55}"/>
+              </a:ext>
+            </a:extLst>
+          </p:cNvPr>
+          <p:cNvSpPr/>
+          <p:nvPr/>
+        </p:nvSpPr>
+        <p:spPr>
+          <a:xfrm>
+            <a:off x="2351055" y="3257123"/>
+            <a:ext cx="360000" cy="360000"/>
+          </a:xfrm>
+          <a:prstGeom prst="ellipse">
+            <a:avLst/>
+          </a:prstGeom>
+          <a:noFill/>
+          <a:ln w="28575">
+            <a:solidFill>
+              <a:schemeClr val="accent1">
+                <a:lumMod val="50000"/>
+              </a:schemeClr>
+            </a:solidFill>
+          </a:ln>
+        </p:spPr>
+        <p:style>
+          <a:lnRef idx="2">
+            <a:schemeClr val="accent1">
+              <a:shade val="15000"/>
+            </a:schemeClr>
+          </a:lnRef>
+          <a:fillRef idx="1">
+            <a:schemeClr val="accent1"/>
+          </a:fillRef>
+          <a:effectRef idx="0">
+            <a:schemeClr val="accent1"/>
+          </a:effectRef>
+          <a:fontRef idx="minor">
+            <a:schemeClr val="lt1"/>
+          </a:fontRef>
+        </p:style>
+        <p:txBody>
+          <a:bodyPr rtlCol="0" anchor="ctr"/>
+          <a:lstStyle/>
+          <a:p>
+            <a:pPr algn="ctr"/>
+            <a:endParaRPr lang="fr-FR"/>
+          </a:p>
+        </p:txBody>
+      </p:sp>
+      <p:cxnSp>
+        <p:nvCxnSpPr>
+          <p:cNvPr id="8" name="Connecteur droit 7">
+            <a:extLst>
+              <a:ext uri="{FF2B5EF4-FFF2-40B4-BE49-F238E27FC236}">
+                <a16:creationId xmlns:a16="http://schemas.microsoft.com/office/drawing/2014/main" id="{5691678D-841F-C106-DD81-0DD756E63135}"/>
+              </a:ext>
+            </a:extLst>
+          </p:cNvPr>
+          <p:cNvCxnSpPr>
+            <a:cxnSpLocks/>
+            <a:stCxn id="7" idx="0"/>
+          </p:cNvCxnSpPr>
+          <p:nvPr/>
+        </p:nvCxnSpPr>
+        <p:spPr>
+          <a:xfrm flipV="1">
+            <a:off x="2531055" y="2706919"/>
+            <a:ext cx="0" cy="550204"/>
+          </a:xfrm>
+          <a:prstGeom prst="line">
+            <a:avLst/>
+          </a:prstGeom>
+          <a:noFill/>
+          <a:ln w="28575">
+            <a:solidFill>
+              <a:schemeClr val="accent1">
+                <a:lumMod val="50000"/>
+              </a:schemeClr>
+            </a:solidFill>
+          </a:ln>
+        </p:spPr>
+        <p:style>
+          <a:lnRef idx="2">
+            <a:schemeClr val="accent1">
+              <a:shade val="15000"/>
+            </a:schemeClr>
+          </a:lnRef>
+          <a:fillRef idx="1">
+            <a:schemeClr val="accent1"/>
+          </a:fillRef>
+          <a:effectRef idx="0">
+            <a:schemeClr val="accent1"/>
+          </a:effectRef>
+          <a:fontRef idx="minor">
+            <a:schemeClr val="lt1"/>
+          </a:fontRef>
+        </p:style>
+      </p:cxnSp>
+      <p:cxnSp>
+        <p:nvCxnSpPr>
+          <p:cNvPr id="9" name="Connecteur droit 8">
+            <a:extLst>
+              <a:ext uri="{FF2B5EF4-FFF2-40B4-BE49-F238E27FC236}">
+                <a16:creationId xmlns:a16="http://schemas.microsoft.com/office/drawing/2014/main" id="{826A6268-968E-DEB1-B42C-CDB0A9392ACA}"/>
+              </a:ext>
+            </a:extLst>
+          </p:cNvPr>
+          <p:cNvCxnSpPr>
+            <a:cxnSpLocks/>
+          </p:cNvCxnSpPr>
+          <p:nvPr/>
+        </p:nvCxnSpPr>
+        <p:spPr>
+          <a:xfrm flipH="1">
+            <a:off x="2519787" y="2706919"/>
+            <a:ext cx="1228435" cy="0"/>
+          </a:xfrm>
+          <a:prstGeom prst="line">
+            <a:avLst/>
+          </a:prstGeom>
+          <a:noFill/>
+          <a:ln w="28575">
+            <a:solidFill>
+              <a:schemeClr val="accent1">
+                <a:lumMod val="50000"/>
+              </a:schemeClr>
+            </a:solidFill>
+          </a:ln>
+        </p:spPr>
+        <p:style>
+          <a:lnRef idx="2">
+            <a:schemeClr val="accent1">
+              <a:shade val="15000"/>
+            </a:schemeClr>
+          </a:lnRef>
+          <a:fillRef idx="1">
+            <a:schemeClr val="accent1"/>
+          </a:fillRef>
+          <a:effectRef idx="0">
+            <a:schemeClr val="accent1"/>
+          </a:effectRef>
+          <a:fontRef idx="minor">
+            <a:schemeClr val="lt1"/>
+          </a:fontRef>
+        </p:style>
+      </p:cxnSp>
+      <p:cxnSp>
+        <p:nvCxnSpPr>
+          <p:cNvPr id="10" name="Connecteur droit 9">
+            <a:extLst>
+              <a:ext uri="{FF2B5EF4-FFF2-40B4-BE49-F238E27FC236}">
+                <a16:creationId xmlns:a16="http://schemas.microsoft.com/office/drawing/2014/main" id="{6590B8C3-300D-A1E3-7283-6AF986D8FFA9}"/>
+              </a:ext>
+            </a:extLst>
+          </p:cNvPr>
+          <p:cNvCxnSpPr>
+            <a:cxnSpLocks/>
+          </p:cNvCxnSpPr>
+          <p:nvPr/>
+        </p:nvCxnSpPr>
+        <p:spPr>
+          <a:xfrm flipV="1">
+            <a:off x="2531055" y="3617123"/>
+            <a:ext cx="0" cy="533957"/>
+          </a:xfrm>
+          <a:prstGeom prst="line">
+            <a:avLst/>
+          </a:prstGeom>
+          <a:noFill/>
+          <a:ln w="28575">
+            <a:solidFill>
+              <a:schemeClr val="accent1">
+                <a:lumMod val="50000"/>
+              </a:schemeClr>
+            </a:solidFill>
+          </a:ln>
+        </p:spPr>
+        <p:style>
+          <a:lnRef idx="2">
+            <a:schemeClr val="accent1">
+              <a:shade val="15000"/>
+            </a:schemeClr>
+          </a:lnRef>
+          <a:fillRef idx="1">
+            <a:schemeClr val="accent1"/>
+          </a:fillRef>
+          <a:effectRef idx="0">
+            <a:schemeClr val="accent1"/>
+          </a:effectRef>
+          <a:fontRef idx="minor">
+            <a:schemeClr val="lt1"/>
+          </a:fontRef>
+        </p:style>
+      </p:cxnSp>
+      <p:cxnSp>
+        <p:nvCxnSpPr>
+          <p:cNvPr id="11" name="Connecteur droit 10">
+            <a:extLst>
+              <a:ext uri="{FF2B5EF4-FFF2-40B4-BE49-F238E27FC236}">
+                <a16:creationId xmlns:a16="http://schemas.microsoft.com/office/drawing/2014/main" id="{82DBB7DE-1545-914E-E4B8-180CA289651B}"/>
+              </a:ext>
+            </a:extLst>
+          </p:cNvPr>
+          <p:cNvCxnSpPr>
+            <a:cxnSpLocks/>
+          </p:cNvCxnSpPr>
+          <p:nvPr/>
+        </p:nvCxnSpPr>
+        <p:spPr>
+          <a:xfrm>
+            <a:off x="2519787" y="4151080"/>
+            <a:ext cx="1228435" cy="0"/>
+          </a:xfrm>
+          <a:prstGeom prst="line">
+            <a:avLst/>
+          </a:prstGeom>
+          <a:noFill/>
+          <a:ln w="28575">
+            <a:solidFill>
+              <a:schemeClr val="accent1">
+                <a:lumMod val="50000"/>
+              </a:schemeClr>
+            </a:solidFill>
+          </a:ln>
+        </p:spPr>
+        <p:style>
+          <a:lnRef idx="2">
+            <a:schemeClr val="accent1">
+              <a:shade val="15000"/>
+            </a:schemeClr>
+          </a:lnRef>
+          <a:fillRef idx="1">
+            <a:schemeClr val="accent1"/>
+          </a:fillRef>
+          <a:effectRef idx="0">
+            <a:schemeClr val="accent1"/>
+          </a:effectRef>
+          <a:fontRef idx="minor">
+            <a:schemeClr val="lt1"/>
+          </a:fontRef>
+        </p:style>
+      </p:cxnSp>
+      <p:cxnSp>
+        <p:nvCxnSpPr>
+          <p:cNvPr id="12" name="Connecteur droit avec flèche 11">
+            <a:extLst>
+              <a:ext uri="{FF2B5EF4-FFF2-40B4-BE49-F238E27FC236}">
+                <a16:creationId xmlns:a16="http://schemas.microsoft.com/office/drawing/2014/main" id="{54E6D7BA-EAD0-42E5-8F39-FD1C2F19FCEB}"/>
+              </a:ext>
+            </a:extLst>
+          </p:cNvPr>
+          <p:cNvCxnSpPr>
+            <a:cxnSpLocks/>
+          </p:cNvCxnSpPr>
+          <p:nvPr/>
+        </p:nvCxnSpPr>
+        <p:spPr>
+          <a:xfrm>
+            <a:off x="2531055" y="2777485"/>
+            <a:ext cx="0" cy="406400"/>
+          </a:xfrm>
+          <a:prstGeom prst="straightConnector1">
+            <a:avLst/>
+          </a:prstGeom>
+          <a:noFill/>
+          <a:ln w="28575">
+            <a:solidFill>
+              <a:srgbClr val="C00000"/>
+            </a:solidFill>
+            <a:headEnd type="stealth" w="med" len="lg"/>
+          </a:ln>
+        </p:spPr>
+        <p:style>
+          <a:lnRef idx="2">
+            <a:schemeClr val="accent1">
+              <a:shade val="15000"/>
+            </a:schemeClr>
+          </a:lnRef>
+          <a:fillRef idx="1">
+            <a:schemeClr val="accent1"/>
+          </a:fillRef>
+          <a:effectRef idx="0">
+            <a:schemeClr val="accent1"/>
+          </a:effectRef>
+          <a:fontRef idx="minor">
+            <a:schemeClr val="lt1"/>
+          </a:fontRef>
+        </p:style>
+      </p:cxnSp>
+      <p:cxnSp>
+        <p:nvCxnSpPr>
+          <p:cNvPr id="13" name="Connecteur droit avec flèche 12">
+            <a:extLst>
+              <a:ext uri="{FF2B5EF4-FFF2-40B4-BE49-F238E27FC236}">
+                <a16:creationId xmlns:a16="http://schemas.microsoft.com/office/drawing/2014/main" id="{952A0A76-3B10-82D5-ADFD-D394B9D7C9D3}"/>
+              </a:ext>
+            </a:extLst>
+          </p:cNvPr>
+          <p:cNvCxnSpPr>
+            <a:cxnSpLocks/>
+          </p:cNvCxnSpPr>
+          <p:nvPr/>
+        </p:nvCxnSpPr>
+        <p:spPr>
+          <a:xfrm>
+            <a:off x="2251655" y="3210723"/>
+            <a:ext cx="0" cy="406400"/>
+          </a:xfrm>
+          <a:prstGeom prst="straightConnector1">
+            <a:avLst/>
+          </a:prstGeom>
+          <a:noFill/>
+          <a:ln w="28575">
+            <a:solidFill>
+              <a:schemeClr val="accent1">
+                <a:lumMod val="50000"/>
+              </a:schemeClr>
+            </a:solidFill>
+            <a:headEnd type="stealth" w="med" len="lg"/>
+          </a:ln>
+        </p:spPr>
+        <p:style>
+          <a:lnRef idx="2">
+            <a:schemeClr val="accent1">
+              <a:shade val="15000"/>
+            </a:schemeClr>
+          </a:lnRef>
+          <a:fillRef idx="1">
+            <a:schemeClr val="accent1"/>
+          </a:fillRef>
+          <a:effectRef idx="0">
+            <a:schemeClr val="accent1"/>
+          </a:effectRef>
+          <a:fontRef idx="minor">
+            <a:schemeClr val="lt1"/>
+          </a:fontRef>
+        </p:style>
+      </p:cxnSp>
+      <p:cxnSp>
+        <p:nvCxnSpPr>
+          <p:cNvPr id="14" name="Connecteur droit avec flèche 13">
+            <a:extLst>
+              <a:ext uri="{FF2B5EF4-FFF2-40B4-BE49-F238E27FC236}">
+                <a16:creationId xmlns:a16="http://schemas.microsoft.com/office/drawing/2014/main" id="{6C027B34-03E1-6111-8057-3B322F4130F2}"/>
+              </a:ext>
+            </a:extLst>
+          </p:cNvPr>
+          <p:cNvCxnSpPr>
+            <a:cxnSpLocks/>
+            <a:stCxn id="7" idx="0"/>
+            <a:endCxn id="7" idx="4"/>
+          </p:cNvCxnSpPr>
+          <p:nvPr/>
+        </p:nvCxnSpPr>
+        <p:spPr>
+          <a:xfrm>
+            <a:off x="2531055" y="3257123"/>
+            <a:ext cx="0" cy="360000"/>
+          </a:xfrm>
+          <a:prstGeom prst="straightConnector1">
+            <a:avLst/>
+          </a:prstGeom>
+          <a:noFill/>
+          <a:ln w="28575">
+            <a:solidFill>
+              <a:schemeClr val="accent1">
+                <a:lumMod val="50000"/>
+              </a:schemeClr>
+            </a:solidFill>
+            <a:headEnd type="stealth" w="med" len="lg"/>
+          </a:ln>
+        </p:spPr>
+        <p:style>
+          <a:lnRef idx="2">
+            <a:schemeClr val="accent1">
+              <a:shade val="15000"/>
+            </a:schemeClr>
+          </a:lnRef>
+          <a:fillRef idx="1">
+            <a:schemeClr val="accent1"/>
+          </a:fillRef>
+          <a:effectRef idx="0">
+            <a:schemeClr val="accent1"/>
+          </a:effectRef>
+          <a:fontRef idx="minor">
+            <a:schemeClr val="lt1"/>
+          </a:fontRef>
+        </p:style>
+      </p:cxnSp>
+      <mc:AlternateContent xmlns:mc="http://schemas.openxmlformats.org/markup-compatibility/2006" xmlns:a14="http://schemas.microsoft.com/office/drawing/2010/main">
+        <mc:Choice Requires="a14">
+          <p:sp>
+            <p:nvSpPr>
+              <p:cNvPr id="15" name="ZoneTexte 14">
+                <a:extLst>
+                  <a:ext uri="{FF2B5EF4-FFF2-40B4-BE49-F238E27FC236}">
+                    <a16:creationId xmlns:a16="http://schemas.microsoft.com/office/drawing/2014/main" id="{84A95AF8-AB77-B215-A9ED-CCE30BD92992}"/>
+                  </a:ext>
+                </a:extLst>
+              </p:cNvPr>
+              <p:cNvSpPr txBox="1"/>
+              <p:nvPr/>
+            </p:nvSpPr>
+            <p:spPr>
+              <a:xfrm>
+                <a:off x="1864940" y="3321590"/>
+                <a:ext cx="337015" cy="184666"/>
+              </a:xfrm>
+              <a:prstGeom prst="rect">
+                <a:avLst/>
+              </a:prstGeom>
+              <a:noFill/>
+            </p:spPr>
+            <p:txBody>
+              <a:bodyPr wrap="none" lIns="0" tIns="0" rIns="0" bIns="0" rtlCol="0">
+                <a:spAutoFit/>
+              </a:bodyPr>
+              <a:lstStyle/>
+              <a:p>
+                <a:pPr/>
+                <a14:m>
+                  <m:oMathPara xmlns:m="http://schemas.openxmlformats.org/officeDocument/2006/math">
+                    <m:oMathParaPr>
+                      <m:jc m:val="centerGroup"/>
+                    </m:oMathParaPr>
+                    <m:oMath xmlns:m="http://schemas.openxmlformats.org/officeDocument/2006/math">
+                      <m:r>
+                        <a:rPr lang="fr-FR" sz="1200" b="0" i="1" smtClean="0">
+                          <a:latin typeface="Cambria Math" panose="02040503050406030204" pitchFamily="18" charset="0"/>
+                        </a:rPr>
+                        <m:t>𝑈</m:t>
+                      </m:r>
+                      <m:r>
+                        <a:rPr lang="fr-FR" sz="1200" b="0" i="1" smtClean="0">
+                          <a:latin typeface="Cambria Math" panose="02040503050406030204" pitchFamily="18" charset="0"/>
+                        </a:rPr>
+                        <m:t>(</m:t>
+                      </m:r>
+                      <m:r>
+                        <a:rPr lang="fr-FR" sz="1200" b="0" i="1" smtClean="0">
+                          <a:latin typeface="Cambria Math" panose="02040503050406030204" pitchFamily="18" charset="0"/>
+                        </a:rPr>
+                        <m:t>𝑡</m:t>
+                      </m:r>
+                      <m:r>
+                        <a:rPr lang="fr-FR" sz="1200" b="0" i="1" smtClean="0">
+                          <a:latin typeface="Cambria Math" panose="02040503050406030204" pitchFamily="18" charset="0"/>
+                        </a:rPr>
+                        <m:t>)</m:t>
+                      </m:r>
+                    </m:oMath>
+                  </m:oMathPara>
+                </a14:m>
+                <a:endParaRPr lang="fr-FR" sz="1200" dirty="0"/>
+              </a:p>
+            </p:txBody>
+          </p:sp>
+        </mc:Choice>
+        <mc:Fallback xmlns="">
+          <p:sp>
+            <p:nvSpPr>
+              <p:cNvPr id="15" name="ZoneTexte 14">
+                <a:extLst>
+                  <a:ext uri="{FF2B5EF4-FFF2-40B4-BE49-F238E27FC236}">
+                    <a16:creationId xmlns:a16="http://schemas.microsoft.com/office/drawing/2014/main" id="{7016F9D8-8607-B211-587B-CF7010F6BB3A}"/>
+                  </a:ext>
+                </a:extLst>
+              </p:cNvPr>
+              <p:cNvSpPr txBox="1">
+                <a:spLocks noRot="1" noChangeAspect="1" noMove="1" noResize="1" noEditPoints="1" noAdjustHandles="1" noChangeArrowheads="1" noChangeShapeType="1" noTextEdit="1"/>
+              </p:cNvSpPr>
+              <p:nvPr/>
+            </p:nvSpPr>
+            <p:spPr>
+              <a:xfrm>
+                <a:off x="1864940" y="3321590"/>
+                <a:ext cx="337015" cy="184666"/>
+              </a:xfrm>
+              <a:prstGeom prst="rect">
+                <a:avLst/>
+              </a:prstGeom>
+              <a:blipFill>
+                <a:blip r:embed="rId2"/>
+                <a:stretch>
+                  <a:fillRect l="-10909" t="-6667" r="-16364" b="-36667"/>
+                </a:stretch>
+              </a:blipFill>
+            </p:spPr>
+            <p:txBody>
+              <a:bodyPr/>
+              <a:lstStyle/>
+              <a:p>
+                <a:r>
+                  <a:rPr lang="fr-FR">
+                    <a:noFill/>
+                  </a:rPr>
+                  <a:t> </a:t>
+                </a:r>
+              </a:p>
+            </p:txBody>
+          </p:sp>
+        </mc:Fallback>
+      </mc:AlternateContent>
+      <mc:AlternateContent xmlns:mc="http://schemas.openxmlformats.org/markup-compatibility/2006" xmlns:a14="http://schemas.microsoft.com/office/drawing/2010/main">
+        <mc:Choice Requires="a14">
+          <p:sp>
+            <p:nvSpPr>
+              <p:cNvPr id="16" name="ZoneTexte 15">
+                <a:extLst>
+                  <a:ext uri="{FF2B5EF4-FFF2-40B4-BE49-F238E27FC236}">
+                    <a16:creationId xmlns:a16="http://schemas.microsoft.com/office/drawing/2014/main" id="{8D6DC129-9D47-5C45-E08A-C8841003F90C}"/>
+                  </a:ext>
+                </a:extLst>
+              </p:cNvPr>
+              <p:cNvSpPr txBox="1"/>
+              <p:nvPr/>
+            </p:nvSpPr>
+            <p:spPr>
+              <a:xfrm>
+                <a:off x="2134672" y="2910065"/>
+                <a:ext cx="324256" cy="215444"/>
+              </a:xfrm>
+              <a:prstGeom prst="rect">
+                <a:avLst/>
+              </a:prstGeom>
+              <a:noFill/>
+            </p:spPr>
+            <p:txBody>
+              <a:bodyPr wrap="none" lIns="0" tIns="0" rIns="0" bIns="0" rtlCol="0">
+                <a:spAutoFit/>
+              </a:bodyPr>
+              <a:lstStyle/>
+              <a:p>
+                <a:pPr/>
+                <a14:m>
+                  <m:oMathPara xmlns:m="http://schemas.openxmlformats.org/officeDocument/2006/math">
+                    <m:oMathParaPr>
+                      <m:jc m:val="centerGroup"/>
+                    </m:oMathParaPr>
+                    <m:oMath xmlns:m="http://schemas.openxmlformats.org/officeDocument/2006/math">
+                      <m:r>
+                        <a:rPr lang="fr-FR" sz="1400" b="0" i="1" smtClean="0">
+                          <a:latin typeface="Cambria Math" panose="02040503050406030204" pitchFamily="18" charset="0"/>
+                        </a:rPr>
+                        <m:t>𝑖</m:t>
+                      </m:r>
+                      <m:r>
+                        <a:rPr lang="fr-FR" sz="1400" b="0" i="1" smtClean="0">
+                          <a:latin typeface="Cambria Math" panose="02040503050406030204" pitchFamily="18" charset="0"/>
+                        </a:rPr>
+                        <m:t>(</m:t>
+                      </m:r>
+                      <m:r>
+                        <a:rPr lang="fr-FR" sz="1400" b="0" i="1" smtClean="0">
+                          <a:latin typeface="Cambria Math" panose="02040503050406030204" pitchFamily="18" charset="0"/>
+                        </a:rPr>
+                        <m:t>𝑡</m:t>
+                      </m:r>
+                      <m:r>
+                        <a:rPr lang="fr-FR" sz="1400" b="0" i="1" smtClean="0">
+                          <a:latin typeface="Cambria Math" panose="02040503050406030204" pitchFamily="18" charset="0"/>
+                        </a:rPr>
+                        <m:t>)</m:t>
+                      </m:r>
+                    </m:oMath>
+                  </m:oMathPara>
+                </a14:m>
+                <a:endParaRPr lang="fr-FR" sz="1400" dirty="0"/>
+              </a:p>
+            </p:txBody>
+          </p:sp>
+        </mc:Choice>
+        <mc:Fallback xmlns="">
+          <p:sp>
+            <p:nvSpPr>
+              <p:cNvPr id="16" name="ZoneTexte 15">
+                <a:extLst>
+                  <a:ext uri="{FF2B5EF4-FFF2-40B4-BE49-F238E27FC236}">
+                    <a16:creationId xmlns:a16="http://schemas.microsoft.com/office/drawing/2014/main" id="{C09C9AFF-93C0-2C4F-3880-B8A2DBDD30CE}"/>
+                  </a:ext>
+                </a:extLst>
+              </p:cNvPr>
+              <p:cNvSpPr txBox="1">
+                <a:spLocks noRot="1" noChangeAspect="1" noMove="1" noResize="1" noEditPoints="1" noAdjustHandles="1" noChangeArrowheads="1" noChangeShapeType="1" noTextEdit="1"/>
+              </p:cNvSpPr>
+              <p:nvPr/>
+            </p:nvSpPr>
+            <p:spPr>
+              <a:xfrm>
+                <a:off x="2134672" y="2910065"/>
+                <a:ext cx="324256" cy="215444"/>
+              </a:xfrm>
+              <a:prstGeom prst="rect">
+                <a:avLst/>
+              </a:prstGeom>
+              <a:blipFill>
+                <a:blip r:embed="rId3"/>
+                <a:stretch>
+                  <a:fillRect l="-13208" r="-20755" b="-30556"/>
+                </a:stretch>
+              </a:blipFill>
+            </p:spPr>
+            <p:txBody>
+              <a:bodyPr/>
+              <a:lstStyle/>
+              <a:p>
+                <a:r>
+                  <a:rPr lang="fr-FR">
+                    <a:noFill/>
+                  </a:rPr>
+                  <a:t> </a:t>
+                </a:r>
+              </a:p>
+            </p:txBody>
+          </p:sp>
+        </mc:Fallback>
+      </mc:AlternateContent>
+      <p:cxnSp>
+        <p:nvCxnSpPr>
+          <p:cNvPr id="17" name="Connecteur droit 16">
+            <a:extLst>
+              <a:ext uri="{FF2B5EF4-FFF2-40B4-BE49-F238E27FC236}">
+                <a16:creationId xmlns:a16="http://schemas.microsoft.com/office/drawing/2014/main" id="{C84BC05C-E1C1-CE2B-F263-51C99C0E9D26}"/>
+              </a:ext>
+            </a:extLst>
+          </p:cNvPr>
+          <p:cNvCxnSpPr>
+            <a:cxnSpLocks/>
+          </p:cNvCxnSpPr>
+          <p:nvPr/>
+        </p:nvCxnSpPr>
+        <p:spPr>
+          <a:xfrm flipV="1">
+            <a:off x="3749861" y="2706919"/>
+            <a:ext cx="0" cy="1444161"/>
+          </a:xfrm>
+          <a:prstGeom prst="line">
+            <a:avLst/>
+          </a:prstGeom>
+          <a:noFill/>
+          <a:ln w="28575">
+            <a:solidFill>
+              <a:schemeClr val="accent1">
+                <a:lumMod val="50000"/>
+              </a:schemeClr>
+            </a:solidFill>
+          </a:ln>
+        </p:spPr>
+        <p:style>
+          <a:lnRef idx="2">
+            <a:schemeClr val="accent1">
+              <a:shade val="15000"/>
+            </a:schemeClr>
+          </a:lnRef>
+          <a:fillRef idx="1">
+            <a:schemeClr val="accent1"/>
+          </a:fillRef>
+          <a:effectRef idx="0">
+            <a:schemeClr val="accent1"/>
+          </a:effectRef>
+          <a:fontRef idx="minor">
+            <a:schemeClr val="lt1"/>
+          </a:fontRef>
+        </p:style>
+      </p:cxnSp>
+      <p:grpSp>
+        <p:nvGrpSpPr>
+          <p:cNvPr id="18" name="Groupe 17">
+            <a:extLst>
+              <a:ext uri="{FF2B5EF4-FFF2-40B4-BE49-F238E27FC236}">
+                <a16:creationId xmlns:a16="http://schemas.microsoft.com/office/drawing/2014/main" id="{D8ACA3F5-AC85-C8DE-9D50-C3997AB944AD}"/>
+              </a:ext>
+            </a:extLst>
+          </p:cNvPr>
+          <p:cNvGrpSpPr/>
+          <p:nvPr/>
+        </p:nvGrpSpPr>
+        <p:grpSpPr>
+          <a:xfrm>
+            <a:off x="3568222" y="3166393"/>
+            <a:ext cx="360000" cy="541100"/>
+            <a:chOff x="3762956" y="1758349"/>
+            <a:chExt cx="360000" cy="541100"/>
+          </a:xfrm>
+        </p:grpSpPr>
+        <p:sp>
+          <p:nvSpPr>
+            <p:cNvPr id="19" name="Ellipse 18">
+              <a:extLst>
+                <a:ext uri="{FF2B5EF4-FFF2-40B4-BE49-F238E27FC236}">
+                  <a16:creationId xmlns:a16="http://schemas.microsoft.com/office/drawing/2014/main" id="{466401F5-2649-397F-3622-AD391E2AC12A}"/>
+                </a:ext>
+              </a:extLst>
+            </p:cNvPr>
+            <p:cNvSpPr/>
+            <p:nvPr/>
+          </p:nvSpPr>
+          <p:spPr>
+            <a:xfrm>
+              <a:off x="3762956" y="1848899"/>
+              <a:ext cx="360000" cy="360000"/>
+            </a:xfrm>
+            <a:prstGeom prst="ellipse">
+              <a:avLst/>
+            </a:prstGeom>
+            <a:solidFill>
+              <a:schemeClr val="bg1"/>
+            </a:solidFill>
+            <a:ln w="28575">
+              <a:solidFill>
+                <a:schemeClr val="accent1">
+                  <a:lumMod val="50000"/>
+                </a:schemeClr>
+              </a:solidFill>
+            </a:ln>
+          </p:spPr>
+          <p:style>
+            <a:lnRef idx="2">
+              <a:schemeClr val="accent1">
+                <a:shade val="15000"/>
+              </a:schemeClr>
+            </a:lnRef>
+            <a:fillRef idx="1">
+              <a:schemeClr val="accent1"/>
+            </a:fillRef>
+            <a:effectRef idx="0">
+              <a:schemeClr val="accent1"/>
+            </a:effectRef>
+            <a:fontRef idx="minor">
+              <a:schemeClr val="lt1"/>
+            </a:fontRef>
+          </p:style>
+          <p:txBody>
+            <a:bodyPr rtlCol="0" anchor="ctr"/>
+            <a:lstStyle/>
+            <a:p>
+              <a:pPr algn="ctr"/>
+              <a:endParaRPr lang="fr-FR"/>
+            </a:p>
+          </p:txBody>
+        </p:sp>
+        <p:sp>
+          <p:nvSpPr>
+            <p:cNvPr id="20" name="Rectangle 19">
+              <a:extLst>
+                <a:ext uri="{FF2B5EF4-FFF2-40B4-BE49-F238E27FC236}">
+                  <a16:creationId xmlns:a16="http://schemas.microsoft.com/office/drawing/2014/main" id="{7FDE783A-10BE-6AD5-12B9-65A105B1CB26}"/>
+                </a:ext>
+              </a:extLst>
+            </p:cNvPr>
+            <p:cNvSpPr/>
+            <p:nvPr/>
+          </p:nvSpPr>
+          <p:spPr>
+            <a:xfrm>
+              <a:off x="3864223" y="1758349"/>
+              <a:ext cx="157464" cy="110867"/>
+            </a:xfrm>
+            <a:prstGeom prst="rect">
+              <a:avLst/>
+            </a:prstGeom>
+            <a:solidFill>
+              <a:schemeClr val="bg1"/>
+            </a:solidFill>
+            <a:ln w="28575">
+              <a:solidFill>
+                <a:schemeClr val="accent1">
+                  <a:lumMod val="50000"/>
+                </a:schemeClr>
+              </a:solidFill>
+            </a:ln>
+          </p:spPr>
+          <p:style>
+            <a:lnRef idx="2">
+              <a:schemeClr val="accent1">
+                <a:shade val="15000"/>
+              </a:schemeClr>
+            </a:lnRef>
+            <a:fillRef idx="1">
+              <a:schemeClr val="accent1"/>
+            </a:fillRef>
+            <a:effectRef idx="0">
+              <a:schemeClr val="accent1"/>
+            </a:effectRef>
+            <a:fontRef idx="minor">
+              <a:schemeClr val="lt1"/>
+            </a:fontRef>
+          </p:style>
+          <p:txBody>
+            <a:bodyPr rtlCol="0" anchor="ctr"/>
+            <a:lstStyle/>
+            <a:p>
+              <a:pPr algn="ctr"/>
+              <a:endParaRPr lang="fr-FR"/>
+            </a:p>
+          </p:txBody>
+        </p:sp>
+        <p:sp>
+          <p:nvSpPr>
+            <p:cNvPr id="21" name="Rectangle 20">
+              <a:extLst>
+                <a:ext uri="{FF2B5EF4-FFF2-40B4-BE49-F238E27FC236}">
+                  <a16:creationId xmlns:a16="http://schemas.microsoft.com/office/drawing/2014/main" id="{C5FAD615-0A48-097A-8B12-80808F7BE37B}"/>
+                </a:ext>
+              </a:extLst>
+            </p:cNvPr>
+            <p:cNvSpPr/>
+            <p:nvPr/>
+          </p:nvSpPr>
+          <p:spPr>
+            <a:xfrm>
+              <a:off x="3866029" y="2188582"/>
+              <a:ext cx="157464" cy="110867"/>
+            </a:xfrm>
+            <a:prstGeom prst="rect">
+              <a:avLst/>
+            </a:prstGeom>
+            <a:solidFill>
+              <a:schemeClr val="bg1"/>
+            </a:solidFill>
+            <a:ln w="28575">
+              <a:solidFill>
+                <a:schemeClr val="accent1">
+                  <a:lumMod val="50000"/>
+                </a:schemeClr>
+              </a:solidFill>
+            </a:ln>
+          </p:spPr>
+          <p:style>
+            <a:lnRef idx="2">
+              <a:schemeClr val="accent1">
+                <a:shade val="15000"/>
+              </a:schemeClr>
+            </a:lnRef>
+            <a:fillRef idx="1">
+              <a:schemeClr val="accent1"/>
+            </a:fillRef>
+            <a:effectRef idx="0">
+              <a:schemeClr val="accent1"/>
+            </a:effectRef>
+            <a:fontRef idx="minor">
+              <a:schemeClr val="lt1"/>
+            </a:fontRef>
+          </p:style>
+          <p:txBody>
+            <a:bodyPr rtlCol="0" anchor="ctr"/>
+            <a:lstStyle/>
+            <a:p>
+              <a:pPr algn="ctr"/>
+              <a:endParaRPr lang="fr-FR"/>
+            </a:p>
+          </p:txBody>
+        </p:sp>
+      </p:grpSp>
+      <p:sp>
+        <p:nvSpPr>
+          <p:cNvPr id="23" name="Ellipse 22">
+            <a:extLst>
+              <a:ext uri="{FF2B5EF4-FFF2-40B4-BE49-F238E27FC236}">
+                <a16:creationId xmlns:a16="http://schemas.microsoft.com/office/drawing/2014/main" id="{6980166F-52F3-3D3E-F325-FD3B753B9B00}"/>
+              </a:ext>
+            </a:extLst>
+          </p:cNvPr>
+          <p:cNvSpPr/>
+          <p:nvPr/>
+        </p:nvSpPr>
+        <p:spPr>
+          <a:xfrm flipH="1">
+            <a:off x="5598703" y="3257123"/>
+            <a:ext cx="360000" cy="360000"/>
+          </a:xfrm>
+          <a:prstGeom prst="ellipse">
+            <a:avLst/>
+          </a:prstGeom>
+          <a:noFill/>
+          <a:ln w="28575">
+            <a:solidFill>
+              <a:schemeClr val="accent1">
+                <a:lumMod val="50000"/>
+              </a:schemeClr>
+            </a:solidFill>
+          </a:ln>
+        </p:spPr>
+        <p:style>
+          <a:lnRef idx="2">
+            <a:schemeClr val="accent1">
+              <a:shade val="15000"/>
+            </a:schemeClr>
+          </a:lnRef>
+          <a:fillRef idx="1">
+            <a:schemeClr val="accent1"/>
+          </a:fillRef>
+          <a:effectRef idx="0">
+            <a:schemeClr val="accent1"/>
+          </a:effectRef>
+          <a:fontRef idx="minor">
+            <a:schemeClr val="lt1"/>
+          </a:fontRef>
+        </p:style>
+        <p:txBody>
+          <a:bodyPr rtlCol="0" anchor="ctr"/>
+          <a:lstStyle/>
+          <a:p>
+            <a:pPr algn="ctr"/>
+            <a:endParaRPr lang="fr-FR"/>
+          </a:p>
+        </p:txBody>
+      </p:sp>
+      <p:cxnSp>
+        <p:nvCxnSpPr>
+          <p:cNvPr id="24" name="Connecteur droit 23">
+            <a:extLst>
+              <a:ext uri="{FF2B5EF4-FFF2-40B4-BE49-F238E27FC236}">
+                <a16:creationId xmlns:a16="http://schemas.microsoft.com/office/drawing/2014/main" id="{3CD96A9B-AFC9-CF16-64FA-3BE91E87489B}"/>
+              </a:ext>
+            </a:extLst>
+          </p:cNvPr>
+          <p:cNvCxnSpPr>
+            <a:cxnSpLocks/>
+            <a:stCxn id="23" idx="0"/>
+          </p:cNvCxnSpPr>
+          <p:nvPr/>
+        </p:nvCxnSpPr>
+        <p:spPr>
+          <a:xfrm flipH="1" flipV="1">
+            <a:off x="5778703" y="2706919"/>
+            <a:ext cx="0" cy="550204"/>
+          </a:xfrm>
+          <a:prstGeom prst="line">
+            <a:avLst/>
+          </a:prstGeom>
+          <a:noFill/>
+          <a:ln w="28575">
+            <a:solidFill>
+              <a:schemeClr val="accent1">
+                <a:lumMod val="50000"/>
+              </a:schemeClr>
+            </a:solidFill>
+          </a:ln>
+        </p:spPr>
+        <p:style>
+          <a:lnRef idx="2">
+            <a:schemeClr val="accent1">
+              <a:shade val="15000"/>
+            </a:schemeClr>
+          </a:lnRef>
+          <a:fillRef idx="1">
+            <a:schemeClr val="accent1"/>
+          </a:fillRef>
+          <a:effectRef idx="0">
+            <a:schemeClr val="accent1"/>
+          </a:effectRef>
+          <a:fontRef idx="minor">
+            <a:schemeClr val="lt1"/>
+          </a:fontRef>
+        </p:style>
+      </p:cxnSp>
+      <p:cxnSp>
+        <p:nvCxnSpPr>
+          <p:cNvPr id="25" name="Connecteur droit 24">
+            <a:extLst>
+              <a:ext uri="{FF2B5EF4-FFF2-40B4-BE49-F238E27FC236}">
+                <a16:creationId xmlns:a16="http://schemas.microsoft.com/office/drawing/2014/main" id="{4FB537FA-EF34-A411-A00E-2DF833EC1A8F}"/>
+              </a:ext>
+            </a:extLst>
+          </p:cNvPr>
+          <p:cNvCxnSpPr>
+            <a:cxnSpLocks/>
+          </p:cNvCxnSpPr>
+          <p:nvPr/>
+        </p:nvCxnSpPr>
+        <p:spPr>
+          <a:xfrm>
+            <a:off x="4877588" y="2706919"/>
+            <a:ext cx="901115" cy="0"/>
+          </a:xfrm>
+          <a:prstGeom prst="line">
+            <a:avLst/>
+          </a:prstGeom>
+          <a:noFill/>
+          <a:ln w="28575">
+            <a:solidFill>
+              <a:schemeClr val="accent1">
+                <a:lumMod val="50000"/>
+              </a:schemeClr>
+            </a:solidFill>
+          </a:ln>
+        </p:spPr>
+        <p:style>
+          <a:lnRef idx="2">
+            <a:schemeClr val="accent1">
+              <a:shade val="15000"/>
+            </a:schemeClr>
+          </a:lnRef>
+          <a:fillRef idx="1">
+            <a:schemeClr val="accent1"/>
+          </a:fillRef>
+          <a:effectRef idx="0">
+            <a:schemeClr val="accent1"/>
+          </a:effectRef>
+          <a:fontRef idx="minor">
+            <a:schemeClr val="lt1"/>
+          </a:fontRef>
+        </p:style>
+      </p:cxnSp>
+      <p:cxnSp>
+        <p:nvCxnSpPr>
+          <p:cNvPr id="26" name="Connecteur droit 25">
+            <a:extLst>
+              <a:ext uri="{FF2B5EF4-FFF2-40B4-BE49-F238E27FC236}">
+                <a16:creationId xmlns:a16="http://schemas.microsoft.com/office/drawing/2014/main" id="{D9533EB6-EB98-2D57-9DBD-B5F3A8A08E15}"/>
+              </a:ext>
+            </a:extLst>
+          </p:cNvPr>
+          <p:cNvCxnSpPr>
+            <a:cxnSpLocks/>
+          </p:cNvCxnSpPr>
+          <p:nvPr/>
+        </p:nvCxnSpPr>
+        <p:spPr>
+          <a:xfrm flipH="1" flipV="1">
+            <a:off x="5778703" y="3617123"/>
+            <a:ext cx="0" cy="533957"/>
+          </a:xfrm>
+          <a:prstGeom prst="line">
+            <a:avLst/>
+          </a:prstGeom>
+          <a:noFill/>
+          <a:ln w="28575">
+            <a:solidFill>
+              <a:schemeClr val="accent1">
+                <a:lumMod val="50000"/>
+              </a:schemeClr>
+            </a:solidFill>
+          </a:ln>
+        </p:spPr>
+        <p:style>
+          <a:lnRef idx="2">
+            <a:schemeClr val="accent1">
+              <a:shade val="15000"/>
+            </a:schemeClr>
+          </a:lnRef>
+          <a:fillRef idx="1">
+            <a:schemeClr val="accent1"/>
+          </a:fillRef>
+          <a:effectRef idx="0">
+            <a:schemeClr val="accent1"/>
+          </a:effectRef>
+          <a:fontRef idx="minor">
+            <a:schemeClr val="lt1"/>
+          </a:fontRef>
+        </p:style>
+      </p:cxnSp>
+      <p:cxnSp>
+        <p:nvCxnSpPr>
+          <p:cNvPr id="27" name="Connecteur droit 26">
+            <a:extLst>
+              <a:ext uri="{FF2B5EF4-FFF2-40B4-BE49-F238E27FC236}">
+                <a16:creationId xmlns:a16="http://schemas.microsoft.com/office/drawing/2014/main" id="{F28EB6CB-0554-B9BA-E7AC-F4B718DCEC90}"/>
+              </a:ext>
+            </a:extLst>
+          </p:cNvPr>
+          <p:cNvCxnSpPr>
+            <a:cxnSpLocks/>
+          </p:cNvCxnSpPr>
+          <p:nvPr/>
+        </p:nvCxnSpPr>
+        <p:spPr>
+          <a:xfrm flipH="1">
+            <a:off x="4886656" y="4151080"/>
+            <a:ext cx="892047" cy="0"/>
+          </a:xfrm>
+          <a:prstGeom prst="line">
+            <a:avLst/>
+          </a:prstGeom>
+          <a:noFill/>
+          <a:ln w="28575">
+            <a:solidFill>
+              <a:schemeClr val="accent1">
+                <a:lumMod val="50000"/>
+              </a:schemeClr>
+            </a:solidFill>
+          </a:ln>
+        </p:spPr>
+        <p:style>
+          <a:lnRef idx="2">
+            <a:schemeClr val="accent1">
+              <a:shade val="15000"/>
+            </a:schemeClr>
+          </a:lnRef>
+          <a:fillRef idx="1">
+            <a:schemeClr val="accent1"/>
+          </a:fillRef>
+          <a:effectRef idx="0">
+            <a:schemeClr val="accent1"/>
+          </a:effectRef>
+          <a:fontRef idx="minor">
+            <a:schemeClr val="lt1"/>
+          </a:fontRef>
+        </p:style>
+      </p:cxnSp>
+      <mc:AlternateContent xmlns:mc="http://schemas.openxmlformats.org/markup-compatibility/2006" xmlns:a14="http://schemas.microsoft.com/office/drawing/2010/main">
+        <mc:Choice Requires="a14">
+          <p:sp>
+            <p:nvSpPr>
+              <p:cNvPr id="32" name="ZoneTexte 31">
+                <a:extLst>
+                  <a:ext uri="{FF2B5EF4-FFF2-40B4-BE49-F238E27FC236}">
+                    <a16:creationId xmlns:a16="http://schemas.microsoft.com/office/drawing/2014/main" id="{601C22EF-E5F8-56A7-DABE-C79BDCE2A4F8}"/>
+                  </a:ext>
+                </a:extLst>
+              </p:cNvPr>
+              <p:cNvSpPr txBox="1"/>
+              <p:nvPr/>
+            </p:nvSpPr>
+            <p:spPr>
+              <a:xfrm flipH="1">
+                <a:off x="4917309" y="2822480"/>
+                <a:ext cx="407098" cy="232949"/>
+              </a:xfrm>
+              <a:prstGeom prst="rect">
+                <a:avLst/>
+              </a:prstGeom>
+              <a:noFill/>
+            </p:spPr>
+            <p:txBody>
+              <a:bodyPr wrap="none" lIns="0" tIns="0" rIns="0" bIns="0" rtlCol="0">
+                <a:spAutoFit/>
+              </a:bodyPr>
+              <a:lstStyle/>
+              <a:p>
+                <a:pPr/>
+                <a14:m>
+                  <m:oMathPara xmlns:m="http://schemas.openxmlformats.org/officeDocument/2006/math">
+                    <m:oMathParaPr>
+                      <m:jc m:val="centerGroup"/>
+                    </m:oMathParaPr>
+                    <m:oMath xmlns:m="http://schemas.openxmlformats.org/officeDocument/2006/math">
+                      <m:sSub>
+                        <m:sSubPr>
+                          <m:ctrlPr>
+                            <a:rPr lang="fr-FR" sz="1400" b="0" i="1" smtClean="0">
+                              <a:latin typeface="Cambria Math" panose="02040503050406030204" pitchFamily="18" charset="0"/>
+                            </a:rPr>
+                          </m:ctrlPr>
+                        </m:sSubPr>
+                        <m:e>
+                          <m:r>
+                            <a:rPr lang="fr-FR" sz="1400" b="0" i="1" smtClean="0">
+                              <a:latin typeface="Cambria Math" panose="02040503050406030204" pitchFamily="18" charset="0"/>
+                            </a:rPr>
+                            <m:t>𝑖</m:t>
+                          </m:r>
+                        </m:e>
+                        <m:sub>
+                          <m:r>
+                            <a:rPr lang="fr-FR" sz="1400" b="0" i="1" smtClean="0">
+                              <a:latin typeface="Cambria Math" panose="02040503050406030204" pitchFamily="18" charset="0"/>
+                            </a:rPr>
+                            <m:t>𝑔</m:t>
+                          </m:r>
+                        </m:sub>
+                      </m:sSub>
+                      <m:r>
+                        <a:rPr lang="fr-FR" sz="1400" b="0" i="1" smtClean="0">
+                          <a:latin typeface="Cambria Math" panose="02040503050406030204" pitchFamily="18" charset="0"/>
+                        </a:rPr>
+                        <m:t>(</m:t>
+                      </m:r>
+                      <m:r>
+                        <a:rPr lang="fr-FR" sz="1400" b="0" i="1" smtClean="0">
+                          <a:latin typeface="Cambria Math" panose="02040503050406030204" pitchFamily="18" charset="0"/>
+                        </a:rPr>
+                        <m:t>𝑡</m:t>
+                      </m:r>
+                      <m:r>
+                        <a:rPr lang="fr-FR" sz="1400" b="0" i="1" smtClean="0">
+                          <a:latin typeface="Cambria Math" panose="02040503050406030204" pitchFamily="18" charset="0"/>
+                        </a:rPr>
+                        <m:t>)</m:t>
+                      </m:r>
+                    </m:oMath>
+                  </m:oMathPara>
+                </a14:m>
+                <a:endParaRPr lang="fr-FR" sz="1400" dirty="0"/>
+              </a:p>
+            </p:txBody>
+          </p:sp>
+        </mc:Choice>
+        <mc:Fallback xmlns="">
+          <p:sp>
+            <p:nvSpPr>
+              <p:cNvPr id="32" name="ZoneTexte 31">
+                <a:extLst>
+                  <a:ext uri="{FF2B5EF4-FFF2-40B4-BE49-F238E27FC236}">
+                    <a16:creationId xmlns:a16="http://schemas.microsoft.com/office/drawing/2014/main" id="{D745ECB0-3CD0-BB1B-EDAD-9FC2F368C65A}"/>
+                  </a:ext>
+                </a:extLst>
+              </p:cNvPr>
+              <p:cNvSpPr txBox="1">
+                <a:spLocks noRot="1" noChangeAspect="1" noMove="1" noResize="1" noEditPoints="1" noAdjustHandles="1" noChangeArrowheads="1" noChangeShapeType="1" noTextEdit="1"/>
+              </p:cNvSpPr>
+              <p:nvPr/>
+            </p:nvSpPr>
+            <p:spPr>
+              <a:xfrm flipH="1">
+                <a:off x="4917309" y="2822480"/>
+                <a:ext cx="407098" cy="232949"/>
+              </a:xfrm>
+              <a:prstGeom prst="rect">
+                <a:avLst/>
+              </a:prstGeom>
+              <a:blipFill>
+                <a:blip r:embed="rId5"/>
+                <a:stretch>
+                  <a:fillRect l="-10606" r="-15152" b="-26316"/>
+                </a:stretch>
+              </a:blipFill>
+            </p:spPr>
+            <p:txBody>
+              <a:bodyPr/>
+              <a:lstStyle/>
+              <a:p>
+                <a:r>
+                  <a:rPr lang="fr-FR">
+                    <a:noFill/>
+                  </a:rPr>
+                  <a:t> </a:t>
+                </a:r>
+              </a:p>
+            </p:txBody>
+          </p:sp>
+        </mc:Fallback>
+      </mc:AlternateContent>
+      <p:cxnSp>
+        <p:nvCxnSpPr>
+          <p:cNvPr id="28" name="Connecteur droit avec flèche 27">
+            <a:extLst>
+              <a:ext uri="{FF2B5EF4-FFF2-40B4-BE49-F238E27FC236}">
+                <a16:creationId xmlns:a16="http://schemas.microsoft.com/office/drawing/2014/main" id="{446B1C5D-9746-DA20-E984-EBC0460D6558}"/>
+              </a:ext>
+            </a:extLst>
+          </p:cNvPr>
+          <p:cNvCxnSpPr>
+            <a:cxnSpLocks/>
+          </p:cNvCxnSpPr>
+          <p:nvPr/>
+        </p:nvCxnSpPr>
+        <p:spPr>
+          <a:xfrm flipH="1">
+            <a:off x="4884851" y="2706865"/>
+            <a:ext cx="0" cy="406400"/>
+          </a:xfrm>
+          <a:prstGeom prst="straightConnector1">
+            <a:avLst/>
+          </a:prstGeom>
+          <a:noFill/>
+          <a:ln w="28575">
+            <a:solidFill>
+              <a:srgbClr val="C00000"/>
+            </a:solidFill>
+            <a:headEnd type="stealth" w="med" len="lg"/>
+          </a:ln>
+        </p:spPr>
+        <p:style>
+          <a:lnRef idx="2">
+            <a:schemeClr val="accent1">
+              <a:shade val="15000"/>
+            </a:schemeClr>
+          </a:lnRef>
+          <a:fillRef idx="1">
+            <a:schemeClr val="accent1"/>
+          </a:fillRef>
+          <a:effectRef idx="0">
+            <a:schemeClr val="accent1"/>
+          </a:effectRef>
+          <a:fontRef idx="minor">
+            <a:schemeClr val="lt1"/>
+          </a:fontRef>
+        </p:style>
+      </p:cxnSp>
+      <p:grpSp>
+        <p:nvGrpSpPr>
+          <p:cNvPr id="34" name="Groupe 33">
+            <a:extLst>
+              <a:ext uri="{FF2B5EF4-FFF2-40B4-BE49-F238E27FC236}">
+                <a16:creationId xmlns:a16="http://schemas.microsoft.com/office/drawing/2014/main" id="{B30E7D09-3625-0204-C9D3-F25EBAA6FB4C}"/>
+              </a:ext>
+            </a:extLst>
+          </p:cNvPr>
+          <p:cNvGrpSpPr/>
+          <p:nvPr/>
+        </p:nvGrpSpPr>
+        <p:grpSpPr>
+          <a:xfrm flipH="1">
+            <a:off x="4706656" y="3162163"/>
+            <a:ext cx="360000" cy="541100"/>
+            <a:chOff x="3762956" y="1758349"/>
+            <a:chExt cx="360000" cy="541100"/>
+          </a:xfrm>
+        </p:grpSpPr>
+        <p:sp>
+          <p:nvSpPr>
+            <p:cNvPr id="35" name="Ellipse 34">
+              <a:extLst>
+                <a:ext uri="{FF2B5EF4-FFF2-40B4-BE49-F238E27FC236}">
+                  <a16:creationId xmlns:a16="http://schemas.microsoft.com/office/drawing/2014/main" id="{48593606-B860-561E-653F-98326F295979}"/>
+                </a:ext>
+              </a:extLst>
+            </p:cNvPr>
+            <p:cNvSpPr/>
+            <p:nvPr/>
+          </p:nvSpPr>
+          <p:spPr>
+            <a:xfrm>
+              <a:off x="3762956" y="1848899"/>
+              <a:ext cx="360000" cy="360000"/>
+            </a:xfrm>
+            <a:prstGeom prst="ellipse">
+              <a:avLst/>
+            </a:prstGeom>
+            <a:solidFill>
+              <a:schemeClr val="bg1"/>
+            </a:solidFill>
+            <a:ln w="28575">
+              <a:solidFill>
+                <a:schemeClr val="accent1">
+                  <a:lumMod val="50000"/>
+                </a:schemeClr>
+              </a:solidFill>
+            </a:ln>
+          </p:spPr>
+          <p:style>
+            <a:lnRef idx="2">
+              <a:schemeClr val="accent1">
+                <a:shade val="15000"/>
+              </a:schemeClr>
+            </a:lnRef>
+            <a:fillRef idx="1">
+              <a:schemeClr val="accent1"/>
+            </a:fillRef>
+            <a:effectRef idx="0">
+              <a:schemeClr val="accent1"/>
+            </a:effectRef>
+            <a:fontRef idx="minor">
+              <a:schemeClr val="lt1"/>
+            </a:fontRef>
+          </p:style>
+          <p:txBody>
+            <a:bodyPr rtlCol="0" anchor="ctr"/>
+            <a:lstStyle/>
+            <a:p>
+              <a:pPr algn="ctr"/>
+              <a:endParaRPr lang="fr-FR"/>
+            </a:p>
+          </p:txBody>
+        </p:sp>
+        <p:sp>
+          <p:nvSpPr>
+            <p:cNvPr id="36" name="Rectangle 35">
+              <a:extLst>
+                <a:ext uri="{FF2B5EF4-FFF2-40B4-BE49-F238E27FC236}">
+                  <a16:creationId xmlns:a16="http://schemas.microsoft.com/office/drawing/2014/main" id="{3D85A2EA-A06C-C166-3106-24540E689E19}"/>
+                </a:ext>
+              </a:extLst>
+            </p:cNvPr>
+            <p:cNvSpPr/>
+            <p:nvPr/>
+          </p:nvSpPr>
+          <p:spPr>
+            <a:xfrm>
+              <a:off x="3864223" y="1758349"/>
+              <a:ext cx="157464" cy="110867"/>
+            </a:xfrm>
+            <a:prstGeom prst="rect">
+              <a:avLst/>
+            </a:prstGeom>
+            <a:solidFill>
+              <a:schemeClr val="bg1"/>
+            </a:solidFill>
+            <a:ln w="28575">
+              <a:solidFill>
+                <a:schemeClr val="accent1">
+                  <a:lumMod val="50000"/>
+                </a:schemeClr>
+              </a:solidFill>
+            </a:ln>
+          </p:spPr>
+          <p:style>
+            <a:lnRef idx="2">
+              <a:schemeClr val="accent1">
+                <a:shade val="15000"/>
+              </a:schemeClr>
+            </a:lnRef>
+            <a:fillRef idx="1">
+              <a:schemeClr val="accent1"/>
+            </a:fillRef>
+            <a:effectRef idx="0">
+              <a:schemeClr val="accent1"/>
+            </a:effectRef>
+            <a:fontRef idx="minor">
+              <a:schemeClr val="lt1"/>
+            </a:fontRef>
+          </p:style>
+          <p:txBody>
+            <a:bodyPr rtlCol="0" anchor="ctr"/>
+            <a:lstStyle/>
+            <a:p>
+              <a:pPr algn="ctr"/>
+              <a:endParaRPr lang="fr-FR"/>
+            </a:p>
+          </p:txBody>
+        </p:sp>
+        <p:sp>
+          <p:nvSpPr>
+            <p:cNvPr id="37" name="Rectangle 36">
+              <a:extLst>
+                <a:ext uri="{FF2B5EF4-FFF2-40B4-BE49-F238E27FC236}">
+                  <a16:creationId xmlns:a16="http://schemas.microsoft.com/office/drawing/2014/main" id="{75C4085E-8280-8792-DED4-80F40E294B20}"/>
+                </a:ext>
+              </a:extLst>
+            </p:cNvPr>
+            <p:cNvSpPr/>
+            <p:nvPr/>
+          </p:nvSpPr>
+          <p:spPr>
+            <a:xfrm>
+              <a:off x="3866029" y="2188582"/>
+              <a:ext cx="157464" cy="110867"/>
+            </a:xfrm>
+            <a:prstGeom prst="rect">
+              <a:avLst/>
+            </a:prstGeom>
+            <a:solidFill>
+              <a:schemeClr val="bg1"/>
+            </a:solidFill>
+            <a:ln w="28575">
+              <a:solidFill>
+                <a:schemeClr val="accent1">
+                  <a:lumMod val="50000"/>
+                </a:schemeClr>
+              </a:solidFill>
+            </a:ln>
+          </p:spPr>
+          <p:style>
+            <a:lnRef idx="2">
+              <a:schemeClr val="accent1">
+                <a:shade val="15000"/>
+              </a:schemeClr>
+            </a:lnRef>
+            <a:fillRef idx="1">
+              <a:schemeClr val="accent1"/>
+            </a:fillRef>
+            <a:effectRef idx="0">
+              <a:schemeClr val="accent1"/>
+            </a:effectRef>
+            <a:fontRef idx="minor">
+              <a:schemeClr val="lt1"/>
+            </a:fontRef>
+          </p:style>
+          <p:txBody>
+            <a:bodyPr rtlCol="0" anchor="ctr"/>
+            <a:lstStyle/>
+            <a:p>
+              <a:pPr algn="ctr"/>
+              <a:endParaRPr lang="fr-FR"/>
+            </a:p>
+          </p:txBody>
+        </p:sp>
+      </p:grpSp>
+      <p:cxnSp>
+        <p:nvCxnSpPr>
+          <p:cNvPr id="38" name="Connecteur droit 37">
+            <a:extLst>
+              <a:ext uri="{FF2B5EF4-FFF2-40B4-BE49-F238E27FC236}">
+                <a16:creationId xmlns:a16="http://schemas.microsoft.com/office/drawing/2014/main" id="{E3536374-65AE-DCEF-4183-44E5D56019DD}"/>
+              </a:ext>
+            </a:extLst>
+          </p:cNvPr>
+          <p:cNvCxnSpPr>
+            <a:cxnSpLocks/>
+            <a:stCxn id="35" idx="6"/>
+          </p:cNvCxnSpPr>
+          <p:nvPr/>
+        </p:nvCxnSpPr>
+        <p:spPr>
+          <a:xfrm flipH="1">
+            <a:off x="3928222" y="3432713"/>
+            <a:ext cx="778434" cy="0"/>
+          </a:xfrm>
+          <a:prstGeom prst="line">
+            <a:avLst/>
+          </a:prstGeom>
+          <a:noFill/>
+          <a:ln w="28575">
+            <a:solidFill>
+              <a:schemeClr val="accent1">
+                <a:lumMod val="50000"/>
+              </a:schemeClr>
+            </a:solidFill>
+          </a:ln>
+        </p:spPr>
+        <p:style>
+          <a:lnRef idx="2">
+            <a:schemeClr val="accent1">
+              <a:shade val="15000"/>
+            </a:schemeClr>
+          </a:lnRef>
+          <a:fillRef idx="1">
+            <a:schemeClr val="accent1"/>
+          </a:fillRef>
+          <a:effectRef idx="0">
+            <a:schemeClr val="accent1"/>
+          </a:effectRef>
+          <a:fontRef idx="minor">
+            <a:schemeClr val="lt1"/>
+          </a:fontRef>
+        </p:style>
+      </p:cxnSp>
+      <p:sp>
+        <p:nvSpPr>
+          <p:cNvPr id="42" name="Rectangle 41">
+            <a:extLst>
+              <a:ext uri="{FF2B5EF4-FFF2-40B4-BE49-F238E27FC236}">
+                <a16:creationId xmlns:a16="http://schemas.microsoft.com/office/drawing/2014/main" id="{BC1F706C-6875-554B-6D5D-2460F1252A44}"/>
+              </a:ext>
+            </a:extLst>
+          </p:cNvPr>
+          <p:cNvSpPr/>
+          <p:nvPr/>
+        </p:nvSpPr>
+        <p:spPr>
+          <a:xfrm>
+            <a:off x="4253550" y="3142441"/>
+            <a:ext cx="119479" cy="576000"/>
+          </a:xfrm>
+          <a:prstGeom prst="rect">
+            <a:avLst/>
+          </a:prstGeom>
+          <a:solidFill>
+            <a:schemeClr val="bg1"/>
+          </a:solidFill>
+          <a:ln w="28575">
+            <a:solidFill>
+              <a:schemeClr val="accent1">
+                <a:lumMod val="50000"/>
+              </a:schemeClr>
+            </a:solidFill>
+          </a:ln>
+        </p:spPr>
+        <p:style>
+          <a:lnRef idx="2">
+            <a:schemeClr val="accent1">
+              <a:shade val="15000"/>
+            </a:schemeClr>
+          </a:lnRef>
+          <a:fillRef idx="1">
+            <a:schemeClr val="accent1"/>
+          </a:fillRef>
+          <a:effectRef idx="0">
+            <a:schemeClr val="accent1"/>
+          </a:effectRef>
+          <a:fontRef idx="minor">
+            <a:schemeClr val="lt1"/>
+          </a:fontRef>
+        </p:style>
+        <p:txBody>
+          <a:bodyPr rtlCol="0" anchor="ctr"/>
+          <a:lstStyle/>
+          <a:p>
+            <a:pPr algn="ctr"/>
+            <a:endParaRPr lang="fr-FR"/>
+          </a:p>
+        </p:txBody>
+      </p:sp>
+      <p:sp>
+        <p:nvSpPr>
+          <p:cNvPr id="43" name="Rectangle 42">
+            <a:extLst>
+              <a:ext uri="{FF2B5EF4-FFF2-40B4-BE49-F238E27FC236}">
+                <a16:creationId xmlns:a16="http://schemas.microsoft.com/office/drawing/2014/main" id="{733B473D-2E7C-C3B0-08A5-2A9B631B59C0}"/>
+              </a:ext>
+            </a:extLst>
+          </p:cNvPr>
+          <p:cNvSpPr/>
+          <p:nvPr/>
+        </p:nvSpPr>
+        <p:spPr>
+          <a:xfrm>
+            <a:off x="4257639" y="3138723"/>
+            <a:ext cx="108000" cy="108000"/>
+          </a:xfrm>
+          <a:prstGeom prst="rect">
+            <a:avLst/>
+          </a:prstGeom>
+          <a:solidFill>
+            <a:schemeClr val="accent1">
+              <a:lumMod val="50000"/>
+            </a:schemeClr>
+          </a:solidFill>
+          <a:ln w="28575">
+            <a:noFill/>
+          </a:ln>
+        </p:spPr>
+        <p:style>
+          <a:lnRef idx="2">
+            <a:schemeClr val="accent1">
+              <a:shade val="15000"/>
+            </a:schemeClr>
+          </a:lnRef>
+          <a:fillRef idx="1">
+            <a:schemeClr val="accent1"/>
+          </a:fillRef>
+          <a:effectRef idx="0">
+            <a:schemeClr val="accent1"/>
+          </a:effectRef>
+          <a:fontRef idx="minor">
+            <a:schemeClr val="lt1"/>
+          </a:fontRef>
+        </p:style>
+        <p:txBody>
+          <a:bodyPr rtlCol="0" anchor="ctr"/>
+          <a:lstStyle/>
+          <a:p>
+            <a:pPr algn="ctr"/>
+            <a:endParaRPr lang="fr-FR"/>
+          </a:p>
+        </p:txBody>
+      </p:sp>
+      <p:sp>
+        <p:nvSpPr>
+          <p:cNvPr id="44" name="Rectangle 43">
+            <a:extLst>
+              <a:ext uri="{FF2B5EF4-FFF2-40B4-BE49-F238E27FC236}">
+                <a16:creationId xmlns:a16="http://schemas.microsoft.com/office/drawing/2014/main" id="{CAFF02C9-5224-61EF-1F9D-433BD8244C4A}"/>
+              </a:ext>
+            </a:extLst>
+          </p:cNvPr>
+          <p:cNvSpPr/>
+          <p:nvPr/>
+        </p:nvSpPr>
+        <p:spPr>
+          <a:xfrm>
+            <a:off x="4257639" y="3370484"/>
+            <a:ext cx="108000" cy="108000"/>
+          </a:xfrm>
+          <a:prstGeom prst="rect">
+            <a:avLst/>
+          </a:prstGeom>
+          <a:solidFill>
+            <a:schemeClr val="accent1">
+              <a:lumMod val="50000"/>
+            </a:schemeClr>
+          </a:solidFill>
+          <a:ln w="28575">
+            <a:noFill/>
+          </a:ln>
+        </p:spPr>
+        <p:style>
+          <a:lnRef idx="2">
+            <a:schemeClr val="accent1">
+              <a:shade val="15000"/>
+            </a:schemeClr>
+          </a:lnRef>
+          <a:fillRef idx="1">
+            <a:schemeClr val="accent1"/>
+          </a:fillRef>
+          <a:effectRef idx="0">
+            <a:schemeClr val="accent1"/>
+          </a:effectRef>
+          <a:fontRef idx="minor">
+            <a:schemeClr val="lt1"/>
+          </a:fontRef>
+        </p:style>
+        <p:txBody>
+          <a:bodyPr rtlCol="0" anchor="ctr"/>
+          <a:lstStyle/>
+          <a:p>
+            <a:pPr algn="ctr"/>
+            <a:endParaRPr lang="fr-FR"/>
+          </a:p>
+        </p:txBody>
+      </p:sp>
+      <p:sp>
+        <p:nvSpPr>
+          <p:cNvPr id="45" name="Rectangle 44">
+            <a:extLst>
+              <a:ext uri="{FF2B5EF4-FFF2-40B4-BE49-F238E27FC236}">
+                <a16:creationId xmlns:a16="http://schemas.microsoft.com/office/drawing/2014/main" id="{A1D318FA-1F54-B9C4-8615-5B0107504BDC}"/>
+              </a:ext>
+            </a:extLst>
+          </p:cNvPr>
+          <p:cNvSpPr/>
+          <p:nvPr/>
+        </p:nvSpPr>
+        <p:spPr>
+          <a:xfrm>
+            <a:off x="4257639" y="3602246"/>
+            <a:ext cx="108000" cy="108000"/>
+          </a:xfrm>
+          <a:prstGeom prst="rect">
+            <a:avLst/>
+          </a:prstGeom>
+          <a:solidFill>
+            <a:schemeClr val="accent1">
+              <a:lumMod val="50000"/>
+            </a:schemeClr>
+          </a:solidFill>
+          <a:ln w="28575">
+            <a:noFill/>
+          </a:ln>
+        </p:spPr>
+        <p:style>
+          <a:lnRef idx="2">
+            <a:schemeClr val="accent1">
+              <a:shade val="15000"/>
+            </a:schemeClr>
+          </a:lnRef>
+          <a:fillRef idx="1">
+            <a:schemeClr val="accent1"/>
+          </a:fillRef>
+          <a:effectRef idx="0">
+            <a:schemeClr val="accent1"/>
+          </a:effectRef>
+          <a:fontRef idx="minor">
+            <a:schemeClr val="lt1"/>
+          </a:fontRef>
+        </p:style>
+        <p:txBody>
+          <a:bodyPr rtlCol="0" anchor="ctr"/>
+          <a:lstStyle/>
+          <a:p>
+            <a:pPr algn="ctr"/>
+            <a:endParaRPr lang="fr-FR"/>
+          </a:p>
+        </p:txBody>
+      </p:sp>
+      <p:sp>
+        <p:nvSpPr>
+          <p:cNvPr id="48" name="Rectangle 47">
+            <a:extLst>
+              <a:ext uri="{FF2B5EF4-FFF2-40B4-BE49-F238E27FC236}">
+                <a16:creationId xmlns:a16="http://schemas.microsoft.com/office/drawing/2014/main" id="{80613934-390D-6420-2984-70052A04679D}"/>
+              </a:ext>
+            </a:extLst>
+          </p:cNvPr>
+          <p:cNvSpPr/>
+          <p:nvPr/>
+        </p:nvSpPr>
+        <p:spPr>
+          <a:xfrm>
+            <a:off x="1778000" y="2545081"/>
+            <a:ext cx="2196150" cy="1777997"/>
+          </a:xfrm>
+          <a:prstGeom prst="rect">
+            <a:avLst/>
+          </a:prstGeom>
+          <a:noFill/>
+          <a:ln>
+            <a:solidFill>
+              <a:srgbClr val="C00000"/>
+            </a:solidFill>
+            <a:prstDash val="dash"/>
+          </a:ln>
+        </p:spPr>
+        <p:style>
+          <a:lnRef idx="2">
+            <a:schemeClr val="accent1">
+              <a:shade val="15000"/>
+            </a:schemeClr>
+          </a:lnRef>
+          <a:fillRef idx="1">
+            <a:schemeClr val="accent1"/>
+          </a:fillRef>
+          <a:effectRef idx="0">
+            <a:schemeClr val="accent1"/>
+          </a:effectRef>
+          <a:fontRef idx="minor">
+            <a:schemeClr val="lt1"/>
+          </a:fontRef>
+        </p:style>
+        <p:txBody>
+          <a:bodyPr rtlCol="0" anchor="ctr"/>
+          <a:lstStyle/>
+          <a:p>
+            <a:pPr algn="ctr"/>
+            <a:endParaRPr lang="fr-FR"/>
+          </a:p>
+        </p:txBody>
+      </p:sp>
+      <p:sp>
+        <p:nvSpPr>
+          <p:cNvPr id="49" name="Rectangle 48">
+            <a:extLst>
+              <a:ext uri="{FF2B5EF4-FFF2-40B4-BE49-F238E27FC236}">
+                <a16:creationId xmlns:a16="http://schemas.microsoft.com/office/drawing/2014/main" id="{F49BBEB0-D7CC-F8C6-43D8-FD876090CB45}"/>
+              </a:ext>
+            </a:extLst>
+          </p:cNvPr>
+          <p:cNvSpPr/>
+          <p:nvPr/>
+        </p:nvSpPr>
+        <p:spPr>
+          <a:xfrm>
+            <a:off x="4620237" y="2543714"/>
+            <a:ext cx="1475763" cy="1777997"/>
+          </a:xfrm>
+          <a:prstGeom prst="rect">
+            <a:avLst/>
+          </a:prstGeom>
+          <a:noFill/>
+          <a:ln>
+            <a:solidFill>
+              <a:srgbClr val="00B050"/>
+            </a:solidFill>
+            <a:prstDash val="dash"/>
+          </a:ln>
+        </p:spPr>
+        <p:style>
+          <a:lnRef idx="2">
+            <a:schemeClr val="accent1">
+              <a:shade val="15000"/>
+            </a:schemeClr>
+          </a:lnRef>
+          <a:fillRef idx="1">
+            <a:schemeClr val="accent1"/>
+          </a:fillRef>
+          <a:effectRef idx="0">
+            <a:schemeClr val="accent1"/>
+          </a:effectRef>
+          <a:fontRef idx="minor">
+            <a:schemeClr val="lt1"/>
+          </a:fontRef>
+        </p:style>
+        <p:txBody>
+          <a:bodyPr rtlCol="0" anchor="ctr"/>
+          <a:lstStyle/>
+          <a:p>
+            <a:pPr algn="ctr"/>
+            <a:endParaRPr lang="fr-FR"/>
+          </a:p>
+        </p:txBody>
+      </p:sp>
+      <p:sp>
+        <p:nvSpPr>
+          <p:cNvPr id="52" name="ZoneTexte 51">
+            <a:extLst>
+              <a:ext uri="{FF2B5EF4-FFF2-40B4-BE49-F238E27FC236}">
+                <a16:creationId xmlns:a16="http://schemas.microsoft.com/office/drawing/2014/main" id="{5A5BBFB2-5771-044C-18E2-3C71B9719283}"/>
+              </a:ext>
+            </a:extLst>
+          </p:cNvPr>
+          <p:cNvSpPr txBox="1"/>
+          <p:nvPr/>
+        </p:nvSpPr>
+        <p:spPr>
+          <a:xfrm>
+            <a:off x="5712743" y="3303138"/>
+            <a:ext cx="139462" cy="276999"/>
+          </a:xfrm>
+          <a:prstGeom prst="rect">
+            <a:avLst/>
+          </a:prstGeom>
+          <a:noFill/>
+        </p:spPr>
+        <p:txBody>
+          <a:bodyPr wrap="none" lIns="0" tIns="0" rIns="0" bIns="0" rtlCol="0">
+            <a:spAutoFit/>
+          </a:bodyPr>
+          <a:lstStyle/>
+          <a:p>
+            <a:r>
+              <a:rPr lang="fr-FR" b="1" dirty="0">
+                <a:solidFill>
+                  <a:srgbClr val="002060"/>
+                </a:solidFill>
+              </a:rPr>
+              <a:t>A</a:t>
+            </a:r>
+          </a:p>
+        </p:txBody>
+      </p:sp>
+      <p:sp>
+        <p:nvSpPr>
+          <p:cNvPr id="53" name="ZoneTexte 52">
+            <a:extLst>
+              <a:ext uri="{FF2B5EF4-FFF2-40B4-BE49-F238E27FC236}">
+                <a16:creationId xmlns:a16="http://schemas.microsoft.com/office/drawing/2014/main" id="{844919D9-D64F-21B0-CA3F-2E6FE96F82DA}"/>
+              </a:ext>
+            </a:extLst>
+          </p:cNvPr>
+          <p:cNvSpPr txBox="1"/>
+          <p:nvPr/>
+        </p:nvSpPr>
+        <p:spPr>
+          <a:xfrm>
+            <a:off x="1773533" y="2174632"/>
+            <a:ext cx="2200617" cy="369332"/>
+          </a:xfrm>
+          <a:prstGeom prst="rect">
+            <a:avLst/>
+          </a:prstGeom>
+          <a:noFill/>
+        </p:spPr>
+        <p:txBody>
+          <a:bodyPr wrap="square" rtlCol="0">
+            <a:spAutoFit/>
+          </a:bodyPr>
+          <a:lstStyle/>
+          <a:p>
+            <a:pPr algn="ctr"/>
+            <a:r>
+              <a:rPr lang="fr-FR" dirty="0"/>
+              <a:t>Moteur</a:t>
+            </a:r>
+          </a:p>
+        </p:txBody>
+      </p:sp>
+      <p:sp>
+        <p:nvSpPr>
+          <p:cNvPr id="54" name="ZoneTexte 53">
+            <a:extLst>
+              <a:ext uri="{FF2B5EF4-FFF2-40B4-BE49-F238E27FC236}">
+                <a16:creationId xmlns:a16="http://schemas.microsoft.com/office/drawing/2014/main" id="{AD4E7DA8-860C-FB83-595D-E912DE2837E5}"/>
+              </a:ext>
+            </a:extLst>
+          </p:cNvPr>
+          <p:cNvSpPr txBox="1"/>
+          <p:nvPr/>
+        </p:nvSpPr>
+        <p:spPr>
+          <a:xfrm>
+            <a:off x="4615770" y="2181445"/>
+            <a:ext cx="1475763" cy="369332"/>
+          </a:xfrm>
+          <a:prstGeom prst="rect">
+            <a:avLst/>
+          </a:prstGeom>
+          <a:noFill/>
+        </p:spPr>
+        <p:txBody>
+          <a:bodyPr wrap="square" rtlCol="0">
+            <a:spAutoFit/>
+          </a:bodyPr>
+          <a:lstStyle/>
+          <a:p>
+            <a:pPr algn="ctr"/>
+            <a:r>
+              <a:rPr lang="fr-FR" dirty="0"/>
+              <a:t>Générateur</a:t>
+            </a:r>
+          </a:p>
+        </p:txBody>
+      </p:sp>
+      <p:sp>
+        <p:nvSpPr>
+          <p:cNvPr id="55" name="ZoneTexte 54">
+            <a:extLst>
+              <a:ext uri="{FF2B5EF4-FFF2-40B4-BE49-F238E27FC236}">
+                <a16:creationId xmlns:a16="http://schemas.microsoft.com/office/drawing/2014/main" id="{F9A555FF-6173-6598-9891-B2D8A37E9892}"/>
+              </a:ext>
+            </a:extLst>
+          </p:cNvPr>
+          <p:cNvSpPr txBox="1"/>
+          <p:nvPr/>
+        </p:nvSpPr>
+        <p:spPr>
+          <a:xfrm rot="16200000">
+            <a:off x="3762775" y="2607314"/>
+            <a:ext cx="1025970" cy="461665"/>
+          </a:xfrm>
+          <a:prstGeom prst="rect">
+            <a:avLst/>
+          </a:prstGeom>
+          <a:noFill/>
+        </p:spPr>
+        <p:txBody>
+          <a:bodyPr wrap="square" rtlCol="0">
+            <a:spAutoFit/>
+          </a:bodyPr>
+          <a:lstStyle/>
+          <a:p>
+            <a:pPr algn="ctr"/>
+            <a:r>
+              <a:rPr lang="fr-FR" sz="1200" dirty="0"/>
+              <a:t>Mesure vitesse</a:t>
+            </a:r>
+          </a:p>
+        </p:txBody>
+      </p:sp>
+      <p:sp>
+        <p:nvSpPr>
+          <p:cNvPr id="2" name="ZoneTexte 1">
+            <a:extLst>
+              <a:ext uri="{FF2B5EF4-FFF2-40B4-BE49-F238E27FC236}">
+                <a16:creationId xmlns:a16="http://schemas.microsoft.com/office/drawing/2014/main" id="{8D3F0123-B2C6-D0D6-B750-48B9E4EC2D96}"/>
+              </a:ext>
+            </a:extLst>
+          </p:cNvPr>
+          <p:cNvSpPr txBox="1"/>
+          <p:nvPr/>
+        </p:nvSpPr>
+        <p:spPr>
+          <a:xfrm>
+            <a:off x="4615770" y="165492"/>
+            <a:ext cx="3627087" cy="923330"/>
+          </a:xfrm>
+          <a:prstGeom prst="rect">
+            <a:avLst/>
+          </a:prstGeom>
+          <a:noFill/>
+        </p:spPr>
+        <p:txBody>
+          <a:bodyPr wrap="square" rtlCol="0">
+            <a:spAutoFit/>
+          </a:bodyPr>
+          <a:lstStyle/>
+          <a:p>
+            <a:r>
+              <a:rPr lang="fr-FR" dirty="0"/>
+              <a:t>NDLR </a:t>
+            </a:r>
+          </a:p>
+          <a:p>
+            <a:r>
+              <a:rPr lang="fr-FR" dirty="0"/>
+              <a:t>L’impédance de l’ampèremètre est petite  le moteur est en court circuit</a:t>
+            </a:r>
+          </a:p>
+        </p:txBody>
+      </p:sp>
+      <p:sp>
+        <p:nvSpPr>
+          <p:cNvPr id="3" name="ZoneTexte 2">
+            <a:extLst>
+              <a:ext uri="{FF2B5EF4-FFF2-40B4-BE49-F238E27FC236}">
+                <a16:creationId xmlns:a16="http://schemas.microsoft.com/office/drawing/2014/main" id="{0CBC4FFD-F176-F8D5-B9CF-21CDF6A881DD}"/>
+              </a:ext>
+            </a:extLst>
+          </p:cNvPr>
+          <p:cNvSpPr txBox="1"/>
+          <p:nvPr/>
+        </p:nvSpPr>
+        <p:spPr>
+          <a:xfrm>
+            <a:off x="4884851" y="3938741"/>
+            <a:ext cx="998549" cy="230832"/>
+          </a:xfrm>
+          <a:prstGeom prst="rect">
+            <a:avLst/>
+          </a:prstGeom>
+          <a:noFill/>
+        </p:spPr>
+        <p:txBody>
+          <a:bodyPr wrap="square" rtlCol="0">
+            <a:spAutoFit/>
+          </a:bodyPr>
+          <a:lstStyle/>
+          <a:p>
+            <a:pPr algn="ctr"/>
+            <a:r>
+              <a:rPr lang="fr-FR" sz="900" dirty="0"/>
+              <a:t>AMPEREMETRE</a:t>
+            </a:r>
+          </a:p>
+        </p:txBody>
+      </p:sp>
+      <p:pic>
+        <p:nvPicPr>
+          <p:cNvPr id="4" name="Image 3">
+            <a:extLst>
+              <a:ext uri="{FF2B5EF4-FFF2-40B4-BE49-F238E27FC236}">
+                <a16:creationId xmlns:a16="http://schemas.microsoft.com/office/drawing/2014/main" id="{8CC4690A-D3ED-A232-77F5-14990A932C7B}"/>
+              </a:ext>
+            </a:extLst>
+          </p:cNvPr>
+          <p:cNvPicPr>
+            <a:picLocks noChangeAspect="1"/>
+          </p:cNvPicPr>
+          <p:nvPr/>
+        </p:nvPicPr>
+        <p:blipFill>
+          <a:blip r:embed="rId6"/>
+          <a:stretch>
+            <a:fillRect/>
+          </a:stretch>
+        </p:blipFill>
+        <p:spPr>
+          <a:xfrm>
+            <a:off x="6412999" y="2693024"/>
+            <a:ext cx="1296837" cy="1458482"/>
+          </a:xfrm>
+          <a:prstGeom prst="rect">
+            <a:avLst/>
+          </a:prstGeom>
+        </p:spPr>
+      </p:pic>
+      <p:sp>
+        <p:nvSpPr>
+          <p:cNvPr id="5" name="ZoneTexte 4">
+            <a:extLst>
+              <a:ext uri="{FF2B5EF4-FFF2-40B4-BE49-F238E27FC236}">
+                <a16:creationId xmlns:a16="http://schemas.microsoft.com/office/drawing/2014/main" id="{8EBC7DA3-6376-12F1-5D01-918232AE1118}"/>
+              </a:ext>
+            </a:extLst>
+          </p:cNvPr>
+          <p:cNvSpPr txBox="1"/>
+          <p:nvPr/>
+        </p:nvSpPr>
+        <p:spPr>
+          <a:xfrm>
+            <a:off x="6333160" y="2414236"/>
+            <a:ext cx="1475763" cy="276999"/>
+          </a:xfrm>
+          <a:prstGeom prst="rect">
+            <a:avLst/>
+          </a:prstGeom>
+          <a:noFill/>
+        </p:spPr>
+        <p:txBody>
+          <a:bodyPr wrap="square" rtlCol="0">
+            <a:spAutoFit/>
+          </a:bodyPr>
+          <a:lstStyle/>
+          <a:p>
+            <a:pPr algn="ctr"/>
+            <a:r>
+              <a:rPr lang="fr-FR" sz="1200" dirty="0"/>
+              <a:t>Circuit </a:t>
+            </a:r>
+            <a:r>
+              <a:rPr lang="fr-FR" sz="1200" dirty="0" err="1"/>
+              <a:t>équ</a:t>
+            </a:r>
+            <a:r>
+              <a:rPr lang="fr-FR" sz="1200" dirty="0"/>
+              <a:t>.</a:t>
+            </a:r>
+          </a:p>
+        </p:txBody>
+      </p:sp>
+    </p:spTree>
+    <p:extLst>
+      <p:ext uri="{BB962C8B-B14F-4D97-AF65-F5344CB8AC3E}">
+        <p14:creationId xmlns:p14="http://schemas.microsoft.com/office/powerpoint/2010/main" val="1027966468"/>
       </p:ext>
     </p:extLst>
   </p:cSld>
